--- a/Presentation1.pptx
+++ b/Presentation1.pptx
@@ -4,26 +4,25 @@
   <p:sldMasterIdLst>
     <p:sldMasterId id="2147483648" r:id="rId1"/>
   </p:sldMasterIdLst>
-  <p:notesMasterIdLst>
-    <p:notesMasterId r:id="rId17"/>
-  </p:notesMasterIdLst>
   <p:sldIdLst>
-    <p:sldId id="256" r:id="rId4"/>
-    <p:sldId id="257" r:id="rId5"/>
-    <p:sldId id="258" r:id="rId6"/>
-    <p:sldId id="259" r:id="rId7"/>
-    <p:sldId id="260" r:id="rId8"/>
-    <p:sldId id="261" r:id="rId9"/>
-    <p:sldId id="262" r:id="rId10"/>
-    <p:sldId id="263" r:id="rId11"/>
-    <p:sldId id="264" r:id="rId12"/>
-    <p:sldId id="265" r:id="rId13"/>
-    <p:sldId id="266" r:id="rId14"/>
-    <p:sldId id="267" r:id="rId15"/>
-    <p:sldId id="268" r:id="rId16"/>
+    <p:sldId id="256" r:id="rId3"/>
+    <p:sldId id="257" r:id="rId4"/>
+    <p:sldId id="258" r:id="rId5"/>
+    <p:sldId id="259" r:id="rId6"/>
+    <p:sldId id="260" r:id="rId7"/>
+    <p:sldId id="261" r:id="rId8"/>
+    <p:sldId id="262" r:id="rId9"/>
+    <p:sldId id="263" r:id="rId10"/>
+    <p:sldId id="264" r:id="rId11"/>
+    <p:sldId id="265" r:id="rId12"/>
+    <p:sldId id="266" r:id="rId13"/>
+    <p:sldId id="267" r:id="rId14"/>
+    <p:sldId id="268" r:id="rId15"/>
+    <p:sldId id="269" r:id="rId16"/>
+    <p:sldId id="270" r:id="rId17"/>
   </p:sldIdLst>
   <p:sldSz cx="12192000" cy="6858000"/>
-  <p:notesSz cx="6858000" cy="9144000"/>
+  <p:notesSz cx="12192000" cy="6858000"/>
   <p:defaultTextStyle>
     <a:defPPr marR="0" lvl="0" algn="l">
       <a:lnSpc>
@@ -247,3122 +246,6 @@
 </p:presentation>
 </file>
 
-<file path=ppt/notesMasters/notesMaster1.xml><?xml version="1.0" encoding="utf-8"?>
-<p:notesMaster xmlns:a="http://schemas.openxmlformats.org/drawingml/2006/main" xmlns:r="http://schemas.openxmlformats.org/officeDocument/2006/relationships" xmlns:p="http://schemas.openxmlformats.org/presentationml/2006/main">
-  <p:cSld name="">
-    <p:bg>
-      <p:bgPr shadeToTitle="0">
-        <a:solidFill>
-          <a:schemeClr val="lt1"/>
-        </a:solidFill>
-      </p:bgPr>
-    </p:bg>
-    <p:spTree>
-      <p:nvGrpSpPr>
-        <p:cNvPr id="1" name=""/>
-        <p:cNvGrpSpPr/>
-        <p:nvPr/>
-      </p:nvGrpSpPr>
-      <p:grpSpPr bwMode="auto">
-        <a:xfrm>
-          <a:off x="0" y="0"/>
-          <a:ext cx="0" cy="0"/>
-          <a:chOff x="0" y="0"/>
-          <a:chExt cx="0" cy="0"/>
-        </a:xfrm>
-      </p:grpSpPr>
-      <p:sp>
-        <p:nvSpPr>
-          <p:cNvPr id="3" name="Google Shape;3;n"/>
-          <p:cNvSpPr txBox="1"/>
-          <p:nvPr>
-            <p:ph type="hdr" idx="2"/>
-          </p:nvPr>
-        </p:nvSpPr>
-        <p:spPr bwMode="auto">
-          <a:xfrm>
-            <a:off x="0" y="0"/>
-            <a:ext cx="2971800" cy="458788"/>
-          </a:xfrm>
-          <a:prstGeom prst="rect">
-            <a:avLst/>
-          </a:prstGeom>
-          <a:noFill/>
-          <a:ln>
-            <a:noFill/>
-          </a:ln>
-        </p:spPr>
-        <p:txBody>
-          <a:bodyPr spcFirstLastPara="1" wrap="square" lIns="91425" tIns="45700" rIns="91425" bIns="45700" anchor="t" anchorCtr="0">
-            <a:noAutofit/>
-          </a:bodyPr>
-          <a:lstStyle>
-            <a:lvl1pPr marR="0" lvl="0" algn="l">
-              <a:spcBef>
-                <a:spcPts val="0"/>
-              </a:spcBef>
-              <a:spcAft>
-                <a:spcPts val="0"/>
-              </a:spcAft>
-              <a:buSzPts val="1400"/>
-              <a:buNone/>
-              <a:defRPr sz="1200" b="0" i="0" u="none" strike="noStrike" cap="none">
-                <a:solidFill>
-                  <a:schemeClr val="dk1"/>
-                </a:solidFill>
-                <a:latin typeface="Arial"/>
-                <a:ea typeface="Arial"/>
-                <a:cs typeface="Arial"/>
-              </a:defRPr>
-            </a:lvl1pPr>
-            <a:lvl2pPr marR="0" lvl="1" algn="l">
-              <a:spcBef>
-                <a:spcPts val="0"/>
-              </a:spcBef>
-              <a:spcAft>
-                <a:spcPts val="0"/>
-              </a:spcAft>
-              <a:buSzPts val="1400"/>
-              <a:buNone/>
-              <a:defRPr sz="1800" b="0" i="0" u="none" strike="noStrike" cap="none">
-                <a:solidFill>
-                  <a:schemeClr val="dk1"/>
-                </a:solidFill>
-                <a:latin typeface="Arial"/>
-                <a:ea typeface="Arial"/>
-                <a:cs typeface="Arial"/>
-              </a:defRPr>
-            </a:lvl2pPr>
-            <a:lvl3pPr marR="0" lvl="2" algn="l">
-              <a:spcBef>
-                <a:spcPts val="0"/>
-              </a:spcBef>
-              <a:spcAft>
-                <a:spcPts val="0"/>
-              </a:spcAft>
-              <a:buSzPts val="1400"/>
-              <a:buNone/>
-              <a:defRPr sz="1800" b="0" i="0" u="none" strike="noStrike" cap="none">
-                <a:solidFill>
-                  <a:schemeClr val="dk1"/>
-                </a:solidFill>
-                <a:latin typeface="Arial"/>
-                <a:ea typeface="Arial"/>
-                <a:cs typeface="Arial"/>
-              </a:defRPr>
-            </a:lvl3pPr>
-            <a:lvl4pPr marR="0" lvl="3" algn="l">
-              <a:spcBef>
-                <a:spcPts val="0"/>
-              </a:spcBef>
-              <a:spcAft>
-                <a:spcPts val="0"/>
-              </a:spcAft>
-              <a:buSzPts val="1400"/>
-              <a:buNone/>
-              <a:defRPr sz="1800" b="0" i="0" u="none" strike="noStrike" cap="none">
-                <a:solidFill>
-                  <a:schemeClr val="dk1"/>
-                </a:solidFill>
-                <a:latin typeface="Arial"/>
-                <a:ea typeface="Arial"/>
-                <a:cs typeface="Arial"/>
-              </a:defRPr>
-            </a:lvl4pPr>
-            <a:lvl5pPr marR="0" lvl="4" algn="l">
-              <a:spcBef>
-                <a:spcPts val="0"/>
-              </a:spcBef>
-              <a:spcAft>
-                <a:spcPts val="0"/>
-              </a:spcAft>
-              <a:buSzPts val="1400"/>
-              <a:buNone/>
-              <a:defRPr sz="1800" b="0" i="0" u="none" strike="noStrike" cap="none">
-                <a:solidFill>
-                  <a:schemeClr val="dk1"/>
-                </a:solidFill>
-                <a:latin typeface="Arial"/>
-                <a:ea typeface="Arial"/>
-                <a:cs typeface="Arial"/>
-              </a:defRPr>
-            </a:lvl5pPr>
-            <a:lvl6pPr marR="0" lvl="5" algn="l">
-              <a:spcBef>
-                <a:spcPts val="0"/>
-              </a:spcBef>
-              <a:spcAft>
-                <a:spcPts val="0"/>
-              </a:spcAft>
-              <a:buSzPts val="1400"/>
-              <a:buNone/>
-              <a:defRPr sz="1800" b="0" i="0" u="none" strike="noStrike" cap="none">
-                <a:solidFill>
-                  <a:schemeClr val="dk1"/>
-                </a:solidFill>
-                <a:latin typeface="Arial"/>
-                <a:ea typeface="Arial"/>
-                <a:cs typeface="Arial"/>
-              </a:defRPr>
-            </a:lvl6pPr>
-            <a:lvl7pPr marR="0" lvl="6" algn="l">
-              <a:spcBef>
-                <a:spcPts val="0"/>
-              </a:spcBef>
-              <a:spcAft>
-                <a:spcPts val="0"/>
-              </a:spcAft>
-              <a:buSzPts val="1400"/>
-              <a:buNone/>
-              <a:defRPr sz="1800" b="0" i="0" u="none" strike="noStrike" cap="none">
-                <a:solidFill>
-                  <a:schemeClr val="dk1"/>
-                </a:solidFill>
-                <a:latin typeface="Arial"/>
-                <a:ea typeface="Arial"/>
-                <a:cs typeface="Arial"/>
-              </a:defRPr>
-            </a:lvl7pPr>
-            <a:lvl8pPr marR="0" lvl="7" algn="l">
-              <a:spcBef>
-                <a:spcPts val="0"/>
-              </a:spcBef>
-              <a:spcAft>
-                <a:spcPts val="0"/>
-              </a:spcAft>
-              <a:buSzPts val="1400"/>
-              <a:buNone/>
-              <a:defRPr sz="1800" b="0" i="0" u="none" strike="noStrike" cap="none">
-                <a:solidFill>
-                  <a:schemeClr val="dk1"/>
-                </a:solidFill>
-                <a:latin typeface="Arial"/>
-                <a:ea typeface="Arial"/>
-                <a:cs typeface="Arial"/>
-              </a:defRPr>
-            </a:lvl8pPr>
-            <a:lvl9pPr marR="0" lvl="8" algn="l">
-              <a:spcBef>
-                <a:spcPts val="0"/>
-              </a:spcBef>
-              <a:spcAft>
-                <a:spcPts val="0"/>
-              </a:spcAft>
-              <a:buSzPts val="1400"/>
-              <a:buNone/>
-              <a:defRPr sz="1800" b="0" i="0" u="none" strike="noStrike" cap="none">
-                <a:solidFill>
-                  <a:schemeClr val="dk1"/>
-                </a:solidFill>
-                <a:latin typeface="Arial"/>
-                <a:ea typeface="Arial"/>
-                <a:cs typeface="Arial"/>
-              </a:defRPr>
-            </a:lvl9pPr>
-          </a:lstStyle>
-          <a:p>
-            <a:pPr>
-              <a:defRPr/>
-            </a:pPr>
-            <a:endParaRPr/>
-          </a:p>
-        </p:txBody>
-      </p:sp>
-      <p:sp>
-        <p:nvSpPr>
-          <p:cNvPr id="4" name="Google Shape;4;n"/>
-          <p:cNvSpPr txBox="1"/>
-          <p:nvPr>
-            <p:ph type="dt" idx="10"/>
-          </p:nvPr>
-        </p:nvSpPr>
-        <p:spPr bwMode="auto">
-          <a:xfrm>
-            <a:off x="3884613" y="0"/>
-            <a:ext cx="2971800" cy="458788"/>
-          </a:xfrm>
-          <a:prstGeom prst="rect">
-            <a:avLst/>
-          </a:prstGeom>
-          <a:noFill/>
-          <a:ln>
-            <a:noFill/>
-          </a:ln>
-        </p:spPr>
-        <p:txBody>
-          <a:bodyPr spcFirstLastPara="1" wrap="square" lIns="91425" tIns="45700" rIns="91425" bIns="45700" anchor="t" anchorCtr="0">
-            <a:noAutofit/>
-          </a:bodyPr>
-          <a:lstStyle>
-            <a:lvl1pPr marR="0" lvl="0" algn="r">
-              <a:spcBef>
-                <a:spcPts val="0"/>
-              </a:spcBef>
-              <a:spcAft>
-                <a:spcPts val="0"/>
-              </a:spcAft>
-              <a:buSzPts val="1400"/>
-              <a:buNone/>
-              <a:defRPr sz="1200" b="0" i="0" u="none" strike="noStrike" cap="none">
-                <a:solidFill>
-                  <a:schemeClr val="dk1"/>
-                </a:solidFill>
-                <a:latin typeface="Arial"/>
-                <a:ea typeface="Arial"/>
-                <a:cs typeface="Arial"/>
-              </a:defRPr>
-            </a:lvl1pPr>
-            <a:lvl2pPr marR="0" lvl="1" algn="l">
-              <a:spcBef>
-                <a:spcPts val="0"/>
-              </a:spcBef>
-              <a:spcAft>
-                <a:spcPts val="0"/>
-              </a:spcAft>
-              <a:buSzPts val="1400"/>
-              <a:buNone/>
-              <a:defRPr sz="1800" b="0" i="0" u="none" strike="noStrike" cap="none">
-                <a:solidFill>
-                  <a:schemeClr val="dk1"/>
-                </a:solidFill>
-                <a:latin typeface="Arial"/>
-                <a:ea typeface="Arial"/>
-                <a:cs typeface="Arial"/>
-              </a:defRPr>
-            </a:lvl2pPr>
-            <a:lvl3pPr marR="0" lvl="2" algn="l">
-              <a:spcBef>
-                <a:spcPts val="0"/>
-              </a:spcBef>
-              <a:spcAft>
-                <a:spcPts val="0"/>
-              </a:spcAft>
-              <a:buSzPts val="1400"/>
-              <a:buNone/>
-              <a:defRPr sz="1800" b="0" i="0" u="none" strike="noStrike" cap="none">
-                <a:solidFill>
-                  <a:schemeClr val="dk1"/>
-                </a:solidFill>
-                <a:latin typeface="Arial"/>
-                <a:ea typeface="Arial"/>
-                <a:cs typeface="Arial"/>
-              </a:defRPr>
-            </a:lvl3pPr>
-            <a:lvl4pPr marR="0" lvl="3" algn="l">
-              <a:spcBef>
-                <a:spcPts val="0"/>
-              </a:spcBef>
-              <a:spcAft>
-                <a:spcPts val="0"/>
-              </a:spcAft>
-              <a:buSzPts val="1400"/>
-              <a:buNone/>
-              <a:defRPr sz="1800" b="0" i="0" u="none" strike="noStrike" cap="none">
-                <a:solidFill>
-                  <a:schemeClr val="dk1"/>
-                </a:solidFill>
-                <a:latin typeface="Arial"/>
-                <a:ea typeface="Arial"/>
-                <a:cs typeface="Arial"/>
-              </a:defRPr>
-            </a:lvl4pPr>
-            <a:lvl5pPr marR="0" lvl="4" algn="l">
-              <a:spcBef>
-                <a:spcPts val="0"/>
-              </a:spcBef>
-              <a:spcAft>
-                <a:spcPts val="0"/>
-              </a:spcAft>
-              <a:buSzPts val="1400"/>
-              <a:buNone/>
-              <a:defRPr sz="1800" b="0" i="0" u="none" strike="noStrike" cap="none">
-                <a:solidFill>
-                  <a:schemeClr val="dk1"/>
-                </a:solidFill>
-                <a:latin typeface="Arial"/>
-                <a:ea typeface="Arial"/>
-                <a:cs typeface="Arial"/>
-              </a:defRPr>
-            </a:lvl5pPr>
-            <a:lvl6pPr marR="0" lvl="5" algn="l">
-              <a:spcBef>
-                <a:spcPts val="0"/>
-              </a:spcBef>
-              <a:spcAft>
-                <a:spcPts val="0"/>
-              </a:spcAft>
-              <a:buSzPts val="1400"/>
-              <a:buNone/>
-              <a:defRPr sz="1800" b="0" i="0" u="none" strike="noStrike" cap="none">
-                <a:solidFill>
-                  <a:schemeClr val="dk1"/>
-                </a:solidFill>
-                <a:latin typeface="Arial"/>
-                <a:ea typeface="Arial"/>
-                <a:cs typeface="Arial"/>
-              </a:defRPr>
-            </a:lvl6pPr>
-            <a:lvl7pPr marR="0" lvl="6" algn="l">
-              <a:spcBef>
-                <a:spcPts val="0"/>
-              </a:spcBef>
-              <a:spcAft>
-                <a:spcPts val="0"/>
-              </a:spcAft>
-              <a:buSzPts val="1400"/>
-              <a:buNone/>
-              <a:defRPr sz="1800" b="0" i="0" u="none" strike="noStrike" cap="none">
-                <a:solidFill>
-                  <a:schemeClr val="dk1"/>
-                </a:solidFill>
-                <a:latin typeface="Arial"/>
-                <a:ea typeface="Arial"/>
-                <a:cs typeface="Arial"/>
-              </a:defRPr>
-            </a:lvl7pPr>
-            <a:lvl8pPr marR="0" lvl="7" algn="l">
-              <a:spcBef>
-                <a:spcPts val="0"/>
-              </a:spcBef>
-              <a:spcAft>
-                <a:spcPts val="0"/>
-              </a:spcAft>
-              <a:buSzPts val="1400"/>
-              <a:buNone/>
-              <a:defRPr sz="1800" b="0" i="0" u="none" strike="noStrike" cap="none">
-                <a:solidFill>
-                  <a:schemeClr val="dk1"/>
-                </a:solidFill>
-                <a:latin typeface="Arial"/>
-                <a:ea typeface="Arial"/>
-                <a:cs typeface="Arial"/>
-              </a:defRPr>
-            </a:lvl8pPr>
-            <a:lvl9pPr marR="0" lvl="8" algn="l">
-              <a:spcBef>
-                <a:spcPts val="0"/>
-              </a:spcBef>
-              <a:spcAft>
-                <a:spcPts val="0"/>
-              </a:spcAft>
-              <a:buSzPts val="1400"/>
-              <a:buNone/>
-              <a:defRPr sz="1800" b="0" i="0" u="none" strike="noStrike" cap="none">
-                <a:solidFill>
-                  <a:schemeClr val="dk1"/>
-                </a:solidFill>
-                <a:latin typeface="Arial"/>
-                <a:ea typeface="Arial"/>
-                <a:cs typeface="Arial"/>
-              </a:defRPr>
-            </a:lvl9pPr>
-          </a:lstStyle>
-          <a:p>
-            <a:pPr>
-              <a:defRPr/>
-            </a:pPr>
-            <a:endParaRPr/>
-          </a:p>
-        </p:txBody>
-      </p:sp>
-      <p:sp>
-        <p:nvSpPr>
-          <p:cNvPr id="5" name="Google Shape;5;n"/>
-          <p:cNvSpPr/>
-          <p:nvPr>
-            <p:ph type="sldImg" idx="3"/>
-          </p:nvPr>
-        </p:nvSpPr>
-        <p:spPr bwMode="auto">
-          <a:xfrm>
-            <a:off x="685800" y="1143000"/>
-            <a:ext cx="5486400" cy="3086100"/>
-          </a:xfrm>
-          <a:custGeom>
-            <a:avLst/>
-            <a:gdLst/>
-            <a:ahLst/>
-            <a:cxnLst/>
-            <a:rect l="l" t="t" r="r" b="b"/>
-            <a:pathLst>
-              <a:path w="120000" h="120000" fill="norm" stroke="1" extrusionOk="0">
-                <a:moveTo>
-                  <a:pt x="0" y="0"/>
-                </a:moveTo>
-                <a:lnTo>
-                  <a:pt x="120000" y="0"/>
-                </a:lnTo>
-                <a:lnTo>
-                  <a:pt x="120000" y="120000"/>
-                </a:lnTo>
-                <a:lnTo>
-                  <a:pt x="0" y="120000"/>
-                </a:lnTo>
-                <a:close/>
-              </a:path>
-            </a:pathLst>
-          </a:custGeom>
-          <a:noFill/>
-          <a:ln w="12700" cap="flat" cmpd="sng">
-            <a:solidFill>
-              <a:srgbClr val="000000"/>
-            </a:solidFill>
-            <a:prstDash val="solid"/>
-            <a:round/>
-            <a:headEnd type="none" w="sm" len="sm"/>
-            <a:tailEnd type="none" w="sm" len="sm"/>
-          </a:ln>
-        </p:spPr>
-      </p:sp>
-      <p:sp>
-        <p:nvSpPr>
-          <p:cNvPr id="6" name="Google Shape;6;n"/>
-          <p:cNvSpPr txBox="1"/>
-          <p:nvPr>
-            <p:ph type="body" idx="1"/>
-          </p:nvPr>
-        </p:nvSpPr>
-        <p:spPr bwMode="auto">
-          <a:xfrm>
-            <a:off x="685800" y="4400550"/>
-            <a:ext cx="5486400" cy="3600450"/>
-          </a:xfrm>
-          <a:prstGeom prst="rect">
-            <a:avLst/>
-          </a:prstGeom>
-          <a:noFill/>
-          <a:ln>
-            <a:noFill/>
-          </a:ln>
-        </p:spPr>
-        <p:txBody>
-          <a:bodyPr spcFirstLastPara="1" wrap="square" lIns="91425" tIns="45700" rIns="91425" bIns="45700" anchor="t" anchorCtr="0">
-            <a:noAutofit/>
-          </a:bodyPr>
-          <a:lstStyle>
-            <a:lvl1pPr marL="457200" marR="0" lvl="0" indent="-228600" algn="l">
-              <a:spcBef>
-                <a:spcPts val="0"/>
-              </a:spcBef>
-              <a:spcAft>
-                <a:spcPts val="0"/>
-              </a:spcAft>
-              <a:buSzPts val="1400"/>
-              <a:buNone/>
-              <a:defRPr sz="1200" b="0" i="0" u="none" strike="noStrike" cap="none">
-                <a:solidFill>
-                  <a:schemeClr val="dk1"/>
-                </a:solidFill>
-                <a:latin typeface="Arial"/>
-                <a:ea typeface="Arial"/>
-                <a:cs typeface="Arial"/>
-              </a:defRPr>
-            </a:lvl1pPr>
-            <a:lvl2pPr marL="914400" marR="0" lvl="1" indent="-228600" algn="l">
-              <a:spcBef>
-                <a:spcPts val="0"/>
-              </a:spcBef>
-              <a:spcAft>
-                <a:spcPts val="0"/>
-              </a:spcAft>
-              <a:buSzPts val="1400"/>
-              <a:buNone/>
-              <a:defRPr sz="1200" b="0" i="0" u="none" strike="noStrike" cap="none">
-                <a:solidFill>
-                  <a:schemeClr val="dk1"/>
-                </a:solidFill>
-                <a:latin typeface="Arial"/>
-                <a:ea typeface="Arial"/>
-                <a:cs typeface="Arial"/>
-              </a:defRPr>
-            </a:lvl2pPr>
-            <a:lvl3pPr marL="1371600" marR="0" lvl="2" indent="-228600" algn="l">
-              <a:spcBef>
-                <a:spcPts val="0"/>
-              </a:spcBef>
-              <a:spcAft>
-                <a:spcPts val="0"/>
-              </a:spcAft>
-              <a:buSzPts val="1400"/>
-              <a:buNone/>
-              <a:defRPr sz="1200" b="0" i="0" u="none" strike="noStrike" cap="none">
-                <a:solidFill>
-                  <a:schemeClr val="dk1"/>
-                </a:solidFill>
-                <a:latin typeface="Arial"/>
-                <a:ea typeface="Arial"/>
-                <a:cs typeface="Arial"/>
-              </a:defRPr>
-            </a:lvl3pPr>
-            <a:lvl4pPr marL="1828800" marR="0" lvl="3" indent="-228600" algn="l">
-              <a:spcBef>
-                <a:spcPts val="0"/>
-              </a:spcBef>
-              <a:spcAft>
-                <a:spcPts val="0"/>
-              </a:spcAft>
-              <a:buSzPts val="1400"/>
-              <a:buNone/>
-              <a:defRPr sz="1200" b="0" i="0" u="none" strike="noStrike" cap="none">
-                <a:solidFill>
-                  <a:schemeClr val="dk1"/>
-                </a:solidFill>
-                <a:latin typeface="Arial"/>
-                <a:ea typeface="Arial"/>
-                <a:cs typeface="Arial"/>
-              </a:defRPr>
-            </a:lvl4pPr>
-            <a:lvl5pPr marL="2286000" marR="0" lvl="4" indent="-228600" algn="l">
-              <a:spcBef>
-                <a:spcPts val="0"/>
-              </a:spcBef>
-              <a:spcAft>
-                <a:spcPts val="0"/>
-              </a:spcAft>
-              <a:buSzPts val="1400"/>
-              <a:buNone/>
-              <a:defRPr sz="1200" b="0" i="0" u="none" strike="noStrike" cap="none">
-                <a:solidFill>
-                  <a:schemeClr val="dk1"/>
-                </a:solidFill>
-                <a:latin typeface="Arial"/>
-                <a:ea typeface="Arial"/>
-                <a:cs typeface="Arial"/>
-              </a:defRPr>
-            </a:lvl5pPr>
-            <a:lvl6pPr marL="2743200" marR="0" lvl="5" indent="-228600" algn="l">
-              <a:spcBef>
-                <a:spcPts val="0"/>
-              </a:spcBef>
-              <a:spcAft>
-                <a:spcPts val="0"/>
-              </a:spcAft>
-              <a:buSzPts val="1400"/>
-              <a:buNone/>
-              <a:defRPr sz="1200" b="0" i="0" u="none" strike="noStrike" cap="none">
-                <a:solidFill>
-                  <a:schemeClr val="dk1"/>
-                </a:solidFill>
-                <a:latin typeface="Arial"/>
-                <a:ea typeface="Arial"/>
-                <a:cs typeface="Arial"/>
-              </a:defRPr>
-            </a:lvl6pPr>
-            <a:lvl7pPr marL="3200400" marR="0" lvl="6" indent="-228600" algn="l">
-              <a:spcBef>
-                <a:spcPts val="0"/>
-              </a:spcBef>
-              <a:spcAft>
-                <a:spcPts val="0"/>
-              </a:spcAft>
-              <a:buSzPts val="1400"/>
-              <a:buNone/>
-              <a:defRPr sz="1200" b="0" i="0" u="none" strike="noStrike" cap="none">
-                <a:solidFill>
-                  <a:schemeClr val="dk1"/>
-                </a:solidFill>
-                <a:latin typeface="Arial"/>
-                <a:ea typeface="Arial"/>
-                <a:cs typeface="Arial"/>
-              </a:defRPr>
-            </a:lvl7pPr>
-            <a:lvl8pPr marL="3657600" marR="0" lvl="7" indent="-228600" algn="l">
-              <a:spcBef>
-                <a:spcPts val="0"/>
-              </a:spcBef>
-              <a:spcAft>
-                <a:spcPts val="0"/>
-              </a:spcAft>
-              <a:buSzPts val="1400"/>
-              <a:buNone/>
-              <a:defRPr sz="1200" b="0" i="0" u="none" strike="noStrike" cap="none">
-                <a:solidFill>
-                  <a:schemeClr val="dk1"/>
-                </a:solidFill>
-                <a:latin typeface="Arial"/>
-                <a:ea typeface="Arial"/>
-                <a:cs typeface="Arial"/>
-              </a:defRPr>
-            </a:lvl8pPr>
-            <a:lvl9pPr marL="4114800" marR="0" lvl="8" indent="-228600" algn="l">
-              <a:spcBef>
-                <a:spcPts val="0"/>
-              </a:spcBef>
-              <a:spcAft>
-                <a:spcPts val="0"/>
-              </a:spcAft>
-              <a:buSzPts val="1400"/>
-              <a:buNone/>
-              <a:defRPr sz="1200" b="0" i="0" u="none" strike="noStrike" cap="none">
-                <a:solidFill>
-                  <a:schemeClr val="dk1"/>
-                </a:solidFill>
-                <a:latin typeface="Arial"/>
-                <a:ea typeface="Arial"/>
-                <a:cs typeface="Arial"/>
-              </a:defRPr>
-            </a:lvl9pPr>
-          </a:lstStyle>
-          <a:p>
-            <a:pPr>
-              <a:defRPr/>
-            </a:pPr>
-            <a:endParaRPr/>
-          </a:p>
-        </p:txBody>
-      </p:sp>
-      <p:sp>
-        <p:nvSpPr>
-          <p:cNvPr id="7" name="Google Shape;7;n"/>
-          <p:cNvSpPr txBox="1"/>
-          <p:nvPr>
-            <p:ph type="ftr" idx="11"/>
-          </p:nvPr>
-        </p:nvSpPr>
-        <p:spPr bwMode="auto">
-          <a:xfrm>
-            <a:off x="0" y="8685213"/>
-            <a:ext cx="2971800" cy="458787"/>
-          </a:xfrm>
-          <a:prstGeom prst="rect">
-            <a:avLst/>
-          </a:prstGeom>
-          <a:noFill/>
-          <a:ln>
-            <a:noFill/>
-          </a:ln>
-        </p:spPr>
-        <p:txBody>
-          <a:bodyPr spcFirstLastPara="1" wrap="square" lIns="91425" tIns="45700" rIns="91425" bIns="45700" anchor="b" anchorCtr="0">
-            <a:noAutofit/>
-          </a:bodyPr>
-          <a:lstStyle>
-            <a:lvl1pPr marR="0" lvl="0" algn="l">
-              <a:spcBef>
-                <a:spcPts val="0"/>
-              </a:spcBef>
-              <a:spcAft>
-                <a:spcPts val="0"/>
-              </a:spcAft>
-              <a:buSzPts val="1400"/>
-              <a:buNone/>
-              <a:defRPr sz="1200" b="0" i="0" u="none" strike="noStrike" cap="none">
-                <a:solidFill>
-                  <a:schemeClr val="dk1"/>
-                </a:solidFill>
-                <a:latin typeface="Arial"/>
-                <a:ea typeface="Arial"/>
-                <a:cs typeface="Arial"/>
-              </a:defRPr>
-            </a:lvl1pPr>
-            <a:lvl2pPr marR="0" lvl="1" algn="l">
-              <a:spcBef>
-                <a:spcPts val="0"/>
-              </a:spcBef>
-              <a:spcAft>
-                <a:spcPts val="0"/>
-              </a:spcAft>
-              <a:buSzPts val="1400"/>
-              <a:buNone/>
-              <a:defRPr sz="1800" b="0" i="0" u="none" strike="noStrike" cap="none">
-                <a:solidFill>
-                  <a:schemeClr val="dk1"/>
-                </a:solidFill>
-                <a:latin typeface="Arial"/>
-                <a:ea typeface="Arial"/>
-                <a:cs typeface="Arial"/>
-              </a:defRPr>
-            </a:lvl2pPr>
-            <a:lvl3pPr marR="0" lvl="2" algn="l">
-              <a:spcBef>
-                <a:spcPts val="0"/>
-              </a:spcBef>
-              <a:spcAft>
-                <a:spcPts val="0"/>
-              </a:spcAft>
-              <a:buSzPts val="1400"/>
-              <a:buNone/>
-              <a:defRPr sz="1800" b="0" i="0" u="none" strike="noStrike" cap="none">
-                <a:solidFill>
-                  <a:schemeClr val="dk1"/>
-                </a:solidFill>
-                <a:latin typeface="Arial"/>
-                <a:ea typeface="Arial"/>
-                <a:cs typeface="Arial"/>
-              </a:defRPr>
-            </a:lvl3pPr>
-            <a:lvl4pPr marR="0" lvl="3" algn="l">
-              <a:spcBef>
-                <a:spcPts val="0"/>
-              </a:spcBef>
-              <a:spcAft>
-                <a:spcPts val="0"/>
-              </a:spcAft>
-              <a:buSzPts val="1400"/>
-              <a:buNone/>
-              <a:defRPr sz="1800" b="0" i="0" u="none" strike="noStrike" cap="none">
-                <a:solidFill>
-                  <a:schemeClr val="dk1"/>
-                </a:solidFill>
-                <a:latin typeface="Arial"/>
-                <a:ea typeface="Arial"/>
-                <a:cs typeface="Arial"/>
-              </a:defRPr>
-            </a:lvl4pPr>
-            <a:lvl5pPr marR="0" lvl="4" algn="l">
-              <a:spcBef>
-                <a:spcPts val="0"/>
-              </a:spcBef>
-              <a:spcAft>
-                <a:spcPts val="0"/>
-              </a:spcAft>
-              <a:buSzPts val="1400"/>
-              <a:buNone/>
-              <a:defRPr sz="1800" b="0" i="0" u="none" strike="noStrike" cap="none">
-                <a:solidFill>
-                  <a:schemeClr val="dk1"/>
-                </a:solidFill>
-                <a:latin typeface="Arial"/>
-                <a:ea typeface="Arial"/>
-                <a:cs typeface="Arial"/>
-              </a:defRPr>
-            </a:lvl5pPr>
-            <a:lvl6pPr marR="0" lvl="5" algn="l">
-              <a:spcBef>
-                <a:spcPts val="0"/>
-              </a:spcBef>
-              <a:spcAft>
-                <a:spcPts val="0"/>
-              </a:spcAft>
-              <a:buSzPts val="1400"/>
-              <a:buNone/>
-              <a:defRPr sz="1800" b="0" i="0" u="none" strike="noStrike" cap="none">
-                <a:solidFill>
-                  <a:schemeClr val="dk1"/>
-                </a:solidFill>
-                <a:latin typeface="Arial"/>
-                <a:ea typeface="Arial"/>
-                <a:cs typeface="Arial"/>
-              </a:defRPr>
-            </a:lvl6pPr>
-            <a:lvl7pPr marR="0" lvl="6" algn="l">
-              <a:spcBef>
-                <a:spcPts val="0"/>
-              </a:spcBef>
-              <a:spcAft>
-                <a:spcPts val="0"/>
-              </a:spcAft>
-              <a:buSzPts val="1400"/>
-              <a:buNone/>
-              <a:defRPr sz="1800" b="0" i="0" u="none" strike="noStrike" cap="none">
-                <a:solidFill>
-                  <a:schemeClr val="dk1"/>
-                </a:solidFill>
-                <a:latin typeface="Arial"/>
-                <a:ea typeface="Arial"/>
-                <a:cs typeface="Arial"/>
-              </a:defRPr>
-            </a:lvl7pPr>
-            <a:lvl8pPr marR="0" lvl="7" algn="l">
-              <a:spcBef>
-                <a:spcPts val="0"/>
-              </a:spcBef>
-              <a:spcAft>
-                <a:spcPts val="0"/>
-              </a:spcAft>
-              <a:buSzPts val="1400"/>
-              <a:buNone/>
-              <a:defRPr sz="1800" b="0" i="0" u="none" strike="noStrike" cap="none">
-                <a:solidFill>
-                  <a:schemeClr val="dk1"/>
-                </a:solidFill>
-                <a:latin typeface="Arial"/>
-                <a:ea typeface="Arial"/>
-                <a:cs typeface="Arial"/>
-              </a:defRPr>
-            </a:lvl8pPr>
-            <a:lvl9pPr marR="0" lvl="8" algn="l">
-              <a:spcBef>
-                <a:spcPts val="0"/>
-              </a:spcBef>
-              <a:spcAft>
-                <a:spcPts val="0"/>
-              </a:spcAft>
-              <a:buSzPts val="1400"/>
-              <a:buNone/>
-              <a:defRPr sz="1800" b="0" i="0" u="none" strike="noStrike" cap="none">
-                <a:solidFill>
-                  <a:schemeClr val="dk1"/>
-                </a:solidFill>
-                <a:latin typeface="Arial"/>
-                <a:ea typeface="Arial"/>
-                <a:cs typeface="Arial"/>
-              </a:defRPr>
-            </a:lvl9pPr>
-          </a:lstStyle>
-          <a:p>
-            <a:pPr>
-              <a:defRPr/>
-            </a:pPr>
-            <a:endParaRPr/>
-          </a:p>
-        </p:txBody>
-      </p:sp>
-      <p:sp>
-        <p:nvSpPr>
-          <p:cNvPr id="8" name="Google Shape;8;n"/>
-          <p:cNvSpPr txBox="1"/>
-          <p:nvPr>
-            <p:ph type="sldNum" idx="12"/>
-          </p:nvPr>
-        </p:nvSpPr>
-        <p:spPr bwMode="auto">
-          <a:xfrm>
-            <a:off x="3884613" y="8685213"/>
-            <a:ext cx="2971800" cy="458787"/>
-          </a:xfrm>
-          <a:prstGeom prst="rect">
-            <a:avLst/>
-          </a:prstGeom>
-          <a:noFill/>
-          <a:ln>
-            <a:noFill/>
-          </a:ln>
-        </p:spPr>
-        <p:txBody>
-          <a:bodyPr spcFirstLastPara="1" wrap="square" lIns="91425" tIns="45700" rIns="91425" bIns="45700" anchor="b" anchorCtr="0">
-            <a:noAutofit/>
-          </a:bodyPr>
-          <a:lstStyle/>
-          <a:p>
-            <a:pPr marL="0" marR="0" lvl="0" indent="0" algn="r">
-              <a:spcBef>
-                <a:spcPts val="0"/>
-              </a:spcBef>
-              <a:spcAft>
-                <a:spcPts val="0"/>
-              </a:spcAft>
-              <a:buNone/>
-              <a:defRPr/>
-            </a:pPr>
-            <a:fld id="{00000000-1234-1234-1234-123412341234}" type="slidenum">
-              <a:rPr lang="en-US" sz="1200" b="0" i="0" u="none" strike="noStrike" cap="none">
-                <a:solidFill>
-                  <a:schemeClr val="dk1"/>
-                </a:solidFill>
-                <a:latin typeface="Arial"/>
-                <a:ea typeface="Arial"/>
-                <a:cs typeface="Arial"/>
-              </a:rPr>
-              <a:t>‹#›</a:t>
-            </a:fld>
-            <a:endParaRPr sz="1200" b="0" i="0" u="none" strike="noStrike" cap="none">
-              <a:solidFill>
-                <a:schemeClr val="dk1"/>
-              </a:solidFill>
-              <a:latin typeface="Arial"/>
-              <a:ea typeface="Arial"/>
-              <a:cs typeface="Arial"/>
-            </a:endParaRPr>
-          </a:p>
-        </p:txBody>
-      </p:sp>
-    </p:spTree>
-  </p:cSld>
-  <p:clrMap bg1="lt1" tx1="dk1" bg2="dk2" tx2="lt2" accent1="accent1" accent2="accent2" accent3="accent3" accent4="accent4" accent5="accent5" accent6="accent6" hlink="hlink" folHlink="folHlink"/>
-  <p:notesStyle>
-    <a:defPPr marR="0" lvl="0" algn="l">
-      <a:lnSpc>
-        <a:spcPct val="100000"/>
-      </a:lnSpc>
-      <a:spcBef>
-        <a:spcPts val="0"/>
-      </a:spcBef>
-      <a:spcAft>
-        <a:spcPts val="0"/>
-      </a:spcAft>
-    </a:defPPr>
-    <a:lvl1pPr marR="0" lvl="0" algn="l">
-      <a:lnSpc>
-        <a:spcPct val="100000"/>
-      </a:lnSpc>
-      <a:spcBef>
-        <a:spcPts val="0"/>
-      </a:spcBef>
-      <a:spcAft>
-        <a:spcPts val="0"/>
-      </a:spcAft>
-      <a:buClr>
-        <a:srgbClr val="000000"/>
-      </a:buClr>
-      <a:buFont typeface="Arial"/>
-      <a:defRPr sz="1400" b="0" i="0" u="none" strike="noStrike" cap="none">
-        <a:solidFill>
-          <a:srgbClr val="000000"/>
-        </a:solidFill>
-        <a:latin typeface="Arial"/>
-        <a:ea typeface="Arial"/>
-        <a:cs typeface="Arial"/>
-      </a:defRPr>
-    </a:lvl1pPr>
-    <a:lvl2pPr marR="0" lvl="1" algn="l">
-      <a:lnSpc>
-        <a:spcPct val="100000"/>
-      </a:lnSpc>
-      <a:spcBef>
-        <a:spcPts val="0"/>
-      </a:spcBef>
-      <a:spcAft>
-        <a:spcPts val="0"/>
-      </a:spcAft>
-      <a:buClr>
-        <a:srgbClr val="000000"/>
-      </a:buClr>
-      <a:buFont typeface="Arial"/>
-      <a:defRPr sz="1400" b="0" i="0" u="none" strike="noStrike" cap="none">
-        <a:solidFill>
-          <a:srgbClr val="000000"/>
-        </a:solidFill>
-        <a:latin typeface="Arial"/>
-        <a:ea typeface="Arial"/>
-        <a:cs typeface="Arial"/>
-      </a:defRPr>
-    </a:lvl2pPr>
-    <a:lvl3pPr marR="0" lvl="2" algn="l">
-      <a:lnSpc>
-        <a:spcPct val="100000"/>
-      </a:lnSpc>
-      <a:spcBef>
-        <a:spcPts val="0"/>
-      </a:spcBef>
-      <a:spcAft>
-        <a:spcPts val="0"/>
-      </a:spcAft>
-      <a:buClr>
-        <a:srgbClr val="000000"/>
-      </a:buClr>
-      <a:buFont typeface="Arial"/>
-      <a:defRPr sz="1400" b="0" i="0" u="none" strike="noStrike" cap="none">
-        <a:solidFill>
-          <a:srgbClr val="000000"/>
-        </a:solidFill>
-        <a:latin typeface="Arial"/>
-        <a:ea typeface="Arial"/>
-        <a:cs typeface="Arial"/>
-      </a:defRPr>
-    </a:lvl3pPr>
-    <a:lvl4pPr marR="0" lvl="3" algn="l">
-      <a:lnSpc>
-        <a:spcPct val="100000"/>
-      </a:lnSpc>
-      <a:spcBef>
-        <a:spcPts val="0"/>
-      </a:spcBef>
-      <a:spcAft>
-        <a:spcPts val="0"/>
-      </a:spcAft>
-      <a:buClr>
-        <a:srgbClr val="000000"/>
-      </a:buClr>
-      <a:buFont typeface="Arial"/>
-      <a:defRPr sz="1400" b="0" i="0" u="none" strike="noStrike" cap="none">
-        <a:solidFill>
-          <a:srgbClr val="000000"/>
-        </a:solidFill>
-        <a:latin typeface="Arial"/>
-        <a:ea typeface="Arial"/>
-        <a:cs typeface="Arial"/>
-      </a:defRPr>
-    </a:lvl4pPr>
-    <a:lvl5pPr marR="0" lvl="4" algn="l">
-      <a:lnSpc>
-        <a:spcPct val="100000"/>
-      </a:lnSpc>
-      <a:spcBef>
-        <a:spcPts val="0"/>
-      </a:spcBef>
-      <a:spcAft>
-        <a:spcPts val="0"/>
-      </a:spcAft>
-      <a:buClr>
-        <a:srgbClr val="000000"/>
-      </a:buClr>
-      <a:buFont typeface="Arial"/>
-      <a:defRPr sz="1400" b="0" i="0" u="none" strike="noStrike" cap="none">
-        <a:solidFill>
-          <a:srgbClr val="000000"/>
-        </a:solidFill>
-        <a:latin typeface="Arial"/>
-        <a:ea typeface="Arial"/>
-        <a:cs typeface="Arial"/>
-      </a:defRPr>
-    </a:lvl5pPr>
-    <a:lvl6pPr marR="0" lvl="5" algn="l">
-      <a:lnSpc>
-        <a:spcPct val="100000"/>
-      </a:lnSpc>
-      <a:spcBef>
-        <a:spcPts val="0"/>
-      </a:spcBef>
-      <a:spcAft>
-        <a:spcPts val="0"/>
-      </a:spcAft>
-      <a:buClr>
-        <a:srgbClr val="000000"/>
-      </a:buClr>
-      <a:buFont typeface="Arial"/>
-      <a:defRPr sz="1400" b="0" i="0" u="none" strike="noStrike" cap="none">
-        <a:solidFill>
-          <a:srgbClr val="000000"/>
-        </a:solidFill>
-        <a:latin typeface="Arial"/>
-        <a:ea typeface="Arial"/>
-        <a:cs typeface="Arial"/>
-      </a:defRPr>
-    </a:lvl6pPr>
-    <a:lvl7pPr marR="0" lvl="6" algn="l">
-      <a:lnSpc>
-        <a:spcPct val="100000"/>
-      </a:lnSpc>
-      <a:spcBef>
-        <a:spcPts val="0"/>
-      </a:spcBef>
-      <a:spcAft>
-        <a:spcPts val="0"/>
-      </a:spcAft>
-      <a:buClr>
-        <a:srgbClr val="000000"/>
-      </a:buClr>
-      <a:buFont typeface="Arial"/>
-      <a:defRPr sz="1400" b="0" i="0" u="none" strike="noStrike" cap="none">
-        <a:solidFill>
-          <a:srgbClr val="000000"/>
-        </a:solidFill>
-        <a:latin typeface="Arial"/>
-        <a:ea typeface="Arial"/>
-        <a:cs typeface="Arial"/>
-      </a:defRPr>
-    </a:lvl7pPr>
-    <a:lvl8pPr marR="0" lvl="7" algn="l">
-      <a:lnSpc>
-        <a:spcPct val="100000"/>
-      </a:lnSpc>
-      <a:spcBef>
-        <a:spcPts val="0"/>
-      </a:spcBef>
-      <a:spcAft>
-        <a:spcPts val="0"/>
-      </a:spcAft>
-      <a:buClr>
-        <a:srgbClr val="000000"/>
-      </a:buClr>
-      <a:buFont typeface="Arial"/>
-      <a:defRPr sz="1400" b="0" i="0" u="none" strike="noStrike" cap="none">
-        <a:solidFill>
-          <a:srgbClr val="000000"/>
-        </a:solidFill>
-        <a:latin typeface="Arial"/>
-        <a:ea typeface="Arial"/>
-        <a:cs typeface="Arial"/>
-      </a:defRPr>
-    </a:lvl8pPr>
-    <a:lvl9pPr marR="0" lvl="8" algn="l">
-      <a:lnSpc>
-        <a:spcPct val="100000"/>
-      </a:lnSpc>
-      <a:spcBef>
-        <a:spcPts val="0"/>
-      </a:spcBef>
-      <a:spcAft>
-        <a:spcPts val="0"/>
-      </a:spcAft>
-      <a:buClr>
-        <a:srgbClr val="000000"/>
-      </a:buClr>
-      <a:buFont typeface="Arial"/>
-      <a:defRPr sz="1400" b="0" i="0" u="none" strike="noStrike" cap="none">
-        <a:solidFill>
-          <a:srgbClr val="000000"/>
-        </a:solidFill>
-        <a:latin typeface="Arial"/>
-        <a:ea typeface="Arial"/>
-        <a:cs typeface="Arial"/>
-      </a:defRPr>
-    </a:lvl9pPr>
-  </p:notesStyle>
-</p:notesMaster>
-</file>
-
-<file path=ppt/notesSlides/notesSlide1.xml><?xml version="1.0" encoding="utf-8"?>
-<p:notes xmlns:a="http://schemas.openxmlformats.org/drawingml/2006/main" xmlns:r="http://schemas.openxmlformats.org/officeDocument/2006/relationships" xmlns:p="http://schemas.openxmlformats.org/presentationml/2006/main" xmlns:m="http://schemas.openxmlformats.org/officeDocument/2006/math" xmlns:w="http://schemas.openxmlformats.org/wordprocessingml/2006/main" showMasterPhAnim="0" showMasterSp="0">
-  <p:cSld name="">
-    <p:spTree>
-      <p:nvGrpSpPr>
-        <p:cNvPr id="1" name=""/>
-        <p:cNvGrpSpPr/>
-        <p:nvPr/>
-      </p:nvGrpSpPr>
-      <p:grpSpPr bwMode="auto">
-        <a:xfrm>
-          <a:off x="0" y="0"/>
-          <a:ext cx="0" cy="0"/>
-          <a:chOff x="0" y="0"/>
-          <a:chExt cx="0" cy="0"/>
-        </a:xfrm>
-      </p:grpSpPr>
-      <p:sp>
-        <p:nvSpPr>
-          <p:cNvPr id="341" name="Google Shape;341;p1:notes"/>
-          <p:cNvSpPr/>
-          <p:nvPr>
-            <p:ph type="sldImg" idx="2"/>
-          </p:nvPr>
-        </p:nvSpPr>
-        <p:spPr bwMode="auto">
-          <a:xfrm>
-            <a:off x="685800" y="1143000"/>
-            <a:ext cx="5486400" cy="3086100"/>
-          </a:xfrm>
-          <a:custGeom>
-            <a:avLst/>
-            <a:gdLst/>
-            <a:ahLst/>
-            <a:cxnLst/>
-            <a:rect l="l" t="t" r="r" b="b"/>
-            <a:pathLst>
-              <a:path w="120000" h="120000" fill="norm" stroke="1" extrusionOk="0">
-                <a:moveTo>
-                  <a:pt x="0" y="0"/>
-                </a:moveTo>
-                <a:lnTo>
-                  <a:pt x="120000" y="0"/>
-                </a:lnTo>
-                <a:lnTo>
-                  <a:pt x="120000" y="120000"/>
-                </a:lnTo>
-                <a:lnTo>
-                  <a:pt x="0" y="120000"/>
-                </a:lnTo>
-                <a:close/>
-              </a:path>
-            </a:pathLst>
-          </a:custGeom>
-          <a:noFill/>
-          <a:ln w="12700" cap="flat" cmpd="sng">
-            <a:solidFill>
-              <a:srgbClr val="000000"/>
-            </a:solidFill>
-            <a:prstDash val="solid"/>
-            <a:round/>
-            <a:headEnd type="none" w="sm" len="sm"/>
-            <a:tailEnd type="none" w="sm" len="sm"/>
-          </a:ln>
-        </p:spPr>
-      </p:sp>
-      <p:sp>
-        <p:nvSpPr>
-          <p:cNvPr id="342" name="Google Shape;342;p1:notes"/>
-          <p:cNvSpPr txBox="1"/>
-          <p:nvPr>
-            <p:ph type="body" idx="1"/>
-          </p:nvPr>
-        </p:nvSpPr>
-        <p:spPr bwMode="auto">
-          <a:xfrm>
-            <a:off x="685800" y="4400550"/>
-            <a:ext cx="5486400" cy="3600450"/>
-          </a:xfrm>
-          <a:prstGeom prst="rect">
-            <a:avLst/>
-          </a:prstGeom>
-          <a:noFill/>
-          <a:ln>
-            <a:noFill/>
-          </a:ln>
-        </p:spPr>
-        <p:txBody>
-          <a:bodyPr spcFirstLastPara="1" wrap="square" lIns="91425" tIns="45700" rIns="91425" bIns="45700" anchor="t" anchorCtr="0">
-            <a:noAutofit/>
-          </a:bodyPr>
-          <a:lstStyle/>
-          <a:p>
-            <a:pPr marL="0" lvl="0" indent="0" algn="l">
-              <a:spcBef>
-                <a:spcPts val="0"/>
-              </a:spcBef>
-              <a:spcAft>
-                <a:spcPts val="0"/>
-              </a:spcAft>
-              <a:buNone/>
-              <a:defRPr/>
-            </a:pPr>
-            <a:endParaRPr>
-              <a:latin typeface="Arial"/>
-              <a:ea typeface="Arial"/>
-              <a:cs typeface="Arial"/>
-            </a:endParaRPr>
-          </a:p>
-        </p:txBody>
-      </p:sp>
-      <p:sp>
-        <p:nvSpPr>
-          <p:cNvPr id="343" name="Google Shape;343;p1:notes"/>
-          <p:cNvSpPr txBox="1"/>
-          <p:nvPr>
-            <p:ph type="sldNum" idx="12"/>
-          </p:nvPr>
-        </p:nvSpPr>
-        <p:spPr bwMode="auto">
-          <a:xfrm>
-            <a:off x="3884613" y="8685213"/>
-            <a:ext cx="2971800" cy="458787"/>
-          </a:xfrm>
-          <a:prstGeom prst="rect">
-            <a:avLst/>
-          </a:prstGeom>
-          <a:noFill/>
-          <a:ln>
-            <a:noFill/>
-          </a:ln>
-        </p:spPr>
-        <p:txBody>
-          <a:bodyPr spcFirstLastPara="1" wrap="square" lIns="91425" tIns="45700" rIns="91425" bIns="45700" anchor="b" anchorCtr="0">
-            <a:noAutofit/>
-          </a:bodyPr>
-          <a:lstStyle/>
-          <a:p>
-            <a:pPr marL="0" lvl="0" indent="0" algn="r">
-              <a:spcBef>
-                <a:spcPts val="0"/>
-              </a:spcBef>
-              <a:spcAft>
-                <a:spcPts val="0"/>
-              </a:spcAft>
-              <a:buNone/>
-              <a:defRPr/>
-            </a:pPr>
-            <a:fld id="{00000000-1234-1234-1234-123412341234}" type="slidenum">
-              <a:rPr lang="en-US"/>
-              <a:t>‹#›</a:t>
-            </a:fld>
-            <a:endParaRPr/>
-          </a:p>
-        </p:txBody>
-      </p:sp>
-    </p:spTree>
-  </p:cSld>
-</p:notes>
-</file>
-
-<file path=ppt/notesSlides/notesSlide10.xml><?xml version="1.0" encoding="utf-8"?>
-<p:notes xmlns:a="http://schemas.openxmlformats.org/drawingml/2006/main" xmlns:r="http://schemas.openxmlformats.org/officeDocument/2006/relationships" xmlns:p="http://schemas.openxmlformats.org/presentationml/2006/main" xmlns:m="http://schemas.openxmlformats.org/officeDocument/2006/math" xmlns:w="http://schemas.openxmlformats.org/wordprocessingml/2006/main" showMasterPhAnim="0" showMasterSp="0">
-  <p:cSld name="">
-    <p:spTree>
-      <p:nvGrpSpPr>
-        <p:cNvPr id="1" name=""/>
-        <p:cNvGrpSpPr/>
-        <p:nvPr/>
-      </p:nvGrpSpPr>
-      <p:grpSpPr bwMode="auto">
-        <a:xfrm>
-          <a:off x="0" y="0"/>
-          <a:ext cx="0" cy="0"/>
-          <a:chOff x="0" y="0"/>
-          <a:chExt cx="0" cy="0"/>
-        </a:xfrm>
-      </p:grpSpPr>
-      <p:sp>
-        <p:nvSpPr>
-          <p:cNvPr id="415" name="Google Shape;415;p10:notes"/>
-          <p:cNvSpPr/>
-          <p:nvPr>
-            <p:ph type="sldImg" idx="2"/>
-          </p:nvPr>
-        </p:nvSpPr>
-        <p:spPr bwMode="auto">
-          <a:xfrm>
-            <a:off x="685800" y="1143000"/>
-            <a:ext cx="5486400" cy="3086100"/>
-          </a:xfrm>
-          <a:custGeom>
-            <a:avLst/>
-            <a:gdLst/>
-            <a:ahLst/>
-            <a:cxnLst/>
-            <a:rect l="l" t="t" r="r" b="b"/>
-            <a:pathLst>
-              <a:path w="120000" h="120000" fill="norm" stroke="1" extrusionOk="0">
-                <a:moveTo>
-                  <a:pt x="0" y="0"/>
-                </a:moveTo>
-                <a:lnTo>
-                  <a:pt x="120000" y="0"/>
-                </a:lnTo>
-                <a:lnTo>
-                  <a:pt x="120000" y="120000"/>
-                </a:lnTo>
-                <a:lnTo>
-                  <a:pt x="0" y="120000"/>
-                </a:lnTo>
-                <a:close/>
-              </a:path>
-            </a:pathLst>
-          </a:custGeom>
-          <a:noFill/>
-          <a:ln w="12700" cap="flat" cmpd="sng">
-            <a:solidFill>
-              <a:srgbClr val="000000"/>
-            </a:solidFill>
-            <a:prstDash val="solid"/>
-            <a:round/>
-            <a:headEnd type="none" w="sm" len="sm"/>
-            <a:tailEnd type="none" w="sm" len="sm"/>
-          </a:ln>
-        </p:spPr>
-      </p:sp>
-      <p:sp>
-        <p:nvSpPr>
-          <p:cNvPr id="416" name="Google Shape;416;p10:notes"/>
-          <p:cNvSpPr txBox="1"/>
-          <p:nvPr>
-            <p:ph type="body" idx="1"/>
-          </p:nvPr>
-        </p:nvSpPr>
-        <p:spPr bwMode="auto">
-          <a:xfrm>
-            <a:off x="685800" y="4400550"/>
-            <a:ext cx="5486400" cy="3600450"/>
-          </a:xfrm>
-          <a:prstGeom prst="rect">
-            <a:avLst/>
-          </a:prstGeom>
-          <a:noFill/>
-          <a:ln>
-            <a:noFill/>
-          </a:ln>
-        </p:spPr>
-        <p:txBody>
-          <a:bodyPr spcFirstLastPara="1" wrap="square" lIns="91425" tIns="45700" rIns="91425" bIns="45700" anchor="t" anchorCtr="0">
-            <a:noAutofit/>
-          </a:bodyPr>
-          <a:lstStyle/>
-          <a:p>
-            <a:pPr marL="0" lvl="0" indent="0" algn="l">
-              <a:spcBef>
-                <a:spcPts val="0"/>
-              </a:spcBef>
-              <a:spcAft>
-                <a:spcPts val="0"/>
-              </a:spcAft>
-              <a:buNone/>
-              <a:defRPr/>
-            </a:pPr>
-            <a:endParaRPr/>
-          </a:p>
-        </p:txBody>
-      </p:sp>
-      <p:sp>
-        <p:nvSpPr>
-          <p:cNvPr id="417" name="Google Shape;417;p10:notes"/>
-          <p:cNvSpPr txBox="1"/>
-          <p:nvPr>
-            <p:ph type="sldNum" idx="12"/>
-          </p:nvPr>
-        </p:nvSpPr>
-        <p:spPr bwMode="auto">
-          <a:xfrm>
-            <a:off x="3884613" y="8685213"/>
-            <a:ext cx="2971800" cy="458787"/>
-          </a:xfrm>
-          <a:prstGeom prst="rect">
-            <a:avLst/>
-          </a:prstGeom>
-          <a:noFill/>
-          <a:ln>
-            <a:noFill/>
-          </a:ln>
-        </p:spPr>
-        <p:txBody>
-          <a:bodyPr spcFirstLastPara="1" wrap="square" lIns="91425" tIns="45700" rIns="91425" bIns="45700" anchor="b" anchorCtr="0">
-            <a:noAutofit/>
-          </a:bodyPr>
-          <a:lstStyle/>
-          <a:p>
-            <a:pPr marL="0" lvl="0" indent="0" algn="r">
-              <a:spcBef>
-                <a:spcPts val="0"/>
-              </a:spcBef>
-              <a:spcAft>
-                <a:spcPts val="0"/>
-              </a:spcAft>
-              <a:buNone/>
-              <a:defRPr/>
-            </a:pPr>
-            <a:fld id="{00000000-1234-1234-1234-123412341234}" type="slidenum">
-              <a:rPr lang="en-US"/>
-              <a:t>‹#›</a:t>
-            </a:fld>
-            <a:endParaRPr/>
-          </a:p>
-        </p:txBody>
-      </p:sp>
-    </p:spTree>
-  </p:cSld>
-</p:notes>
-</file>
-
-<file path=ppt/notesSlides/notesSlide11.xml><?xml version="1.0" encoding="utf-8"?>
-<p:notes xmlns:a="http://schemas.openxmlformats.org/drawingml/2006/main" xmlns:r="http://schemas.openxmlformats.org/officeDocument/2006/relationships" xmlns:p="http://schemas.openxmlformats.org/presentationml/2006/main" xmlns:m="http://schemas.openxmlformats.org/officeDocument/2006/math" xmlns:w="http://schemas.openxmlformats.org/wordprocessingml/2006/main" showMasterPhAnim="0" showMasterSp="0">
-  <p:cSld name="">
-    <p:spTree>
-      <p:nvGrpSpPr>
-        <p:cNvPr id="1" name=""/>
-        <p:cNvGrpSpPr/>
-        <p:nvPr/>
-      </p:nvGrpSpPr>
-      <p:grpSpPr bwMode="auto">
-        <a:xfrm>
-          <a:off x="0" y="0"/>
-          <a:ext cx="0" cy="0"/>
-          <a:chOff x="0" y="0"/>
-          <a:chExt cx="0" cy="0"/>
-        </a:xfrm>
-      </p:grpSpPr>
-      <p:sp>
-        <p:nvSpPr>
-          <p:cNvPr id="424" name="Google Shape;424;p11:notes"/>
-          <p:cNvSpPr/>
-          <p:nvPr>
-            <p:ph type="sldImg" idx="2"/>
-          </p:nvPr>
-        </p:nvSpPr>
-        <p:spPr bwMode="auto">
-          <a:xfrm>
-            <a:off x="685800" y="1143000"/>
-            <a:ext cx="5486400" cy="3086100"/>
-          </a:xfrm>
-          <a:custGeom>
-            <a:avLst/>
-            <a:gdLst/>
-            <a:ahLst/>
-            <a:cxnLst/>
-            <a:rect l="l" t="t" r="r" b="b"/>
-            <a:pathLst>
-              <a:path w="120000" h="120000" fill="norm" stroke="1" extrusionOk="0">
-                <a:moveTo>
-                  <a:pt x="0" y="0"/>
-                </a:moveTo>
-                <a:lnTo>
-                  <a:pt x="120000" y="0"/>
-                </a:lnTo>
-                <a:lnTo>
-                  <a:pt x="120000" y="120000"/>
-                </a:lnTo>
-                <a:lnTo>
-                  <a:pt x="0" y="120000"/>
-                </a:lnTo>
-                <a:close/>
-              </a:path>
-            </a:pathLst>
-          </a:custGeom>
-          <a:noFill/>
-          <a:ln w="12700" cap="flat" cmpd="sng">
-            <a:solidFill>
-              <a:srgbClr val="000000"/>
-            </a:solidFill>
-            <a:prstDash val="solid"/>
-            <a:round/>
-            <a:headEnd type="none" w="sm" len="sm"/>
-            <a:tailEnd type="none" w="sm" len="sm"/>
-          </a:ln>
-        </p:spPr>
-      </p:sp>
-      <p:sp>
-        <p:nvSpPr>
-          <p:cNvPr id="425" name="Google Shape;425;p11:notes"/>
-          <p:cNvSpPr txBox="1"/>
-          <p:nvPr>
-            <p:ph type="body" idx="1"/>
-          </p:nvPr>
-        </p:nvSpPr>
-        <p:spPr bwMode="auto">
-          <a:xfrm>
-            <a:off x="685800" y="4400550"/>
-            <a:ext cx="5486400" cy="3600450"/>
-          </a:xfrm>
-          <a:prstGeom prst="rect">
-            <a:avLst/>
-          </a:prstGeom>
-          <a:noFill/>
-          <a:ln>
-            <a:noFill/>
-          </a:ln>
-        </p:spPr>
-        <p:txBody>
-          <a:bodyPr spcFirstLastPara="1" wrap="square" lIns="91425" tIns="45700" rIns="91425" bIns="45700" anchor="t" anchorCtr="0">
-            <a:noAutofit/>
-          </a:bodyPr>
-          <a:lstStyle/>
-          <a:p>
-            <a:pPr marL="0" lvl="0" indent="0" algn="l">
-              <a:spcBef>
-                <a:spcPts val="0"/>
-              </a:spcBef>
-              <a:spcAft>
-                <a:spcPts val="0"/>
-              </a:spcAft>
-              <a:buNone/>
-              <a:defRPr/>
-            </a:pPr>
-            <a:endParaRPr/>
-          </a:p>
-        </p:txBody>
-      </p:sp>
-      <p:sp>
-        <p:nvSpPr>
-          <p:cNvPr id="426" name="Google Shape;426;p11:notes"/>
-          <p:cNvSpPr txBox="1"/>
-          <p:nvPr>
-            <p:ph type="sldNum" idx="12"/>
-          </p:nvPr>
-        </p:nvSpPr>
-        <p:spPr bwMode="auto">
-          <a:xfrm>
-            <a:off x="3884613" y="8685213"/>
-            <a:ext cx="2971800" cy="458787"/>
-          </a:xfrm>
-          <a:prstGeom prst="rect">
-            <a:avLst/>
-          </a:prstGeom>
-          <a:noFill/>
-          <a:ln>
-            <a:noFill/>
-          </a:ln>
-        </p:spPr>
-        <p:txBody>
-          <a:bodyPr spcFirstLastPara="1" wrap="square" lIns="91425" tIns="45700" rIns="91425" bIns="45700" anchor="b" anchorCtr="0">
-            <a:noAutofit/>
-          </a:bodyPr>
-          <a:lstStyle/>
-          <a:p>
-            <a:pPr marL="0" lvl="0" indent="0" algn="r">
-              <a:spcBef>
-                <a:spcPts val="0"/>
-              </a:spcBef>
-              <a:spcAft>
-                <a:spcPts val="0"/>
-              </a:spcAft>
-              <a:buNone/>
-              <a:defRPr/>
-            </a:pPr>
-            <a:fld id="{00000000-1234-1234-1234-123412341234}" type="slidenum">
-              <a:rPr lang="en-US"/>
-              <a:t>‹#›</a:t>
-            </a:fld>
-            <a:endParaRPr/>
-          </a:p>
-        </p:txBody>
-      </p:sp>
-    </p:spTree>
-  </p:cSld>
-</p:notes>
-</file>
-
-<file path=ppt/notesSlides/notesSlide12.xml><?xml version="1.0" encoding="utf-8"?>
-<p:notes xmlns:a="http://schemas.openxmlformats.org/drawingml/2006/main" xmlns:r="http://schemas.openxmlformats.org/officeDocument/2006/relationships" xmlns:p="http://schemas.openxmlformats.org/presentationml/2006/main" xmlns:m="http://schemas.openxmlformats.org/officeDocument/2006/math" xmlns:w="http://schemas.openxmlformats.org/wordprocessingml/2006/main" showMasterPhAnim="0" showMasterSp="0">
-  <p:cSld name="">
-    <p:spTree>
-      <p:nvGrpSpPr>
-        <p:cNvPr id="1" name=""/>
-        <p:cNvGrpSpPr/>
-        <p:nvPr/>
-      </p:nvGrpSpPr>
-      <p:grpSpPr bwMode="auto">
-        <a:xfrm>
-          <a:off x="0" y="0"/>
-          <a:ext cx="0" cy="0"/>
-          <a:chOff x="0" y="0"/>
-          <a:chExt cx="0" cy="0"/>
-        </a:xfrm>
-      </p:grpSpPr>
-      <p:sp>
-        <p:nvSpPr>
-          <p:cNvPr id="431" name="Google Shape;431;p12:notes"/>
-          <p:cNvSpPr/>
-          <p:nvPr>
-            <p:ph type="sldImg" idx="2"/>
-          </p:nvPr>
-        </p:nvSpPr>
-        <p:spPr bwMode="auto">
-          <a:xfrm>
-            <a:off x="685800" y="1143000"/>
-            <a:ext cx="5486400" cy="3086100"/>
-          </a:xfrm>
-          <a:custGeom>
-            <a:avLst/>
-            <a:gdLst/>
-            <a:ahLst/>
-            <a:cxnLst/>
-            <a:rect l="l" t="t" r="r" b="b"/>
-            <a:pathLst>
-              <a:path w="120000" h="120000" fill="norm" stroke="1" extrusionOk="0">
-                <a:moveTo>
-                  <a:pt x="0" y="0"/>
-                </a:moveTo>
-                <a:lnTo>
-                  <a:pt x="120000" y="0"/>
-                </a:lnTo>
-                <a:lnTo>
-                  <a:pt x="120000" y="120000"/>
-                </a:lnTo>
-                <a:lnTo>
-                  <a:pt x="0" y="120000"/>
-                </a:lnTo>
-                <a:close/>
-              </a:path>
-            </a:pathLst>
-          </a:custGeom>
-          <a:noFill/>
-          <a:ln w="12700" cap="flat" cmpd="sng">
-            <a:solidFill>
-              <a:srgbClr val="000000"/>
-            </a:solidFill>
-            <a:prstDash val="solid"/>
-            <a:round/>
-            <a:headEnd type="none" w="sm" len="sm"/>
-            <a:tailEnd type="none" w="sm" len="sm"/>
-          </a:ln>
-        </p:spPr>
-      </p:sp>
-      <p:sp>
-        <p:nvSpPr>
-          <p:cNvPr id="432" name="Google Shape;432;p12:notes"/>
-          <p:cNvSpPr txBox="1"/>
-          <p:nvPr>
-            <p:ph type="body" idx="1"/>
-          </p:nvPr>
-        </p:nvSpPr>
-        <p:spPr bwMode="auto">
-          <a:xfrm>
-            <a:off x="685800" y="4400550"/>
-            <a:ext cx="5486400" cy="3600450"/>
-          </a:xfrm>
-          <a:prstGeom prst="rect">
-            <a:avLst/>
-          </a:prstGeom>
-          <a:noFill/>
-          <a:ln>
-            <a:noFill/>
-          </a:ln>
-        </p:spPr>
-        <p:txBody>
-          <a:bodyPr spcFirstLastPara="1" wrap="square" lIns="91425" tIns="45700" rIns="91425" bIns="45700" anchor="t" anchorCtr="0">
-            <a:noAutofit/>
-          </a:bodyPr>
-          <a:lstStyle/>
-          <a:p>
-            <a:pPr marL="0" lvl="0" indent="0" algn="l">
-              <a:spcBef>
-                <a:spcPts val="0"/>
-              </a:spcBef>
-              <a:spcAft>
-                <a:spcPts val="0"/>
-              </a:spcAft>
-              <a:buNone/>
-              <a:defRPr/>
-            </a:pPr>
-            <a:endParaRPr/>
-          </a:p>
-        </p:txBody>
-      </p:sp>
-      <p:sp>
-        <p:nvSpPr>
-          <p:cNvPr id="433" name="Google Shape;433;p12:notes"/>
-          <p:cNvSpPr txBox="1"/>
-          <p:nvPr>
-            <p:ph type="sldNum" idx="12"/>
-          </p:nvPr>
-        </p:nvSpPr>
-        <p:spPr bwMode="auto">
-          <a:xfrm>
-            <a:off x="3884613" y="8685213"/>
-            <a:ext cx="2971800" cy="458787"/>
-          </a:xfrm>
-          <a:prstGeom prst="rect">
-            <a:avLst/>
-          </a:prstGeom>
-          <a:noFill/>
-          <a:ln>
-            <a:noFill/>
-          </a:ln>
-        </p:spPr>
-        <p:txBody>
-          <a:bodyPr spcFirstLastPara="1" wrap="square" lIns="91425" tIns="45700" rIns="91425" bIns="45700" anchor="b" anchorCtr="0">
-            <a:noAutofit/>
-          </a:bodyPr>
-          <a:lstStyle/>
-          <a:p>
-            <a:pPr marL="0" lvl="0" indent="0" algn="r">
-              <a:spcBef>
-                <a:spcPts val="0"/>
-              </a:spcBef>
-              <a:spcAft>
-                <a:spcPts val="0"/>
-              </a:spcAft>
-              <a:buNone/>
-              <a:defRPr/>
-            </a:pPr>
-            <a:fld id="{00000000-1234-1234-1234-123412341234}" type="slidenum">
-              <a:rPr lang="en-US"/>
-              <a:t>‹#›</a:t>
-            </a:fld>
-            <a:endParaRPr/>
-          </a:p>
-        </p:txBody>
-      </p:sp>
-    </p:spTree>
-  </p:cSld>
-</p:notes>
-</file>
-
-<file path=ppt/notesSlides/notesSlide13.xml><?xml version="1.0" encoding="utf-8"?>
-<p:notes xmlns:a="http://schemas.openxmlformats.org/drawingml/2006/main" xmlns:r="http://schemas.openxmlformats.org/officeDocument/2006/relationships" xmlns:p="http://schemas.openxmlformats.org/presentationml/2006/main" xmlns:m="http://schemas.openxmlformats.org/officeDocument/2006/math" xmlns:w="http://schemas.openxmlformats.org/wordprocessingml/2006/main">
-  <p:cSld name="">
-    <p:spTree>
-      <p:nvGrpSpPr>
-        <p:cNvPr id="1" name=""/>
-        <p:cNvGrpSpPr/>
-        <p:nvPr/>
-      </p:nvGrpSpPr>
-      <p:grpSpPr bwMode="auto">
-        <a:xfrm>
-          <a:off x="0" y="0"/>
-          <a:ext cx="0" cy="0"/>
-          <a:chOff x="0" y="0"/>
-          <a:chExt cx="0" cy="0"/>
-        </a:xfrm>
-      </p:grpSpPr>
-      <p:sp>
-        <p:nvSpPr>
-          <p:cNvPr id="2" name="Slide Image Placeholder 1"/>
-          <p:cNvSpPr>
-            <a:spLocks noChangeAspect="1" noGrp="1" noRot="1"/>
-          </p:cNvSpPr>
-          <p:nvPr>
-            <p:ph type="sldImg"/>
-          </p:nvPr>
-        </p:nvSpPr>
-        <p:spPr bwMode="auto"/>
-      </p:sp>
-      <p:sp>
-        <p:nvSpPr>
-          <p:cNvPr id="3" name="Notes Placeholder 2"/>
-          <p:cNvSpPr>
-            <a:spLocks noGrp="1"/>
-          </p:cNvSpPr>
-          <p:nvPr>
-            <p:ph type="body" idx="1"/>
-          </p:nvPr>
-        </p:nvSpPr>
-        <p:spPr bwMode="auto"/>
-        <p:txBody>
-          <a:bodyPr/>
-          <a:lstStyle/>
-          <a:p>
-            <a:pPr>
-              <a:defRPr/>
-            </a:pPr>
-            <a:endParaRPr/>
-          </a:p>
-        </p:txBody>
-      </p:sp>
-      <p:sp>
-        <p:nvSpPr>
-          <p:cNvPr id="4" name="Slide Number Placeholder 3"/>
-          <p:cNvSpPr>
-            <a:spLocks noGrp="1"/>
-          </p:cNvSpPr>
-          <p:nvPr>
-            <p:ph type="sldNum" sz="quarter" idx="10"/>
-          </p:nvPr>
-        </p:nvSpPr>
-        <p:spPr bwMode="auto"/>
-        <p:txBody>
-          <a:bodyPr/>
-          <a:lstStyle/>
-          <a:p>
-            <a:pPr>
-              <a:defRPr/>
-            </a:pPr>
-            <a:fld id="{3CEA9B13-73A4-9F5B-B562-4E5737AB1495}" type="slidenum">
-              <a:rPr/>
-              <a:t/>
-            </a:fld>
-            <a:endParaRPr/>
-          </a:p>
-        </p:txBody>
-      </p:sp>
-    </p:spTree>
-  </p:cSld>
-</p:notes>
-</file>
-
-<file path=ppt/notesSlides/notesSlide2.xml><?xml version="1.0" encoding="utf-8"?>
-<p:notes xmlns:a="http://schemas.openxmlformats.org/drawingml/2006/main" xmlns:r="http://schemas.openxmlformats.org/officeDocument/2006/relationships" xmlns:p="http://schemas.openxmlformats.org/presentationml/2006/main" xmlns:m="http://schemas.openxmlformats.org/officeDocument/2006/math" xmlns:w="http://schemas.openxmlformats.org/wordprocessingml/2006/main" showMasterPhAnim="0" showMasterSp="0">
-  <p:cSld name="">
-    <p:spTree>
-      <p:nvGrpSpPr>
-        <p:cNvPr id="1" name=""/>
-        <p:cNvGrpSpPr/>
-        <p:nvPr/>
-      </p:nvGrpSpPr>
-      <p:grpSpPr bwMode="auto">
-        <a:xfrm>
-          <a:off x="0" y="0"/>
-          <a:ext cx="0" cy="0"/>
-          <a:chOff x="0" y="0"/>
-          <a:chExt cx="0" cy="0"/>
-        </a:xfrm>
-      </p:grpSpPr>
-      <p:sp>
-        <p:nvSpPr>
-          <p:cNvPr id="348" name="Google Shape;348;p2:notes"/>
-          <p:cNvSpPr/>
-          <p:nvPr>
-            <p:ph type="sldImg" idx="2"/>
-          </p:nvPr>
-        </p:nvSpPr>
-        <p:spPr bwMode="auto">
-          <a:xfrm>
-            <a:off x="685800" y="1143000"/>
-            <a:ext cx="5486400" cy="3086100"/>
-          </a:xfrm>
-          <a:custGeom>
-            <a:avLst/>
-            <a:gdLst/>
-            <a:ahLst/>
-            <a:cxnLst/>
-            <a:rect l="l" t="t" r="r" b="b"/>
-            <a:pathLst>
-              <a:path w="120000" h="120000" fill="norm" stroke="1" extrusionOk="0">
-                <a:moveTo>
-                  <a:pt x="0" y="0"/>
-                </a:moveTo>
-                <a:lnTo>
-                  <a:pt x="120000" y="0"/>
-                </a:lnTo>
-                <a:lnTo>
-                  <a:pt x="120000" y="120000"/>
-                </a:lnTo>
-                <a:lnTo>
-                  <a:pt x="0" y="120000"/>
-                </a:lnTo>
-                <a:close/>
-              </a:path>
-            </a:pathLst>
-          </a:custGeom>
-          <a:noFill/>
-          <a:ln w="12700" cap="flat" cmpd="sng">
-            <a:solidFill>
-              <a:srgbClr val="000000"/>
-            </a:solidFill>
-            <a:prstDash val="solid"/>
-            <a:round/>
-            <a:headEnd type="none" w="sm" len="sm"/>
-            <a:tailEnd type="none" w="sm" len="sm"/>
-          </a:ln>
-        </p:spPr>
-      </p:sp>
-      <p:sp>
-        <p:nvSpPr>
-          <p:cNvPr id="349" name="Google Shape;349;p2:notes"/>
-          <p:cNvSpPr txBox="1"/>
-          <p:nvPr>
-            <p:ph type="body" idx="1"/>
-          </p:nvPr>
-        </p:nvSpPr>
-        <p:spPr bwMode="auto">
-          <a:xfrm>
-            <a:off x="685800" y="4400550"/>
-            <a:ext cx="5486400" cy="3600450"/>
-          </a:xfrm>
-          <a:prstGeom prst="rect">
-            <a:avLst/>
-          </a:prstGeom>
-          <a:noFill/>
-          <a:ln>
-            <a:noFill/>
-          </a:ln>
-        </p:spPr>
-        <p:txBody>
-          <a:bodyPr spcFirstLastPara="1" wrap="square" lIns="91425" tIns="45700" rIns="91425" bIns="45700" anchor="t" anchorCtr="0">
-            <a:noAutofit/>
-          </a:bodyPr>
-          <a:lstStyle/>
-          <a:p>
-            <a:pPr marL="0" lvl="0" indent="0" algn="l">
-              <a:spcBef>
-                <a:spcPts val="0"/>
-              </a:spcBef>
-              <a:spcAft>
-                <a:spcPts val="0"/>
-              </a:spcAft>
-              <a:buNone/>
-              <a:defRPr/>
-            </a:pPr>
-            <a:endParaRPr/>
-          </a:p>
-        </p:txBody>
-      </p:sp>
-      <p:sp>
-        <p:nvSpPr>
-          <p:cNvPr id="350" name="Google Shape;350;p2:notes"/>
-          <p:cNvSpPr txBox="1"/>
-          <p:nvPr>
-            <p:ph type="sldNum" idx="12"/>
-          </p:nvPr>
-        </p:nvSpPr>
-        <p:spPr bwMode="auto">
-          <a:xfrm>
-            <a:off x="3884613" y="8685213"/>
-            <a:ext cx="2971800" cy="458787"/>
-          </a:xfrm>
-          <a:prstGeom prst="rect">
-            <a:avLst/>
-          </a:prstGeom>
-          <a:noFill/>
-          <a:ln>
-            <a:noFill/>
-          </a:ln>
-        </p:spPr>
-        <p:txBody>
-          <a:bodyPr spcFirstLastPara="1" wrap="square" lIns="91425" tIns="45700" rIns="91425" bIns="45700" anchor="b" anchorCtr="0">
-            <a:noAutofit/>
-          </a:bodyPr>
-          <a:lstStyle/>
-          <a:p>
-            <a:pPr marL="0" lvl="0" indent="0" algn="r">
-              <a:spcBef>
-                <a:spcPts val="0"/>
-              </a:spcBef>
-              <a:spcAft>
-                <a:spcPts val="0"/>
-              </a:spcAft>
-              <a:buNone/>
-              <a:defRPr/>
-            </a:pPr>
-            <a:fld id="{00000000-1234-1234-1234-123412341234}" type="slidenum">
-              <a:rPr lang="en-US"/>
-              <a:t>‹#›</a:t>
-            </a:fld>
-            <a:endParaRPr/>
-          </a:p>
-        </p:txBody>
-      </p:sp>
-    </p:spTree>
-  </p:cSld>
-</p:notes>
-</file>
-
-<file path=ppt/notesSlides/notesSlide3.xml><?xml version="1.0" encoding="utf-8"?>
-<p:notes xmlns:a="http://schemas.openxmlformats.org/drawingml/2006/main" xmlns:r="http://schemas.openxmlformats.org/officeDocument/2006/relationships" xmlns:p="http://schemas.openxmlformats.org/presentationml/2006/main" xmlns:m="http://schemas.openxmlformats.org/officeDocument/2006/math" xmlns:w="http://schemas.openxmlformats.org/wordprocessingml/2006/main" showMasterPhAnim="0" showMasterSp="0">
-  <p:cSld name="">
-    <p:spTree>
-      <p:nvGrpSpPr>
-        <p:cNvPr id="1" name=""/>
-        <p:cNvGrpSpPr/>
-        <p:nvPr/>
-      </p:nvGrpSpPr>
-      <p:grpSpPr bwMode="auto">
-        <a:xfrm>
-          <a:off x="0" y="0"/>
-          <a:ext cx="0" cy="0"/>
-          <a:chOff x="0" y="0"/>
-          <a:chExt cx="0" cy="0"/>
-        </a:xfrm>
-      </p:grpSpPr>
-      <p:sp>
-        <p:nvSpPr>
-          <p:cNvPr id="355" name="Google Shape;355;p3:notes"/>
-          <p:cNvSpPr/>
-          <p:nvPr>
-            <p:ph type="sldImg" idx="2"/>
-          </p:nvPr>
-        </p:nvSpPr>
-        <p:spPr bwMode="auto">
-          <a:xfrm>
-            <a:off x="685800" y="1143000"/>
-            <a:ext cx="5486400" cy="3086100"/>
-          </a:xfrm>
-          <a:custGeom>
-            <a:avLst/>
-            <a:gdLst/>
-            <a:ahLst/>
-            <a:cxnLst/>
-            <a:rect l="l" t="t" r="r" b="b"/>
-            <a:pathLst>
-              <a:path w="120000" h="120000" fill="norm" stroke="1" extrusionOk="0">
-                <a:moveTo>
-                  <a:pt x="0" y="0"/>
-                </a:moveTo>
-                <a:lnTo>
-                  <a:pt x="120000" y="0"/>
-                </a:lnTo>
-                <a:lnTo>
-                  <a:pt x="120000" y="120000"/>
-                </a:lnTo>
-                <a:lnTo>
-                  <a:pt x="0" y="120000"/>
-                </a:lnTo>
-                <a:close/>
-              </a:path>
-            </a:pathLst>
-          </a:custGeom>
-          <a:noFill/>
-          <a:ln w="12700" cap="flat" cmpd="sng">
-            <a:solidFill>
-              <a:srgbClr val="000000"/>
-            </a:solidFill>
-            <a:prstDash val="solid"/>
-            <a:round/>
-            <a:headEnd type="none" w="sm" len="sm"/>
-            <a:tailEnd type="none" w="sm" len="sm"/>
-          </a:ln>
-        </p:spPr>
-      </p:sp>
-      <p:sp>
-        <p:nvSpPr>
-          <p:cNvPr id="356" name="Google Shape;356;p3:notes"/>
-          <p:cNvSpPr txBox="1"/>
-          <p:nvPr>
-            <p:ph type="body" idx="1"/>
-          </p:nvPr>
-        </p:nvSpPr>
-        <p:spPr bwMode="auto">
-          <a:xfrm>
-            <a:off x="685800" y="4400550"/>
-            <a:ext cx="5486400" cy="3600450"/>
-          </a:xfrm>
-          <a:prstGeom prst="rect">
-            <a:avLst/>
-          </a:prstGeom>
-          <a:noFill/>
-          <a:ln>
-            <a:noFill/>
-          </a:ln>
-        </p:spPr>
-        <p:txBody>
-          <a:bodyPr spcFirstLastPara="1" wrap="square" lIns="91425" tIns="45700" rIns="91425" bIns="45700" anchor="t" anchorCtr="0">
-            <a:noAutofit/>
-          </a:bodyPr>
-          <a:lstStyle/>
-          <a:p>
-            <a:pPr marL="0" lvl="0" indent="0" algn="l">
-              <a:spcBef>
-                <a:spcPts val="0"/>
-              </a:spcBef>
-              <a:spcAft>
-                <a:spcPts val="0"/>
-              </a:spcAft>
-              <a:buNone/>
-              <a:defRPr/>
-            </a:pPr>
-            <a:endParaRPr/>
-          </a:p>
-        </p:txBody>
-      </p:sp>
-      <p:sp>
-        <p:nvSpPr>
-          <p:cNvPr id="357" name="Google Shape;357;p3:notes"/>
-          <p:cNvSpPr txBox="1"/>
-          <p:nvPr>
-            <p:ph type="sldNum" idx="12"/>
-          </p:nvPr>
-        </p:nvSpPr>
-        <p:spPr bwMode="auto">
-          <a:xfrm>
-            <a:off x="3884613" y="8685213"/>
-            <a:ext cx="2971800" cy="458787"/>
-          </a:xfrm>
-          <a:prstGeom prst="rect">
-            <a:avLst/>
-          </a:prstGeom>
-          <a:noFill/>
-          <a:ln>
-            <a:noFill/>
-          </a:ln>
-        </p:spPr>
-        <p:txBody>
-          <a:bodyPr spcFirstLastPara="1" wrap="square" lIns="91425" tIns="45700" rIns="91425" bIns="45700" anchor="b" anchorCtr="0">
-            <a:noAutofit/>
-          </a:bodyPr>
-          <a:lstStyle/>
-          <a:p>
-            <a:pPr marL="0" lvl="0" indent="0" algn="r">
-              <a:spcBef>
-                <a:spcPts val="0"/>
-              </a:spcBef>
-              <a:spcAft>
-                <a:spcPts val="0"/>
-              </a:spcAft>
-              <a:buNone/>
-              <a:defRPr/>
-            </a:pPr>
-            <a:fld id="{00000000-1234-1234-1234-123412341234}" type="slidenum">
-              <a:rPr lang="en-US"/>
-              <a:t>‹#›</a:t>
-            </a:fld>
-            <a:endParaRPr/>
-          </a:p>
-        </p:txBody>
-      </p:sp>
-    </p:spTree>
-  </p:cSld>
-</p:notes>
-</file>
-
-<file path=ppt/notesSlides/notesSlide4.xml><?xml version="1.0" encoding="utf-8"?>
-<p:notes xmlns:a="http://schemas.openxmlformats.org/drawingml/2006/main" xmlns:r="http://schemas.openxmlformats.org/officeDocument/2006/relationships" xmlns:p="http://schemas.openxmlformats.org/presentationml/2006/main" xmlns:m="http://schemas.openxmlformats.org/officeDocument/2006/math" xmlns:w="http://schemas.openxmlformats.org/wordprocessingml/2006/main" showMasterPhAnim="0" showMasterSp="0">
-  <p:cSld name="">
-    <p:spTree>
-      <p:nvGrpSpPr>
-        <p:cNvPr id="1" name=""/>
-        <p:cNvGrpSpPr/>
-        <p:nvPr/>
-      </p:nvGrpSpPr>
-      <p:grpSpPr bwMode="auto">
-        <a:xfrm>
-          <a:off x="0" y="0"/>
-          <a:ext cx="0" cy="0"/>
-          <a:chOff x="0" y="0"/>
-          <a:chExt cx="0" cy="0"/>
-        </a:xfrm>
-      </p:grpSpPr>
-      <p:sp>
-        <p:nvSpPr>
-          <p:cNvPr id="362" name="Google Shape;362;p4:notes"/>
-          <p:cNvSpPr/>
-          <p:nvPr>
-            <p:ph type="sldImg" idx="2"/>
-          </p:nvPr>
-        </p:nvSpPr>
-        <p:spPr bwMode="auto">
-          <a:xfrm>
-            <a:off x="685800" y="1143000"/>
-            <a:ext cx="5486400" cy="3086100"/>
-          </a:xfrm>
-          <a:custGeom>
-            <a:avLst/>
-            <a:gdLst/>
-            <a:ahLst/>
-            <a:cxnLst/>
-            <a:rect l="l" t="t" r="r" b="b"/>
-            <a:pathLst>
-              <a:path w="120000" h="120000" fill="norm" stroke="1" extrusionOk="0">
-                <a:moveTo>
-                  <a:pt x="0" y="0"/>
-                </a:moveTo>
-                <a:lnTo>
-                  <a:pt x="120000" y="0"/>
-                </a:lnTo>
-                <a:lnTo>
-                  <a:pt x="120000" y="120000"/>
-                </a:lnTo>
-                <a:lnTo>
-                  <a:pt x="0" y="120000"/>
-                </a:lnTo>
-                <a:close/>
-              </a:path>
-            </a:pathLst>
-          </a:custGeom>
-          <a:noFill/>
-          <a:ln w="12700" cap="flat" cmpd="sng">
-            <a:solidFill>
-              <a:srgbClr val="000000"/>
-            </a:solidFill>
-            <a:prstDash val="solid"/>
-            <a:round/>
-            <a:headEnd type="none" w="sm" len="sm"/>
-            <a:tailEnd type="none" w="sm" len="sm"/>
-          </a:ln>
-        </p:spPr>
-      </p:sp>
-      <p:sp>
-        <p:nvSpPr>
-          <p:cNvPr id="363" name="Google Shape;363;p4:notes"/>
-          <p:cNvSpPr txBox="1"/>
-          <p:nvPr>
-            <p:ph type="body" idx="1"/>
-          </p:nvPr>
-        </p:nvSpPr>
-        <p:spPr bwMode="auto">
-          <a:xfrm>
-            <a:off x="685800" y="4400550"/>
-            <a:ext cx="5486400" cy="3600450"/>
-          </a:xfrm>
-          <a:prstGeom prst="rect">
-            <a:avLst/>
-          </a:prstGeom>
-          <a:noFill/>
-          <a:ln>
-            <a:noFill/>
-          </a:ln>
-        </p:spPr>
-        <p:txBody>
-          <a:bodyPr spcFirstLastPara="1" wrap="square" lIns="91425" tIns="45700" rIns="91425" bIns="45700" anchor="t" anchorCtr="0">
-            <a:noAutofit/>
-          </a:bodyPr>
-          <a:lstStyle/>
-          <a:p>
-            <a:pPr marL="0" lvl="0" indent="0" algn="l">
-              <a:spcBef>
-                <a:spcPts val="0"/>
-              </a:spcBef>
-              <a:spcAft>
-                <a:spcPts val="0"/>
-              </a:spcAft>
-              <a:buNone/>
-              <a:defRPr/>
-            </a:pPr>
-            <a:endParaRPr/>
-          </a:p>
-        </p:txBody>
-      </p:sp>
-      <p:sp>
-        <p:nvSpPr>
-          <p:cNvPr id="364" name="Google Shape;364;p4:notes"/>
-          <p:cNvSpPr txBox="1"/>
-          <p:nvPr>
-            <p:ph type="sldNum" idx="12"/>
-          </p:nvPr>
-        </p:nvSpPr>
-        <p:spPr bwMode="auto">
-          <a:xfrm>
-            <a:off x="3884613" y="8685213"/>
-            <a:ext cx="2971800" cy="458787"/>
-          </a:xfrm>
-          <a:prstGeom prst="rect">
-            <a:avLst/>
-          </a:prstGeom>
-          <a:noFill/>
-          <a:ln>
-            <a:noFill/>
-          </a:ln>
-        </p:spPr>
-        <p:txBody>
-          <a:bodyPr spcFirstLastPara="1" wrap="square" lIns="91425" tIns="45700" rIns="91425" bIns="45700" anchor="b" anchorCtr="0">
-            <a:noAutofit/>
-          </a:bodyPr>
-          <a:lstStyle/>
-          <a:p>
-            <a:pPr marL="0" lvl="0" indent="0" algn="r">
-              <a:spcBef>
-                <a:spcPts val="0"/>
-              </a:spcBef>
-              <a:spcAft>
-                <a:spcPts val="0"/>
-              </a:spcAft>
-              <a:buNone/>
-              <a:defRPr/>
-            </a:pPr>
-            <a:fld id="{00000000-1234-1234-1234-123412341234}" type="slidenum">
-              <a:rPr lang="en-US"/>
-              <a:t>‹#›</a:t>
-            </a:fld>
-            <a:endParaRPr/>
-          </a:p>
-        </p:txBody>
-      </p:sp>
-    </p:spTree>
-  </p:cSld>
-</p:notes>
-</file>
-
-<file path=ppt/notesSlides/notesSlide5.xml><?xml version="1.0" encoding="utf-8"?>
-<p:notes xmlns:a="http://schemas.openxmlformats.org/drawingml/2006/main" xmlns:r="http://schemas.openxmlformats.org/officeDocument/2006/relationships" xmlns:p="http://schemas.openxmlformats.org/presentationml/2006/main" xmlns:m="http://schemas.openxmlformats.org/officeDocument/2006/math" xmlns:w="http://schemas.openxmlformats.org/wordprocessingml/2006/main" showMasterPhAnim="0" showMasterSp="0">
-  <p:cSld name="">
-    <p:spTree>
-      <p:nvGrpSpPr>
-        <p:cNvPr id="1" name=""/>
-        <p:cNvGrpSpPr/>
-        <p:nvPr/>
-      </p:nvGrpSpPr>
-      <p:grpSpPr bwMode="auto">
-        <a:xfrm>
-          <a:off x="0" y="0"/>
-          <a:ext cx="0" cy="0"/>
-          <a:chOff x="0" y="0"/>
-          <a:chExt cx="0" cy="0"/>
-        </a:xfrm>
-      </p:grpSpPr>
-      <p:sp>
-        <p:nvSpPr>
-          <p:cNvPr id="371" name="Google Shape;371;p5:notes"/>
-          <p:cNvSpPr/>
-          <p:nvPr>
-            <p:ph type="sldImg" idx="2"/>
-          </p:nvPr>
-        </p:nvSpPr>
-        <p:spPr bwMode="auto">
-          <a:xfrm>
-            <a:off x="685800" y="1143000"/>
-            <a:ext cx="5486400" cy="3086100"/>
-          </a:xfrm>
-          <a:custGeom>
-            <a:avLst/>
-            <a:gdLst/>
-            <a:ahLst/>
-            <a:cxnLst/>
-            <a:rect l="l" t="t" r="r" b="b"/>
-            <a:pathLst>
-              <a:path w="120000" h="120000" fill="norm" stroke="1" extrusionOk="0">
-                <a:moveTo>
-                  <a:pt x="0" y="0"/>
-                </a:moveTo>
-                <a:lnTo>
-                  <a:pt x="120000" y="0"/>
-                </a:lnTo>
-                <a:lnTo>
-                  <a:pt x="120000" y="120000"/>
-                </a:lnTo>
-                <a:lnTo>
-                  <a:pt x="0" y="120000"/>
-                </a:lnTo>
-                <a:close/>
-              </a:path>
-            </a:pathLst>
-          </a:custGeom>
-          <a:noFill/>
-          <a:ln w="12700" cap="flat" cmpd="sng">
-            <a:solidFill>
-              <a:srgbClr val="000000"/>
-            </a:solidFill>
-            <a:prstDash val="solid"/>
-            <a:round/>
-            <a:headEnd type="none" w="sm" len="sm"/>
-            <a:tailEnd type="none" w="sm" len="sm"/>
-          </a:ln>
-        </p:spPr>
-      </p:sp>
-      <p:sp>
-        <p:nvSpPr>
-          <p:cNvPr id="372" name="Google Shape;372;p5:notes"/>
-          <p:cNvSpPr txBox="1"/>
-          <p:nvPr>
-            <p:ph type="body" idx="1"/>
-          </p:nvPr>
-        </p:nvSpPr>
-        <p:spPr bwMode="auto">
-          <a:xfrm>
-            <a:off x="685800" y="4400550"/>
-            <a:ext cx="5486400" cy="3600450"/>
-          </a:xfrm>
-          <a:prstGeom prst="rect">
-            <a:avLst/>
-          </a:prstGeom>
-          <a:noFill/>
-          <a:ln>
-            <a:noFill/>
-          </a:ln>
-        </p:spPr>
-        <p:txBody>
-          <a:bodyPr spcFirstLastPara="1" wrap="square" lIns="91425" tIns="45700" rIns="91425" bIns="45700" anchor="t" anchorCtr="0">
-            <a:noAutofit/>
-          </a:bodyPr>
-          <a:lstStyle/>
-          <a:p>
-            <a:pPr marL="0" lvl="0" indent="0" algn="l">
-              <a:spcBef>
-                <a:spcPts val="0"/>
-              </a:spcBef>
-              <a:spcAft>
-                <a:spcPts val="0"/>
-              </a:spcAft>
-              <a:buNone/>
-              <a:defRPr/>
-            </a:pPr>
-            <a:endParaRPr/>
-          </a:p>
-        </p:txBody>
-      </p:sp>
-      <p:sp>
-        <p:nvSpPr>
-          <p:cNvPr id="373" name="Google Shape;373;p5:notes"/>
-          <p:cNvSpPr txBox="1"/>
-          <p:nvPr>
-            <p:ph type="sldNum" idx="12"/>
-          </p:nvPr>
-        </p:nvSpPr>
-        <p:spPr bwMode="auto">
-          <a:xfrm>
-            <a:off x="3884613" y="8685213"/>
-            <a:ext cx="2971800" cy="458787"/>
-          </a:xfrm>
-          <a:prstGeom prst="rect">
-            <a:avLst/>
-          </a:prstGeom>
-          <a:noFill/>
-          <a:ln>
-            <a:noFill/>
-          </a:ln>
-        </p:spPr>
-        <p:txBody>
-          <a:bodyPr spcFirstLastPara="1" wrap="square" lIns="91425" tIns="45700" rIns="91425" bIns="45700" anchor="b" anchorCtr="0">
-            <a:noAutofit/>
-          </a:bodyPr>
-          <a:lstStyle/>
-          <a:p>
-            <a:pPr marL="0" lvl="0" indent="0" algn="r">
-              <a:spcBef>
-                <a:spcPts val="0"/>
-              </a:spcBef>
-              <a:spcAft>
-                <a:spcPts val="0"/>
-              </a:spcAft>
-              <a:buNone/>
-              <a:defRPr/>
-            </a:pPr>
-            <a:fld id="{00000000-1234-1234-1234-123412341234}" type="slidenum">
-              <a:rPr lang="en-US"/>
-              <a:t>‹#›</a:t>
-            </a:fld>
-            <a:endParaRPr/>
-          </a:p>
-        </p:txBody>
-      </p:sp>
-    </p:spTree>
-  </p:cSld>
-</p:notes>
-</file>
-
-<file path=ppt/notesSlides/notesSlide6.xml><?xml version="1.0" encoding="utf-8"?>
-<p:notes xmlns:a="http://schemas.openxmlformats.org/drawingml/2006/main" xmlns:r="http://schemas.openxmlformats.org/officeDocument/2006/relationships" xmlns:p="http://schemas.openxmlformats.org/presentationml/2006/main" xmlns:m="http://schemas.openxmlformats.org/officeDocument/2006/math" xmlns:w="http://schemas.openxmlformats.org/wordprocessingml/2006/main" showMasterPhAnim="0" showMasterSp="0">
-  <p:cSld name="">
-    <p:spTree>
-      <p:nvGrpSpPr>
-        <p:cNvPr id="1" name=""/>
-        <p:cNvGrpSpPr/>
-        <p:nvPr/>
-      </p:nvGrpSpPr>
-      <p:grpSpPr bwMode="auto">
-        <a:xfrm>
-          <a:off x="0" y="0"/>
-          <a:ext cx="0" cy="0"/>
-          <a:chOff x="0" y="0"/>
-          <a:chExt cx="0" cy="0"/>
-        </a:xfrm>
-      </p:grpSpPr>
-      <p:sp>
-        <p:nvSpPr>
-          <p:cNvPr id="380" name="Google Shape;380;p6:notes"/>
-          <p:cNvSpPr/>
-          <p:nvPr>
-            <p:ph type="sldImg" idx="2"/>
-          </p:nvPr>
-        </p:nvSpPr>
-        <p:spPr bwMode="auto">
-          <a:xfrm>
-            <a:off x="685800" y="1143000"/>
-            <a:ext cx="5486400" cy="3086100"/>
-          </a:xfrm>
-          <a:custGeom>
-            <a:avLst/>
-            <a:gdLst/>
-            <a:ahLst/>
-            <a:cxnLst/>
-            <a:rect l="l" t="t" r="r" b="b"/>
-            <a:pathLst>
-              <a:path w="120000" h="120000" fill="norm" stroke="1" extrusionOk="0">
-                <a:moveTo>
-                  <a:pt x="0" y="0"/>
-                </a:moveTo>
-                <a:lnTo>
-                  <a:pt x="120000" y="0"/>
-                </a:lnTo>
-                <a:lnTo>
-                  <a:pt x="120000" y="120000"/>
-                </a:lnTo>
-                <a:lnTo>
-                  <a:pt x="0" y="120000"/>
-                </a:lnTo>
-                <a:close/>
-              </a:path>
-            </a:pathLst>
-          </a:custGeom>
-          <a:noFill/>
-          <a:ln w="12700" cap="flat" cmpd="sng">
-            <a:solidFill>
-              <a:srgbClr val="000000"/>
-            </a:solidFill>
-            <a:prstDash val="solid"/>
-            <a:round/>
-            <a:headEnd type="none" w="sm" len="sm"/>
-            <a:tailEnd type="none" w="sm" len="sm"/>
-          </a:ln>
-        </p:spPr>
-      </p:sp>
-      <p:sp>
-        <p:nvSpPr>
-          <p:cNvPr id="381" name="Google Shape;381;p6:notes"/>
-          <p:cNvSpPr txBox="1"/>
-          <p:nvPr>
-            <p:ph type="body" idx="1"/>
-          </p:nvPr>
-        </p:nvSpPr>
-        <p:spPr bwMode="auto">
-          <a:xfrm>
-            <a:off x="685800" y="4400550"/>
-            <a:ext cx="5486400" cy="3600450"/>
-          </a:xfrm>
-          <a:prstGeom prst="rect">
-            <a:avLst/>
-          </a:prstGeom>
-          <a:noFill/>
-          <a:ln>
-            <a:noFill/>
-          </a:ln>
-        </p:spPr>
-        <p:txBody>
-          <a:bodyPr spcFirstLastPara="1" wrap="square" lIns="91425" tIns="45700" rIns="91425" bIns="45700" anchor="t" anchorCtr="0">
-            <a:noAutofit/>
-          </a:bodyPr>
-          <a:lstStyle/>
-          <a:p>
-            <a:pPr marL="0" lvl="0" indent="0" algn="l">
-              <a:spcBef>
-                <a:spcPts val="0"/>
-              </a:spcBef>
-              <a:spcAft>
-                <a:spcPts val="0"/>
-              </a:spcAft>
-              <a:buNone/>
-              <a:defRPr/>
-            </a:pPr>
-            <a:endParaRPr/>
-          </a:p>
-        </p:txBody>
-      </p:sp>
-      <p:sp>
-        <p:nvSpPr>
-          <p:cNvPr id="382" name="Google Shape;382;p6:notes"/>
-          <p:cNvSpPr txBox="1"/>
-          <p:nvPr>
-            <p:ph type="sldNum" idx="12"/>
-          </p:nvPr>
-        </p:nvSpPr>
-        <p:spPr bwMode="auto">
-          <a:xfrm>
-            <a:off x="3884613" y="8685213"/>
-            <a:ext cx="2971800" cy="458787"/>
-          </a:xfrm>
-          <a:prstGeom prst="rect">
-            <a:avLst/>
-          </a:prstGeom>
-          <a:noFill/>
-          <a:ln>
-            <a:noFill/>
-          </a:ln>
-        </p:spPr>
-        <p:txBody>
-          <a:bodyPr spcFirstLastPara="1" wrap="square" lIns="91425" tIns="45700" rIns="91425" bIns="45700" anchor="b" anchorCtr="0">
-            <a:noAutofit/>
-          </a:bodyPr>
-          <a:lstStyle/>
-          <a:p>
-            <a:pPr marL="0" lvl="0" indent="0" algn="r">
-              <a:spcBef>
-                <a:spcPts val="0"/>
-              </a:spcBef>
-              <a:spcAft>
-                <a:spcPts val="0"/>
-              </a:spcAft>
-              <a:buNone/>
-              <a:defRPr/>
-            </a:pPr>
-            <a:fld id="{00000000-1234-1234-1234-123412341234}" type="slidenum">
-              <a:rPr lang="en-US"/>
-              <a:t>‹#›</a:t>
-            </a:fld>
-            <a:endParaRPr/>
-          </a:p>
-        </p:txBody>
-      </p:sp>
-    </p:spTree>
-  </p:cSld>
-</p:notes>
-</file>
-
-<file path=ppt/notesSlides/notesSlide7.xml><?xml version="1.0" encoding="utf-8"?>
-<p:notes xmlns:a="http://schemas.openxmlformats.org/drawingml/2006/main" xmlns:r="http://schemas.openxmlformats.org/officeDocument/2006/relationships" xmlns:p="http://schemas.openxmlformats.org/presentationml/2006/main" xmlns:m="http://schemas.openxmlformats.org/officeDocument/2006/math" xmlns:w="http://schemas.openxmlformats.org/wordprocessingml/2006/main" showMasterPhAnim="0" showMasterSp="0">
-  <p:cSld name="">
-    <p:spTree>
-      <p:nvGrpSpPr>
-        <p:cNvPr id="1" name=""/>
-        <p:cNvGrpSpPr/>
-        <p:nvPr/>
-      </p:nvGrpSpPr>
-      <p:grpSpPr bwMode="auto">
-        <a:xfrm>
-          <a:off x="0" y="0"/>
-          <a:ext cx="0" cy="0"/>
-          <a:chOff x="0" y="0"/>
-          <a:chExt cx="0" cy="0"/>
-        </a:xfrm>
-      </p:grpSpPr>
-      <p:sp>
-        <p:nvSpPr>
-          <p:cNvPr id="389" name="Google Shape;389;p7:notes"/>
-          <p:cNvSpPr/>
-          <p:nvPr>
-            <p:ph type="sldImg" idx="2"/>
-          </p:nvPr>
-        </p:nvSpPr>
-        <p:spPr bwMode="auto">
-          <a:xfrm>
-            <a:off x="685800" y="1143000"/>
-            <a:ext cx="5486400" cy="3086100"/>
-          </a:xfrm>
-          <a:custGeom>
-            <a:avLst/>
-            <a:gdLst/>
-            <a:ahLst/>
-            <a:cxnLst/>
-            <a:rect l="l" t="t" r="r" b="b"/>
-            <a:pathLst>
-              <a:path w="120000" h="120000" fill="norm" stroke="1" extrusionOk="0">
-                <a:moveTo>
-                  <a:pt x="0" y="0"/>
-                </a:moveTo>
-                <a:lnTo>
-                  <a:pt x="120000" y="0"/>
-                </a:lnTo>
-                <a:lnTo>
-                  <a:pt x="120000" y="120000"/>
-                </a:lnTo>
-                <a:lnTo>
-                  <a:pt x="0" y="120000"/>
-                </a:lnTo>
-                <a:close/>
-              </a:path>
-            </a:pathLst>
-          </a:custGeom>
-          <a:noFill/>
-          <a:ln w="12700" cap="flat" cmpd="sng">
-            <a:solidFill>
-              <a:srgbClr val="000000"/>
-            </a:solidFill>
-            <a:prstDash val="solid"/>
-            <a:round/>
-            <a:headEnd type="none" w="sm" len="sm"/>
-            <a:tailEnd type="none" w="sm" len="sm"/>
-          </a:ln>
-        </p:spPr>
-      </p:sp>
-      <p:sp>
-        <p:nvSpPr>
-          <p:cNvPr id="390" name="Google Shape;390;p7:notes"/>
-          <p:cNvSpPr txBox="1"/>
-          <p:nvPr>
-            <p:ph type="body" idx="1"/>
-          </p:nvPr>
-        </p:nvSpPr>
-        <p:spPr bwMode="auto">
-          <a:xfrm>
-            <a:off x="685800" y="4400550"/>
-            <a:ext cx="5486400" cy="3600450"/>
-          </a:xfrm>
-          <a:prstGeom prst="rect">
-            <a:avLst/>
-          </a:prstGeom>
-          <a:noFill/>
-          <a:ln>
-            <a:noFill/>
-          </a:ln>
-        </p:spPr>
-        <p:txBody>
-          <a:bodyPr spcFirstLastPara="1" wrap="square" lIns="91425" tIns="45700" rIns="91425" bIns="45700" anchor="t" anchorCtr="0">
-            <a:noAutofit/>
-          </a:bodyPr>
-          <a:lstStyle/>
-          <a:p>
-            <a:pPr marL="0" lvl="0" indent="0" algn="l">
-              <a:spcBef>
-                <a:spcPts val="0"/>
-              </a:spcBef>
-              <a:spcAft>
-                <a:spcPts val="0"/>
-              </a:spcAft>
-              <a:buNone/>
-              <a:defRPr/>
-            </a:pPr>
-            <a:endParaRPr/>
-          </a:p>
-        </p:txBody>
-      </p:sp>
-      <p:sp>
-        <p:nvSpPr>
-          <p:cNvPr id="391" name="Google Shape;391;p7:notes"/>
-          <p:cNvSpPr txBox="1"/>
-          <p:nvPr>
-            <p:ph type="sldNum" idx="12"/>
-          </p:nvPr>
-        </p:nvSpPr>
-        <p:spPr bwMode="auto">
-          <a:xfrm>
-            <a:off x="3884613" y="8685213"/>
-            <a:ext cx="2971800" cy="458787"/>
-          </a:xfrm>
-          <a:prstGeom prst="rect">
-            <a:avLst/>
-          </a:prstGeom>
-          <a:noFill/>
-          <a:ln>
-            <a:noFill/>
-          </a:ln>
-        </p:spPr>
-        <p:txBody>
-          <a:bodyPr spcFirstLastPara="1" wrap="square" lIns="91425" tIns="45700" rIns="91425" bIns="45700" anchor="b" anchorCtr="0">
-            <a:noAutofit/>
-          </a:bodyPr>
-          <a:lstStyle/>
-          <a:p>
-            <a:pPr marL="0" lvl="0" indent="0" algn="r">
-              <a:spcBef>
-                <a:spcPts val="0"/>
-              </a:spcBef>
-              <a:spcAft>
-                <a:spcPts val="0"/>
-              </a:spcAft>
-              <a:buNone/>
-              <a:defRPr/>
-            </a:pPr>
-            <a:fld id="{00000000-1234-1234-1234-123412341234}" type="slidenum">
-              <a:rPr lang="en-US"/>
-              <a:t>‹#›</a:t>
-            </a:fld>
-            <a:endParaRPr/>
-          </a:p>
-        </p:txBody>
-      </p:sp>
-    </p:spTree>
-  </p:cSld>
-</p:notes>
-</file>
-
-<file path=ppt/notesSlides/notesSlide8.xml><?xml version="1.0" encoding="utf-8"?>
-<p:notes xmlns:a="http://schemas.openxmlformats.org/drawingml/2006/main" xmlns:r="http://schemas.openxmlformats.org/officeDocument/2006/relationships" xmlns:p="http://schemas.openxmlformats.org/presentationml/2006/main" xmlns:m="http://schemas.openxmlformats.org/officeDocument/2006/math" xmlns:w="http://schemas.openxmlformats.org/wordprocessingml/2006/main" showMasterPhAnim="0" showMasterSp="0">
-  <p:cSld name="">
-    <p:spTree>
-      <p:nvGrpSpPr>
-        <p:cNvPr id="1" name=""/>
-        <p:cNvGrpSpPr/>
-        <p:nvPr/>
-      </p:nvGrpSpPr>
-      <p:grpSpPr bwMode="auto">
-        <a:xfrm>
-          <a:off x="0" y="0"/>
-          <a:ext cx="0" cy="0"/>
-          <a:chOff x="0" y="0"/>
-          <a:chExt cx="0" cy="0"/>
-        </a:xfrm>
-      </p:grpSpPr>
-      <p:sp>
-        <p:nvSpPr>
-          <p:cNvPr id="396" name="Google Shape;396;p8:notes"/>
-          <p:cNvSpPr/>
-          <p:nvPr>
-            <p:ph type="sldImg" idx="2"/>
-          </p:nvPr>
-        </p:nvSpPr>
-        <p:spPr bwMode="auto">
-          <a:xfrm>
-            <a:off x="685800" y="1143000"/>
-            <a:ext cx="5486400" cy="3086100"/>
-          </a:xfrm>
-          <a:custGeom>
-            <a:avLst/>
-            <a:gdLst/>
-            <a:ahLst/>
-            <a:cxnLst/>
-            <a:rect l="l" t="t" r="r" b="b"/>
-            <a:pathLst>
-              <a:path w="120000" h="120000" fill="norm" stroke="1" extrusionOk="0">
-                <a:moveTo>
-                  <a:pt x="0" y="0"/>
-                </a:moveTo>
-                <a:lnTo>
-                  <a:pt x="120000" y="0"/>
-                </a:lnTo>
-                <a:lnTo>
-                  <a:pt x="120000" y="120000"/>
-                </a:lnTo>
-                <a:lnTo>
-                  <a:pt x="0" y="120000"/>
-                </a:lnTo>
-                <a:close/>
-              </a:path>
-            </a:pathLst>
-          </a:custGeom>
-          <a:noFill/>
-          <a:ln w="12700" cap="flat" cmpd="sng">
-            <a:solidFill>
-              <a:srgbClr val="000000"/>
-            </a:solidFill>
-            <a:prstDash val="solid"/>
-            <a:round/>
-            <a:headEnd type="none" w="sm" len="sm"/>
-            <a:tailEnd type="none" w="sm" len="sm"/>
-          </a:ln>
-        </p:spPr>
-      </p:sp>
-      <p:sp>
-        <p:nvSpPr>
-          <p:cNvPr id="397" name="Google Shape;397;p8:notes"/>
-          <p:cNvSpPr txBox="1"/>
-          <p:nvPr>
-            <p:ph type="body" idx="1"/>
-          </p:nvPr>
-        </p:nvSpPr>
-        <p:spPr bwMode="auto">
-          <a:xfrm>
-            <a:off x="685800" y="4400550"/>
-            <a:ext cx="5486400" cy="3600450"/>
-          </a:xfrm>
-          <a:prstGeom prst="rect">
-            <a:avLst/>
-          </a:prstGeom>
-          <a:noFill/>
-          <a:ln>
-            <a:noFill/>
-          </a:ln>
-        </p:spPr>
-        <p:txBody>
-          <a:bodyPr spcFirstLastPara="1" wrap="square" lIns="91425" tIns="45700" rIns="91425" bIns="45700" anchor="t" anchorCtr="0">
-            <a:noAutofit/>
-          </a:bodyPr>
-          <a:lstStyle/>
-          <a:p>
-            <a:pPr marL="0" lvl="0" indent="0" algn="l">
-              <a:spcBef>
-                <a:spcPts val="0"/>
-              </a:spcBef>
-              <a:spcAft>
-                <a:spcPts val="0"/>
-              </a:spcAft>
-              <a:buNone/>
-              <a:defRPr/>
-            </a:pPr>
-            <a:endParaRPr/>
-          </a:p>
-        </p:txBody>
-      </p:sp>
-      <p:sp>
-        <p:nvSpPr>
-          <p:cNvPr id="398" name="Google Shape;398;p8:notes"/>
-          <p:cNvSpPr txBox="1"/>
-          <p:nvPr>
-            <p:ph type="sldNum" idx="12"/>
-          </p:nvPr>
-        </p:nvSpPr>
-        <p:spPr bwMode="auto">
-          <a:xfrm>
-            <a:off x="3884613" y="8685213"/>
-            <a:ext cx="2971800" cy="458787"/>
-          </a:xfrm>
-          <a:prstGeom prst="rect">
-            <a:avLst/>
-          </a:prstGeom>
-          <a:noFill/>
-          <a:ln>
-            <a:noFill/>
-          </a:ln>
-        </p:spPr>
-        <p:txBody>
-          <a:bodyPr spcFirstLastPara="1" wrap="square" lIns="91425" tIns="45700" rIns="91425" bIns="45700" anchor="b" anchorCtr="0">
-            <a:noAutofit/>
-          </a:bodyPr>
-          <a:lstStyle/>
-          <a:p>
-            <a:pPr marL="0" lvl="0" indent="0" algn="r">
-              <a:spcBef>
-                <a:spcPts val="0"/>
-              </a:spcBef>
-              <a:spcAft>
-                <a:spcPts val="0"/>
-              </a:spcAft>
-              <a:buNone/>
-              <a:defRPr/>
-            </a:pPr>
-            <a:fld id="{00000000-1234-1234-1234-123412341234}" type="slidenum">
-              <a:rPr lang="en-US"/>
-              <a:t>‹#›</a:t>
-            </a:fld>
-            <a:endParaRPr/>
-          </a:p>
-        </p:txBody>
-      </p:sp>
-    </p:spTree>
-  </p:cSld>
-</p:notes>
-</file>
-
-<file path=ppt/notesSlides/notesSlide9.xml><?xml version="1.0" encoding="utf-8"?>
-<p:notes xmlns:a="http://schemas.openxmlformats.org/drawingml/2006/main" xmlns:r="http://schemas.openxmlformats.org/officeDocument/2006/relationships" xmlns:p="http://schemas.openxmlformats.org/presentationml/2006/main" xmlns:m="http://schemas.openxmlformats.org/officeDocument/2006/math" xmlns:w="http://schemas.openxmlformats.org/wordprocessingml/2006/main" showMasterPhAnim="0" showMasterSp="0">
-  <p:cSld name="">
-    <p:spTree>
-      <p:nvGrpSpPr>
-        <p:cNvPr id="1" name=""/>
-        <p:cNvGrpSpPr/>
-        <p:nvPr/>
-      </p:nvGrpSpPr>
-      <p:grpSpPr bwMode="auto">
-        <a:xfrm>
-          <a:off x="0" y="0"/>
-          <a:ext cx="0" cy="0"/>
-          <a:chOff x="0" y="0"/>
-          <a:chExt cx="0" cy="0"/>
-        </a:xfrm>
-      </p:grpSpPr>
-      <p:sp>
-        <p:nvSpPr>
-          <p:cNvPr id="405" name="Google Shape;405;p9:notes"/>
-          <p:cNvSpPr/>
-          <p:nvPr>
-            <p:ph type="sldImg" idx="2"/>
-          </p:nvPr>
-        </p:nvSpPr>
-        <p:spPr bwMode="auto">
-          <a:xfrm>
-            <a:off x="685800" y="1143000"/>
-            <a:ext cx="5486400" cy="3086100"/>
-          </a:xfrm>
-          <a:custGeom>
-            <a:avLst/>
-            <a:gdLst/>
-            <a:ahLst/>
-            <a:cxnLst/>
-            <a:rect l="l" t="t" r="r" b="b"/>
-            <a:pathLst>
-              <a:path w="120000" h="120000" fill="norm" stroke="1" extrusionOk="0">
-                <a:moveTo>
-                  <a:pt x="0" y="0"/>
-                </a:moveTo>
-                <a:lnTo>
-                  <a:pt x="120000" y="0"/>
-                </a:lnTo>
-                <a:lnTo>
-                  <a:pt x="120000" y="120000"/>
-                </a:lnTo>
-                <a:lnTo>
-                  <a:pt x="0" y="120000"/>
-                </a:lnTo>
-                <a:close/>
-              </a:path>
-            </a:pathLst>
-          </a:custGeom>
-          <a:noFill/>
-          <a:ln w="12700" cap="flat" cmpd="sng">
-            <a:solidFill>
-              <a:srgbClr val="000000"/>
-            </a:solidFill>
-            <a:prstDash val="solid"/>
-            <a:round/>
-            <a:headEnd type="none" w="sm" len="sm"/>
-            <a:tailEnd type="none" w="sm" len="sm"/>
-          </a:ln>
-        </p:spPr>
-      </p:sp>
-      <p:sp>
-        <p:nvSpPr>
-          <p:cNvPr id="406" name="Google Shape;406;p9:notes"/>
-          <p:cNvSpPr txBox="1"/>
-          <p:nvPr>
-            <p:ph type="body" idx="1"/>
-          </p:nvPr>
-        </p:nvSpPr>
-        <p:spPr bwMode="auto">
-          <a:xfrm>
-            <a:off x="685800" y="4400550"/>
-            <a:ext cx="5486400" cy="3600450"/>
-          </a:xfrm>
-          <a:prstGeom prst="rect">
-            <a:avLst/>
-          </a:prstGeom>
-          <a:noFill/>
-          <a:ln>
-            <a:noFill/>
-          </a:ln>
-        </p:spPr>
-        <p:txBody>
-          <a:bodyPr spcFirstLastPara="1" wrap="square" lIns="91425" tIns="45700" rIns="91425" bIns="45700" anchor="t" anchorCtr="0">
-            <a:noAutofit/>
-          </a:bodyPr>
-          <a:lstStyle/>
-          <a:p>
-            <a:pPr marL="0" lvl="0" indent="0" algn="l">
-              <a:spcBef>
-                <a:spcPts val="0"/>
-              </a:spcBef>
-              <a:spcAft>
-                <a:spcPts val="0"/>
-              </a:spcAft>
-              <a:buNone/>
-              <a:defRPr/>
-            </a:pPr>
-            <a:endParaRPr/>
-          </a:p>
-        </p:txBody>
-      </p:sp>
-      <p:sp>
-        <p:nvSpPr>
-          <p:cNvPr id="407" name="Google Shape;407;p9:notes"/>
-          <p:cNvSpPr txBox="1"/>
-          <p:nvPr>
-            <p:ph type="sldNum" idx="12"/>
-          </p:nvPr>
-        </p:nvSpPr>
-        <p:spPr bwMode="auto">
-          <a:xfrm>
-            <a:off x="3884613" y="8685213"/>
-            <a:ext cx="2971800" cy="458787"/>
-          </a:xfrm>
-          <a:prstGeom prst="rect">
-            <a:avLst/>
-          </a:prstGeom>
-          <a:noFill/>
-          <a:ln>
-            <a:noFill/>
-          </a:ln>
-        </p:spPr>
-        <p:txBody>
-          <a:bodyPr spcFirstLastPara="1" wrap="square" lIns="91425" tIns="45700" rIns="91425" bIns="45700" anchor="b" anchorCtr="0">
-            <a:noAutofit/>
-          </a:bodyPr>
-          <a:lstStyle/>
-          <a:p>
-            <a:pPr marL="0" lvl="0" indent="0" algn="r">
-              <a:spcBef>
-                <a:spcPts val="0"/>
-              </a:spcBef>
-              <a:spcAft>
-                <a:spcPts val="0"/>
-              </a:spcAft>
-              <a:buNone/>
-              <a:defRPr/>
-            </a:pPr>
-            <a:fld id="{00000000-1234-1234-1234-123412341234}" type="slidenum">
-              <a:rPr lang="en-US"/>
-              <a:t>‹#›</a:t>
-            </a:fld>
-            <a:endParaRPr/>
-          </a:p>
-        </p:txBody>
-      </p:sp>
-    </p:spTree>
-  </p:cSld>
-</p:notes>
-</file>
-
 <file path=ppt/slideLayouts/slideLayout1.xml><?xml version="1.0" encoding="utf-8"?>
 <p:sldLayout xmlns:a="http://schemas.openxmlformats.org/drawingml/2006/main" xmlns:r="http://schemas.openxmlformats.org/officeDocument/2006/relationships" xmlns:p="http://schemas.openxmlformats.org/presentationml/2006/main" xmlns:m="http://schemas.openxmlformats.org/officeDocument/2006/math" xmlns:w="http://schemas.openxmlformats.org/wordprocessingml/2006/main" matchingName="Title Slide" preserve="0" showMasterPhAnim="0" showMasterSp="0" type="title" userDrawn="1">
   <p:cSld name="TITLE">
@@ -4088,7 +971,7 @@
             </a:pPr>
             <a:fld id="{00000000-1234-1234-1234-123412341234}" type="slidenum">
               <a:rPr lang="en-US"/>
-              <a:t>‹#›</a:t>
+              <a:t/>
             </a:fld>
             <a:endParaRPr/>
           </a:p>
@@ -4735,7 +1618,7 @@
                 </a:prstGeom>
                 <a:solidFill>
                   <a:srgbClr val="92CCDC">
-                    <a:alpha val="29802"/>
+                    <a:alpha val="29801"/>
                   </a:srgbClr>
                 </a:solidFill>
                 <a:ln>
@@ -5277,7 +2160,7 @@
                 </a:prstGeom>
                 <a:solidFill>
                   <a:srgbClr val="FE75FF">
-                    <a:alpha val="29802"/>
+                    <a:alpha val="29801"/>
                   </a:srgbClr>
                 </a:solidFill>
                 <a:ln>
@@ -5363,7 +2246,7 @@
                 </a:prstGeom>
                 <a:solidFill>
                   <a:srgbClr val="BFBF00">
-                    <a:alpha val="29802"/>
+                    <a:alpha val="29801"/>
                   </a:srgbClr>
                 </a:solidFill>
                 <a:ln>
@@ -6849,7 +3732,7 @@
             </a:prstGeom>
             <a:solidFill>
               <a:srgbClr val="FE75FF">
-                <a:alpha val="29802"/>
+                <a:alpha val="29801"/>
               </a:srgbClr>
             </a:solidFill>
             <a:ln>
@@ -8087,7 +4970,7 @@
             </a:pPr>
             <a:fld id="{00000000-1234-1234-1234-123412341234}" type="slidenum">
               <a:rPr lang="en-US"/>
-              <a:t>‹#›</a:t>
+              <a:t/>
             </a:fld>
             <a:endParaRPr/>
           </a:p>
@@ -8794,7 +5677,7 @@
             </a:pPr>
             <a:fld id="{00000000-1234-1234-1234-123412341234}" type="slidenum">
               <a:rPr lang="en-US"/>
-              <a:t>‹#›</a:t>
+              <a:t/>
             </a:fld>
             <a:endParaRPr/>
           </a:p>
@@ -9500,7 +6383,7 @@
             </a:pPr>
             <a:fld id="{00000000-1234-1234-1234-123412341234}" type="slidenum">
               <a:rPr lang="en-US"/>
-              <a:t>‹#›</a:t>
+              <a:t/>
             </a:fld>
             <a:endParaRPr/>
           </a:p>
@@ -10239,7 +7122,7 @@
             </a:pPr>
             <a:fld id="{00000000-1234-1234-1234-123412341234}" type="slidenum">
               <a:rPr lang="en-US"/>
-              <a:t>‹#›</a:t>
+              <a:t/>
             </a:fld>
             <a:endParaRPr/>
           </a:p>
@@ -10965,7 +7848,7 @@
             </a:pPr>
             <a:fld id="{00000000-1234-1234-1234-123412341234}" type="slidenum">
               <a:rPr lang="en-US"/>
-              <a:t>‹#›</a:t>
+              <a:t/>
             </a:fld>
             <a:endParaRPr/>
           </a:p>
@@ -12154,7 +9037,7 @@
             </a:pPr>
             <a:fld id="{00000000-1234-1234-1234-123412341234}" type="slidenum">
               <a:rPr lang="en-US"/>
-              <a:t>‹#›</a:t>
+              <a:t/>
             </a:fld>
             <a:endParaRPr/>
           </a:p>
@@ -12840,7 +9723,7 @@
             </a:pPr>
             <a:fld id="{00000000-1234-1234-1234-123412341234}" type="slidenum">
               <a:rPr lang="en-US"/>
-              <a:t>‹#›</a:t>
+              <a:t/>
             </a:fld>
             <a:endParaRPr/>
           </a:p>
@@ -13244,7 +10127,7 @@
             </a:pPr>
             <a:fld id="{00000000-1234-1234-1234-123412341234}" type="slidenum">
               <a:rPr lang="en-US"/>
-              <a:t>‹#›</a:t>
+              <a:t/>
             </a:fld>
             <a:endParaRPr/>
           </a:p>
@@ -13974,7 +10857,7 @@
             </a:pPr>
             <a:fld id="{00000000-1234-1234-1234-123412341234}" type="slidenum">
               <a:rPr lang="en-US"/>
-              <a:t>‹#›</a:t>
+              <a:t/>
             </a:fld>
             <a:endParaRPr/>
           </a:p>
@@ -14844,7 +11727,7 @@
             </a:pPr>
             <a:fld id="{00000000-1234-1234-1234-123412341234}" type="slidenum">
               <a:rPr lang="en-US"/>
-              <a:t>‹#›</a:t>
+              <a:t/>
             </a:fld>
             <a:endParaRPr/>
           </a:p>
@@ -15605,7 +12488,7 @@
                 </a:prstGeom>
                 <a:solidFill>
                   <a:srgbClr val="92CCDC">
-                    <a:alpha val="29802"/>
+                    <a:alpha val="29801"/>
                   </a:srgbClr>
                 </a:solidFill>
                 <a:ln>
@@ -16147,7 +13030,7 @@
                 </a:prstGeom>
                 <a:solidFill>
                   <a:srgbClr val="FE75FF">
-                    <a:alpha val="29802"/>
+                    <a:alpha val="29801"/>
                   </a:srgbClr>
                 </a:solidFill>
                 <a:ln>
@@ -16233,7 +13116,7 @@
                 </a:prstGeom>
                 <a:solidFill>
                   <a:srgbClr val="BFBF00">
-                    <a:alpha val="29802"/>
+                    <a:alpha val="29801"/>
                   </a:srgbClr>
                 </a:solidFill>
                 <a:ln>
@@ -17891,7 +14774,7 @@
                 </a:prstGeom>
                 <a:solidFill>
                   <a:srgbClr val="92CCDC">
-                    <a:alpha val="29802"/>
+                    <a:alpha val="29801"/>
                   </a:srgbClr>
                 </a:solidFill>
                 <a:ln>
@@ -18433,7 +15316,7 @@
                 </a:prstGeom>
                 <a:solidFill>
                   <a:srgbClr val="FE75FF">
-                    <a:alpha val="29802"/>
+                    <a:alpha val="29801"/>
                   </a:srgbClr>
                 </a:solidFill>
                 <a:ln>
@@ -18519,7 +15402,7 @@
                 </a:prstGeom>
                 <a:solidFill>
                   <a:srgbClr val="BFBF00">
-                    <a:alpha val="29802"/>
+                    <a:alpha val="29801"/>
                   </a:srgbClr>
                 </a:solidFill>
                 <a:ln>
@@ -20208,7 +17091,7 @@
           </a:prstGeom>
           <a:solidFill>
             <a:srgbClr val="FE75FF">
-              <a:alpha val="29802"/>
+              <a:alpha val="29801"/>
             </a:srgbClr>
           </a:solidFill>
           <a:ln>
@@ -21058,7 +17941,7 @@
           </a:prstGeom>
           <a:solidFill>
             <a:srgbClr val="FE75FF">
-              <a:alpha val="29802"/>
+              <a:alpha val="29801"/>
             </a:srgbClr>
           </a:solidFill>
           <a:ln>
@@ -22145,7 +19028,7 @@
             </a:pPr>
             <a:fld id="{00000000-1234-1234-1234-123412341234}" type="slidenum">
               <a:rPr lang="en-US"/>
-              <a:t>‹#›</a:t>
+              <a:t/>
             </a:fld>
             <a:endParaRPr/>
           </a:p>
@@ -23233,7 +20116,7 @@
     <p:bg>
       <p:bgPr shadeToTitle="0">
         <a:blipFill>
-          <a:blip r:embed="rId3">
+          <a:blip r:embed="rId2">
             <a:alphaModFix amt="99999"/>
           </a:blip>
           <a:tile algn="tl" flip="none" sx="100000" sy="100000" tx="0" ty="0"/>
@@ -23393,7 +20276,7 @@
     <a:masterClrMapping/>
   </p:clrMapOvr>
   <mc:AlternateContent xmlns:mc="http://schemas.openxmlformats.org/markup-compatibility/2006">
-    <mc:Choice xmlns:p159="http://schemas.microsoft.com/office/powerpoint/2015/09/main" xmlns:p14="http://schemas.microsoft.com/office/powerpoint/2010/main" Requires="p159">
+    <mc:Choice xmlns:p14="http://schemas.microsoft.com/office/powerpoint/2010/main" Requires="p14">
       <p:transition p14:dur="2000" advClick="1"/>
     </mc:Choice>
     <mc:Fallback>
@@ -23697,7 +20580,7 @@
           <p:nvPr/>
         </p:nvPicPr>
         <p:blipFill>
-          <a:blip r:embed="rId3">
+          <a:blip r:embed="rId2">
             <a:alphaModFix/>
           </a:blip>
           <a:srcRect l="0" t="0" r="0" b="0"/>
@@ -23780,7 +20663,7 @@
     <a:masterClrMapping/>
   </p:clrMapOvr>
   <mc:AlternateContent xmlns:mc="http://schemas.openxmlformats.org/markup-compatibility/2006">
-    <mc:Choice xmlns:p159="http://schemas.microsoft.com/office/powerpoint/2015/09/main" xmlns:p14="http://schemas.microsoft.com/office/powerpoint/2010/main" Requires="p159">
+    <mc:Choice xmlns:p14="http://schemas.microsoft.com/office/powerpoint/2010/main" Requires="p14">
       <p:transition p14:dur="2000" advClick="1"/>
     </mc:Choice>
     <mc:Fallback>
@@ -23791,6 +20674,1012 @@
 </file>
 
 <file path=ppt/slides/slide11.xml><?xml version="1.0" encoding="utf-8"?>
+<p:sld xmlns:a="http://schemas.openxmlformats.org/drawingml/2006/main" xmlns:r="http://schemas.openxmlformats.org/officeDocument/2006/relationships" xmlns:p="http://schemas.openxmlformats.org/presentationml/2006/main" xmlns:m="http://schemas.openxmlformats.org/officeDocument/2006/math" xmlns:w="http://schemas.openxmlformats.org/wordprocessingml/2006/main" showMasterPhAnim="0" show="1">
+  <p:cSld name="">
+    <p:spTree>
+      <p:nvGrpSpPr>
+        <p:cNvPr id="1" name=""/>
+        <p:cNvGrpSpPr/>
+        <p:nvPr/>
+      </p:nvGrpSpPr>
+      <p:grpSpPr bwMode="auto">
+        <a:xfrm>
+          <a:off x="0" y="0"/>
+          <a:ext cx="0" cy="0"/>
+          <a:chOff x="0" y="0"/>
+          <a:chExt cx="0" cy="0"/>
+        </a:xfrm>
+      </p:grpSpPr>
+      <p:sp>
+        <p:nvSpPr>
+          <p:cNvPr id="1945863494" name="Google Shape;419;p22"/>
+          <p:cNvSpPr txBox="1"/>
+          <p:nvPr>
+            <p:ph type="title"/>
+          </p:nvPr>
+        </p:nvSpPr>
+        <p:spPr bwMode="auto">
+          <a:xfrm>
+            <a:off x="2676486" y="220638"/>
+            <a:ext cx="6750077" cy="856126"/>
+          </a:xfrm>
+          <a:prstGeom prst="rect">
+            <a:avLst/>
+          </a:prstGeom>
+          <a:solidFill>
+            <a:schemeClr val="lt1">
+              <a:alpha val="83921"/>
+            </a:schemeClr>
+          </a:solidFill>
+          <a:ln>
+            <a:noFill/>
+          </a:ln>
+        </p:spPr>
+        <p:txBody>
+          <a:bodyPr spcFirstLastPara="1" wrap="square" lIns="91424" tIns="45699" rIns="91424" bIns="45699" anchor="ctr" anchorCtr="0">
+            <a:normAutofit/>
+          </a:bodyPr>
+          <a:lstStyle/>
+          <a:p>
+            <a:pPr marL="0" lvl="0" indent="0" algn="ctr">
+              <a:spcBef>
+                <a:spcPts val="0"/>
+              </a:spcBef>
+              <a:spcAft>
+                <a:spcPts val="0"/>
+              </a:spcAft>
+              <a:buClr>
+                <a:srgbClr val="00007F"/>
+              </a:buClr>
+              <a:buSzPts val="3200"/>
+              <a:buFont typeface="Arial"/>
+              <a:buNone/>
+              <a:defRPr/>
+            </a:pPr>
+            <a:r>
+              <a:rPr lang="en-US"/>
+              <a:t>seccomp</a:t>
+            </a:r>
+            <a:endParaRPr/>
+          </a:p>
+        </p:txBody>
+      </p:sp>
+      <p:sp>
+        <p:nvSpPr>
+          <p:cNvPr id="1836896347" name="Google Shape;420;p22"/>
+          <p:cNvSpPr txBox="1"/>
+          <p:nvPr>
+            <p:ph type="body" idx="1"/>
+          </p:nvPr>
+        </p:nvSpPr>
+        <p:spPr bwMode="auto">
+          <a:xfrm>
+            <a:off x="609598" y="1340766"/>
+            <a:ext cx="10972800" cy="4608513"/>
+          </a:xfrm>
+          <a:prstGeom prst="rect">
+            <a:avLst/>
+          </a:prstGeom>
+          <a:noFill/>
+          <a:ln>
+            <a:noFill/>
+          </a:ln>
+        </p:spPr>
+        <p:txBody>
+          <a:bodyPr spcFirstLastPara="1" vertOverflow="overflow" horzOverflow="overflow" vert="horz" wrap="square" lIns="91424" tIns="45699" rIns="91424" bIns="45699" numCol="1" spcCol="0" rtlCol="0" fromWordArt="0" anchor="t" anchorCtr="0" forceAA="0" upright="0" compatLnSpc="0">
+            <a:normAutofit fontScale="95000" lnSpcReduction="1000"/>
+          </a:bodyPr>
+          <a:lstStyle/>
+          <a:p>
+            <a:pPr marL="342900" lvl="0" indent="-342900" algn="l">
+              <a:lnSpc>
+                <a:spcPct val="114999"/>
+              </a:lnSpc>
+              <a:spcBef>
+                <a:spcPts val="0"/>
+              </a:spcBef>
+              <a:spcAft>
+                <a:spcPts val="0"/>
+              </a:spcAft>
+              <a:buClr>
+                <a:srgbClr val="0F243E"/>
+              </a:buClr>
+              <a:buSzPts val="3200"/>
+              <a:buChar char="•"/>
+              <a:defRPr/>
+            </a:pPr>
+            <a:r>
+              <a:rPr lang="en-US">
+                <a:latin typeface="Arial"/>
+                <a:ea typeface="Arial"/>
+                <a:cs typeface="Arial"/>
+              </a:rPr>
+              <a:t>Secure Computing Mode</a:t>
+            </a:r>
+            <a:endParaRPr lang="en-US">
+              <a:latin typeface="Arial"/>
+              <a:ea typeface="Arial"/>
+              <a:cs typeface="Arial"/>
+            </a:endParaRPr>
+          </a:p>
+          <a:p>
+            <a:pPr marL="342900" lvl="0" indent="-342900" algn="l">
+              <a:lnSpc>
+                <a:spcPct val="114999"/>
+              </a:lnSpc>
+              <a:spcBef>
+                <a:spcPts val="0"/>
+              </a:spcBef>
+              <a:spcAft>
+                <a:spcPts val="0"/>
+              </a:spcAft>
+              <a:buClr>
+                <a:srgbClr val="0F243E"/>
+              </a:buClr>
+              <a:buSzPts val="3200"/>
+              <a:buChar char="•"/>
+              <a:defRPr/>
+            </a:pPr>
+            <a:r>
+              <a:rPr lang="en-US">
+                <a:latin typeface="Arial"/>
+                <a:ea typeface="Arial"/>
+                <a:cs typeface="Arial"/>
+              </a:rPr>
+              <a:t>Linux kernel feature</a:t>
+            </a:r>
+            <a:endParaRPr lang="en-US">
+              <a:latin typeface="Arial"/>
+              <a:ea typeface="Arial"/>
+              <a:cs typeface="Arial"/>
+            </a:endParaRPr>
+          </a:p>
+          <a:p>
+            <a:pPr marL="342900" lvl="0" indent="-342900" algn="l">
+              <a:lnSpc>
+                <a:spcPct val="114999"/>
+              </a:lnSpc>
+              <a:spcBef>
+                <a:spcPts val="0"/>
+              </a:spcBef>
+              <a:spcAft>
+                <a:spcPts val="0"/>
+              </a:spcAft>
+              <a:buClr>
+                <a:srgbClr val="0F243E"/>
+              </a:buClr>
+              <a:buSzPts val="3200"/>
+              <a:buChar char="•"/>
+              <a:defRPr/>
+            </a:pPr>
+            <a:r>
+              <a:rPr lang="en-US">
+                <a:latin typeface="Arial"/>
+                <a:ea typeface="Arial"/>
+                <a:cs typeface="Arial"/>
+              </a:rPr>
+              <a:t>Blocks syscalls</a:t>
+            </a:r>
+            <a:endParaRPr lang="en-US">
+              <a:latin typeface="Arial"/>
+              <a:ea typeface="Arial"/>
+              <a:cs typeface="Arial"/>
+            </a:endParaRPr>
+          </a:p>
+          <a:p>
+            <a:pPr marL="342900" lvl="0" indent="-342900" algn="l">
+              <a:lnSpc>
+                <a:spcPct val="114999"/>
+              </a:lnSpc>
+              <a:spcBef>
+                <a:spcPts val="0"/>
+              </a:spcBef>
+              <a:spcAft>
+                <a:spcPts val="0"/>
+              </a:spcAft>
+              <a:buClr>
+                <a:srgbClr val="0F243E"/>
+              </a:buClr>
+              <a:buSzPts val="3200"/>
+              <a:buChar char="•"/>
+              <a:defRPr/>
+            </a:pPr>
+            <a:r>
+              <a:rPr lang="en-US">
+                <a:latin typeface="Arial"/>
+                <a:ea typeface="Arial"/>
+                <a:cs typeface="Arial"/>
+              </a:rPr>
+              <a:t>Docker default profile</a:t>
+            </a:r>
+            <a:endParaRPr lang="en-US">
+              <a:latin typeface="Arial"/>
+              <a:ea typeface="Arial"/>
+              <a:cs typeface="Arial"/>
+            </a:endParaRPr>
+          </a:p>
+          <a:p>
+            <a:pPr marL="742950" lvl="1" indent="-342900" algn="l">
+              <a:lnSpc>
+                <a:spcPct val="114999"/>
+              </a:lnSpc>
+              <a:spcBef>
+                <a:spcPts val="0"/>
+              </a:spcBef>
+              <a:spcAft>
+                <a:spcPts val="0"/>
+              </a:spcAft>
+              <a:buClr>
+                <a:srgbClr val="0F243E"/>
+              </a:buClr>
+              <a:buSzPts val="3200"/>
+              <a:buChar char="•"/>
+              <a:defRPr/>
+            </a:pPr>
+            <a:r>
+              <a:rPr lang="en-US">
+                <a:latin typeface="Arial"/>
+                <a:ea typeface="Arial"/>
+                <a:cs typeface="Arial"/>
+              </a:rPr>
+              <a:t>finit_module</a:t>
+            </a:r>
+            <a:endParaRPr lang="en-US">
+              <a:latin typeface="Arial"/>
+              <a:ea typeface="Arial"/>
+              <a:cs typeface="Arial"/>
+            </a:endParaRPr>
+          </a:p>
+          <a:p>
+            <a:pPr marL="742950" lvl="1" indent="-342900" algn="l">
+              <a:lnSpc>
+                <a:spcPct val="114999"/>
+              </a:lnSpc>
+              <a:spcBef>
+                <a:spcPts val="0"/>
+              </a:spcBef>
+              <a:spcAft>
+                <a:spcPts val="0"/>
+              </a:spcAft>
+              <a:buClr>
+                <a:srgbClr val="0F243E"/>
+              </a:buClr>
+              <a:buSzPts val="3200"/>
+              <a:buChar char="•"/>
+              <a:defRPr/>
+            </a:pPr>
+            <a:r>
+              <a:rPr lang="en-US">
+                <a:latin typeface="Arial"/>
+                <a:ea typeface="Arial"/>
+                <a:cs typeface="Arial"/>
+              </a:rPr>
+              <a:t>reboot</a:t>
+            </a:r>
+            <a:endParaRPr lang="en-US">
+              <a:latin typeface="Arial"/>
+              <a:ea typeface="Arial"/>
+              <a:cs typeface="Arial"/>
+            </a:endParaRPr>
+          </a:p>
+          <a:p>
+            <a:pPr marL="742950" lvl="1" indent="-342900" algn="l">
+              <a:lnSpc>
+                <a:spcPct val="114999"/>
+              </a:lnSpc>
+              <a:spcBef>
+                <a:spcPts val="0"/>
+              </a:spcBef>
+              <a:spcAft>
+                <a:spcPts val="0"/>
+              </a:spcAft>
+              <a:buClr>
+                <a:srgbClr val="0F243E"/>
+              </a:buClr>
+              <a:buSzPts val="3200"/>
+              <a:buChar char="•"/>
+              <a:defRPr/>
+            </a:pPr>
+            <a:r>
+              <a:rPr lang="en-US">
+                <a:latin typeface="Arial"/>
+                <a:ea typeface="Arial"/>
+                <a:cs typeface="Arial"/>
+              </a:rPr>
+              <a:t>ptrace</a:t>
+            </a:r>
+            <a:endParaRPr lang="en-US">
+              <a:latin typeface="Arial"/>
+              <a:ea typeface="Arial"/>
+              <a:cs typeface="Arial"/>
+            </a:endParaRPr>
+          </a:p>
+          <a:p>
+            <a:pPr marL="742950" lvl="1" indent="-342900" algn="l">
+              <a:lnSpc>
+                <a:spcPct val="114999"/>
+              </a:lnSpc>
+              <a:spcBef>
+                <a:spcPts val="0"/>
+              </a:spcBef>
+              <a:spcAft>
+                <a:spcPts val="0"/>
+              </a:spcAft>
+              <a:buClr>
+                <a:srgbClr val="0F243E"/>
+              </a:buClr>
+              <a:buSzPts val="3200"/>
+              <a:buChar char="•"/>
+              <a:defRPr/>
+            </a:pPr>
+            <a:r>
+              <a:rPr lang="en-US">
+                <a:latin typeface="Arial"/>
+                <a:ea typeface="Arial"/>
+                <a:cs typeface="Arial"/>
+              </a:rPr>
+              <a:t>...</a:t>
+            </a:r>
+            <a:endParaRPr lang="en-US">
+              <a:latin typeface="Arial"/>
+              <a:ea typeface="Arial"/>
+              <a:cs typeface="Arial"/>
+            </a:endParaRPr>
+          </a:p>
+          <a:p>
+            <a:pPr marL="742950" lvl="1" indent="-342900" algn="l">
+              <a:lnSpc>
+                <a:spcPct val="114999"/>
+              </a:lnSpc>
+              <a:spcBef>
+                <a:spcPts val="0"/>
+              </a:spcBef>
+              <a:spcAft>
+                <a:spcPts val="0"/>
+              </a:spcAft>
+              <a:buClr>
+                <a:srgbClr val="0F243E"/>
+              </a:buClr>
+              <a:buSzPts val="3200"/>
+              <a:buChar char="•"/>
+              <a:defRPr/>
+            </a:pPr>
+            <a:endParaRPr lang="en-US">
+              <a:latin typeface="Arial"/>
+              <a:ea typeface="Arial"/>
+              <a:cs typeface="Arial"/>
+            </a:endParaRPr>
+          </a:p>
+        </p:txBody>
+      </p:sp>
+      <p:sp>
+        <p:nvSpPr>
+          <p:cNvPr id="1076045094" name=""/>
+          <p:cNvSpPr/>
+          <p:nvPr/>
+        </p:nvSpPr>
+        <p:spPr bwMode="auto">
+          <a:xfrm flipH="0" flipV="0">
+            <a:off x="6668853" y="1336145"/>
+            <a:ext cx="2588078" cy="886353"/>
+          </a:xfrm>
+          <a:prstGeom prst="rect">
+            <a:avLst/>
+          </a:prstGeom>
+          <a:solidFill>
+            <a:schemeClr val="accent5"/>
+          </a:solidFill>
+        </p:spPr>
+        <p:style>
+          <a:lnRef idx="2">
+            <a:schemeClr val="accent1">
+              <a:shade val="50000"/>
+            </a:schemeClr>
+          </a:lnRef>
+          <a:fillRef idx="1">
+            <a:schemeClr val="accent1"/>
+          </a:fillRef>
+          <a:effectRef idx="0">
+            <a:schemeClr val="accent1"/>
+          </a:effectRef>
+          <a:fontRef idx="minor">
+            <a:schemeClr val="lt1"/>
+          </a:fontRef>
+        </p:style>
+        <p:txBody>
+          <a:bodyPr/>
+          <a:p>
+            <a:pPr algn="ctr">
+              <a:defRPr/>
+            </a:pPr>
+            <a:r>
+              <a:rPr sz="2800"/>
+              <a:t>Container</a:t>
+            </a:r>
+            <a:endParaRPr sz="2800"/>
+          </a:p>
+        </p:txBody>
+      </p:sp>
+      <p:sp>
+        <p:nvSpPr>
+          <p:cNvPr id="1154903434" name=""/>
+          <p:cNvSpPr/>
+          <p:nvPr/>
+        </p:nvSpPr>
+        <p:spPr bwMode="auto">
+          <a:xfrm flipH="0" flipV="0">
+            <a:off x="6759212" y="4216135"/>
+            <a:ext cx="5229005" cy="886353"/>
+          </a:xfrm>
+          <a:prstGeom prst="rect">
+            <a:avLst/>
+          </a:prstGeom>
+          <a:solidFill>
+            <a:schemeClr val="accent5"/>
+          </a:solidFill>
+        </p:spPr>
+        <p:style>
+          <a:lnRef idx="2">
+            <a:schemeClr val="accent1">
+              <a:shade val="50000"/>
+            </a:schemeClr>
+          </a:lnRef>
+          <a:fillRef idx="1">
+            <a:schemeClr val="accent1"/>
+          </a:fillRef>
+          <a:effectRef idx="0">
+            <a:schemeClr val="accent1"/>
+          </a:effectRef>
+          <a:fontRef idx="minor">
+            <a:schemeClr val="lt1"/>
+          </a:fontRef>
+        </p:style>
+        <p:txBody>
+          <a:bodyPr/>
+          <a:p>
+            <a:pPr algn="ctr">
+              <a:defRPr/>
+            </a:pPr>
+            <a:r>
+              <a:rPr sz="2800"/>
+              <a:t>Kernel</a:t>
+            </a:r>
+            <a:endParaRPr sz="2800"/>
+          </a:p>
+        </p:txBody>
+      </p:sp>
+      <p:sp>
+        <p:nvSpPr>
+          <p:cNvPr id="1520623193" name=""/>
+          <p:cNvSpPr/>
+          <p:nvPr/>
+        </p:nvSpPr>
+        <p:spPr bwMode="auto">
+          <a:xfrm flipH="0" flipV="0">
+            <a:off x="7630992" y="2225912"/>
+            <a:ext cx="721178" cy="625928"/>
+          </a:xfrm>
+          <a:prstGeom prst="downArrow">
+            <a:avLst>
+              <a:gd name="adj1" fmla="val 50000"/>
+              <a:gd name="adj2" fmla="val 50000"/>
+            </a:avLst>
+          </a:prstGeom>
+          <a:solidFill>
+            <a:schemeClr val="accent5"/>
+          </a:solidFill>
+        </p:spPr>
+        <p:style>
+          <a:lnRef idx="2">
+            <a:schemeClr val="accent1">
+              <a:shade val="50000"/>
+            </a:schemeClr>
+          </a:lnRef>
+          <a:fillRef idx="1">
+            <a:schemeClr val="accent1"/>
+          </a:fillRef>
+          <a:effectRef idx="0">
+            <a:schemeClr val="accent1"/>
+          </a:effectRef>
+          <a:fontRef idx="minor">
+            <a:schemeClr val="lt1"/>
+          </a:fontRef>
+        </p:style>
+      </p:sp>
+      <p:sp>
+        <p:nvSpPr>
+          <p:cNvPr id="1606931137" name=""/>
+          <p:cNvSpPr/>
+          <p:nvPr/>
+        </p:nvSpPr>
+        <p:spPr bwMode="auto">
+          <a:xfrm flipH="0" flipV="0">
+            <a:off x="7630992" y="3590206"/>
+            <a:ext cx="721177" cy="625927"/>
+          </a:xfrm>
+          <a:prstGeom prst="downArrow">
+            <a:avLst>
+              <a:gd name="adj1" fmla="val 50000"/>
+              <a:gd name="adj2" fmla="val 50000"/>
+            </a:avLst>
+          </a:prstGeom>
+          <a:solidFill>
+            <a:schemeClr val="accent5"/>
+          </a:solidFill>
+        </p:spPr>
+        <p:style>
+          <a:lnRef idx="2">
+            <a:schemeClr val="accent1">
+              <a:shade val="50000"/>
+            </a:schemeClr>
+          </a:lnRef>
+          <a:fillRef idx="1">
+            <a:schemeClr val="accent1"/>
+          </a:fillRef>
+          <a:effectRef idx="0">
+            <a:schemeClr val="accent1"/>
+          </a:effectRef>
+          <a:fontRef idx="minor">
+            <a:schemeClr val="lt1"/>
+          </a:fontRef>
+        </p:style>
+      </p:sp>
+      <p:sp>
+        <p:nvSpPr>
+          <p:cNvPr id="1187889726" name=""/>
+          <p:cNvSpPr/>
+          <p:nvPr/>
+        </p:nvSpPr>
+        <p:spPr bwMode="auto">
+          <a:xfrm flipH="0" flipV="0">
+            <a:off x="6668853" y="2851840"/>
+            <a:ext cx="2524143" cy="738366"/>
+          </a:xfrm>
+          <a:prstGeom prst="rect">
+            <a:avLst/>
+          </a:prstGeom>
+          <a:solidFill>
+            <a:schemeClr val="accent5"/>
+          </a:solidFill>
+        </p:spPr>
+        <p:style>
+          <a:lnRef idx="2">
+            <a:schemeClr val="accent1">
+              <a:shade val="50000"/>
+            </a:schemeClr>
+          </a:lnRef>
+          <a:fillRef idx="1">
+            <a:schemeClr val="accent1"/>
+          </a:fillRef>
+          <a:effectRef idx="0">
+            <a:schemeClr val="accent1"/>
+          </a:effectRef>
+          <a:fontRef idx="minor">
+            <a:schemeClr val="lt1"/>
+          </a:fontRef>
+        </p:style>
+        <p:txBody>
+          <a:bodyPr/>
+          <a:p>
+            <a:pPr algn="ctr">
+              <a:defRPr/>
+            </a:pPr>
+            <a:r>
+              <a:rPr sz="2800"/>
+              <a:t>System Call</a:t>
+            </a:r>
+            <a:endParaRPr sz="2800"/>
+          </a:p>
+        </p:txBody>
+      </p:sp>
+      <p:sp>
+        <p:nvSpPr>
+          <p:cNvPr id="901644690" name=""/>
+          <p:cNvSpPr/>
+          <p:nvPr/>
+        </p:nvSpPr>
+        <p:spPr bwMode="auto">
+          <a:xfrm flipH="0" flipV="0">
+            <a:off x="9373715" y="1336145"/>
+            <a:ext cx="2640926" cy="886353"/>
+          </a:xfrm>
+          <a:prstGeom prst="rect">
+            <a:avLst/>
+          </a:prstGeom>
+          <a:solidFill>
+            <a:schemeClr val="accent5"/>
+          </a:solidFill>
+        </p:spPr>
+        <p:style>
+          <a:lnRef idx="2">
+            <a:schemeClr val="accent1">
+              <a:shade val="50000"/>
+            </a:schemeClr>
+          </a:lnRef>
+          <a:fillRef idx="1">
+            <a:schemeClr val="accent1"/>
+          </a:fillRef>
+          <a:effectRef idx="0">
+            <a:schemeClr val="accent1"/>
+          </a:effectRef>
+          <a:fontRef idx="minor">
+            <a:schemeClr val="lt1"/>
+          </a:fontRef>
+        </p:style>
+        <p:txBody>
+          <a:bodyPr/>
+          <a:p>
+            <a:pPr algn="ctr">
+              <a:defRPr/>
+            </a:pPr>
+            <a:r>
+              <a:rPr sz="2800"/>
+              <a:t>Host</a:t>
+            </a:r>
+            <a:endParaRPr sz="2800"/>
+          </a:p>
+        </p:txBody>
+      </p:sp>
+      <p:sp>
+        <p:nvSpPr>
+          <p:cNvPr id="1884903272" name=""/>
+          <p:cNvSpPr/>
+          <p:nvPr/>
+        </p:nvSpPr>
+        <p:spPr bwMode="auto">
+          <a:xfrm flipH="0" flipV="0">
+            <a:off x="9373715" y="2851840"/>
+            <a:ext cx="2524143" cy="738365"/>
+          </a:xfrm>
+          <a:prstGeom prst="rect">
+            <a:avLst/>
+          </a:prstGeom>
+          <a:solidFill>
+            <a:schemeClr val="accent5"/>
+          </a:solidFill>
+        </p:spPr>
+        <p:style>
+          <a:lnRef idx="2">
+            <a:schemeClr val="accent1">
+              <a:shade val="50000"/>
+            </a:schemeClr>
+          </a:lnRef>
+          <a:fillRef idx="1">
+            <a:schemeClr val="accent1"/>
+          </a:fillRef>
+          <a:effectRef idx="0">
+            <a:schemeClr val="accent1"/>
+          </a:effectRef>
+          <a:fontRef idx="minor">
+            <a:schemeClr val="lt1"/>
+          </a:fontRef>
+        </p:style>
+        <p:txBody>
+          <a:bodyPr/>
+          <a:p>
+            <a:pPr algn="ctr">
+              <a:defRPr/>
+            </a:pPr>
+            <a:r>
+              <a:rPr sz="2800"/>
+              <a:t>System Call</a:t>
+            </a:r>
+            <a:endParaRPr sz="2800"/>
+          </a:p>
+        </p:txBody>
+      </p:sp>
+      <p:sp>
+        <p:nvSpPr>
+          <p:cNvPr id="957139931" name=""/>
+          <p:cNvSpPr/>
+          <p:nvPr/>
+        </p:nvSpPr>
+        <p:spPr bwMode="auto">
+          <a:xfrm flipH="0" flipV="0">
+            <a:off x="10327927" y="3590206"/>
+            <a:ext cx="721177" cy="625927"/>
+          </a:xfrm>
+          <a:prstGeom prst="downArrow">
+            <a:avLst>
+              <a:gd name="adj1" fmla="val 50000"/>
+              <a:gd name="adj2" fmla="val 50000"/>
+            </a:avLst>
+          </a:prstGeom>
+          <a:solidFill>
+            <a:schemeClr val="accent5"/>
+          </a:solidFill>
+        </p:spPr>
+        <p:style>
+          <a:lnRef idx="2">
+            <a:schemeClr val="accent1">
+              <a:shade val="50000"/>
+            </a:schemeClr>
+          </a:lnRef>
+          <a:fillRef idx="1">
+            <a:schemeClr val="accent1"/>
+          </a:fillRef>
+          <a:effectRef idx="0">
+            <a:schemeClr val="accent1"/>
+          </a:effectRef>
+          <a:fontRef idx="minor">
+            <a:schemeClr val="lt1"/>
+          </a:fontRef>
+        </p:style>
+      </p:sp>
+      <p:sp>
+        <p:nvSpPr>
+          <p:cNvPr id="1460801642" name=""/>
+          <p:cNvSpPr/>
+          <p:nvPr/>
+        </p:nvSpPr>
+        <p:spPr bwMode="auto">
+          <a:xfrm flipH="0" flipV="0">
+            <a:off x="10327927" y="2225912"/>
+            <a:ext cx="721177" cy="625927"/>
+          </a:xfrm>
+          <a:prstGeom prst="downArrow">
+            <a:avLst>
+              <a:gd name="adj1" fmla="val 50000"/>
+              <a:gd name="adj2" fmla="val 50000"/>
+            </a:avLst>
+          </a:prstGeom>
+          <a:solidFill>
+            <a:schemeClr val="accent5"/>
+          </a:solidFill>
+        </p:spPr>
+        <p:style>
+          <a:lnRef idx="2">
+            <a:schemeClr val="accent1">
+              <a:shade val="50000"/>
+            </a:schemeClr>
+          </a:lnRef>
+          <a:fillRef idx="1">
+            <a:schemeClr val="accent1"/>
+          </a:fillRef>
+          <a:effectRef idx="0">
+            <a:schemeClr val="accent1"/>
+          </a:effectRef>
+          <a:fontRef idx="minor">
+            <a:schemeClr val="lt1"/>
+          </a:fontRef>
+        </p:style>
+      </p:sp>
+    </p:spTree>
+  </p:cSld>
+  <p:clrMapOvr>
+    <a:masterClrMapping/>
+  </p:clrMapOvr>
+  <mc:AlternateContent xmlns:mc="http://schemas.openxmlformats.org/markup-compatibility/2006">
+    <mc:Choice xmlns:p14="http://schemas.microsoft.com/office/powerpoint/2010/main" Requires="p14">
+      <p:transition p14:dur="2000" advClick="1"/>
+    </mc:Choice>
+    <mc:Fallback>
+      <p:transition advClick="1"/>
+    </mc:Fallback>
+  </mc:AlternateContent>
+</p:sld>
+</file>
+
+<file path=ppt/slides/slide12.xml><?xml version="1.0" encoding="utf-8"?>
+<p:sld xmlns:a="http://schemas.openxmlformats.org/drawingml/2006/main" xmlns:r="http://schemas.openxmlformats.org/officeDocument/2006/relationships" xmlns:p="http://schemas.openxmlformats.org/presentationml/2006/main" xmlns:m="http://schemas.openxmlformats.org/officeDocument/2006/math" xmlns:w="http://schemas.openxmlformats.org/wordprocessingml/2006/main" showMasterPhAnim="0" show="1">
+  <p:cSld name="">
+    <p:spTree>
+      <p:nvGrpSpPr>
+        <p:cNvPr id="1" name=""/>
+        <p:cNvGrpSpPr/>
+        <p:nvPr/>
+      </p:nvGrpSpPr>
+      <p:grpSpPr bwMode="auto">
+        <a:xfrm>
+          <a:off x="0" y="0"/>
+          <a:ext cx="0" cy="0"/>
+          <a:chOff x="0" y="0"/>
+          <a:chExt cx="0" cy="0"/>
+        </a:xfrm>
+      </p:grpSpPr>
+      <p:sp>
+        <p:nvSpPr>
+          <p:cNvPr id="1250075880" name="Google Shape;419;p22"/>
+          <p:cNvSpPr txBox="1"/>
+          <p:nvPr>
+            <p:ph type="title"/>
+          </p:nvPr>
+        </p:nvSpPr>
+        <p:spPr bwMode="auto">
+          <a:xfrm>
+            <a:off x="2676486" y="220638"/>
+            <a:ext cx="6750077" cy="856126"/>
+          </a:xfrm>
+          <a:prstGeom prst="rect">
+            <a:avLst/>
+          </a:prstGeom>
+          <a:solidFill>
+            <a:schemeClr val="lt1">
+              <a:alpha val="83921"/>
+            </a:schemeClr>
+          </a:solidFill>
+          <a:ln>
+            <a:noFill/>
+          </a:ln>
+        </p:spPr>
+        <p:txBody>
+          <a:bodyPr spcFirstLastPara="1" wrap="square" lIns="91424" tIns="45699" rIns="91424" bIns="45699" anchor="ctr" anchorCtr="0">
+            <a:normAutofit/>
+          </a:bodyPr>
+          <a:lstStyle/>
+          <a:p>
+            <a:pPr marL="0" lvl="0" indent="0" algn="ctr">
+              <a:spcBef>
+                <a:spcPts val="0"/>
+              </a:spcBef>
+              <a:spcAft>
+                <a:spcPts val="0"/>
+              </a:spcAft>
+              <a:buClr>
+                <a:srgbClr val="00007F"/>
+              </a:buClr>
+              <a:buSzPts val="3200"/>
+              <a:buFont typeface="Arial"/>
+              <a:buNone/>
+              <a:defRPr/>
+            </a:pPr>
+            <a:r>
+              <a:rPr lang="en-US"/>
+              <a:t>seccomp</a:t>
+            </a:r>
+            <a:endParaRPr/>
+          </a:p>
+        </p:txBody>
+      </p:sp>
+      <p:sp>
+        <p:nvSpPr>
+          <p:cNvPr id="1437401899" name="Google Shape;420;p22"/>
+          <p:cNvSpPr txBox="1"/>
+          <p:nvPr>
+            <p:ph type="body" idx="1"/>
+          </p:nvPr>
+        </p:nvSpPr>
+        <p:spPr bwMode="auto">
+          <a:xfrm>
+            <a:off x="609598" y="1340766"/>
+            <a:ext cx="10972800" cy="4608513"/>
+          </a:xfrm>
+          <a:prstGeom prst="rect">
+            <a:avLst/>
+          </a:prstGeom>
+          <a:noFill/>
+          <a:ln>
+            <a:noFill/>
+          </a:ln>
+        </p:spPr>
+        <p:txBody>
+          <a:bodyPr spcFirstLastPara="1" vertOverflow="overflow" horzOverflow="overflow" vert="horz" wrap="square" lIns="91424" tIns="45699" rIns="91424" bIns="45699" numCol="1" spcCol="0" rtlCol="0" fromWordArt="0" anchor="t" anchorCtr="0" forceAA="0" upright="0" compatLnSpc="0">
+            <a:normAutofit/>
+          </a:bodyPr>
+          <a:lstStyle/>
+          <a:p>
+            <a:pPr marL="400050" lvl="1" indent="0" algn="l">
+              <a:lnSpc>
+                <a:spcPct val="114999"/>
+              </a:lnSpc>
+              <a:spcBef>
+                <a:spcPts val="0"/>
+              </a:spcBef>
+              <a:spcAft>
+                <a:spcPts val="0"/>
+              </a:spcAft>
+              <a:buClr>
+                <a:srgbClr val="0F243E"/>
+              </a:buClr>
+              <a:buSzPts val="3200"/>
+              <a:buFont typeface="Arial"/>
+              <a:buNone/>
+              <a:defRPr/>
+            </a:pPr>
+            <a:endParaRPr lang="en-US">
+              <a:latin typeface="Arial"/>
+              <a:ea typeface="Arial"/>
+              <a:cs typeface="Arial"/>
+            </a:endParaRPr>
+          </a:p>
+        </p:txBody>
+      </p:sp>
+      <p:sp>
+        <p:nvSpPr>
+          <p:cNvPr id="21196338" name="Google Shape;422;p22"/>
+          <p:cNvSpPr txBox="1"/>
+          <p:nvPr/>
+        </p:nvSpPr>
+        <p:spPr bwMode="auto">
+          <a:xfrm>
+            <a:off x="3265745" y="5431894"/>
+            <a:ext cx="5571559" cy="366079"/>
+          </a:xfrm>
+          <a:prstGeom prst="rect">
+            <a:avLst/>
+          </a:prstGeom>
+          <a:noFill/>
+          <a:ln>
+            <a:noFill/>
+          </a:ln>
+        </p:spPr>
+        <p:txBody>
+          <a:bodyPr spcFirstLastPara="1" wrap="square" lIns="91424" tIns="45699" rIns="91424" bIns="45699" anchor="t" anchorCtr="0">
+            <a:spAutoFit/>
+          </a:bodyPr>
+          <a:lstStyle/>
+          <a:p>
+            <a:pPr marL="0" marR="0" lvl="0" indent="0" algn="ctr">
+              <a:spcBef>
+                <a:spcPts val="0"/>
+              </a:spcBef>
+              <a:spcAft>
+                <a:spcPts val="0"/>
+              </a:spcAft>
+              <a:buNone/>
+              <a:defRPr/>
+            </a:pPr>
+            <a:r>
+              <a:rPr lang="en-US" sz="1800" b="0" i="0" u="none" strike="noStrike" cap="none">
+                <a:solidFill>
+                  <a:schemeClr val="dk1"/>
+                </a:solidFill>
+                <a:latin typeface="Arial"/>
+                <a:ea typeface="Arial"/>
+                <a:cs typeface="Arial"/>
+              </a:rPr>
+              <a:t>Custom seccomp profile</a:t>
+            </a:r>
+            <a:endParaRPr sz="1800" b="0" i="0" u="none" strike="noStrike" cap="none">
+              <a:solidFill>
+                <a:schemeClr val="dk1"/>
+              </a:solidFill>
+              <a:latin typeface="Arial"/>
+              <a:ea typeface="Arial"/>
+              <a:cs typeface="Arial"/>
+            </a:endParaRPr>
+          </a:p>
+        </p:txBody>
+      </p:sp>
+      <p:pic>
+        <p:nvPicPr>
+          <p:cNvPr id="153978150" name=""/>
+          <p:cNvPicPr>
+            <a:picLocks noChangeAspect="1"/>
+          </p:cNvPicPr>
+          <p:nvPr/>
+        </p:nvPicPr>
+        <p:blipFill>
+          <a:blip r:embed="rId2"/>
+          <a:stretch/>
+        </p:blipFill>
+        <p:spPr bwMode="auto">
+          <a:xfrm flipH="0" flipV="0">
+            <a:off x="781233" y="1433370"/>
+            <a:ext cx="10629529" cy="3699545"/>
+          </a:xfrm>
+          <a:prstGeom prst="rect">
+            <a:avLst/>
+          </a:prstGeom>
+        </p:spPr>
+      </p:pic>
+    </p:spTree>
+  </p:cSld>
+  <p:clrMapOvr>
+    <a:masterClrMapping/>
+  </p:clrMapOvr>
+  <mc:AlternateContent xmlns:mc="http://schemas.openxmlformats.org/markup-compatibility/2006">
+    <mc:Choice xmlns:p14="http://schemas.microsoft.com/office/powerpoint/2010/main" Requires="p14">
+      <p:transition p14:dur="2000" advClick="1"/>
+    </mc:Choice>
+    <mc:Fallback>
+      <p:transition advClick="1"/>
+    </mc:Fallback>
+  </mc:AlternateContent>
+</p:sld>
+</file>
+
+<file path=ppt/slides/slide13.xml><?xml version="1.0" encoding="utf-8"?>
 <p:sld xmlns:a="http://schemas.openxmlformats.org/drawingml/2006/main" xmlns:r="http://schemas.openxmlformats.org/officeDocument/2006/relationships" xmlns:p="http://schemas.openxmlformats.org/presentationml/2006/main" xmlns:m="http://schemas.openxmlformats.org/officeDocument/2006/math" xmlns:w="http://schemas.openxmlformats.org/wordprocessingml/2006/main" showMasterPhAnim="0" show="1">
   <p:cSld name="">
     <p:spTree>
@@ -23930,7 +21819,7 @@
     <a:masterClrMapping/>
   </p:clrMapOvr>
   <mc:AlternateContent xmlns:mc="http://schemas.openxmlformats.org/markup-compatibility/2006">
-    <mc:Choice xmlns:p159="http://schemas.microsoft.com/office/powerpoint/2015/09/main" xmlns:p14="http://schemas.microsoft.com/office/powerpoint/2010/main" Requires="p159">
+    <mc:Choice xmlns:p14="http://schemas.microsoft.com/office/powerpoint/2010/main" Requires="p14">
       <p:transition p14:dur="2000" advClick="1"/>
     </mc:Choice>
     <mc:Fallback>
@@ -23940,7 +21829,7 @@
 </p:sld>
 </file>
 
-<file path=ppt/slides/slide12.xml><?xml version="1.0" encoding="utf-8"?>
+<file path=ppt/slides/slide14.xml><?xml version="1.0" encoding="utf-8"?>
 <p:sld xmlns:a="http://schemas.openxmlformats.org/drawingml/2006/main" xmlns:r="http://schemas.openxmlformats.org/officeDocument/2006/relationships" xmlns:p="http://schemas.openxmlformats.org/presentationml/2006/main" xmlns:m="http://schemas.openxmlformats.org/officeDocument/2006/math" xmlns:w="http://schemas.openxmlformats.org/wordprocessingml/2006/main" showMasterPhAnim="0" show="1">
   <p:cSld name="">
     <p:spTree>
@@ -24391,7 +22280,7 @@
           <p:nvPr/>
         </p:nvPicPr>
         <p:blipFill>
-          <a:blip r:embed="rId3">
+          <a:blip r:embed="rId2">
             <a:alphaModFix/>
           </a:blip>
           <a:srcRect l="0" t="0" r="0" b="0"/>
@@ -24529,7 +22418,7 @@
                 <a:latin typeface="Arial"/>
                 <a:ea typeface="Arial"/>
                 <a:cs typeface="Arial"/>
-                <a:hlinkClick r:id="rId4" tooltip="https://www.crowdstrike.com/blog/exploiting-cve-2021-3490-for-container-escapes/"/>
+                <a:hlinkClick r:id="rId3" tooltip="https://www.crowdstrike.com/blog/exploiting-cve-2021-3490-for-container-escapes/"/>
               </a:rPr>
               <a:t>www.crowdstrike.com</a:t>
             </a:r>
@@ -24581,7 +22470,7 @@
     <a:masterClrMapping/>
   </p:clrMapOvr>
   <mc:AlternateContent xmlns:mc="http://schemas.openxmlformats.org/markup-compatibility/2006">
-    <mc:Choice xmlns:p159="http://schemas.microsoft.com/office/powerpoint/2015/09/main" xmlns:p14="http://schemas.microsoft.com/office/powerpoint/2010/main" Requires="p159">
+    <mc:Choice xmlns:p14="http://schemas.microsoft.com/office/powerpoint/2010/main" Requires="p14">
       <p:transition p14:dur="2000" advClick="1"/>
     </mc:Choice>
     <mc:Fallback>
@@ -24591,7 +22480,7 @@
 </p:sld>
 </file>
 
-<file path=ppt/slides/slide13.xml><?xml version="1.0" encoding="utf-8"?>
+<file path=ppt/slides/slide15.xml><?xml version="1.0" encoding="utf-8"?>
 <p:sld xmlns:a="http://schemas.openxmlformats.org/drawingml/2006/main" xmlns:r="http://schemas.openxmlformats.org/officeDocument/2006/relationships" xmlns:p="http://schemas.openxmlformats.org/presentationml/2006/main" xmlns:m="http://schemas.openxmlformats.org/officeDocument/2006/math" xmlns:w="http://schemas.openxmlformats.org/wordprocessingml/2006/main" showMasterPhAnim="0" show="1">
   <p:cSld name="">
     <p:spTree>
@@ -24634,7 +22523,7 @@
           </a:ln>
         </p:spPr>
         <p:txBody>
-          <a:bodyPr spcFirstLastPara="1" wrap="square" lIns="91424" tIns="45699" rIns="91424" bIns="45699" anchor="ctr" anchorCtr="0">
+          <a:bodyPr spcFirstLastPara="1" wrap="square" lIns="91423" tIns="45699" rIns="91423" bIns="45699" anchor="ctr" anchorCtr="0">
             <a:normAutofit/>
           </a:bodyPr>
           <a:lstStyle>
@@ -24762,7 +22651,7 @@
           <p:nvPr/>
         </p:nvPicPr>
         <p:blipFill>
-          <a:blip r:embed="rId3"/>
+          <a:blip r:embed="rId2"/>
           <a:stretch/>
         </p:blipFill>
         <p:spPr bwMode="auto">
@@ -24805,7 +22694,7 @@
             </a:pPr>
             <a:r>
               <a:rPr lang="en-GB" u="sng">
-                <a:hlinkClick r:id="rId4" tooltip="https://fbr.io/join/xyucs"/>
+                <a:hlinkClick r:id="rId3" tooltip="https://fbr.io/join/xyucs"/>
               </a:rPr>
               <a:t>https://fbr.io/join/xyucs</a:t>
             </a:r>
@@ -24823,7 +22712,7 @@
     <a:masterClrMapping/>
   </p:clrMapOvr>
   <mc:AlternateContent xmlns:mc="http://schemas.openxmlformats.org/markup-compatibility/2006">
-    <mc:Choice xmlns:p159="http://schemas.microsoft.com/office/powerpoint/2015/09/main" xmlns:p14="http://schemas.microsoft.com/office/powerpoint/2010/main" Requires="p159">
+    <mc:Choice xmlns:p14="http://schemas.microsoft.com/office/powerpoint/2010/main" Requires="p14">
       <p:transition p14:dur="2000" advClick="1"/>
     </mc:Choice>
     <mc:Fallback>
@@ -25034,7 +22923,7 @@
     <a:masterClrMapping/>
   </p:clrMapOvr>
   <mc:AlternateContent xmlns:mc="http://schemas.openxmlformats.org/markup-compatibility/2006">
-    <mc:Choice xmlns:p159="http://schemas.microsoft.com/office/powerpoint/2015/09/main" xmlns:p14="http://schemas.microsoft.com/office/powerpoint/2010/main" Requires="p159">
+    <mc:Choice xmlns:p14="http://schemas.microsoft.com/office/powerpoint/2010/main" Requires="p14">
       <p:transition p14:dur="2000" advClick="1"/>
     </mc:Choice>
     <mc:Fallback>
@@ -25184,7 +23073,7 @@
     <a:masterClrMapping/>
   </p:clrMapOvr>
   <mc:AlternateContent xmlns:mc="http://schemas.openxmlformats.org/markup-compatibility/2006">
-    <mc:Choice xmlns:p159="http://schemas.microsoft.com/office/powerpoint/2015/09/main" xmlns:p14="http://schemas.microsoft.com/office/powerpoint/2010/main" Requires="p159">
+    <mc:Choice xmlns:p14="http://schemas.microsoft.com/office/powerpoint/2010/main" Requires="p14">
       <p:transition p14:dur="2000" advClick="1"/>
     </mc:Choice>
     <mc:Fallback>
@@ -25516,7 +23405,7 @@
           <p:nvPr/>
         </p:nvPicPr>
         <p:blipFill>
-          <a:blip r:embed="rId3">
+          <a:blip r:embed="rId2">
             <a:alphaModFix/>
           </a:blip>
           <a:srcRect l="0" t="0" r="0" b="0"/>
@@ -25654,7 +23543,7 @@
                 <a:latin typeface="Arial"/>
                 <a:ea typeface="Arial"/>
                 <a:cs typeface="Arial"/>
-                <a:hlinkClick r:id="rId4" tooltip="https://blog.aquasec.com/container-isolation-techniques"/>
+                <a:hlinkClick r:id="rId3" tooltip="https://blog.aquasec.com/container-isolation-techniques"/>
               </a:rPr>
               <a:t>blog.aquasec.com</a:t>
             </a:r>
@@ -25706,7 +23595,7 @@
     <a:masterClrMapping/>
   </p:clrMapOvr>
   <mc:AlternateContent xmlns:mc="http://schemas.openxmlformats.org/markup-compatibility/2006">
-    <mc:Choice xmlns:p159="http://schemas.microsoft.com/office/powerpoint/2015/09/main" xmlns:p14="http://schemas.microsoft.com/office/powerpoint/2010/main" Requires="p159">
+    <mc:Choice xmlns:p14="http://schemas.microsoft.com/office/powerpoint/2010/main" Requires="p14">
       <p:transition p14:dur="2000" advClick="1"/>
     </mc:Choice>
     <mc:Fallback>
@@ -26047,7 +23936,7 @@
           <p:nvPr/>
         </p:nvPicPr>
         <p:blipFill>
-          <a:blip r:embed="rId3">
+          <a:blip r:embed="rId2">
             <a:alphaModFix/>
           </a:blip>
           <a:srcRect l="0" t="0" r="0" b="0"/>
@@ -26185,7 +24074,7 @@
                 <a:latin typeface="Arial"/>
                 <a:ea typeface="Arial"/>
                 <a:cs typeface="Arial"/>
-                <a:hlinkClick r:id="rId4" tooltip="https://blog.aquasec.com/container-isolation-techniques"/>
+                <a:hlinkClick r:id="rId3" tooltip="https://blog.aquasec.com/container-isolation-techniques"/>
               </a:rPr>
               <a:t>blog.aquasec.com</a:t>
             </a:r>
@@ -26237,7 +24126,7 @@
     <a:masterClrMapping/>
   </p:clrMapOvr>
   <mc:AlternateContent xmlns:mc="http://schemas.openxmlformats.org/markup-compatibility/2006">
-    <mc:Choice xmlns:p159="http://schemas.microsoft.com/office/powerpoint/2015/09/main" xmlns:p14="http://schemas.microsoft.com/office/powerpoint/2010/main" Requires="p159">
+    <mc:Choice xmlns:p14="http://schemas.microsoft.com/office/powerpoint/2010/main" Requires="p14">
       <p:transition p14:dur="2000" advClick="1"/>
     </mc:Choice>
     <mc:Fallback>
@@ -26581,7 +24470,7 @@
           <p:nvPr/>
         </p:nvPicPr>
         <p:blipFill>
-          <a:blip r:embed="rId3">
+          <a:blip r:embed="rId2">
             <a:alphaModFix/>
           </a:blip>
           <a:srcRect l="0" t="0" r="0" b="0"/>
@@ -26719,7 +24608,7 @@
                 <a:latin typeface="Arial"/>
                 <a:ea typeface="Arial"/>
                 <a:cs typeface="Arial"/>
-                <a:hlinkClick r:id="rId4" tooltip="https://blog.aquasec.com/container-isolation-techniques"/>
+                <a:hlinkClick r:id="rId3" tooltip="https://blog.aquasec.com/container-isolation-techniques"/>
               </a:rPr>
               <a:t>blog.aquasec.com</a:t>
             </a:r>
@@ -26771,7 +24660,7 @@
     <a:masterClrMapping/>
   </p:clrMapOvr>
   <mc:AlternateContent xmlns:mc="http://schemas.openxmlformats.org/markup-compatibility/2006">
-    <mc:Choice xmlns:p159="http://schemas.microsoft.com/office/powerpoint/2015/09/main" xmlns:p14="http://schemas.microsoft.com/office/powerpoint/2010/main" Requires="p159">
+    <mc:Choice xmlns:p14="http://schemas.microsoft.com/office/powerpoint/2010/main" Requires="p14">
       <p:transition p14:dur="2000" advClick="1"/>
     </mc:Choice>
     <mc:Fallback>
@@ -26932,7 +24821,7 @@
     <a:masterClrMapping/>
   </p:clrMapOvr>
   <mc:AlternateContent xmlns:mc="http://schemas.openxmlformats.org/markup-compatibility/2006">
-    <mc:Choice xmlns:p159="http://schemas.microsoft.com/office/powerpoint/2015/09/main" xmlns:p14="http://schemas.microsoft.com/office/powerpoint/2010/main" Requires="p159">
+    <mc:Choice xmlns:p14="http://schemas.microsoft.com/office/powerpoint/2010/main" Requires="p14">
       <p:transition p14:dur="2000" advClick="1"/>
     </mc:Choice>
     <mc:Fallback>
@@ -27296,7 +25185,7 @@
           <p:nvPr/>
         </p:nvPicPr>
         <p:blipFill>
-          <a:blip r:embed="rId3">
+          <a:blip r:embed="rId2">
             <a:alphaModFix/>
           </a:blip>
           <a:srcRect l="0" t="0" r="0" b="0"/>
@@ -27434,7 +25323,7 @@
                 <a:latin typeface="Arial"/>
                 <a:ea typeface="Arial"/>
                 <a:cs typeface="Arial"/>
-                <a:hlinkClick r:id="rId4" tooltip="https://www.toptal.com/linux/separation-anxiety-isolating-your-system-with-linux-namespaces"/>
+                <a:hlinkClick r:id="rId3" tooltip="https://www.toptal.com/linux/separation-anxiety-isolating-your-system-with-linux-namespaces"/>
               </a:rPr>
               <a:t>www.toptal.com</a:t>
             </a:r>
@@ -27466,7 +25355,7 @@
     <a:masterClrMapping/>
   </p:clrMapOvr>
   <mc:AlternateContent xmlns:mc="http://schemas.openxmlformats.org/markup-compatibility/2006">
-    <mc:Choice xmlns:p159="http://schemas.microsoft.com/office/powerpoint/2015/09/main" xmlns:p14="http://schemas.microsoft.com/office/powerpoint/2010/main" Requires="p159">
+    <mc:Choice xmlns:p14="http://schemas.microsoft.com/office/powerpoint/2010/main" Requires="p14">
       <p:transition p14:dur="2000" advClick="1"/>
     </mc:Choice>
     <mc:Fallback>
@@ -27778,7 +25667,7 @@
           <p:nvPr/>
         </p:nvPicPr>
         <p:blipFill>
-          <a:blip r:embed="rId3">
+          <a:blip r:embed="rId2">
             <a:alphaModFix/>
           </a:blip>
           <a:srcRect l="0" t="0" r="0" b="0"/>
@@ -27916,7 +25805,7 @@
                 <a:latin typeface="Arial"/>
                 <a:ea typeface="Arial"/>
                 <a:cs typeface="Arial"/>
-                <a:hlinkClick r:id="rId4" tooltip="https://man7.org/linux/man-pages/man7/capabilities.7.html"/>
+                <a:hlinkClick r:id="rId3" tooltip="https://man7.org/linux/man-pages/man7/capabilities.7.html"/>
               </a:rPr>
               <a:t>man7.org</a:t>
             </a:r>
@@ -27968,7 +25857,7 @@
     <a:masterClrMapping/>
   </p:clrMapOvr>
   <mc:AlternateContent xmlns:mc="http://schemas.openxmlformats.org/markup-compatibility/2006">
-    <mc:Choice xmlns:p159="http://schemas.microsoft.com/office/powerpoint/2015/09/main" xmlns:p14="http://schemas.microsoft.com/office/powerpoint/2010/main" Requires="p159">
+    <mc:Choice xmlns:p14="http://schemas.microsoft.com/office/powerpoint/2010/main" Requires="p14">
       <p:transition p14:dur="2000" advClick="1"/>
     </mc:Choice>
     <mc:Fallback>
@@ -28181,209 +26070,4 @@
   </a:themeElements>
   <a:objectDefaults/>
 </a:theme>
-</file>
-
-<file path=ppt/theme/theme2.xml><?xml version="1.0" encoding="utf-8"?>
-<a:theme xmlns:a="http://schemas.openxmlformats.org/drawingml/2006/main" xmlns:r="http://schemas.openxmlformats.org/officeDocument/2006/relationships" xmlns:p="http://schemas.openxmlformats.org/presentationml/2006/main" name="Office Theme">
-  <a:themeElements>
-    <a:clrScheme name="Office">
-      <a:dk1>
-        <a:srgbClr val="000000"/>
-      </a:dk1>
-      <a:lt1>
-        <a:srgbClr val="FFFFFF"/>
-      </a:lt1>
-      <a:dk2>
-        <a:srgbClr val="44546A"/>
-      </a:dk2>
-      <a:lt2>
-        <a:srgbClr val="E7E6E6"/>
-      </a:lt2>
-      <a:accent1>
-        <a:srgbClr val="5B9BD5"/>
-      </a:accent1>
-      <a:accent2>
-        <a:srgbClr val="ED7D31"/>
-      </a:accent2>
-      <a:accent3>
-        <a:srgbClr val="A5A5A5"/>
-      </a:accent3>
-      <a:accent4>
-        <a:srgbClr val="FFC000"/>
-      </a:accent4>
-      <a:accent5>
-        <a:srgbClr val="4472C4"/>
-      </a:accent5>
-      <a:accent6>
-        <a:srgbClr val="70AD47"/>
-      </a:accent6>
-      <a:hlink>
-        <a:srgbClr val="0563C1"/>
-      </a:hlink>
-      <a:folHlink>
-        <a:srgbClr val="954F72"/>
-      </a:folHlink>
-    </a:clrScheme>
-    <a:fontScheme name="Office">
-      <a:majorFont>
-        <a:latin typeface="Arial"/>
-        <a:ea typeface="Arial"/>
-        <a:cs typeface="Arial"/>
-      </a:majorFont>
-      <a:minorFont>
-        <a:latin typeface="Arial"/>
-        <a:ea typeface="Arial"/>
-        <a:cs typeface="Arial"/>
-      </a:minorFont>
-    </a:fontScheme>
-    <a:fmtScheme name="Office">
-      <a:fillStyleLst>
-        <a:solidFill>
-          <a:schemeClr val="phClr"/>
-        </a:solidFill>
-        <a:gradFill>
-          <a:gsLst>
-            <a:gs pos="0">
-              <a:schemeClr val="phClr">
-                <a:tint val="50000"/>
-                <a:satMod val="300000"/>
-              </a:schemeClr>
-            </a:gs>
-            <a:gs pos="35000">
-              <a:schemeClr val="phClr">
-                <a:tint val="37000"/>
-                <a:satMod val="300000"/>
-              </a:schemeClr>
-            </a:gs>
-            <a:gs pos="100000">
-              <a:schemeClr val="phClr">
-                <a:tint val="15000"/>
-                <a:satMod val="350000"/>
-              </a:schemeClr>
-            </a:gs>
-          </a:gsLst>
-          <a:lin ang="16200000" scaled="1"/>
-        </a:gradFill>
-        <a:gradFill>
-          <a:gsLst>
-            <a:gs pos="0">
-              <a:schemeClr val="phClr">
-                <a:tint val="100000"/>
-                <a:shade val="100000"/>
-                <a:satMod val="130000"/>
-              </a:schemeClr>
-            </a:gs>
-            <a:gs pos="100000">
-              <a:schemeClr val="phClr">
-                <a:tint val="50000"/>
-                <a:shade val="100000"/>
-                <a:satMod val="350000"/>
-              </a:schemeClr>
-            </a:gs>
-          </a:gsLst>
-          <a:lin ang="16200000" scaled="0"/>
-        </a:gradFill>
-      </a:fillStyleLst>
-      <a:lnStyleLst>
-        <a:ln w="9525" cap="flat" cmpd="sng" algn="ctr">
-          <a:solidFill>
-            <a:schemeClr val="phClr">
-              <a:shade val="95000"/>
-              <a:satMod val="105000"/>
-            </a:schemeClr>
-          </a:solidFill>
-          <a:prstDash val="solid"/>
-        </a:ln>
-        <a:ln w="25400" cap="flat" cmpd="sng" algn="ctr">
-          <a:solidFill>
-            <a:schemeClr val="phClr"/>
-          </a:solidFill>
-          <a:prstDash val="solid"/>
-        </a:ln>
-        <a:ln w="38100" cap="flat" cmpd="sng" algn="ctr">
-          <a:solidFill>
-            <a:schemeClr val="phClr"/>
-          </a:solidFill>
-          <a:prstDash val="solid"/>
-        </a:ln>
-      </a:lnStyleLst>
-      <a:effectStyleLst>
-        <a:effectStyle>
-          <a:effectLst>
-            <a:outerShdw blurRad="40000" dist="20000" dir="5400000" rotWithShape="0">
-              <a:srgbClr val="000000">
-                <a:alpha val="38000"/>
-              </a:srgbClr>
-            </a:outerShdw>
-          </a:effectLst>
-        </a:effectStyle>
-        <a:effectStyle>
-          <a:effectLst>
-            <a:outerShdw blurRad="40000" dist="23000" dir="5400000" rotWithShape="0">
-              <a:srgbClr val="000000">
-                <a:alpha val="35000"/>
-              </a:srgbClr>
-            </a:outerShdw>
-          </a:effectLst>
-        </a:effectStyle>
-        <a:effectStyle>
-          <a:effectLst>
-            <a:outerShdw blurRad="40000" dist="23000" dir="5400000" rotWithShape="0">
-              <a:srgbClr val="000000">
-                <a:alpha val="35000"/>
-              </a:srgbClr>
-            </a:outerShdw>
-          </a:effectLst>
-        </a:effectStyle>
-      </a:effectStyleLst>
-      <a:bgFillStyleLst>
-        <a:solidFill>
-          <a:schemeClr val="phClr"/>
-        </a:solidFill>
-        <a:gradFill>
-          <a:gsLst>
-            <a:gs pos="0">
-              <a:schemeClr val="phClr">
-                <a:tint val="40000"/>
-                <a:satMod val="350000"/>
-              </a:schemeClr>
-            </a:gs>
-            <a:gs pos="40000">
-              <a:schemeClr val="phClr">
-                <a:tint val="45000"/>
-                <a:shade val="99000"/>
-                <a:satMod val="350000"/>
-              </a:schemeClr>
-            </a:gs>
-            <a:gs pos="100000">
-              <a:schemeClr val="phClr">
-                <a:shade val="20000"/>
-                <a:satMod val="255000"/>
-              </a:schemeClr>
-            </a:gs>
-          </a:gsLst>
-          <a:path path="circle"/>
-        </a:gradFill>
-        <a:gradFill>
-          <a:gsLst>
-            <a:gs pos="0">
-              <a:schemeClr val="phClr">
-                <a:tint val="80000"/>
-                <a:satMod val="300000"/>
-              </a:schemeClr>
-            </a:gs>
-            <a:gs pos="100000">
-              <a:schemeClr val="phClr">
-                <a:shade val="30000"/>
-                <a:satMod val="200000"/>
-              </a:schemeClr>
-            </a:gs>
-          </a:gsLst>
-          <a:path path="circle"/>
-        </a:gradFill>
-      </a:bgFillStyleLst>
-    </a:fmtScheme>
-  </a:themeElements>
-  <a:objectDefaults/>
-</a:theme>
 </file>
--- a/Presentation1.pptx
+++ b/Presentation1.pptx
@@ -1,28 +1,41 @@
 
 <file path=ppt/presentation.xml><?xml version="1.0" encoding="utf-8"?>
-<p:presentation xmlns:a="http://schemas.openxmlformats.org/drawingml/2006/main" xmlns:r="http://schemas.openxmlformats.org/officeDocument/2006/relationships" xmlns:p="http://schemas.openxmlformats.org/presentationml/2006/main" xmlns:m="http://schemas.openxmlformats.org/officeDocument/2006/math" xmlns:w="http://schemas.openxmlformats.org/wordprocessingml/2006/main" autoCompressPictures="0" embedTrueTypeFonts="1" saveSubsetFonts="1" strictFirstAndLastChars="0">
+<p:presentation xmlns:a="http://schemas.openxmlformats.org/drawingml/2006/main" xmlns:r="http://schemas.openxmlformats.org/officeDocument/2006/relationships" xmlns:p="http://schemas.openxmlformats.org/presentationml/2006/main" strictFirstAndLastChars="0" embedTrueTypeFonts="1" saveSubsetFonts="1" autoCompressPictures="0">
   <p:sldMasterIdLst>
     <p:sldMasterId id="2147483648" r:id="rId1"/>
   </p:sldMasterIdLst>
+  <p:notesMasterIdLst>
+    <p:notesMasterId r:id="rId21"/>
+  </p:notesMasterIdLst>
   <p:sldIdLst>
-    <p:sldId id="256" r:id="rId3"/>
-    <p:sldId id="257" r:id="rId4"/>
-    <p:sldId id="258" r:id="rId5"/>
-    <p:sldId id="259" r:id="rId6"/>
-    <p:sldId id="260" r:id="rId7"/>
-    <p:sldId id="261" r:id="rId8"/>
-    <p:sldId id="262" r:id="rId9"/>
-    <p:sldId id="263" r:id="rId10"/>
-    <p:sldId id="264" r:id="rId11"/>
-    <p:sldId id="265" r:id="rId12"/>
-    <p:sldId id="266" r:id="rId13"/>
-    <p:sldId id="267" r:id="rId14"/>
-    <p:sldId id="268" r:id="rId15"/>
-    <p:sldId id="269" r:id="rId16"/>
-    <p:sldId id="270" r:id="rId17"/>
+    <p:sldId id="256" r:id="rId2"/>
+    <p:sldId id="257" r:id="rId3"/>
+    <p:sldId id="258" r:id="rId4"/>
+    <p:sldId id="259" r:id="rId5"/>
+    <p:sldId id="260" r:id="rId6"/>
+    <p:sldId id="261" r:id="rId7"/>
+    <p:sldId id="262" r:id="rId8"/>
+    <p:sldId id="271" r:id="rId9"/>
+    <p:sldId id="272" r:id="rId10"/>
+    <p:sldId id="273" r:id="rId11"/>
+    <p:sldId id="274" r:id="rId12"/>
+    <p:sldId id="275" r:id="rId13"/>
+    <p:sldId id="264" r:id="rId14"/>
+    <p:sldId id="265" r:id="rId15"/>
+    <p:sldId id="266" r:id="rId16"/>
+    <p:sldId id="267" r:id="rId17"/>
+    <p:sldId id="268" r:id="rId18"/>
+    <p:sldId id="269" r:id="rId19"/>
+    <p:sldId id="270" r:id="rId20"/>
   </p:sldIdLst>
   <p:sldSz cx="12192000" cy="6858000"/>
   <p:notesSz cx="12192000" cy="6858000"/>
+  <p:embeddedFontLst>
+    <p:embeddedFont>
+      <p:font typeface="Arial Black" panose="020B0A04020102020204" pitchFamily="34" charset="0"/>
+      <p:bold r:id="rId22"/>
+    </p:embeddedFont>
+  </p:embeddedFontLst>
   <p:defaultTextStyle>
     <a:defPPr marR="0" lvl="0" algn="l">
       <a:lnSpc>
@@ -243,11 +256,822 @@
       </a:defRPr>
     </a:lvl9pPr>
   </p:defaultTextStyle>
+  <p:extLst>
+    <p:ext uri="{EFAFB233-063F-42B5-8137-9DF3F51BA10A}">
+      <p15:sldGuideLst xmlns:p15="http://schemas.microsoft.com/office/powerpoint/2012/main">
+        <p15:guide id="1" pos="3840">
+          <p15:clr>
+            <a:srgbClr val="A4A3A4"/>
+          </p15:clr>
+        </p15:guide>
+        <p15:guide id="2" orient="horz" pos="2160">
+          <p15:clr>
+            <a:srgbClr val="A4A3A4"/>
+          </p15:clr>
+        </p15:guide>
+      </p15:sldGuideLst>
+    </p:ext>
+  </p:extLst>
 </p:presentation>
 </file>
 
+<file path=ppt/notesMasters/notesMaster1.xml><?xml version="1.0" encoding="utf-8"?>
+<p:notesMaster xmlns:a="http://schemas.openxmlformats.org/drawingml/2006/main" xmlns:r="http://schemas.openxmlformats.org/officeDocument/2006/relationships" xmlns:p="http://schemas.openxmlformats.org/presentationml/2006/main">
+  <p:cSld>
+    <p:bg>
+      <p:bgRef idx="1001">
+        <a:schemeClr val="bg1"/>
+      </p:bgRef>
+    </p:bg>
+    <p:spTree>
+      <p:nvGrpSpPr>
+        <p:cNvPr id="1" name=""/>
+        <p:cNvGrpSpPr/>
+        <p:nvPr/>
+      </p:nvGrpSpPr>
+      <p:grpSpPr>
+        <a:xfrm>
+          <a:off x="0" y="0"/>
+          <a:ext cx="0" cy="0"/>
+          <a:chOff x="0" y="0"/>
+          <a:chExt cx="0" cy="0"/>
+        </a:xfrm>
+      </p:grpSpPr>
+      <p:sp>
+        <p:nvSpPr>
+          <p:cNvPr id="2" name="Kopfzeilenplatzhalter 1"/>
+          <p:cNvSpPr>
+            <a:spLocks noGrp="1"/>
+          </p:cNvSpPr>
+          <p:nvPr>
+            <p:ph type="hdr" sz="quarter"/>
+          </p:nvPr>
+        </p:nvSpPr>
+        <p:spPr>
+          <a:xfrm>
+            <a:off x="0" y="0"/>
+            <a:ext cx="5283200" cy="344488"/>
+          </a:xfrm>
+          <a:prstGeom prst="rect">
+            <a:avLst/>
+          </a:prstGeom>
+        </p:spPr>
+        <p:txBody>
+          <a:bodyPr vert="horz" lIns="91440" tIns="45720" rIns="91440" bIns="45720" rtlCol="0"/>
+          <a:lstStyle>
+            <a:lvl1pPr algn="l">
+              <a:defRPr sz="1200"/>
+            </a:lvl1pPr>
+          </a:lstStyle>
+          <a:p>
+            <a:endParaRPr lang="de-IT"/>
+          </a:p>
+        </p:txBody>
+      </p:sp>
+      <p:sp>
+        <p:nvSpPr>
+          <p:cNvPr id="3" name="Datumsplatzhalter 2"/>
+          <p:cNvSpPr>
+            <a:spLocks noGrp="1"/>
+          </p:cNvSpPr>
+          <p:nvPr>
+            <p:ph type="dt" idx="1"/>
+          </p:nvPr>
+        </p:nvSpPr>
+        <p:spPr>
+          <a:xfrm>
+            <a:off x="6905625" y="0"/>
+            <a:ext cx="5283200" cy="344488"/>
+          </a:xfrm>
+          <a:prstGeom prst="rect">
+            <a:avLst/>
+          </a:prstGeom>
+        </p:spPr>
+        <p:txBody>
+          <a:bodyPr vert="horz" lIns="91440" tIns="45720" rIns="91440" bIns="45720" rtlCol="0"/>
+          <a:lstStyle>
+            <a:lvl1pPr algn="r">
+              <a:defRPr sz="1200"/>
+            </a:lvl1pPr>
+          </a:lstStyle>
+          <a:p>
+            <a:fld id="{3AFF5658-BE00-4C57-8375-B4B1726EFF2A}" type="datetimeFigureOut">
+              <a:rPr lang="de-IT" smtClean="0"/>
+              <a:t>24.01.2024</a:t>
+            </a:fld>
+            <a:endParaRPr lang="de-IT"/>
+          </a:p>
+        </p:txBody>
+      </p:sp>
+      <p:sp>
+        <p:nvSpPr>
+          <p:cNvPr id="4" name="Folienbildplatzhalter 3"/>
+          <p:cNvSpPr>
+            <a:spLocks noGrp="1" noRot="1" noChangeAspect="1"/>
+          </p:cNvSpPr>
+          <p:nvPr>
+            <p:ph type="sldImg" idx="2"/>
+          </p:nvPr>
+        </p:nvSpPr>
+        <p:spPr>
+          <a:xfrm>
+            <a:off x="4038600" y="857250"/>
+            <a:ext cx="4114800" cy="2314575"/>
+          </a:xfrm>
+          <a:prstGeom prst="rect">
+            <a:avLst/>
+          </a:prstGeom>
+          <a:noFill/>
+          <a:ln w="12700">
+            <a:solidFill>
+              <a:prstClr val="black"/>
+            </a:solidFill>
+          </a:ln>
+        </p:spPr>
+        <p:txBody>
+          <a:bodyPr vert="horz" lIns="91440" tIns="45720" rIns="91440" bIns="45720" rtlCol="0" anchor="ctr"/>
+          <a:lstStyle/>
+          <a:p>
+            <a:endParaRPr lang="de-IT"/>
+          </a:p>
+        </p:txBody>
+      </p:sp>
+      <p:sp>
+        <p:nvSpPr>
+          <p:cNvPr id="5" name="Notizenplatzhalter 4"/>
+          <p:cNvSpPr>
+            <a:spLocks noGrp="1"/>
+          </p:cNvSpPr>
+          <p:nvPr>
+            <p:ph type="body" sz="quarter" idx="3"/>
+          </p:nvPr>
+        </p:nvSpPr>
+        <p:spPr>
+          <a:xfrm>
+            <a:off x="1219200" y="3300413"/>
+            <a:ext cx="9753600" cy="2700337"/>
+          </a:xfrm>
+          <a:prstGeom prst="rect">
+            <a:avLst/>
+          </a:prstGeom>
+        </p:spPr>
+        <p:txBody>
+          <a:bodyPr vert="horz" lIns="91440" tIns="45720" rIns="91440" bIns="45720" rtlCol="0"/>
+          <a:lstStyle/>
+          <a:p>
+            <a:pPr lvl="0"/>
+            <a:r>
+              <a:rPr lang="de-DE"/>
+              <a:t>Mastertextformat bearbeiten</a:t>
+            </a:r>
+          </a:p>
+          <a:p>
+            <a:pPr lvl="1"/>
+            <a:r>
+              <a:rPr lang="de-DE"/>
+              <a:t>Zweite Ebene</a:t>
+            </a:r>
+          </a:p>
+          <a:p>
+            <a:pPr lvl="2"/>
+            <a:r>
+              <a:rPr lang="de-DE"/>
+              <a:t>Dritte Ebene</a:t>
+            </a:r>
+          </a:p>
+          <a:p>
+            <a:pPr lvl="3"/>
+            <a:r>
+              <a:rPr lang="de-DE"/>
+              <a:t>Vierte Ebene</a:t>
+            </a:r>
+          </a:p>
+          <a:p>
+            <a:pPr lvl="4"/>
+            <a:r>
+              <a:rPr lang="de-DE"/>
+              <a:t>Fünfte Ebene</a:t>
+            </a:r>
+            <a:endParaRPr lang="de-IT"/>
+          </a:p>
+        </p:txBody>
+      </p:sp>
+      <p:sp>
+        <p:nvSpPr>
+          <p:cNvPr id="6" name="Fußzeilenplatzhalter 5"/>
+          <p:cNvSpPr>
+            <a:spLocks noGrp="1"/>
+          </p:cNvSpPr>
+          <p:nvPr>
+            <p:ph type="ftr" sz="quarter" idx="4"/>
+          </p:nvPr>
+        </p:nvSpPr>
+        <p:spPr>
+          <a:xfrm>
+            <a:off x="0" y="6513513"/>
+            <a:ext cx="5283200" cy="344487"/>
+          </a:xfrm>
+          <a:prstGeom prst="rect">
+            <a:avLst/>
+          </a:prstGeom>
+        </p:spPr>
+        <p:txBody>
+          <a:bodyPr vert="horz" lIns="91440" tIns="45720" rIns="91440" bIns="45720" rtlCol="0" anchor="b"/>
+          <a:lstStyle>
+            <a:lvl1pPr algn="l">
+              <a:defRPr sz="1200"/>
+            </a:lvl1pPr>
+          </a:lstStyle>
+          <a:p>
+            <a:endParaRPr lang="de-IT"/>
+          </a:p>
+        </p:txBody>
+      </p:sp>
+      <p:sp>
+        <p:nvSpPr>
+          <p:cNvPr id="7" name="Foliennummernplatzhalter 6"/>
+          <p:cNvSpPr>
+            <a:spLocks noGrp="1"/>
+          </p:cNvSpPr>
+          <p:nvPr>
+            <p:ph type="sldNum" sz="quarter" idx="5"/>
+          </p:nvPr>
+        </p:nvSpPr>
+        <p:spPr>
+          <a:xfrm>
+            <a:off x="6905625" y="6513513"/>
+            <a:ext cx="5283200" cy="344487"/>
+          </a:xfrm>
+          <a:prstGeom prst="rect">
+            <a:avLst/>
+          </a:prstGeom>
+        </p:spPr>
+        <p:txBody>
+          <a:bodyPr vert="horz" lIns="91440" tIns="45720" rIns="91440" bIns="45720" rtlCol="0" anchor="b"/>
+          <a:lstStyle>
+            <a:lvl1pPr algn="r">
+              <a:defRPr sz="1200"/>
+            </a:lvl1pPr>
+          </a:lstStyle>
+          <a:p>
+            <a:fld id="{9D93C22B-54B0-4DE6-A83C-A85454CF9DC4}" type="slidenum">
+              <a:rPr lang="de-IT" smtClean="0"/>
+              <a:t>‹Nr.›</a:t>
+            </a:fld>
+            <a:endParaRPr lang="de-IT"/>
+          </a:p>
+        </p:txBody>
+      </p:sp>
+    </p:spTree>
+    <p:extLst>
+      <p:ext uri="{BB962C8B-B14F-4D97-AF65-F5344CB8AC3E}">
+        <p14:creationId xmlns:p14="http://schemas.microsoft.com/office/powerpoint/2010/main" val="3630459871"/>
+      </p:ext>
+    </p:extLst>
+  </p:cSld>
+  <p:clrMap bg1="lt1" tx1="dk1" bg2="lt2" tx2="dk2" accent1="accent1" accent2="accent2" accent3="accent3" accent4="accent4" accent5="accent5" accent6="accent6" hlink="hlink" folHlink="folHlink"/>
+  <p:notesStyle>
+    <a:lvl1pPr marL="0" algn="l" defTabSz="914400" rtl="0" eaLnBrk="1" latinLnBrk="0" hangingPunct="1">
+      <a:defRPr sz="1200" kern="1200">
+        <a:solidFill>
+          <a:schemeClr val="tx1"/>
+        </a:solidFill>
+        <a:latin typeface="+mn-lt"/>
+        <a:ea typeface="+mn-ea"/>
+        <a:cs typeface="+mn-cs"/>
+      </a:defRPr>
+    </a:lvl1pPr>
+    <a:lvl2pPr marL="457200" algn="l" defTabSz="914400" rtl="0" eaLnBrk="1" latinLnBrk="0" hangingPunct="1">
+      <a:defRPr sz="1200" kern="1200">
+        <a:solidFill>
+          <a:schemeClr val="tx1"/>
+        </a:solidFill>
+        <a:latin typeface="+mn-lt"/>
+        <a:ea typeface="+mn-ea"/>
+        <a:cs typeface="+mn-cs"/>
+      </a:defRPr>
+    </a:lvl2pPr>
+    <a:lvl3pPr marL="914400" algn="l" defTabSz="914400" rtl="0" eaLnBrk="1" latinLnBrk="0" hangingPunct="1">
+      <a:defRPr sz="1200" kern="1200">
+        <a:solidFill>
+          <a:schemeClr val="tx1"/>
+        </a:solidFill>
+        <a:latin typeface="+mn-lt"/>
+        <a:ea typeface="+mn-ea"/>
+        <a:cs typeface="+mn-cs"/>
+      </a:defRPr>
+    </a:lvl3pPr>
+    <a:lvl4pPr marL="1371600" algn="l" defTabSz="914400" rtl="0" eaLnBrk="1" latinLnBrk="0" hangingPunct="1">
+      <a:defRPr sz="1200" kern="1200">
+        <a:solidFill>
+          <a:schemeClr val="tx1"/>
+        </a:solidFill>
+        <a:latin typeface="+mn-lt"/>
+        <a:ea typeface="+mn-ea"/>
+        <a:cs typeface="+mn-cs"/>
+      </a:defRPr>
+    </a:lvl4pPr>
+    <a:lvl5pPr marL="1828800" algn="l" defTabSz="914400" rtl="0" eaLnBrk="1" latinLnBrk="0" hangingPunct="1">
+      <a:defRPr sz="1200" kern="1200">
+        <a:solidFill>
+          <a:schemeClr val="tx1"/>
+        </a:solidFill>
+        <a:latin typeface="+mn-lt"/>
+        <a:ea typeface="+mn-ea"/>
+        <a:cs typeface="+mn-cs"/>
+      </a:defRPr>
+    </a:lvl5pPr>
+    <a:lvl6pPr marL="2286000" algn="l" defTabSz="914400" rtl="0" eaLnBrk="1" latinLnBrk="0" hangingPunct="1">
+      <a:defRPr sz="1200" kern="1200">
+        <a:solidFill>
+          <a:schemeClr val="tx1"/>
+        </a:solidFill>
+        <a:latin typeface="+mn-lt"/>
+        <a:ea typeface="+mn-ea"/>
+        <a:cs typeface="+mn-cs"/>
+      </a:defRPr>
+    </a:lvl6pPr>
+    <a:lvl7pPr marL="2743200" algn="l" defTabSz="914400" rtl="0" eaLnBrk="1" latinLnBrk="0" hangingPunct="1">
+      <a:defRPr sz="1200" kern="1200">
+        <a:solidFill>
+          <a:schemeClr val="tx1"/>
+        </a:solidFill>
+        <a:latin typeface="+mn-lt"/>
+        <a:ea typeface="+mn-ea"/>
+        <a:cs typeface="+mn-cs"/>
+      </a:defRPr>
+    </a:lvl7pPr>
+    <a:lvl8pPr marL="3200400" algn="l" defTabSz="914400" rtl="0" eaLnBrk="1" latinLnBrk="0" hangingPunct="1">
+      <a:defRPr sz="1200" kern="1200">
+        <a:solidFill>
+          <a:schemeClr val="tx1"/>
+        </a:solidFill>
+        <a:latin typeface="+mn-lt"/>
+        <a:ea typeface="+mn-ea"/>
+        <a:cs typeface="+mn-cs"/>
+      </a:defRPr>
+    </a:lvl8pPr>
+    <a:lvl9pPr marL="3657600" algn="l" defTabSz="914400" rtl="0" eaLnBrk="1" latinLnBrk="0" hangingPunct="1">
+      <a:defRPr sz="1200" kern="1200">
+        <a:solidFill>
+          <a:schemeClr val="tx1"/>
+        </a:solidFill>
+        <a:latin typeface="+mn-lt"/>
+        <a:ea typeface="+mn-ea"/>
+        <a:cs typeface="+mn-cs"/>
+      </a:defRPr>
+    </a:lvl9pPr>
+  </p:notesStyle>
+</p:notesMaster>
+</file>
+
+<file path=ppt/notesSlides/notesSlide1.xml><?xml version="1.0" encoding="utf-8"?>
+<p:notes xmlns:a="http://schemas.openxmlformats.org/drawingml/2006/main" xmlns:r="http://schemas.openxmlformats.org/officeDocument/2006/relationships" xmlns:p="http://schemas.openxmlformats.org/presentationml/2006/main">
+  <p:cSld>
+    <p:spTree>
+      <p:nvGrpSpPr>
+        <p:cNvPr id="1" name=""/>
+        <p:cNvGrpSpPr/>
+        <p:nvPr/>
+      </p:nvGrpSpPr>
+      <p:grpSpPr bwMode="auto">
+        <a:xfrm>
+          <a:off x="0" y="0"/>
+          <a:ext cx="0" cy="0"/>
+          <a:chOff x="0" y="0"/>
+          <a:chExt cx="0" cy="0"/>
+        </a:xfrm>
+      </p:grpSpPr>
+      <p:sp>
+        <p:nvSpPr>
+          <p:cNvPr id="2" name="Slide Image Placeholder 1"/>
+          <p:cNvSpPr>
+            <a:spLocks noGrp="1" noRot="1" noChangeAspect="1"/>
+          </p:cNvSpPr>
+          <p:nvPr>
+            <p:ph type="sldImg"/>
+          </p:nvPr>
+        </p:nvSpPr>
+        <p:spPr bwMode="auto"/>
+      </p:sp>
+      <p:sp>
+        <p:nvSpPr>
+          <p:cNvPr id="3" name="Notes Placeholder 2"/>
+          <p:cNvSpPr>
+            <a:spLocks noGrp="1"/>
+          </p:cNvSpPr>
+          <p:nvPr>
+            <p:ph type="body" idx="1"/>
+          </p:nvPr>
+        </p:nvSpPr>
+        <p:spPr bwMode="auto"/>
+        <p:txBody>
+          <a:bodyPr/>
+          <a:lstStyle/>
+          <a:p>
+            <a:pPr>
+              <a:defRPr/>
+            </a:pPr>
+            <a:endParaRPr/>
+          </a:p>
+        </p:txBody>
+      </p:sp>
+      <p:sp>
+        <p:nvSpPr>
+          <p:cNvPr id="4" name="Slide Number Placeholder 3"/>
+          <p:cNvSpPr>
+            <a:spLocks noGrp="1"/>
+          </p:cNvSpPr>
+          <p:nvPr>
+            <p:ph type="sldNum" sz="quarter" idx="10"/>
+          </p:nvPr>
+        </p:nvSpPr>
+        <p:spPr bwMode="auto"/>
+        <p:txBody>
+          <a:bodyPr/>
+          <a:lstStyle/>
+          <a:p>
+            <a:pPr>
+              <a:defRPr/>
+            </a:pPr>
+            <a:fld id="{C1B13F66-34A2-92A9-C45C-2E4BE92304CA}" type="slidenum">
+              <a:rPr/>
+              <a:t>8</a:t>
+            </a:fld>
+            <a:endParaRPr/>
+          </a:p>
+        </p:txBody>
+      </p:sp>
+    </p:spTree>
+  </p:cSld>
+  <p:clrMapOvr>
+    <a:masterClrMapping/>
+  </p:clrMapOvr>
+</p:notes>
+</file>
+
+<file path=ppt/notesSlides/notesSlide2.xml><?xml version="1.0" encoding="utf-8"?>
+<p:notes xmlns:a="http://schemas.openxmlformats.org/drawingml/2006/main" xmlns:r="http://schemas.openxmlformats.org/officeDocument/2006/relationships" xmlns:p="http://schemas.openxmlformats.org/presentationml/2006/main">
+  <p:cSld>
+    <p:spTree>
+      <p:nvGrpSpPr>
+        <p:cNvPr id="1" name=""/>
+        <p:cNvGrpSpPr/>
+        <p:nvPr/>
+      </p:nvGrpSpPr>
+      <p:grpSpPr bwMode="auto">
+        <a:xfrm>
+          <a:off x="0" y="0"/>
+          <a:ext cx="0" cy="0"/>
+          <a:chOff x="0" y="0"/>
+          <a:chExt cx="0" cy="0"/>
+        </a:xfrm>
+      </p:grpSpPr>
+      <p:sp>
+        <p:nvSpPr>
+          <p:cNvPr id="2" name="Slide Image Placeholder 1"/>
+          <p:cNvSpPr>
+            <a:spLocks noGrp="1" noRot="1" noChangeAspect="1"/>
+          </p:cNvSpPr>
+          <p:nvPr>
+            <p:ph type="sldImg"/>
+          </p:nvPr>
+        </p:nvSpPr>
+        <p:spPr bwMode="auto"/>
+      </p:sp>
+      <p:sp>
+        <p:nvSpPr>
+          <p:cNvPr id="3" name="Notes Placeholder 2"/>
+          <p:cNvSpPr>
+            <a:spLocks noGrp="1"/>
+          </p:cNvSpPr>
+          <p:nvPr>
+            <p:ph type="body" idx="1"/>
+          </p:nvPr>
+        </p:nvSpPr>
+        <p:spPr bwMode="auto"/>
+        <p:txBody>
+          <a:bodyPr/>
+          <a:lstStyle/>
+          <a:p>
+            <a:pPr>
+              <a:defRPr/>
+            </a:pPr>
+            <a:endParaRPr/>
+          </a:p>
+        </p:txBody>
+      </p:sp>
+      <p:sp>
+        <p:nvSpPr>
+          <p:cNvPr id="4" name="Slide Number Placeholder 3"/>
+          <p:cNvSpPr>
+            <a:spLocks noGrp="1"/>
+          </p:cNvSpPr>
+          <p:nvPr>
+            <p:ph type="sldNum" sz="quarter" idx="10"/>
+          </p:nvPr>
+        </p:nvSpPr>
+        <p:spPr bwMode="auto"/>
+        <p:txBody>
+          <a:bodyPr/>
+          <a:lstStyle/>
+          <a:p>
+            <a:pPr>
+              <a:defRPr/>
+            </a:pPr>
+            <a:fld id="{C1B13F66-34A2-92A9-C45C-2E4BE92304CA}" type="slidenum">
+              <a:rPr/>
+              <a:t>9</a:t>
+            </a:fld>
+            <a:endParaRPr/>
+          </a:p>
+        </p:txBody>
+      </p:sp>
+    </p:spTree>
+    <p:extLst>
+      <p:ext uri="{BB962C8B-B14F-4D97-AF65-F5344CB8AC3E}">
+        <p14:creationId xmlns:p14="http://schemas.microsoft.com/office/powerpoint/2010/main" val="1109058137"/>
+      </p:ext>
+    </p:extLst>
+  </p:cSld>
+  <p:clrMapOvr>
+    <a:masterClrMapping/>
+  </p:clrMapOvr>
+</p:notes>
+</file>
+
+<file path=ppt/notesSlides/notesSlide3.xml><?xml version="1.0" encoding="utf-8"?>
+<p:notes xmlns:a="http://schemas.openxmlformats.org/drawingml/2006/main" xmlns:r="http://schemas.openxmlformats.org/officeDocument/2006/relationships" xmlns:p="http://schemas.openxmlformats.org/presentationml/2006/main">
+  <p:cSld>
+    <p:spTree>
+      <p:nvGrpSpPr>
+        <p:cNvPr id="1" name=""/>
+        <p:cNvGrpSpPr/>
+        <p:nvPr/>
+      </p:nvGrpSpPr>
+      <p:grpSpPr bwMode="auto">
+        <a:xfrm>
+          <a:off x="0" y="0"/>
+          <a:ext cx="0" cy="0"/>
+          <a:chOff x="0" y="0"/>
+          <a:chExt cx="0" cy="0"/>
+        </a:xfrm>
+      </p:grpSpPr>
+      <p:sp>
+        <p:nvSpPr>
+          <p:cNvPr id="2" name="Slide Image Placeholder 1"/>
+          <p:cNvSpPr>
+            <a:spLocks noGrp="1" noRot="1" noChangeAspect="1"/>
+          </p:cNvSpPr>
+          <p:nvPr>
+            <p:ph type="sldImg"/>
+          </p:nvPr>
+        </p:nvSpPr>
+        <p:spPr bwMode="auto"/>
+      </p:sp>
+      <p:sp>
+        <p:nvSpPr>
+          <p:cNvPr id="3" name="Notes Placeholder 2"/>
+          <p:cNvSpPr>
+            <a:spLocks noGrp="1"/>
+          </p:cNvSpPr>
+          <p:nvPr>
+            <p:ph type="body" idx="1"/>
+          </p:nvPr>
+        </p:nvSpPr>
+        <p:spPr bwMode="auto"/>
+        <p:txBody>
+          <a:bodyPr/>
+          <a:lstStyle/>
+          <a:p>
+            <a:pPr>
+              <a:defRPr/>
+            </a:pPr>
+            <a:endParaRPr/>
+          </a:p>
+        </p:txBody>
+      </p:sp>
+      <p:sp>
+        <p:nvSpPr>
+          <p:cNvPr id="4" name="Slide Number Placeholder 3"/>
+          <p:cNvSpPr>
+            <a:spLocks noGrp="1"/>
+          </p:cNvSpPr>
+          <p:nvPr>
+            <p:ph type="sldNum" sz="quarter" idx="10"/>
+          </p:nvPr>
+        </p:nvSpPr>
+        <p:spPr bwMode="auto"/>
+        <p:txBody>
+          <a:bodyPr/>
+          <a:lstStyle/>
+          <a:p>
+            <a:pPr>
+              <a:defRPr/>
+            </a:pPr>
+            <a:fld id="{C1B13F66-34A2-92A9-C45C-2E4BE92304CA}" type="slidenum">
+              <a:rPr/>
+              <a:t>10</a:t>
+            </a:fld>
+            <a:endParaRPr/>
+          </a:p>
+        </p:txBody>
+      </p:sp>
+    </p:spTree>
+    <p:extLst>
+      <p:ext uri="{BB962C8B-B14F-4D97-AF65-F5344CB8AC3E}">
+        <p14:creationId xmlns:p14="http://schemas.microsoft.com/office/powerpoint/2010/main" val="2071014415"/>
+      </p:ext>
+    </p:extLst>
+  </p:cSld>
+  <p:clrMapOvr>
+    <a:masterClrMapping/>
+  </p:clrMapOvr>
+</p:notes>
+</file>
+
+<file path=ppt/notesSlides/notesSlide4.xml><?xml version="1.0" encoding="utf-8"?>
+<p:notes xmlns:a="http://schemas.openxmlformats.org/drawingml/2006/main" xmlns:r="http://schemas.openxmlformats.org/officeDocument/2006/relationships" xmlns:p="http://schemas.openxmlformats.org/presentationml/2006/main">
+  <p:cSld>
+    <p:spTree>
+      <p:nvGrpSpPr>
+        <p:cNvPr id="1" name=""/>
+        <p:cNvGrpSpPr/>
+        <p:nvPr/>
+      </p:nvGrpSpPr>
+      <p:grpSpPr bwMode="auto">
+        <a:xfrm>
+          <a:off x="0" y="0"/>
+          <a:ext cx="0" cy="0"/>
+          <a:chOff x="0" y="0"/>
+          <a:chExt cx="0" cy="0"/>
+        </a:xfrm>
+      </p:grpSpPr>
+      <p:sp>
+        <p:nvSpPr>
+          <p:cNvPr id="2" name="Slide Image Placeholder 1"/>
+          <p:cNvSpPr>
+            <a:spLocks noGrp="1" noRot="1" noChangeAspect="1"/>
+          </p:cNvSpPr>
+          <p:nvPr>
+            <p:ph type="sldImg"/>
+          </p:nvPr>
+        </p:nvSpPr>
+        <p:spPr bwMode="auto"/>
+      </p:sp>
+      <p:sp>
+        <p:nvSpPr>
+          <p:cNvPr id="3" name="Notes Placeholder 2"/>
+          <p:cNvSpPr>
+            <a:spLocks noGrp="1"/>
+          </p:cNvSpPr>
+          <p:nvPr>
+            <p:ph type="body" idx="1"/>
+          </p:nvPr>
+        </p:nvSpPr>
+        <p:spPr bwMode="auto"/>
+        <p:txBody>
+          <a:bodyPr/>
+          <a:lstStyle/>
+          <a:p>
+            <a:pPr>
+              <a:defRPr/>
+            </a:pPr>
+            <a:endParaRPr/>
+          </a:p>
+        </p:txBody>
+      </p:sp>
+      <p:sp>
+        <p:nvSpPr>
+          <p:cNvPr id="4" name="Slide Number Placeholder 3"/>
+          <p:cNvSpPr>
+            <a:spLocks noGrp="1"/>
+          </p:cNvSpPr>
+          <p:nvPr>
+            <p:ph type="sldNum" sz="quarter" idx="10"/>
+          </p:nvPr>
+        </p:nvSpPr>
+        <p:spPr bwMode="auto"/>
+        <p:txBody>
+          <a:bodyPr/>
+          <a:lstStyle/>
+          <a:p>
+            <a:pPr>
+              <a:defRPr/>
+            </a:pPr>
+            <a:fld id="{C1B13F66-34A2-92A9-C45C-2E4BE92304CA}" type="slidenum">
+              <a:rPr/>
+              <a:t>11</a:t>
+            </a:fld>
+            <a:endParaRPr/>
+          </a:p>
+        </p:txBody>
+      </p:sp>
+    </p:spTree>
+    <p:extLst>
+      <p:ext uri="{BB962C8B-B14F-4D97-AF65-F5344CB8AC3E}">
+        <p14:creationId xmlns:p14="http://schemas.microsoft.com/office/powerpoint/2010/main" val="4151283269"/>
+      </p:ext>
+    </p:extLst>
+  </p:cSld>
+  <p:clrMapOvr>
+    <a:masterClrMapping/>
+  </p:clrMapOvr>
+</p:notes>
+</file>
+
+<file path=ppt/notesSlides/notesSlide5.xml><?xml version="1.0" encoding="utf-8"?>
+<p:notes xmlns:a="http://schemas.openxmlformats.org/drawingml/2006/main" xmlns:r="http://schemas.openxmlformats.org/officeDocument/2006/relationships" xmlns:p="http://schemas.openxmlformats.org/presentationml/2006/main">
+  <p:cSld>
+    <p:spTree>
+      <p:nvGrpSpPr>
+        <p:cNvPr id="1" name=""/>
+        <p:cNvGrpSpPr/>
+        <p:nvPr/>
+      </p:nvGrpSpPr>
+      <p:grpSpPr bwMode="auto">
+        <a:xfrm>
+          <a:off x="0" y="0"/>
+          <a:ext cx="0" cy="0"/>
+          <a:chOff x="0" y="0"/>
+          <a:chExt cx="0" cy="0"/>
+        </a:xfrm>
+      </p:grpSpPr>
+      <p:sp>
+        <p:nvSpPr>
+          <p:cNvPr id="2" name="Slide Image Placeholder 1"/>
+          <p:cNvSpPr>
+            <a:spLocks noGrp="1" noRot="1" noChangeAspect="1"/>
+          </p:cNvSpPr>
+          <p:nvPr>
+            <p:ph type="sldImg"/>
+          </p:nvPr>
+        </p:nvSpPr>
+        <p:spPr bwMode="auto"/>
+      </p:sp>
+      <p:sp>
+        <p:nvSpPr>
+          <p:cNvPr id="3" name="Notes Placeholder 2"/>
+          <p:cNvSpPr>
+            <a:spLocks noGrp="1"/>
+          </p:cNvSpPr>
+          <p:nvPr>
+            <p:ph type="body" idx="1"/>
+          </p:nvPr>
+        </p:nvSpPr>
+        <p:spPr bwMode="auto"/>
+        <p:txBody>
+          <a:bodyPr/>
+          <a:lstStyle/>
+          <a:p>
+            <a:pPr>
+              <a:defRPr/>
+            </a:pPr>
+            <a:endParaRPr/>
+          </a:p>
+        </p:txBody>
+      </p:sp>
+      <p:sp>
+        <p:nvSpPr>
+          <p:cNvPr id="4" name="Slide Number Placeholder 3"/>
+          <p:cNvSpPr>
+            <a:spLocks noGrp="1"/>
+          </p:cNvSpPr>
+          <p:nvPr>
+            <p:ph type="sldNum" sz="quarter" idx="10"/>
+          </p:nvPr>
+        </p:nvSpPr>
+        <p:spPr bwMode="auto"/>
+        <p:txBody>
+          <a:bodyPr/>
+          <a:lstStyle/>
+          <a:p>
+            <a:pPr>
+              <a:defRPr/>
+            </a:pPr>
+            <a:fld id="{C1B13F66-34A2-92A9-C45C-2E4BE92304CA}" type="slidenum">
+              <a:rPr/>
+              <a:t>12</a:t>
+            </a:fld>
+            <a:endParaRPr/>
+          </a:p>
+        </p:txBody>
+      </p:sp>
+    </p:spTree>
+    <p:extLst>
+      <p:ext uri="{BB962C8B-B14F-4D97-AF65-F5344CB8AC3E}">
+        <p14:creationId xmlns:p14="http://schemas.microsoft.com/office/powerpoint/2010/main" val="102421188"/>
+      </p:ext>
+    </p:extLst>
+  </p:cSld>
+  <p:clrMapOvr>
+    <a:masterClrMapping/>
+  </p:clrMapOvr>
+</p:notes>
+</file>
+
 <file path=ppt/slideLayouts/slideLayout1.xml><?xml version="1.0" encoding="utf-8"?>
-<p:sldLayout xmlns:a="http://schemas.openxmlformats.org/drawingml/2006/main" xmlns:r="http://schemas.openxmlformats.org/officeDocument/2006/relationships" xmlns:p="http://schemas.openxmlformats.org/presentationml/2006/main" xmlns:m="http://schemas.openxmlformats.org/officeDocument/2006/math" xmlns:w="http://schemas.openxmlformats.org/wordprocessingml/2006/main" matchingName="Title Slide" preserve="0" showMasterPhAnim="0" showMasterSp="0" type="title" userDrawn="1">
+<p:sldLayout xmlns:a="http://schemas.openxmlformats.org/drawingml/2006/main" xmlns:r="http://schemas.openxmlformats.org/officeDocument/2006/relationships" xmlns:p="http://schemas.openxmlformats.org/presentationml/2006/main" showMasterSp="0" showMasterPhAnim="0" matchingName="Title Slide" type="title" userDrawn="1">
   <p:cSld name="TITLE">
     <p:spTree>
       <p:nvGrpSpPr>
@@ -266,7 +1090,9 @@
       <p:sp>
         <p:nvSpPr>
           <p:cNvPr id="187" name="Google Shape;187;p2"/>
-          <p:cNvSpPr txBox="1"/>
+          <p:cNvSpPr txBox="1">
+            <a:spLocks noGrp="1"/>
+          </p:cNvSpPr>
           <p:nvPr>
             <p:ph type="ctrTitle"/>
           </p:nvPr>
@@ -404,7 +1230,9 @@
       <p:sp>
         <p:nvSpPr>
           <p:cNvPr id="188" name="Google Shape;188;p2"/>
-          <p:cNvSpPr txBox="1"/>
+          <p:cNvSpPr txBox="1">
+            <a:spLocks noGrp="1"/>
+          </p:cNvSpPr>
           <p:nvPr>
             <p:ph type="subTitle" idx="1"/>
           </p:nvPr>
@@ -601,7 +1429,9 @@
       <p:sp>
         <p:nvSpPr>
           <p:cNvPr id="189" name="Google Shape;189;p2"/>
-          <p:cNvSpPr txBox="1"/>
+          <p:cNvSpPr txBox="1">
+            <a:spLocks noGrp="1"/>
+          </p:cNvSpPr>
           <p:nvPr>
             <p:ph type="dt" idx="10"/>
           </p:nvPr>
@@ -735,7 +1565,9 @@
       <p:sp>
         <p:nvSpPr>
           <p:cNvPr id="190" name="Google Shape;190;p2"/>
-          <p:cNvSpPr txBox="1"/>
+          <p:cNvSpPr txBox="1">
+            <a:spLocks noGrp="1"/>
+          </p:cNvSpPr>
           <p:nvPr>
             <p:ph type="ftr" idx="11"/>
           </p:nvPr>
@@ -869,7 +1701,9 @@
       <p:sp>
         <p:nvSpPr>
           <p:cNvPr id="191" name="Google Shape;191;p2"/>
-          <p:cNvSpPr txBox="1"/>
+          <p:cNvSpPr txBox="1">
+            <a:spLocks noGrp="1"/>
+          </p:cNvSpPr>
           <p:nvPr>
             <p:ph type="sldNum" idx="12"/>
           </p:nvPr>
@@ -971,7 +1805,7 @@
             </a:pPr>
             <a:fld id="{00000000-1234-1234-1234-123412341234}" type="slidenum">
               <a:rPr lang="en-US"/>
-              <a:t/>
+              <a:t>‹Nr.›</a:t>
             </a:fld>
             <a:endParaRPr/>
           </a:p>
@@ -4279,7 +5113,7 @@
 </file>
 
 <file path=ppt/slideLayouts/slideLayout10.xml><?xml version="1.0" encoding="utf-8"?>
-<p:sldLayout xmlns:a="http://schemas.openxmlformats.org/drawingml/2006/main" xmlns:r="http://schemas.openxmlformats.org/officeDocument/2006/relationships" xmlns:p="http://schemas.openxmlformats.org/presentationml/2006/main" xmlns:m="http://schemas.openxmlformats.org/officeDocument/2006/math" xmlns:w="http://schemas.openxmlformats.org/wordprocessingml/2006/main" matchingName="Title and Vertical Text" preserve="0" showMasterPhAnim="0" type="vertTx" userDrawn="1">
+<p:sldLayout xmlns:a="http://schemas.openxmlformats.org/drawingml/2006/main" xmlns:r="http://schemas.openxmlformats.org/officeDocument/2006/relationships" xmlns:p="http://schemas.openxmlformats.org/presentationml/2006/main" showMasterPhAnim="0" matchingName="Title and Vertical Text" type="vertTx" userDrawn="1">
   <p:cSld name="VERTICAL_TEXT">
     <p:spTree>
       <p:nvGrpSpPr>
@@ -4298,7 +5132,9 @@
       <p:sp>
         <p:nvSpPr>
           <p:cNvPr id="329" name="Google Shape;329;p11"/>
-          <p:cNvSpPr txBox="1"/>
+          <p:cNvSpPr txBox="1">
+            <a:spLocks noGrp="1"/>
+          </p:cNvSpPr>
           <p:nvPr>
             <p:ph type="title"/>
           </p:nvPr>
@@ -4439,7 +5275,9 @@
       <p:sp>
         <p:nvSpPr>
           <p:cNvPr id="330" name="Google Shape;330;p11"/>
-          <p:cNvSpPr txBox="1"/>
+          <p:cNvSpPr txBox="1">
+            <a:spLocks noGrp="1"/>
+          </p:cNvSpPr>
           <p:nvPr>
             <p:ph type="body" idx="1"/>
           </p:nvPr>
@@ -4600,7 +5438,9 @@
       <p:sp>
         <p:nvSpPr>
           <p:cNvPr id="331" name="Google Shape;331;p11"/>
-          <p:cNvSpPr txBox="1"/>
+          <p:cNvSpPr txBox="1">
+            <a:spLocks noGrp="1"/>
+          </p:cNvSpPr>
           <p:nvPr>
             <p:ph type="dt" idx="10"/>
           </p:nvPr>
@@ -4734,7 +5574,9 @@
       <p:sp>
         <p:nvSpPr>
           <p:cNvPr id="332" name="Google Shape;332;p11"/>
-          <p:cNvSpPr txBox="1"/>
+          <p:cNvSpPr txBox="1">
+            <a:spLocks noGrp="1"/>
+          </p:cNvSpPr>
           <p:nvPr>
             <p:ph type="ftr" idx="11"/>
           </p:nvPr>
@@ -4868,7 +5710,9 @@
       <p:sp>
         <p:nvSpPr>
           <p:cNvPr id="333" name="Google Shape;333;p11"/>
-          <p:cNvSpPr txBox="1"/>
+          <p:cNvSpPr txBox="1">
+            <a:spLocks noGrp="1"/>
+          </p:cNvSpPr>
           <p:nvPr>
             <p:ph type="sldNum" idx="12"/>
           </p:nvPr>
@@ -4970,7 +5814,7 @@
             </a:pPr>
             <a:fld id="{00000000-1234-1234-1234-123412341234}" type="slidenum">
               <a:rPr lang="en-US"/>
-              <a:t/>
+              <a:t>‹Nr.›</a:t>
             </a:fld>
             <a:endParaRPr/>
           </a:p>
@@ -4985,7 +5829,7 @@
 </file>
 
 <file path=ppt/slideLayouts/slideLayout11.xml><?xml version="1.0" encoding="utf-8"?>
-<p:sldLayout xmlns:a="http://schemas.openxmlformats.org/drawingml/2006/main" xmlns:r="http://schemas.openxmlformats.org/officeDocument/2006/relationships" xmlns:p="http://schemas.openxmlformats.org/presentationml/2006/main" xmlns:m="http://schemas.openxmlformats.org/officeDocument/2006/math" xmlns:w="http://schemas.openxmlformats.org/wordprocessingml/2006/main" matchingName="Vertical Title and Text" preserve="0" showMasterPhAnim="0" type="vertTitleAndTx" userDrawn="1">
+<p:sldLayout xmlns:a="http://schemas.openxmlformats.org/drawingml/2006/main" xmlns:r="http://schemas.openxmlformats.org/officeDocument/2006/relationships" xmlns:p="http://schemas.openxmlformats.org/presentationml/2006/main" showMasterPhAnim="0" matchingName="Vertical Title and Text" type="vertTitleAndTx" userDrawn="1">
   <p:cSld name="VERTICAL_TITLE_AND_VERTICAL_TEXT">
     <p:spTree>
       <p:nvGrpSpPr>
@@ -5004,7 +5848,9 @@
       <p:sp>
         <p:nvSpPr>
           <p:cNvPr id="335" name="Google Shape;335;p12"/>
-          <p:cNvSpPr txBox="1"/>
+          <p:cNvSpPr txBox="1">
+            <a:spLocks noGrp="1"/>
+          </p:cNvSpPr>
           <p:nvPr>
             <p:ph type="title"/>
           </p:nvPr>
@@ -5146,7 +5992,9 @@
       <p:sp>
         <p:nvSpPr>
           <p:cNvPr id="336" name="Google Shape;336;p12"/>
-          <p:cNvSpPr txBox="1"/>
+          <p:cNvSpPr txBox="1">
+            <a:spLocks noGrp="1"/>
+          </p:cNvSpPr>
           <p:nvPr>
             <p:ph type="body" idx="1"/>
           </p:nvPr>
@@ -5307,7 +6155,9 @@
       <p:sp>
         <p:nvSpPr>
           <p:cNvPr id="337" name="Google Shape;337;p12"/>
-          <p:cNvSpPr txBox="1"/>
+          <p:cNvSpPr txBox="1">
+            <a:spLocks noGrp="1"/>
+          </p:cNvSpPr>
           <p:nvPr>
             <p:ph type="dt" idx="10"/>
           </p:nvPr>
@@ -5441,7 +6291,9 @@
       <p:sp>
         <p:nvSpPr>
           <p:cNvPr id="338" name="Google Shape;338;p12"/>
-          <p:cNvSpPr txBox="1"/>
+          <p:cNvSpPr txBox="1">
+            <a:spLocks noGrp="1"/>
+          </p:cNvSpPr>
           <p:nvPr>
             <p:ph type="ftr" idx="11"/>
           </p:nvPr>
@@ -5575,7 +6427,9 @@
       <p:sp>
         <p:nvSpPr>
           <p:cNvPr id="339" name="Google Shape;339;p12"/>
-          <p:cNvSpPr txBox="1"/>
+          <p:cNvSpPr txBox="1">
+            <a:spLocks noGrp="1"/>
+          </p:cNvSpPr>
           <p:nvPr>
             <p:ph type="sldNum" idx="12"/>
           </p:nvPr>
@@ -5677,7 +6531,7 @@
             </a:pPr>
             <a:fld id="{00000000-1234-1234-1234-123412341234}" type="slidenum">
               <a:rPr lang="en-US"/>
-              <a:t/>
+              <a:t>‹Nr.›</a:t>
             </a:fld>
             <a:endParaRPr/>
           </a:p>
@@ -5692,7 +6546,7 @@
 </file>
 
 <file path=ppt/slideLayouts/slideLayout2.xml><?xml version="1.0" encoding="utf-8"?>
-<p:sldLayout xmlns:a="http://schemas.openxmlformats.org/drawingml/2006/main" xmlns:r="http://schemas.openxmlformats.org/officeDocument/2006/relationships" xmlns:p="http://schemas.openxmlformats.org/presentationml/2006/main" xmlns:m="http://schemas.openxmlformats.org/officeDocument/2006/math" xmlns:w="http://schemas.openxmlformats.org/wordprocessingml/2006/main" matchingName="Title and Content" preserve="0" showMasterPhAnim="0" type="obj" userDrawn="1">
+<p:sldLayout xmlns:a="http://schemas.openxmlformats.org/drawingml/2006/main" xmlns:r="http://schemas.openxmlformats.org/officeDocument/2006/relationships" xmlns:p="http://schemas.openxmlformats.org/presentationml/2006/main" showMasterPhAnim="0" matchingName="Title and Content" type="obj" userDrawn="1">
   <p:cSld name="OBJECT">
     <p:spTree>
       <p:nvGrpSpPr>
@@ -5711,7 +6565,9 @@
       <p:sp>
         <p:nvSpPr>
           <p:cNvPr id="278" name="Google Shape;278;p3"/>
-          <p:cNvSpPr txBox="1"/>
+          <p:cNvSpPr txBox="1">
+            <a:spLocks noGrp="1"/>
+          </p:cNvSpPr>
           <p:nvPr>
             <p:ph type="title"/>
           </p:nvPr>
@@ -5852,7 +6708,9 @@
       <p:sp>
         <p:nvSpPr>
           <p:cNvPr id="279" name="Google Shape;279;p3"/>
-          <p:cNvSpPr txBox="1"/>
+          <p:cNvSpPr txBox="1">
+            <a:spLocks noGrp="1"/>
+          </p:cNvSpPr>
           <p:nvPr>
             <p:ph type="body" idx="1"/>
           </p:nvPr>
@@ -6013,7 +6871,9 @@
       <p:sp>
         <p:nvSpPr>
           <p:cNvPr id="280" name="Google Shape;280;p3"/>
-          <p:cNvSpPr txBox="1"/>
+          <p:cNvSpPr txBox="1">
+            <a:spLocks noGrp="1"/>
+          </p:cNvSpPr>
           <p:nvPr>
             <p:ph type="dt" idx="10"/>
           </p:nvPr>
@@ -6147,7 +7007,9 @@
       <p:sp>
         <p:nvSpPr>
           <p:cNvPr id="281" name="Google Shape;281;p3"/>
-          <p:cNvSpPr txBox="1"/>
+          <p:cNvSpPr txBox="1">
+            <a:spLocks noGrp="1"/>
+          </p:cNvSpPr>
           <p:nvPr>
             <p:ph type="ftr" idx="11"/>
           </p:nvPr>
@@ -6281,7 +7143,9 @@
       <p:sp>
         <p:nvSpPr>
           <p:cNvPr id="282" name="Google Shape;282;p3"/>
-          <p:cNvSpPr txBox="1"/>
+          <p:cNvSpPr txBox="1">
+            <a:spLocks noGrp="1"/>
+          </p:cNvSpPr>
           <p:nvPr>
             <p:ph type="sldNum" idx="12"/>
           </p:nvPr>
@@ -6383,7 +7247,7 @@
             </a:pPr>
             <a:fld id="{00000000-1234-1234-1234-123412341234}" type="slidenum">
               <a:rPr lang="en-US"/>
-              <a:t/>
+              <a:t>‹Nr.›</a:t>
             </a:fld>
             <a:endParaRPr/>
           </a:p>
@@ -6398,7 +7262,7 @@
 </file>
 
 <file path=ppt/slideLayouts/slideLayout3.xml><?xml version="1.0" encoding="utf-8"?>
-<p:sldLayout xmlns:a="http://schemas.openxmlformats.org/drawingml/2006/main" xmlns:r="http://schemas.openxmlformats.org/officeDocument/2006/relationships" xmlns:p="http://schemas.openxmlformats.org/presentationml/2006/main" xmlns:m="http://schemas.openxmlformats.org/officeDocument/2006/math" xmlns:w="http://schemas.openxmlformats.org/wordprocessingml/2006/main" matchingName="Section Header" preserve="0" showMasterPhAnim="0" type="secHead" userDrawn="1">
+<p:sldLayout xmlns:a="http://schemas.openxmlformats.org/drawingml/2006/main" xmlns:r="http://schemas.openxmlformats.org/officeDocument/2006/relationships" xmlns:p="http://schemas.openxmlformats.org/presentationml/2006/main" showMasterPhAnim="0" matchingName="Section Header" type="secHead" userDrawn="1">
   <p:cSld name="SECTION_HEADER">
     <p:spTree>
       <p:nvGrpSpPr>
@@ -6417,7 +7281,9 @@
       <p:sp>
         <p:nvSpPr>
           <p:cNvPr id="284" name="Google Shape;284;p4"/>
-          <p:cNvSpPr txBox="1"/>
+          <p:cNvSpPr txBox="1">
+            <a:spLocks noGrp="1"/>
+          </p:cNvSpPr>
           <p:nvPr>
             <p:ph type="title"/>
           </p:nvPr>
@@ -6555,7 +7421,9 @@
       <p:sp>
         <p:nvSpPr>
           <p:cNvPr id="285" name="Google Shape;285;p4"/>
-          <p:cNvSpPr txBox="1"/>
+          <p:cNvSpPr txBox="1">
+            <a:spLocks noGrp="1"/>
+          </p:cNvSpPr>
           <p:nvPr>
             <p:ph type="body" idx="1"/>
           </p:nvPr>
@@ -6752,7 +7620,9 @@
       <p:sp>
         <p:nvSpPr>
           <p:cNvPr id="286" name="Google Shape;286;p4"/>
-          <p:cNvSpPr txBox="1"/>
+          <p:cNvSpPr txBox="1">
+            <a:spLocks noGrp="1"/>
+          </p:cNvSpPr>
           <p:nvPr>
             <p:ph type="dt" idx="10"/>
           </p:nvPr>
@@ -6886,7 +7756,9 @@
       <p:sp>
         <p:nvSpPr>
           <p:cNvPr id="287" name="Google Shape;287;p4"/>
-          <p:cNvSpPr txBox="1"/>
+          <p:cNvSpPr txBox="1">
+            <a:spLocks noGrp="1"/>
+          </p:cNvSpPr>
           <p:nvPr>
             <p:ph type="ftr" idx="11"/>
           </p:nvPr>
@@ -7020,7 +7892,9 @@
       <p:sp>
         <p:nvSpPr>
           <p:cNvPr id="288" name="Google Shape;288;p4"/>
-          <p:cNvSpPr txBox="1"/>
+          <p:cNvSpPr txBox="1">
+            <a:spLocks noGrp="1"/>
+          </p:cNvSpPr>
           <p:nvPr>
             <p:ph type="sldNum" idx="12"/>
           </p:nvPr>
@@ -7122,7 +7996,7 @@
             </a:pPr>
             <a:fld id="{00000000-1234-1234-1234-123412341234}" type="slidenum">
               <a:rPr lang="en-US"/>
-              <a:t/>
+              <a:t>‹Nr.›</a:t>
             </a:fld>
             <a:endParaRPr/>
           </a:p>
@@ -7137,7 +8011,7 @@
 </file>
 
 <file path=ppt/slideLayouts/slideLayout4.xml><?xml version="1.0" encoding="utf-8"?>
-<p:sldLayout xmlns:a="http://schemas.openxmlformats.org/drawingml/2006/main" xmlns:r="http://schemas.openxmlformats.org/officeDocument/2006/relationships" xmlns:p="http://schemas.openxmlformats.org/presentationml/2006/main" xmlns:m="http://schemas.openxmlformats.org/officeDocument/2006/math" xmlns:w="http://schemas.openxmlformats.org/wordprocessingml/2006/main" matchingName="Two Content" preserve="0" showMasterPhAnim="0" type="twoObj" userDrawn="1">
+<p:sldLayout xmlns:a="http://schemas.openxmlformats.org/drawingml/2006/main" xmlns:r="http://schemas.openxmlformats.org/officeDocument/2006/relationships" xmlns:p="http://schemas.openxmlformats.org/presentationml/2006/main" showMasterPhAnim="0" matchingName="Two Content" type="twoObj" userDrawn="1">
   <p:cSld name="TWO_OBJECTS">
     <p:spTree>
       <p:nvGrpSpPr>
@@ -7156,7 +8030,9 @@
       <p:sp>
         <p:nvSpPr>
           <p:cNvPr id="290" name="Google Shape;290;p5"/>
-          <p:cNvSpPr txBox="1"/>
+          <p:cNvSpPr txBox="1">
+            <a:spLocks noGrp="1"/>
+          </p:cNvSpPr>
           <p:nvPr>
             <p:ph type="body" idx="1"/>
           </p:nvPr>
@@ -7317,7 +8193,9 @@
       <p:sp>
         <p:nvSpPr>
           <p:cNvPr id="291" name="Google Shape;291;p5"/>
-          <p:cNvSpPr txBox="1"/>
+          <p:cNvSpPr txBox="1">
+            <a:spLocks noGrp="1"/>
+          </p:cNvSpPr>
           <p:nvPr>
             <p:ph type="body" idx="2"/>
           </p:nvPr>
@@ -7478,7 +8356,9 @@
       <p:sp>
         <p:nvSpPr>
           <p:cNvPr id="292" name="Google Shape;292;p5"/>
-          <p:cNvSpPr txBox="1"/>
+          <p:cNvSpPr txBox="1">
+            <a:spLocks noGrp="1"/>
+          </p:cNvSpPr>
           <p:nvPr>
             <p:ph type="dt" idx="10"/>
           </p:nvPr>
@@ -7612,7 +8492,9 @@
       <p:sp>
         <p:nvSpPr>
           <p:cNvPr id="293" name="Google Shape;293;p5"/>
-          <p:cNvSpPr txBox="1"/>
+          <p:cNvSpPr txBox="1">
+            <a:spLocks noGrp="1"/>
+          </p:cNvSpPr>
           <p:nvPr>
             <p:ph type="ftr" idx="11"/>
           </p:nvPr>
@@ -7746,7 +8628,9 @@
       <p:sp>
         <p:nvSpPr>
           <p:cNvPr id="294" name="Google Shape;294;p5"/>
-          <p:cNvSpPr txBox="1"/>
+          <p:cNvSpPr txBox="1">
+            <a:spLocks noGrp="1"/>
+          </p:cNvSpPr>
           <p:nvPr>
             <p:ph type="sldNum" idx="12"/>
           </p:nvPr>
@@ -7848,7 +8732,7 @@
             </a:pPr>
             <a:fld id="{00000000-1234-1234-1234-123412341234}" type="slidenum">
               <a:rPr lang="en-US"/>
-              <a:t/>
+              <a:t>‹Nr.›</a:t>
             </a:fld>
             <a:endParaRPr/>
           </a:p>
@@ -7857,7 +8741,9 @@
       <p:sp>
         <p:nvSpPr>
           <p:cNvPr id="295" name="Google Shape;295;p5"/>
-          <p:cNvSpPr txBox="1"/>
+          <p:cNvSpPr txBox="1">
+            <a:spLocks noGrp="1"/>
+          </p:cNvSpPr>
           <p:nvPr>
             <p:ph type="title"/>
           </p:nvPr>
@@ -8004,7 +8890,7 @@
 </file>
 
 <file path=ppt/slideLayouts/slideLayout5.xml><?xml version="1.0" encoding="utf-8"?>
-<p:sldLayout xmlns:a="http://schemas.openxmlformats.org/drawingml/2006/main" xmlns:r="http://schemas.openxmlformats.org/officeDocument/2006/relationships" xmlns:p="http://schemas.openxmlformats.org/presentationml/2006/main" xmlns:m="http://schemas.openxmlformats.org/officeDocument/2006/math" xmlns:w="http://schemas.openxmlformats.org/wordprocessingml/2006/main" matchingName="Comparison" preserve="0" showMasterPhAnim="0" type="twoTxTwoObj" userDrawn="1">
+<p:sldLayout xmlns:a="http://schemas.openxmlformats.org/drawingml/2006/main" xmlns:r="http://schemas.openxmlformats.org/officeDocument/2006/relationships" xmlns:p="http://schemas.openxmlformats.org/presentationml/2006/main" showMasterPhAnim="0" matchingName="Comparison" type="twoTxTwoObj" userDrawn="1">
   <p:cSld name="TWO_OBJECTS_WITH_TEXT">
     <p:spTree>
       <p:nvGrpSpPr>
@@ -8023,7 +8909,9 @@
       <p:sp>
         <p:nvSpPr>
           <p:cNvPr id="297" name="Google Shape;297;p6"/>
-          <p:cNvSpPr txBox="1"/>
+          <p:cNvSpPr txBox="1">
+            <a:spLocks noGrp="1"/>
+          </p:cNvSpPr>
           <p:nvPr>
             <p:ph type="body" idx="1"/>
           </p:nvPr>
@@ -8184,7 +9072,9 @@
       <p:sp>
         <p:nvSpPr>
           <p:cNvPr id="298" name="Google Shape;298;p6"/>
-          <p:cNvSpPr txBox="1"/>
+          <p:cNvSpPr txBox="1">
+            <a:spLocks noGrp="1"/>
+          </p:cNvSpPr>
           <p:nvPr>
             <p:ph type="body" idx="2"/>
           </p:nvPr>
@@ -8345,7 +9235,9 @@
       <p:sp>
         <p:nvSpPr>
           <p:cNvPr id="299" name="Google Shape;299;p6"/>
-          <p:cNvSpPr txBox="1"/>
+          <p:cNvSpPr txBox="1">
+            <a:spLocks noGrp="1"/>
+          </p:cNvSpPr>
           <p:nvPr>
             <p:ph type="body" idx="3"/>
           </p:nvPr>
@@ -8506,7 +9398,9 @@
       <p:sp>
         <p:nvSpPr>
           <p:cNvPr id="300" name="Google Shape;300;p6"/>
-          <p:cNvSpPr txBox="1"/>
+          <p:cNvSpPr txBox="1">
+            <a:spLocks noGrp="1"/>
+          </p:cNvSpPr>
           <p:nvPr>
             <p:ph type="body" idx="4"/>
           </p:nvPr>
@@ -8667,7 +9561,9 @@
       <p:sp>
         <p:nvSpPr>
           <p:cNvPr id="301" name="Google Shape;301;p6"/>
-          <p:cNvSpPr txBox="1"/>
+          <p:cNvSpPr txBox="1">
+            <a:spLocks noGrp="1"/>
+          </p:cNvSpPr>
           <p:nvPr>
             <p:ph type="dt" idx="10"/>
           </p:nvPr>
@@ -8801,7 +9697,9 @@
       <p:sp>
         <p:nvSpPr>
           <p:cNvPr id="302" name="Google Shape;302;p6"/>
-          <p:cNvSpPr txBox="1"/>
+          <p:cNvSpPr txBox="1">
+            <a:spLocks noGrp="1"/>
+          </p:cNvSpPr>
           <p:nvPr>
             <p:ph type="ftr" idx="11"/>
           </p:nvPr>
@@ -8935,7 +9833,9 @@
       <p:sp>
         <p:nvSpPr>
           <p:cNvPr id="303" name="Google Shape;303;p6"/>
-          <p:cNvSpPr txBox="1"/>
+          <p:cNvSpPr txBox="1">
+            <a:spLocks noGrp="1"/>
+          </p:cNvSpPr>
           <p:nvPr>
             <p:ph type="sldNum" idx="12"/>
           </p:nvPr>
@@ -9037,7 +9937,7 @@
             </a:pPr>
             <a:fld id="{00000000-1234-1234-1234-123412341234}" type="slidenum">
               <a:rPr lang="en-US"/>
-              <a:t/>
+              <a:t>‹Nr.›</a:t>
             </a:fld>
             <a:endParaRPr/>
           </a:p>
@@ -9046,7 +9946,9 @@
       <p:sp>
         <p:nvSpPr>
           <p:cNvPr id="304" name="Google Shape;304;p6"/>
-          <p:cNvSpPr txBox="1"/>
+          <p:cNvSpPr txBox="1">
+            <a:spLocks noGrp="1"/>
+          </p:cNvSpPr>
           <p:nvPr>
             <p:ph type="title"/>
           </p:nvPr>
@@ -9193,7 +10095,7 @@
 </file>
 
 <file path=ppt/slideLayouts/slideLayout6.xml><?xml version="1.0" encoding="utf-8"?>
-<p:sldLayout xmlns:a="http://schemas.openxmlformats.org/drawingml/2006/main" xmlns:r="http://schemas.openxmlformats.org/officeDocument/2006/relationships" xmlns:p="http://schemas.openxmlformats.org/presentationml/2006/main" xmlns:m="http://schemas.openxmlformats.org/officeDocument/2006/math" xmlns:w="http://schemas.openxmlformats.org/wordprocessingml/2006/main" matchingName="Title Only" preserve="0" showMasterPhAnim="0" type="titleOnly" userDrawn="1">
+<p:sldLayout xmlns:a="http://schemas.openxmlformats.org/drawingml/2006/main" xmlns:r="http://schemas.openxmlformats.org/officeDocument/2006/relationships" xmlns:p="http://schemas.openxmlformats.org/presentationml/2006/main" showMasterPhAnim="0" matchingName="Title Only" type="titleOnly" userDrawn="1">
   <p:cSld name="TITLE_ONLY">
     <p:spTree>
       <p:nvGrpSpPr>
@@ -9212,7 +10114,9 @@
       <p:sp>
         <p:nvSpPr>
           <p:cNvPr id="306" name="Google Shape;306;p7"/>
-          <p:cNvSpPr txBox="1"/>
+          <p:cNvSpPr txBox="1">
+            <a:spLocks noGrp="1"/>
+          </p:cNvSpPr>
           <p:nvPr>
             <p:ph type="title"/>
           </p:nvPr>
@@ -9353,7 +10257,9 @@
       <p:sp>
         <p:nvSpPr>
           <p:cNvPr id="307" name="Google Shape;307;p7"/>
-          <p:cNvSpPr txBox="1"/>
+          <p:cNvSpPr txBox="1">
+            <a:spLocks noGrp="1"/>
+          </p:cNvSpPr>
           <p:nvPr>
             <p:ph type="dt" idx="10"/>
           </p:nvPr>
@@ -9487,7 +10393,9 @@
       <p:sp>
         <p:nvSpPr>
           <p:cNvPr id="308" name="Google Shape;308;p7"/>
-          <p:cNvSpPr txBox="1"/>
+          <p:cNvSpPr txBox="1">
+            <a:spLocks noGrp="1"/>
+          </p:cNvSpPr>
           <p:nvPr>
             <p:ph type="ftr" idx="11"/>
           </p:nvPr>
@@ -9621,7 +10529,9 @@
       <p:sp>
         <p:nvSpPr>
           <p:cNvPr id="309" name="Google Shape;309;p7"/>
-          <p:cNvSpPr txBox="1"/>
+          <p:cNvSpPr txBox="1">
+            <a:spLocks noGrp="1"/>
+          </p:cNvSpPr>
           <p:nvPr>
             <p:ph type="sldNum" idx="12"/>
           </p:nvPr>
@@ -9723,7 +10633,7 @@
             </a:pPr>
             <a:fld id="{00000000-1234-1234-1234-123412341234}" type="slidenum">
               <a:rPr lang="en-US"/>
-              <a:t/>
+              <a:t>‹Nr.›</a:t>
             </a:fld>
             <a:endParaRPr/>
           </a:p>
@@ -9738,7 +10648,7 @@
 </file>
 
 <file path=ppt/slideLayouts/slideLayout7.xml><?xml version="1.0" encoding="utf-8"?>
-<p:sldLayout xmlns:a="http://schemas.openxmlformats.org/drawingml/2006/main" xmlns:r="http://schemas.openxmlformats.org/officeDocument/2006/relationships" xmlns:p="http://schemas.openxmlformats.org/presentationml/2006/main" xmlns:m="http://schemas.openxmlformats.org/officeDocument/2006/math" xmlns:w="http://schemas.openxmlformats.org/wordprocessingml/2006/main" matchingName="Blank" preserve="0" showMasterPhAnim="0" type="blank" userDrawn="1">
+<p:sldLayout xmlns:a="http://schemas.openxmlformats.org/drawingml/2006/main" xmlns:r="http://schemas.openxmlformats.org/officeDocument/2006/relationships" xmlns:p="http://schemas.openxmlformats.org/presentationml/2006/main" showMasterPhAnim="0" matchingName="Blank" type="blank" userDrawn="1">
   <p:cSld name="BLANK">
     <p:spTree>
       <p:nvGrpSpPr>
@@ -9757,7 +10667,9 @@
       <p:sp>
         <p:nvSpPr>
           <p:cNvPr id="311" name="Google Shape;311;p8"/>
-          <p:cNvSpPr txBox="1"/>
+          <p:cNvSpPr txBox="1">
+            <a:spLocks noGrp="1"/>
+          </p:cNvSpPr>
           <p:nvPr>
             <p:ph type="dt" idx="10"/>
           </p:nvPr>
@@ -9891,7 +10803,9 @@
       <p:sp>
         <p:nvSpPr>
           <p:cNvPr id="312" name="Google Shape;312;p8"/>
-          <p:cNvSpPr txBox="1"/>
+          <p:cNvSpPr txBox="1">
+            <a:spLocks noGrp="1"/>
+          </p:cNvSpPr>
           <p:nvPr>
             <p:ph type="ftr" idx="11"/>
           </p:nvPr>
@@ -10025,7 +10939,9 @@
       <p:sp>
         <p:nvSpPr>
           <p:cNvPr id="313" name="Google Shape;313;p8"/>
-          <p:cNvSpPr txBox="1"/>
+          <p:cNvSpPr txBox="1">
+            <a:spLocks noGrp="1"/>
+          </p:cNvSpPr>
           <p:nvPr>
             <p:ph type="sldNum" idx="12"/>
           </p:nvPr>
@@ -10127,7 +11043,7 @@
             </a:pPr>
             <a:fld id="{00000000-1234-1234-1234-123412341234}" type="slidenum">
               <a:rPr lang="en-US"/>
-              <a:t/>
+              <a:t>‹Nr.›</a:t>
             </a:fld>
             <a:endParaRPr/>
           </a:p>
@@ -10142,7 +11058,7 @@
 </file>
 
 <file path=ppt/slideLayouts/slideLayout8.xml><?xml version="1.0" encoding="utf-8"?>
-<p:sldLayout xmlns:a="http://schemas.openxmlformats.org/drawingml/2006/main" xmlns:r="http://schemas.openxmlformats.org/officeDocument/2006/relationships" xmlns:p="http://schemas.openxmlformats.org/presentationml/2006/main" xmlns:m="http://schemas.openxmlformats.org/officeDocument/2006/math" xmlns:w="http://schemas.openxmlformats.org/wordprocessingml/2006/main" matchingName="Content with Caption" preserve="0" showMasterPhAnim="0" type="objTx" userDrawn="1">
+<p:sldLayout xmlns:a="http://schemas.openxmlformats.org/drawingml/2006/main" xmlns:r="http://schemas.openxmlformats.org/officeDocument/2006/relationships" xmlns:p="http://schemas.openxmlformats.org/presentationml/2006/main" showMasterPhAnim="0" matchingName="Content with Caption" type="objTx" userDrawn="1">
   <p:cSld name="OBJECT_WITH_CAPTION_TEXT">
     <p:spTree>
       <p:nvGrpSpPr>
@@ -10161,7 +11077,9 @@
       <p:sp>
         <p:nvSpPr>
           <p:cNvPr id="315" name="Google Shape;315;p9"/>
-          <p:cNvSpPr txBox="1"/>
+          <p:cNvSpPr txBox="1">
+            <a:spLocks noGrp="1"/>
+          </p:cNvSpPr>
           <p:nvPr>
             <p:ph type="body" idx="1"/>
           </p:nvPr>
@@ -10322,7 +11240,9 @@
       <p:sp>
         <p:nvSpPr>
           <p:cNvPr id="316" name="Google Shape;316;p9"/>
-          <p:cNvSpPr txBox="1"/>
+          <p:cNvSpPr txBox="1">
+            <a:spLocks noGrp="1"/>
+          </p:cNvSpPr>
           <p:nvPr>
             <p:ph type="body" idx="2"/>
           </p:nvPr>
@@ -10487,7 +11407,9 @@
       <p:sp>
         <p:nvSpPr>
           <p:cNvPr id="317" name="Google Shape;317;p9"/>
-          <p:cNvSpPr txBox="1"/>
+          <p:cNvSpPr txBox="1">
+            <a:spLocks noGrp="1"/>
+          </p:cNvSpPr>
           <p:nvPr>
             <p:ph type="dt" idx="10"/>
           </p:nvPr>
@@ -10621,7 +11543,9 @@
       <p:sp>
         <p:nvSpPr>
           <p:cNvPr id="318" name="Google Shape;318;p9"/>
-          <p:cNvSpPr txBox="1"/>
+          <p:cNvSpPr txBox="1">
+            <a:spLocks noGrp="1"/>
+          </p:cNvSpPr>
           <p:nvPr>
             <p:ph type="ftr" idx="11"/>
           </p:nvPr>
@@ -10755,7 +11679,9 @@
       <p:sp>
         <p:nvSpPr>
           <p:cNvPr id="319" name="Google Shape;319;p9"/>
-          <p:cNvSpPr txBox="1"/>
+          <p:cNvSpPr txBox="1">
+            <a:spLocks noGrp="1"/>
+          </p:cNvSpPr>
           <p:nvPr>
             <p:ph type="sldNum" idx="12"/>
           </p:nvPr>
@@ -10857,7 +11783,7 @@
             </a:pPr>
             <a:fld id="{00000000-1234-1234-1234-123412341234}" type="slidenum">
               <a:rPr lang="en-US"/>
-              <a:t/>
+              <a:t>‹Nr.›</a:t>
             </a:fld>
             <a:endParaRPr/>
           </a:p>
@@ -10866,7 +11792,9 @@
       <p:sp>
         <p:nvSpPr>
           <p:cNvPr id="320" name="Google Shape;320;p9"/>
-          <p:cNvSpPr txBox="1"/>
+          <p:cNvSpPr txBox="1">
+            <a:spLocks noGrp="1"/>
+          </p:cNvSpPr>
           <p:nvPr>
             <p:ph type="title"/>
           </p:nvPr>
@@ -11013,7 +11941,7 @@
 </file>
 
 <file path=ppt/slideLayouts/slideLayout9.xml><?xml version="1.0" encoding="utf-8"?>
-<p:sldLayout xmlns:a="http://schemas.openxmlformats.org/drawingml/2006/main" xmlns:r="http://schemas.openxmlformats.org/officeDocument/2006/relationships" xmlns:p="http://schemas.openxmlformats.org/presentationml/2006/main" xmlns:m="http://schemas.openxmlformats.org/officeDocument/2006/math" xmlns:w="http://schemas.openxmlformats.org/wordprocessingml/2006/main" matchingName="Picture with Caption" preserve="0" showMasterPhAnim="0" type="picTx" userDrawn="1">
+<p:sldLayout xmlns:a="http://schemas.openxmlformats.org/drawingml/2006/main" xmlns:r="http://schemas.openxmlformats.org/officeDocument/2006/relationships" xmlns:p="http://schemas.openxmlformats.org/presentationml/2006/main" showMasterPhAnim="0" matchingName="Picture with Caption" type="picTx" userDrawn="1">
   <p:cSld name="PICTURE_WITH_CAPTION_TEXT">
     <p:spTree>
       <p:nvGrpSpPr>
@@ -11032,7 +11960,9 @@
       <p:sp>
         <p:nvSpPr>
           <p:cNvPr id="322" name="Google Shape;322;p10"/>
-          <p:cNvSpPr txBox="1"/>
+          <p:cNvSpPr txBox="1">
+            <a:spLocks noGrp="1"/>
+          </p:cNvSpPr>
           <p:nvPr>
             <p:ph type="title"/>
           </p:nvPr>
@@ -11174,7 +12104,9 @@
       <p:sp>
         <p:nvSpPr>
           <p:cNvPr id="323" name="Google Shape;323;p10"/>
-          <p:cNvSpPr/>
+          <p:cNvSpPr>
+            <a:spLocks noGrp="1"/>
+          </p:cNvSpPr>
           <p:nvPr>
             <p:ph type="pic" idx="2"/>
           </p:nvPr>
@@ -11196,7 +12128,9 @@
       <p:sp>
         <p:nvSpPr>
           <p:cNvPr id="324" name="Google Shape;324;p10"/>
-          <p:cNvSpPr txBox="1"/>
+          <p:cNvSpPr txBox="1">
+            <a:spLocks noGrp="1"/>
+          </p:cNvSpPr>
           <p:nvPr>
             <p:ph type="body" idx="1"/>
           </p:nvPr>
@@ -11357,7 +12291,9 @@
       <p:sp>
         <p:nvSpPr>
           <p:cNvPr id="325" name="Google Shape;325;p10"/>
-          <p:cNvSpPr txBox="1"/>
+          <p:cNvSpPr txBox="1">
+            <a:spLocks noGrp="1"/>
+          </p:cNvSpPr>
           <p:nvPr>
             <p:ph type="dt" idx="10"/>
           </p:nvPr>
@@ -11491,7 +12427,9 @@
       <p:sp>
         <p:nvSpPr>
           <p:cNvPr id="326" name="Google Shape;326;p10"/>
-          <p:cNvSpPr txBox="1"/>
+          <p:cNvSpPr txBox="1">
+            <a:spLocks noGrp="1"/>
+          </p:cNvSpPr>
           <p:nvPr>
             <p:ph type="ftr" idx="11"/>
           </p:nvPr>
@@ -11625,7 +12563,9 @@
       <p:sp>
         <p:nvSpPr>
           <p:cNvPr id="327" name="Google Shape;327;p10"/>
-          <p:cNvSpPr txBox="1"/>
+          <p:cNvSpPr txBox="1">
+            <a:spLocks noGrp="1"/>
+          </p:cNvSpPr>
           <p:nvPr>
             <p:ph type="sldNum" idx="12"/>
           </p:nvPr>
@@ -11727,7 +12667,7 @@
             </a:pPr>
             <a:fld id="{00000000-1234-1234-1234-123412341234}" type="slidenum">
               <a:rPr lang="en-US"/>
-              <a:t/>
+              <a:t>‹Nr.›</a:t>
             </a:fld>
             <a:endParaRPr/>
           </a:p>
@@ -11742,13 +12682,14 @@
 </file>
 
 <file path=ppt/slideMasters/slideMaster1.xml><?xml version="1.0" encoding="utf-8"?>
-<p:sldMaster xmlns:a="http://schemas.openxmlformats.org/drawingml/2006/main" xmlns:r="http://schemas.openxmlformats.org/officeDocument/2006/relationships" xmlns:p="http://schemas.openxmlformats.org/presentationml/2006/main" xmlns:m="http://schemas.openxmlformats.org/officeDocument/2006/math" xmlns:w="http://schemas.openxmlformats.org/wordprocessingml/2006/main" preserve="0">
-  <p:cSld name="">
+<p:sldMaster xmlns:a="http://schemas.openxmlformats.org/drawingml/2006/main" xmlns:r="http://schemas.openxmlformats.org/officeDocument/2006/relationships" xmlns:p="http://schemas.openxmlformats.org/presentationml/2006/main">
+  <p:cSld>
     <p:bg>
-      <p:bgPr shadeToTitle="0">
+      <p:bgPr>
         <a:solidFill>
           <a:schemeClr val="lt1"/>
         </a:solidFill>
+        <a:effectLst/>
       </p:bgPr>
     </p:bg>
     <p:spTree>
@@ -18481,7 +19422,9 @@
       <p:sp>
         <p:nvSpPr>
           <p:cNvPr id="181" name="Google Shape;181;p1"/>
-          <p:cNvSpPr txBox="1"/>
+          <p:cNvSpPr txBox="1">
+            <a:spLocks noGrp="1"/>
+          </p:cNvSpPr>
           <p:nvPr>
             <p:ph type="body" idx="1"/>
           </p:nvPr>
@@ -18714,7 +19657,9 @@
       <p:sp>
         <p:nvSpPr>
           <p:cNvPr id="182" name="Google Shape;182;p1"/>
-          <p:cNvSpPr txBox="1"/>
+          <p:cNvSpPr txBox="1">
+            <a:spLocks noGrp="1"/>
+          </p:cNvSpPr>
           <p:nvPr>
             <p:ph type="title"/>
           </p:nvPr>
@@ -18863,7 +19808,9 @@
       <p:sp>
         <p:nvSpPr>
           <p:cNvPr id="183" name="Google Shape;183;p1"/>
-          <p:cNvSpPr txBox="1"/>
+          <p:cNvSpPr txBox="1">
+            <a:spLocks noGrp="1"/>
+          </p:cNvSpPr>
           <p:nvPr>
             <p:ph type="sldNum" idx="12"/>
           </p:nvPr>
@@ -19028,7 +19975,7 @@
             </a:pPr>
             <a:fld id="{00000000-1234-1234-1234-123412341234}" type="slidenum">
               <a:rPr lang="en-US"/>
-              <a:t/>
+              <a:t>‹Nr.›</a:t>
             </a:fld>
             <a:endParaRPr/>
           </a:p>
@@ -19037,7 +19984,9 @@
       <p:sp>
         <p:nvSpPr>
           <p:cNvPr id="184" name="Google Shape;184;p1"/>
-          <p:cNvSpPr txBox="1"/>
+          <p:cNvSpPr txBox="1">
+            <a:spLocks noGrp="1"/>
+          </p:cNvSpPr>
           <p:nvPr>
             <p:ph type="dt" idx="10"/>
           </p:nvPr>
@@ -19234,7 +20183,9 @@
       <p:sp>
         <p:nvSpPr>
           <p:cNvPr id="185" name="Google Shape;185;p1"/>
-          <p:cNvSpPr txBox="1"/>
+          <p:cNvSpPr txBox="1">
+            <a:spLocks noGrp="1"/>
+          </p:cNvSpPr>
           <p:nvPr>
             <p:ph type="ftr" idx="11"/>
           </p:nvPr>
@@ -19444,7 +20395,7 @@
     <p:sldLayoutId id="2147483658" r:id="rId10"/>
     <p:sldLayoutId id="2147483659" r:id="rId11"/>
   </p:sldLayoutIdLst>
-  <p:hf dt="0" ftr="0" hdr="0" sldNum="0"/>
+  <p:hf sldNum="0" hdr="0" ftr="0" dt="0"/>
   <p:txStyles>
     <p:titleStyle>
       <a:defPPr marR="0" lvl="0" algn="l">
@@ -20111,16 +21062,17 @@
 </file>
 
 <file path=ppt/slides/slide1.xml><?xml version="1.0" encoding="utf-8"?>
-<p:sld xmlns:a="http://schemas.openxmlformats.org/drawingml/2006/main" xmlns:r="http://schemas.openxmlformats.org/officeDocument/2006/relationships" xmlns:p="http://schemas.openxmlformats.org/presentationml/2006/main" xmlns:m="http://schemas.openxmlformats.org/officeDocument/2006/math" xmlns:w="http://schemas.openxmlformats.org/wordprocessingml/2006/main" showMasterPhAnim="0" show="1">
-  <p:cSld name="">
+<p:sld xmlns:a="http://schemas.openxmlformats.org/drawingml/2006/main" xmlns:r="http://schemas.openxmlformats.org/officeDocument/2006/relationships" xmlns:p="http://schemas.openxmlformats.org/presentationml/2006/main" showMasterPhAnim="0">
+  <p:cSld>
     <p:bg>
-      <p:bgPr shadeToTitle="0">
+      <p:bgPr>
         <a:blipFill>
           <a:blip r:embed="rId2">
             <a:alphaModFix amt="99999"/>
           </a:blip>
-          <a:tile algn="tl" flip="none" sx="100000" sy="100000" tx="0" ty="0"/>
+          <a:tile tx="0" ty="0" sx="100000" sy="100000" flip="none" algn="tl"/>
         </a:blipFill>
+        <a:effectLst/>
       </p:bgPr>
     </p:bg>
     <p:spTree>
@@ -20140,7 +21092,9 @@
       <p:sp>
         <p:nvSpPr>
           <p:cNvPr id="345" name="Google Shape;345;p13"/>
-          <p:cNvSpPr txBox="1"/>
+          <p:cNvSpPr txBox="1">
+            <a:spLocks noGrp="1"/>
+          </p:cNvSpPr>
           <p:nvPr>
             <p:ph type="ctrTitle"/>
           </p:nvPr>
@@ -20160,7 +21114,7 @@
         </p:spPr>
         <p:txBody>
           <a:bodyPr spcFirstLastPara="1" wrap="square" lIns="91425" tIns="45700" rIns="91425" bIns="45700" anchor="b" anchorCtr="0">
-            <a:normAutofit fontScale="95000" lnSpcReduction="1000"/>
+            <a:normAutofit fontScale="90000"/>
           </a:bodyPr>
           <a:lstStyle/>
           <a:p>
@@ -20213,7 +21167,9 @@
       <p:sp>
         <p:nvSpPr>
           <p:cNvPr id="346" name="Google Shape;346;p13"/>
-          <p:cNvSpPr txBox="1"/>
+          <p:cNvSpPr txBox="1">
+            <a:spLocks noGrp="1"/>
+          </p:cNvSpPr>
           <p:nvPr>
             <p:ph type="subTitle" idx="1"/>
           </p:nvPr>
@@ -20275,20 +21231,12 @@
   <p:clrMapOvr>
     <a:masterClrMapping/>
   </p:clrMapOvr>
-  <mc:AlternateContent xmlns:mc="http://schemas.openxmlformats.org/markup-compatibility/2006">
-    <mc:Choice xmlns:p14="http://schemas.microsoft.com/office/powerpoint/2010/main" Requires="p14">
-      <p:transition p14:dur="2000" advClick="1"/>
-    </mc:Choice>
-    <mc:Fallback>
-      <p:transition advClick="1"/>
-    </mc:Fallback>
-  </mc:AlternateContent>
 </p:sld>
 </file>
 
 <file path=ppt/slides/slide10.xml><?xml version="1.0" encoding="utf-8"?>
-<p:sld xmlns:a="http://schemas.openxmlformats.org/drawingml/2006/main" xmlns:r="http://schemas.openxmlformats.org/officeDocument/2006/relationships" xmlns:p="http://schemas.openxmlformats.org/presentationml/2006/main" xmlns:m="http://schemas.openxmlformats.org/officeDocument/2006/math" xmlns:w="http://schemas.openxmlformats.org/wordprocessingml/2006/main" showMasterPhAnim="0" show="1">
-  <p:cSld name="">
+<p:sld xmlns:a="http://schemas.openxmlformats.org/drawingml/2006/main" xmlns:r="http://schemas.openxmlformats.org/officeDocument/2006/relationships" xmlns:p="http://schemas.openxmlformats.org/presentationml/2006/main" showMasterPhAnim="0">
+  <p:cSld>
     <p:spTree>
       <p:nvGrpSpPr>
         <p:cNvPr id="1" name=""/>
@@ -20305,8 +21253,2176 @@
       </p:grpSpPr>
       <p:sp>
         <p:nvSpPr>
-          <p:cNvPr id="419" name="Google Shape;419;p22"/>
+          <p:cNvPr id="696532452" name="Заголовок 1"/>
+          <p:cNvSpPr>
+            <a:spLocks noGrp="1"/>
+          </p:cNvSpPr>
+          <p:nvPr>
+            <p:ph type="title"/>
+          </p:nvPr>
+        </p:nvSpPr>
+        <p:spPr bwMode="auto"/>
+        <p:txBody>
+          <a:bodyPr vertOverflow="overflow" horzOverflow="overflow" vert="horz" wrap="square" lIns="91440" tIns="45720" rIns="91440" bIns="45720" numCol="1" spcCol="0" rtlCol="0" fromWordArt="0" anchor="ctr" anchorCtr="0" forceAA="0" compatLnSpc="0">
+            <a:normAutofit/>
+          </a:bodyPr>
+          <a:lstStyle/>
+          <a:p>
+            <a:pPr>
+              <a:defRPr/>
+            </a:pPr>
+            <a:r>
+              <a:rPr lang="de-DE" dirty="0" err="1"/>
+              <a:t>Important</a:t>
+            </a:r>
+            <a:r>
+              <a:rPr lang="de-DE" dirty="0"/>
+              <a:t> </a:t>
+            </a:r>
+            <a:r>
+              <a:rPr dirty="0"/>
+              <a:t>Namespaces</a:t>
+            </a:r>
+          </a:p>
+        </p:txBody>
+      </p:sp>
+      <p:sp>
+        <p:nvSpPr>
+          <p:cNvPr id="1162661495" name="Объект 2"/>
+          <p:cNvSpPr>
+            <a:spLocks noGrp="1"/>
+          </p:cNvSpPr>
+          <p:nvPr>
+            <p:ph idx="1"/>
+          </p:nvPr>
+        </p:nvSpPr>
+        <p:spPr bwMode="auto">
+          <a:xfrm>
+            <a:off x="609599" y="1340767"/>
+            <a:ext cx="5774725" cy="5043881"/>
+          </a:xfrm>
+        </p:spPr>
+        <p:txBody>
+          <a:bodyPr>
+            <a:normAutofit/>
+          </a:bodyPr>
+          <a:lstStyle/>
+          <a:p>
+            <a:pPr>
+              <a:lnSpc>
+                <a:spcPct val="114999"/>
+              </a:lnSpc>
+              <a:defRPr/>
+            </a:pPr>
+            <a:r>
+              <a:rPr lang="de-DE" sz="2800" b="0" i="0" u="none" dirty="0">
+                <a:solidFill>
+                  <a:schemeClr val="bg1">
+                    <a:lumMod val="65000"/>
+                  </a:schemeClr>
+                </a:solidFill>
+                <a:latin typeface="Arial"/>
+                <a:ea typeface="Arial"/>
+                <a:cs typeface="Arial"/>
+              </a:rPr>
+              <a:t>Mount </a:t>
+            </a:r>
+            <a:r>
+              <a:rPr lang="de-DE" sz="2800" b="0" i="0" u="none" dirty="0" err="1">
+                <a:solidFill>
+                  <a:schemeClr val="bg1">
+                    <a:lumMod val="65000"/>
+                  </a:schemeClr>
+                </a:solidFill>
+                <a:latin typeface="Arial"/>
+                <a:ea typeface="Arial"/>
+                <a:cs typeface="Arial"/>
+              </a:rPr>
+              <a:t>namespace</a:t>
+            </a:r>
+            <a:r>
+              <a:rPr lang="de-DE" sz="2800" b="0" i="0" u="none" dirty="0">
+                <a:solidFill>
+                  <a:schemeClr val="bg1">
+                    <a:lumMod val="65000"/>
+                  </a:schemeClr>
+                </a:solidFill>
+                <a:latin typeface="Arial"/>
+                <a:ea typeface="Arial"/>
+                <a:cs typeface="Arial"/>
+              </a:rPr>
+              <a:t>:</a:t>
+            </a:r>
+          </a:p>
+          <a:p>
+            <a:pPr lvl="1">
+              <a:lnSpc>
+                <a:spcPct val="114999"/>
+              </a:lnSpc>
+              <a:defRPr/>
+            </a:pPr>
+            <a:r>
+              <a:rPr lang="de-DE" sz="2400" dirty="0" err="1">
+                <a:solidFill>
+                  <a:schemeClr val="bg1">
+                    <a:lumMod val="65000"/>
+                  </a:schemeClr>
+                </a:solidFill>
+                <a:latin typeface="Arial"/>
+                <a:ea typeface="Arial"/>
+                <a:cs typeface="Arial"/>
+              </a:rPr>
+              <a:t>Provides</a:t>
+            </a:r>
+            <a:r>
+              <a:rPr lang="de-DE" sz="2400" dirty="0">
+                <a:solidFill>
+                  <a:schemeClr val="bg1">
+                    <a:lumMod val="65000"/>
+                  </a:schemeClr>
+                </a:solidFill>
+                <a:latin typeface="Arial"/>
+                <a:ea typeface="Arial"/>
+                <a:cs typeface="Arial"/>
+              </a:rPr>
+              <a:t> </a:t>
+            </a:r>
+            <a:r>
+              <a:rPr lang="de-DE" sz="2400" dirty="0" err="1">
+                <a:solidFill>
+                  <a:schemeClr val="bg1">
+                    <a:lumMod val="65000"/>
+                  </a:schemeClr>
+                </a:solidFill>
+                <a:latin typeface="Arial"/>
+                <a:ea typeface="Arial"/>
+                <a:cs typeface="Arial"/>
+              </a:rPr>
+              <a:t>isolated</a:t>
+            </a:r>
+            <a:r>
+              <a:rPr lang="de-DE" sz="2400" dirty="0">
+                <a:solidFill>
+                  <a:schemeClr val="bg1">
+                    <a:lumMod val="65000"/>
+                  </a:schemeClr>
+                </a:solidFill>
+                <a:latin typeface="Arial"/>
+                <a:ea typeface="Arial"/>
+                <a:cs typeface="Arial"/>
+              </a:rPr>
+              <a:t> </a:t>
+            </a:r>
+            <a:r>
+              <a:rPr lang="de-DE" sz="2400" dirty="0" err="1">
+                <a:solidFill>
+                  <a:schemeClr val="bg1">
+                    <a:lumMod val="65000"/>
+                  </a:schemeClr>
+                </a:solidFill>
+                <a:latin typeface="Arial"/>
+                <a:ea typeface="Arial"/>
+                <a:cs typeface="Arial"/>
+              </a:rPr>
+              <a:t>view</a:t>
+            </a:r>
+            <a:r>
+              <a:rPr lang="de-DE" sz="2400" dirty="0">
+                <a:solidFill>
+                  <a:schemeClr val="bg1">
+                    <a:lumMod val="65000"/>
+                  </a:schemeClr>
+                </a:solidFill>
+                <a:latin typeface="Arial"/>
+                <a:ea typeface="Arial"/>
+                <a:cs typeface="Arial"/>
+              </a:rPr>
+              <a:t> </a:t>
+            </a:r>
+            <a:r>
+              <a:rPr lang="de-DE" sz="2400" dirty="0" err="1">
+                <a:solidFill>
+                  <a:schemeClr val="bg1">
+                    <a:lumMod val="65000"/>
+                  </a:schemeClr>
+                </a:solidFill>
+                <a:latin typeface="Arial"/>
+                <a:ea typeface="Arial"/>
+                <a:cs typeface="Arial"/>
+              </a:rPr>
+              <a:t>of</a:t>
+            </a:r>
+            <a:r>
+              <a:rPr lang="de-DE" sz="2400" dirty="0">
+                <a:solidFill>
+                  <a:schemeClr val="bg1">
+                    <a:lumMod val="65000"/>
+                  </a:schemeClr>
+                </a:solidFill>
+                <a:latin typeface="Arial"/>
+                <a:ea typeface="Arial"/>
+                <a:cs typeface="Arial"/>
+              </a:rPr>
+              <a:t> </a:t>
+            </a:r>
+            <a:r>
+              <a:rPr lang="de-DE" sz="2400" dirty="0" err="1">
+                <a:solidFill>
+                  <a:schemeClr val="bg1">
+                    <a:lumMod val="65000"/>
+                  </a:schemeClr>
+                </a:solidFill>
+                <a:latin typeface="Arial"/>
+                <a:ea typeface="Arial"/>
+                <a:cs typeface="Arial"/>
+              </a:rPr>
+              <a:t>filesystem</a:t>
+            </a:r>
+            <a:r>
+              <a:rPr lang="de-DE" sz="2400" dirty="0">
+                <a:solidFill>
+                  <a:schemeClr val="bg1">
+                    <a:lumMod val="65000"/>
+                  </a:schemeClr>
+                </a:solidFill>
+                <a:latin typeface="Arial"/>
+                <a:ea typeface="Arial"/>
+                <a:cs typeface="Arial"/>
+              </a:rPr>
+              <a:t> </a:t>
+            </a:r>
+            <a:r>
+              <a:rPr lang="de-DE" sz="2400" dirty="0" err="1">
+                <a:solidFill>
+                  <a:schemeClr val="bg1">
+                    <a:lumMod val="65000"/>
+                  </a:schemeClr>
+                </a:solidFill>
+                <a:latin typeface="Arial"/>
+                <a:ea typeface="Arial"/>
+                <a:cs typeface="Arial"/>
+              </a:rPr>
+              <a:t>hierarchy</a:t>
+            </a:r>
+            <a:endParaRPr lang="de-DE" sz="2400" dirty="0">
+              <a:solidFill>
+                <a:schemeClr val="bg1">
+                  <a:lumMod val="65000"/>
+                </a:schemeClr>
+              </a:solidFill>
+              <a:latin typeface="Arial"/>
+              <a:ea typeface="Arial"/>
+              <a:cs typeface="Arial"/>
+            </a:endParaRPr>
+          </a:p>
+          <a:p>
+            <a:pPr>
+              <a:lnSpc>
+                <a:spcPct val="114999"/>
+              </a:lnSpc>
+              <a:defRPr/>
+            </a:pPr>
+            <a:r>
+              <a:rPr lang="de-DE" sz="2800" b="0" i="0" u="none" dirty="0">
+                <a:solidFill>
+                  <a:schemeClr val="tx1"/>
+                </a:solidFill>
+                <a:latin typeface="Arial"/>
+                <a:ea typeface="Arial"/>
+                <a:cs typeface="Arial"/>
+              </a:rPr>
+              <a:t>PID </a:t>
+            </a:r>
+            <a:r>
+              <a:rPr lang="de-DE" sz="2800" b="0" i="0" u="none" dirty="0" err="1">
+                <a:solidFill>
+                  <a:schemeClr val="tx1"/>
+                </a:solidFill>
+                <a:latin typeface="Arial"/>
+                <a:ea typeface="Arial"/>
+                <a:cs typeface="Arial"/>
+              </a:rPr>
+              <a:t>namespace</a:t>
+            </a:r>
+            <a:r>
+              <a:rPr lang="de-DE" sz="2800" b="0" i="0" u="none" dirty="0">
+                <a:solidFill>
+                  <a:schemeClr val="tx1"/>
+                </a:solidFill>
+                <a:latin typeface="Arial"/>
+                <a:ea typeface="Arial"/>
+                <a:cs typeface="Arial"/>
+              </a:rPr>
+              <a:t>:</a:t>
+            </a:r>
+          </a:p>
+          <a:p>
+            <a:pPr lvl="1">
+              <a:lnSpc>
+                <a:spcPct val="114999"/>
+              </a:lnSpc>
+              <a:defRPr/>
+            </a:pPr>
+            <a:r>
+              <a:rPr lang="en-US" sz="2400" b="0" i="0" u="none" dirty="0">
+                <a:solidFill>
+                  <a:schemeClr val="tx1"/>
+                </a:solidFill>
+                <a:latin typeface="Arial"/>
+                <a:ea typeface="Arial"/>
+                <a:cs typeface="Arial"/>
+              </a:rPr>
+              <a:t>Provides isolation within the set of process IDs</a:t>
+            </a:r>
+            <a:endParaRPr lang="de-DE" sz="2400" b="0" i="0" u="none" dirty="0">
+              <a:solidFill>
+                <a:schemeClr val="tx1"/>
+              </a:solidFill>
+              <a:latin typeface="Arial"/>
+              <a:ea typeface="Arial"/>
+              <a:cs typeface="Arial"/>
+            </a:endParaRPr>
+          </a:p>
+          <a:p>
+            <a:pPr>
+              <a:lnSpc>
+                <a:spcPct val="114999"/>
+              </a:lnSpc>
+              <a:defRPr/>
+            </a:pPr>
+            <a:r>
+              <a:rPr lang="de-DE" sz="2800" b="0" i="0" u="none" dirty="0">
+                <a:solidFill>
+                  <a:schemeClr val="bg1">
+                    <a:lumMod val="65000"/>
+                  </a:schemeClr>
+                </a:solidFill>
+                <a:latin typeface="Arial"/>
+                <a:ea typeface="Arial"/>
+                <a:cs typeface="Arial"/>
+              </a:rPr>
+              <a:t>Network </a:t>
+            </a:r>
+            <a:r>
+              <a:rPr lang="de-DE" sz="2800" b="0" i="0" u="none" dirty="0" err="1">
+                <a:solidFill>
+                  <a:schemeClr val="bg1">
+                    <a:lumMod val="65000"/>
+                  </a:schemeClr>
+                </a:solidFill>
+                <a:latin typeface="Arial"/>
+                <a:ea typeface="Arial"/>
+                <a:cs typeface="Arial"/>
+              </a:rPr>
+              <a:t>namespace</a:t>
+            </a:r>
+            <a:r>
+              <a:rPr lang="de-DE" sz="2800" b="0" i="0" u="none" dirty="0">
+                <a:solidFill>
+                  <a:schemeClr val="bg1">
+                    <a:lumMod val="65000"/>
+                  </a:schemeClr>
+                </a:solidFill>
+                <a:latin typeface="Arial"/>
+                <a:ea typeface="Arial"/>
+                <a:cs typeface="Arial"/>
+              </a:rPr>
+              <a:t>:</a:t>
+            </a:r>
+          </a:p>
+          <a:p>
+            <a:pPr lvl="1">
+              <a:lnSpc>
+                <a:spcPct val="114999"/>
+              </a:lnSpc>
+              <a:defRPr/>
+            </a:pPr>
+            <a:r>
+              <a:rPr lang="en-US" sz="2400" b="0" i="0" u="none" dirty="0">
+                <a:solidFill>
+                  <a:schemeClr val="bg1">
+                    <a:lumMod val="65000"/>
+                  </a:schemeClr>
+                </a:solidFill>
+                <a:latin typeface="Arial"/>
+                <a:ea typeface="Arial"/>
+                <a:cs typeface="Arial"/>
+              </a:rPr>
+              <a:t>Is responsible for the isolation of network-related resources</a:t>
+            </a:r>
+            <a:endParaRPr lang="de-DE" sz="2400" b="0" i="0" u="none" dirty="0">
+              <a:solidFill>
+                <a:schemeClr val="bg1">
+                  <a:lumMod val="65000"/>
+                </a:schemeClr>
+              </a:solidFill>
+              <a:latin typeface="Arial"/>
+              <a:ea typeface="Arial"/>
+              <a:cs typeface="Arial"/>
+            </a:endParaRPr>
+          </a:p>
+          <a:p>
+            <a:pPr>
+              <a:lnSpc>
+                <a:spcPct val="114999"/>
+              </a:lnSpc>
+              <a:defRPr/>
+            </a:pPr>
+            <a:r>
+              <a:rPr lang="de-DE" sz="2800" dirty="0">
+                <a:solidFill>
+                  <a:schemeClr val="bg1">
+                    <a:lumMod val="65000"/>
+                  </a:schemeClr>
+                </a:solidFill>
+                <a:latin typeface="Arial"/>
+                <a:ea typeface="Arial"/>
+                <a:cs typeface="Arial"/>
+              </a:rPr>
+              <a:t>User </a:t>
+            </a:r>
+            <a:r>
+              <a:rPr lang="de-DE" sz="2800" dirty="0" err="1">
+                <a:solidFill>
+                  <a:schemeClr val="bg1">
+                    <a:lumMod val="65000"/>
+                  </a:schemeClr>
+                </a:solidFill>
+                <a:latin typeface="Arial"/>
+                <a:ea typeface="Arial"/>
+                <a:cs typeface="Arial"/>
+              </a:rPr>
+              <a:t>namespace</a:t>
+            </a:r>
+            <a:r>
+              <a:rPr lang="de-DE" sz="2800" dirty="0">
+                <a:solidFill>
+                  <a:schemeClr val="bg1">
+                    <a:lumMod val="65000"/>
+                  </a:schemeClr>
+                </a:solidFill>
+                <a:latin typeface="Arial"/>
+                <a:ea typeface="Arial"/>
+                <a:cs typeface="Arial"/>
+              </a:rPr>
+              <a:t>:</a:t>
+            </a:r>
+          </a:p>
+          <a:p>
+            <a:pPr lvl="1">
+              <a:lnSpc>
+                <a:spcPct val="114999"/>
+              </a:lnSpc>
+              <a:defRPr/>
+            </a:pPr>
+            <a:r>
+              <a:rPr lang="de-DE" sz="2400" b="0" i="0" u="none" dirty="0">
+                <a:solidFill>
+                  <a:schemeClr val="bg1">
+                    <a:lumMod val="65000"/>
+                  </a:schemeClr>
+                </a:solidFill>
+                <a:latin typeface="Arial"/>
+                <a:ea typeface="Arial"/>
+                <a:cs typeface="Arial"/>
+              </a:rPr>
+              <a:t>Isolates </a:t>
+            </a:r>
+            <a:r>
+              <a:rPr lang="de-DE" sz="2400" b="0" i="0" u="none" dirty="0" err="1">
+                <a:solidFill>
+                  <a:schemeClr val="bg1">
+                    <a:lumMod val="65000"/>
+                  </a:schemeClr>
+                </a:solidFill>
+                <a:latin typeface="Arial"/>
+                <a:ea typeface="Arial"/>
+                <a:cs typeface="Arial"/>
+              </a:rPr>
+              <a:t>the</a:t>
+            </a:r>
+            <a:r>
+              <a:rPr lang="de-DE" sz="2400" b="0" i="0" u="none" dirty="0">
+                <a:solidFill>
+                  <a:schemeClr val="bg1">
+                    <a:lumMod val="65000"/>
+                  </a:schemeClr>
+                </a:solidFill>
+                <a:latin typeface="Arial"/>
+                <a:ea typeface="Arial"/>
+                <a:cs typeface="Arial"/>
+              </a:rPr>
+              <a:t> </a:t>
+            </a:r>
+            <a:r>
+              <a:rPr lang="de-DE" sz="2400" b="0" i="0" u="none" dirty="0" err="1">
+                <a:solidFill>
+                  <a:schemeClr val="bg1">
+                    <a:lumMod val="65000"/>
+                  </a:schemeClr>
+                </a:solidFill>
+                <a:latin typeface="Arial"/>
+                <a:ea typeface="Arial"/>
+                <a:cs typeface="Arial"/>
+              </a:rPr>
+              <a:t>user</a:t>
+            </a:r>
+            <a:r>
+              <a:rPr lang="de-DE" sz="2400" dirty="0">
+                <a:solidFill>
+                  <a:schemeClr val="bg1">
+                    <a:lumMod val="65000"/>
+                  </a:schemeClr>
+                </a:solidFill>
+                <a:latin typeface="Arial"/>
+                <a:ea typeface="Arial"/>
+                <a:cs typeface="Arial"/>
+              </a:rPr>
+              <a:t> IDs</a:t>
+            </a:r>
+            <a:endParaRPr lang="de-DE" sz="2400" b="0" i="0" u="none" dirty="0">
+              <a:solidFill>
+                <a:schemeClr val="bg1">
+                  <a:lumMod val="65000"/>
+                </a:schemeClr>
+              </a:solidFill>
+              <a:latin typeface="Arial"/>
+              <a:ea typeface="Arial"/>
+              <a:cs typeface="Arial"/>
+            </a:endParaRPr>
+          </a:p>
+        </p:txBody>
+      </p:sp>
+      <p:sp>
+        <p:nvSpPr>
+          <p:cNvPr id="281538676" name="Textfeld 281538675"/>
           <p:cNvSpPr txBox="1"/>
+          <p:nvPr/>
+        </p:nvSpPr>
+        <p:spPr bwMode="auto">
+          <a:xfrm>
+            <a:off x="6711354" y="5302249"/>
+            <a:ext cx="5155783" cy="1082399"/>
+          </a:xfrm>
+          <a:prstGeom prst="rect">
+            <a:avLst/>
+          </a:prstGeom>
+          <a:solidFill>
+            <a:schemeClr val="bg1"/>
+          </a:solidFill>
+        </p:spPr>
+        <p:txBody>
+          <a:bodyPr vertOverflow="overflow" horzOverflow="overflow" vert="horz" wrap="square" lIns="91440" tIns="45720" rIns="91440" bIns="45720" numCol="1" spcCol="0" rtlCol="0" fromWordArt="0" anchor="t" anchorCtr="0" forceAA="0" compatLnSpc="0">
+            <a:spAutoFit/>
+          </a:bodyPr>
+          <a:lstStyle/>
+          <a:p>
+            <a:pPr algn="ctr">
+              <a:defRPr/>
+            </a:pPr>
+            <a:br>
+              <a:rPr dirty="0">
+                <a:latin typeface="Arial"/>
+                <a:ea typeface="Arial"/>
+                <a:cs typeface="Arial"/>
+              </a:rPr>
+            </a:br>
+            <a:r>
+              <a:rPr lang="en-US" sz="1800" b="0" i="0" u="none" strike="noStrike" cap="none" spc="0" dirty="0">
+                <a:solidFill>
+                  <a:schemeClr val="tx1"/>
+                </a:solidFill>
+                <a:latin typeface="Arial"/>
+                <a:ea typeface="Arial"/>
+                <a:cs typeface="Arial"/>
+              </a:rPr>
+              <a:t>PID namespace</a:t>
+            </a:r>
+            <a:r>
+              <a:rPr dirty="0">
+                <a:latin typeface="Arial"/>
+                <a:ea typeface="Arial"/>
+                <a:cs typeface="Arial"/>
+              </a:rPr>
+              <a:t>.</a:t>
+            </a:r>
+            <a:br>
+              <a:rPr dirty="0">
+                <a:latin typeface="Arial"/>
+                <a:ea typeface="Arial"/>
+                <a:cs typeface="Arial"/>
+              </a:rPr>
+            </a:br>
+            <a:r>
+              <a:rPr dirty="0">
+                <a:latin typeface="Arial"/>
+                <a:ea typeface="Arial"/>
+                <a:cs typeface="Arial"/>
+              </a:rPr>
+              <a:t> </a:t>
+            </a:r>
+          </a:p>
+          <a:p>
+            <a:pPr algn="ctr">
+              <a:defRPr/>
+            </a:pPr>
+            <a:r>
+              <a:rPr sz="1100" dirty="0">
+                <a:latin typeface="Arial"/>
+                <a:ea typeface="Arial"/>
+                <a:cs typeface="Arial"/>
+              </a:rPr>
+              <a:t>Image taken from [</a:t>
+            </a:r>
+            <a:r>
+              <a:rPr sz="1100" u="sng" dirty="0">
+                <a:solidFill>
+                  <a:schemeClr val="hlink"/>
+                </a:solidFill>
+                <a:latin typeface="Arial"/>
+                <a:ea typeface="Arial"/>
+                <a:cs typeface="Arial"/>
+              </a:rPr>
+              <a:t>www</a:t>
+            </a:r>
+            <a:r>
+              <a:rPr lang="de-DE" sz="1100" u="sng" dirty="0">
+                <a:solidFill>
+                  <a:schemeClr val="hlink"/>
+                </a:solidFill>
+                <a:latin typeface="Arial"/>
+                <a:ea typeface="Arial"/>
+                <a:cs typeface="Arial"/>
+              </a:rPr>
+              <a:t>.waytoeasylearn.com</a:t>
+            </a:r>
+            <a:r>
+              <a:rPr lang="de-IT" sz="1100" dirty="0">
+                <a:latin typeface="Arial"/>
+                <a:ea typeface="Arial"/>
+                <a:cs typeface="Arial"/>
+              </a:rPr>
+              <a:t>]</a:t>
+            </a:r>
+            <a:endParaRPr sz="1100" dirty="0"/>
+          </a:p>
+        </p:txBody>
+      </p:sp>
+      <p:pic>
+        <p:nvPicPr>
+          <p:cNvPr id="1026" name="Picture 2" descr="Namespace PID - Simplified Learning">
+            <a:extLst>
+              <a:ext uri="{FF2B5EF4-FFF2-40B4-BE49-F238E27FC236}">
+                <a16:creationId xmlns:a16="http://schemas.microsoft.com/office/drawing/2014/main" id="{944DE92A-F71B-0777-9273-16F92C15C2B7}"/>
+              </a:ext>
+            </a:extLst>
+          </p:cNvPr>
+          <p:cNvPicPr>
+            <a:picLocks noChangeAspect="1" noChangeArrowheads="1"/>
+          </p:cNvPicPr>
+          <p:nvPr/>
+        </p:nvPicPr>
+        <p:blipFill>
+          <a:blip r:embed="rId3">
+            <a:extLst>
+              <a:ext uri="{28A0092B-C50C-407E-A947-70E740481C1C}">
+                <a14:useLocalDpi xmlns:a14="http://schemas.microsoft.com/office/drawing/2010/main" val="0"/>
+              </a:ext>
+            </a:extLst>
+          </a:blip>
+          <a:srcRect/>
+          <a:stretch>
+            <a:fillRect/>
+          </a:stretch>
+        </p:blipFill>
+        <p:spPr bwMode="auto">
+          <a:xfrm>
+            <a:off x="6711354" y="1697078"/>
+            <a:ext cx="5155783" cy="3605171"/>
+          </a:xfrm>
+          <a:prstGeom prst="rect">
+            <a:avLst/>
+          </a:prstGeom>
+          <a:noFill/>
+          <a:extLst>
+            <a:ext uri="{909E8E84-426E-40DD-AFC4-6F175D3DCCD1}">
+              <a14:hiddenFill xmlns:a14="http://schemas.microsoft.com/office/drawing/2010/main">
+                <a:solidFill>
+                  <a:srgbClr val="FFFFFF"/>
+                </a:solidFill>
+              </a14:hiddenFill>
+            </a:ext>
+          </a:extLst>
+        </p:spPr>
+      </p:pic>
+    </p:spTree>
+    <p:extLst>
+      <p:ext uri="{BB962C8B-B14F-4D97-AF65-F5344CB8AC3E}">
+        <p14:creationId xmlns:p14="http://schemas.microsoft.com/office/powerpoint/2010/main" val="2498226579"/>
+      </p:ext>
+    </p:extLst>
+  </p:cSld>
+  <p:clrMapOvr>
+    <a:masterClrMapping/>
+  </p:clrMapOvr>
+</p:sld>
+</file>
+
+<file path=ppt/slides/slide11.xml><?xml version="1.0" encoding="utf-8"?>
+<p:sld xmlns:a="http://schemas.openxmlformats.org/drawingml/2006/main" xmlns:r="http://schemas.openxmlformats.org/officeDocument/2006/relationships" xmlns:p="http://schemas.openxmlformats.org/presentationml/2006/main" showMasterPhAnim="0">
+  <p:cSld>
+    <p:spTree>
+      <p:nvGrpSpPr>
+        <p:cNvPr id="1" name=""/>
+        <p:cNvGrpSpPr/>
+        <p:nvPr/>
+      </p:nvGrpSpPr>
+      <p:grpSpPr bwMode="auto">
+        <a:xfrm>
+          <a:off x="0" y="0"/>
+          <a:ext cx="0" cy="0"/>
+          <a:chOff x="0" y="0"/>
+          <a:chExt cx="0" cy="0"/>
+        </a:xfrm>
+      </p:grpSpPr>
+      <p:sp>
+        <p:nvSpPr>
+          <p:cNvPr id="696532452" name="Заголовок 1"/>
+          <p:cNvSpPr>
+            <a:spLocks noGrp="1"/>
+          </p:cNvSpPr>
+          <p:nvPr>
+            <p:ph type="title"/>
+          </p:nvPr>
+        </p:nvSpPr>
+        <p:spPr bwMode="auto"/>
+        <p:txBody>
+          <a:bodyPr vertOverflow="overflow" horzOverflow="overflow" vert="horz" wrap="square" lIns="91440" tIns="45720" rIns="91440" bIns="45720" numCol="1" spcCol="0" rtlCol="0" fromWordArt="0" anchor="ctr" anchorCtr="0" forceAA="0" compatLnSpc="0">
+            <a:normAutofit/>
+          </a:bodyPr>
+          <a:lstStyle/>
+          <a:p>
+            <a:pPr>
+              <a:defRPr/>
+            </a:pPr>
+            <a:r>
+              <a:rPr lang="de-DE" dirty="0" err="1"/>
+              <a:t>Important</a:t>
+            </a:r>
+            <a:r>
+              <a:rPr lang="de-DE" dirty="0"/>
+              <a:t> </a:t>
+            </a:r>
+            <a:r>
+              <a:rPr dirty="0"/>
+              <a:t>Namespaces</a:t>
+            </a:r>
+          </a:p>
+        </p:txBody>
+      </p:sp>
+      <p:sp>
+        <p:nvSpPr>
+          <p:cNvPr id="1162661495" name="Объект 2"/>
+          <p:cNvSpPr>
+            <a:spLocks noGrp="1"/>
+          </p:cNvSpPr>
+          <p:nvPr>
+            <p:ph idx="1"/>
+          </p:nvPr>
+        </p:nvSpPr>
+        <p:spPr bwMode="auto">
+          <a:xfrm>
+            <a:off x="609599" y="1340767"/>
+            <a:ext cx="5774725" cy="5043881"/>
+          </a:xfrm>
+        </p:spPr>
+        <p:txBody>
+          <a:bodyPr>
+            <a:normAutofit/>
+          </a:bodyPr>
+          <a:lstStyle/>
+          <a:p>
+            <a:pPr>
+              <a:lnSpc>
+                <a:spcPct val="114999"/>
+              </a:lnSpc>
+              <a:defRPr/>
+            </a:pPr>
+            <a:r>
+              <a:rPr lang="de-DE" sz="2800" b="0" i="0" u="none" dirty="0">
+                <a:solidFill>
+                  <a:schemeClr val="bg1">
+                    <a:lumMod val="65000"/>
+                  </a:schemeClr>
+                </a:solidFill>
+                <a:latin typeface="Arial"/>
+                <a:ea typeface="Arial"/>
+                <a:cs typeface="Arial"/>
+              </a:rPr>
+              <a:t>Mount </a:t>
+            </a:r>
+            <a:r>
+              <a:rPr lang="de-DE" sz="2800" b="0" i="0" u="none" dirty="0" err="1">
+                <a:solidFill>
+                  <a:schemeClr val="bg1">
+                    <a:lumMod val="65000"/>
+                  </a:schemeClr>
+                </a:solidFill>
+                <a:latin typeface="Arial"/>
+                <a:ea typeface="Arial"/>
+                <a:cs typeface="Arial"/>
+              </a:rPr>
+              <a:t>namespace</a:t>
+            </a:r>
+            <a:r>
+              <a:rPr lang="de-DE" sz="2800" b="0" i="0" u="none" dirty="0">
+                <a:solidFill>
+                  <a:schemeClr val="bg1">
+                    <a:lumMod val="65000"/>
+                  </a:schemeClr>
+                </a:solidFill>
+                <a:latin typeface="Arial"/>
+                <a:ea typeface="Arial"/>
+                <a:cs typeface="Arial"/>
+              </a:rPr>
+              <a:t>:</a:t>
+            </a:r>
+          </a:p>
+          <a:p>
+            <a:pPr lvl="1">
+              <a:lnSpc>
+                <a:spcPct val="114999"/>
+              </a:lnSpc>
+              <a:defRPr/>
+            </a:pPr>
+            <a:r>
+              <a:rPr lang="de-DE" sz="2400" dirty="0" err="1">
+                <a:solidFill>
+                  <a:schemeClr val="bg1">
+                    <a:lumMod val="65000"/>
+                  </a:schemeClr>
+                </a:solidFill>
+                <a:latin typeface="Arial"/>
+                <a:ea typeface="Arial"/>
+                <a:cs typeface="Arial"/>
+              </a:rPr>
+              <a:t>Provides</a:t>
+            </a:r>
+            <a:r>
+              <a:rPr lang="de-DE" sz="2400" dirty="0">
+                <a:solidFill>
+                  <a:schemeClr val="bg1">
+                    <a:lumMod val="65000"/>
+                  </a:schemeClr>
+                </a:solidFill>
+                <a:latin typeface="Arial"/>
+                <a:ea typeface="Arial"/>
+                <a:cs typeface="Arial"/>
+              </a:rPr>
+              <a:t> </a:t>
+            </a:r>
+            <a:r>
+              <a:rPr lang="de-DE" sz="2400" dirty="0" err="1">
+                <a:solidFill>
+                  <a:schemeClr val="bg1">
+                    <a:lumMod val="65000"/>
+                  </a:schemeClr>
+                </a:solidFill>
+                <a:latin typeface="Arial"/>
+                <a:ea typeface="Arial"/>
+                <a:cs typeface="Arial"/>
+              </a:rPr>
+              <a:t>isolated</a:t>
+            </a:r>
+            <a:r>
+              <a:rPr lang="de-DE" sz="2400" dirty="0">
+                <a:solidFill>
+                  <a:schemeClr val="bg1">
+                    <a:lumMod val="65000"/>
+                  </a:schemeClr>
+                </a:solidFill>
+                <a:latin typeface="Arial"/>
+                <a:ea typeface="Arial"/>
+                <a:cs typeface="Arial"/>
+              </a:rPr>
+              <a:t> </a:t>
+            </a:r>
+            <a:r>
+              <a:rPr lang="de-DE" sz="2400" dirty="0" err="1">
+                <a:solidFill>
+                  <a:schemeClr val="bg1">
+                    <a:lumMod val="65000"/>
+                  </a:schemeClr>
+                </a:solidFill>
+                <a:latin typeface="Arial"/>
+                <a:ea typeface="Arial"/>
+                <a:cs typeface="Arial"/>
+              </a:rPr>
+              <a:t>view</a:t>
+            </a:r>
+            <a:r>
+              <a:rPr lang="de-DE" sz="2400" dirty="0">
+                <a:solidFill>
+                  <a:schemeClr val="bg1">
+                    <a:lumMod val="65000"/>
+                  </a:schemeClr>
+                </a:solidFill>
+                <a:latin typeface="Arial"/>
+                <a:ea typeface="Arial"/>
+                <a:cs typeface="Arial"/>
+              </a:rPr>
+              <a:t> </a:t>
+            </a:r>
+            <a:r>
+              <a:rPr lang="de-DE" sz="2400" dirty="0" err="1">
+                <a:solidFill>
+                  <a:schemeClr val="bg1">
+                    <a:lumMod val="65000"/>
+                  </a:schemeClr>
+                </a:solidFill>
+                <a:latin typeface="Arial"/>
+                <a:ea typeface="Arial"/>
+                <a:cs typeface="Arial"/>
+              </a:rPr>
+              <a:t>of</a:t>
+            </a:r>
+            <a:r>
+              <a:rPr lang="de-DE" sz="2400" dirty="0">
+                <a:solidFill>
+                  <a:schemeClr val="bg1">
+                    <a:lumMod val="65000"/>
+                  </a:schemeClr>
+                </a:solidFill>
+                <a:latin typeface="Arial"/>
+                <a:ea typeface="Arial"/>
+                <a:cs typeface="Arial"/>
+              </a:rPr>
+              <a:t> </a:t>
+            </a:r>
+            <a:r>
+              <a:rPr lang="de-DE" sz="2400" dirty="0" err="1">
+                <a:solidFill>
+                  <a:schemeClr val="bg1">
+                    <a:lumMod val="65000"/>
+                  </a:schemeClr>
+                </a:solidFill>
+                <a:latin typeface="Arial"/>
+                <a:ea typeface="Arial"/>
+                <a:cs typeface="Arial"/>
+              </a:rPr>
+              <a:t>filesystem</a:t>
+            </a:r>
+            <a:r>
+              <a:rPr lang="de-DE" sz="2400" dirty="0">
+                <a:solidFill>
+                  <a:schemeClr val="bg1">
+                    <a:lumMod val="65000"/>
+                  </a:schemeClr>
+                </a:solidFill>
+                <a:latin typeface="Arial"/>
+                <a:ea typeface="Arial"/>
+                <a:cs typeface="Arial"/>
+              </a:rPr>
+              <a:t> </a:t>
+            </a:r>
+            <a:r>
+              <a:rPr lang="de-DE" sz="2400" dirty="0" err="1">
+                <a:solidFill>
+                  <a:schemeClr val="bg1">
+                    <a:lumMod val="65000"/>
+                  </a:schemeClr>
+                </a:solidFill>
+                <a:latin typeface="Arial"/>
+                <a:ea typeface="Arial"/>
+                <a:cs typeface="Arial"/>
+              </a:rPr>
+              <a:t>hierarchy</a:t>
+            </a:r>
+            <a:endParaRPr lang="de-DE" sz="2400" dirty="0">
+              <a:solidFill>
+                <a:schemeClr val="bg1">
+                  <a:lumMod val="65000"/>
+                </a:schemeClr>
+              </a:solidFill>
+              <a:latin typeface="Arial"/>
+              <a:ea typeface="Arial"/>
+              <a:cs typeface="Arial"/>
+            </a:endParaRPr>
+          </a:p>
+          <a:p>
+            <a:pPr>
+              <a:lnSpc>
+                <a:spcPct val="114999"/>
+              </a:lnSpc>
+              <a:defRPr/>
+            </a:pPr>
+            <a:r>
+              <a:rPr lang="de-DE" sz="2800" b="0" i="0" u="none" dirty="0">
+                <a:solidFill>
+                  <a:schemeClr val="bg1">
+                    <a:lumMod val="65000"/>
+                  </a:schemeClr>
+                </a:solidFill>
+                <a:latin typeface="Arial"/>
+                <a:ea typeface="Arial"/>
+                <a:cs typeface="Arial"/>
+              </a:rPr>
+              <a:t>PID </a:t>
+            </a:r>
+            <a:r>
+              <a:rPr lang="de-DE" sz="2800" b="0" i="0" u="none" dirty="0" err="1">
+                <a:solidFill>
+                  <a:schemeClr val="bg1">
+                    <a:lumMod val="65000"/>
+                  </a:schemeClr>
+                </a:solidFill>
+                <a:latin typeface="Arial"/>
+                <a:ea typeface="Arial"/>
+                <a:cs typeface="Arial"/>
+              </a:rPr>
+              <a:t>namespace</a:t>
+            </a:r>
+            <a:r>
+              <a:rPr lang="de-DE" sz="2800" b="0" i="0" u="none" dirty="0">
+                <a:solidFill>
+                  <a:schemeClr val="bg1">
+                    <a:lumMod val="65000"/>
+                  </a:schemeClr>
+                </a:solidFill>
+                <a:latin typeface="Arial"/>
+                <a:ea typeface="Arial"/>
+                <a:cs typeface="Arial"/>
+              </a:rPr>
+              <a:t>:</a:t>
+            </a:r>
+          </a:p>
+          <a:p>
+            <a:pPr lvl="1">
+              <a:lnSpc>
+                <a:spcPct val="114999"/>
+              </a:lnSpc>
+              <a:defRPr/>
+            </a:pPr>
+            <a:r>
+              <a:rPr lang="en-US" sz="2400" b="0" i="0" u="none" dirty="0">
+                <a:solidFill>
+                  <a:schemeClr val="bg1">
+                    <a:lumMod val="65000"/>
+                  </a:schemeClr>
+                </a:solidFill>
+                <a:latin typeface="Arial"/>
+                <a:ea typeface="Arial"/>
+                <a:cs typeface="Arial"/>
+              </a:rPr>
+              <a:t>Provides isolation within the set of process IDs</a:t>
+            </a:r>
+            <a:endParaRPr lang="de-DE" sz="2400" b="0" i="0" u="none" dirty="0">
+              <a:solidFill>
+                <a:schemeClr val="bg1">
+                  <a:lumMod val="65000"/>
+                </a:schemeClr>
+              </a:solidFill>
+              <a:latin typeface="Arial"/>
+              <a:ea typeface="Arial"/>
+              <a:cs typeface="Arial"/>
+            </a:endParaRPr>
+          </a:p>
+          <a:p>
+            <a:pPr>
+              <a:lnSpc>
+                <a:spcPct val="114999"/>
+              </a:lnSpc>
+              <a:defRPr/>
+            </a:pPr>
+            <a:r>
+              <a:rPr lang="de-DE" sz="2800" b="0" i="0" u="none" dirty="0">
+                <a:solidFill>
+                  <a:schemeClr val="tx1"/>
+                </a:solidFill>
+                <a:latin typeface="Arial"/>
+                <a:ea typeface="Arial"/>
+                <a:cs typeface="Arial"/>
+              </a:rPr>
+              <a:t>Network </a:t>
+            </a:r>
+            <a:r>
+              <a:rPr lang="de-DE" sz="2800" b="0" i="0" u="none" dirty="0" err="1">
+                <a:solidFill>
+                  <a:schemeClr val="tx1"/>
+                </a:solidFill>
+                <a:latin typeface="Arial"/>
+                <a:ea typeface="Arial"/>
+                <a:cs typeface="Arial"/>
+              </a:rPr>
+              <a:t>namespace</a:t>
+            </a:r>
+            <a:r>
+              <a:rPr lang="de-DE" sz="2800" b="0" i="0" u="none" dirty="0">
+                <a:solidFill>
+                  <a:schemeClr val="tx1"/>
+                </a:solidFill>
+                <a:latin typeface="Arial"/>
+                <a:ea typeface="Arial"/>
+                <a:cs typeface="Arial"/>
+              </a:rPr>
+              <a:t>:</a:t>
+            </a:r>
+          </a:p>
+          <a:p>
+            <a:pPr lvl="1">
+              <a:lnSpc>
+                <a:spcPct val="114999"/>
+              </a:lnSpc>
+              <a:defRPr/>
+            </a:pPr>
+            <a:r>
+              <a:rPr lang="en-US" sz="2400" b="0" i="0" u="none" dirty="0">
+                <a:solidFill>
+                  <a:schemeClr val="tx1"/>
+                </a:solidFill>
+                <a:latin typeface="Arial"/>
+                <a:ea typeface="Arial"/>
+                <a:cs typeface="Arial"/>
+              </a:rPr>
+              <a:t>Is responsible for the isolation of network-related resources</a:t>
+            </a:r>
+            <a:endParaRPr lang="de-DE" sz="2400" b="0" i="0" u="none" dirty="0">
+              <a:solidFill>
+                <a:schemeClr val="tx1"/>
+              </a:solidFill>
+              <a:latin typeface="Arial"/>
+              <a:ea typeface="Arial"/>
+              <a:cs typeface="Arial"/>
+            </a:endParaRPr>
+          </a:p>
+          <a:p>
+            <a:pPr>
+              <a:lnSpc>
+                <a:spcPct val="114999"/>
+              </a:lnSpc>
+              <a:defRPr/>
+            </a:pPr>
+            <a:r>
+              <a:rPr lang="de-DE" sz="2800" dirty="0">
+                <a:solidFill>
+                  <a:schemeClr val="bg1">
+                    <a:lumMod val="65000"/>
+                  </a:schemeClr>
+                </a:solidFill>
+                <a:latin typeface="Arial"/>
+                <a:ea typeface="Arial"/>
+                <a:cs typeface="Arial"/>
+              </a:rPr>
+              <a:t>User </a:t>
+            </a:r>
+            <a:r>
+              <a:rPr lang="de-DE" sz="2800" dirty="0" err="1">
+                <a:solidFill>
+                  <a:schemeClr val="bg1">
+                    <a:lumMod val="65000"/>
+                  </a:schemeClr>
+                </a:solidFill>
+                <a:latin typeface="Arial"/>
+                <a:ea typeface="Arial"/>
+                <a:cs typeface="Arial"/>
+              </a:rPr>
+              <a:t>namespace</a:t>
+            </a:r>
+            <a:r>
+              <a:rPr lang="de-DE" sz="2800" dirty="0">
+                <a:solidFill>
+                  <a:schemeClr val="bg1">
+                    <a:lumMod val="65000"/>
+                  </a:schemeClr>
+                </a:solidFill>
+                <a:latin typeface="Arial"/>
+                <a:ea typeface="Arial"/>
+                <a:cs typeface="Arial"/>
+              </a:rPr>
+              <a:t>:</a:t>
+            </a:r>
+          </a:p>
+          <a:p>
+            <a:pPr lvl="1">
+              <a:lnSpc>
+                <a:spcPct val="114999"/>
+              </a:lnSpc>
+              <a:defRPr/>
+            </a:pPr>
+            <a:r>
+              <a:rPr lang="de-DE" sz="2400" b="0" i="0" u="none" dirty="0">
+                <a:solidFill>
+                  <a:schemeClr val="bg1">
+                    <a:lumMod val="65000"/>
+                  </a:schemeClr>
+                </a:solidFill>
+                <a:latin typeface="Arial"/>
+                <a:ea typeface="Arial"/>
+                <a:cs typeface="Arial"/>
+              </a:rPr>
+              <a:t>Isolates </a:t>
+            </a:r>
+            <a:r>
+              <a:rPr lang="de-DE" sz="2400" b="0" i="0" u="none" dirty="0" err="1">
+                <a:solidFill>
+                  <a:schemeClr val="bg1">
+                    <a:lumMod val="65000"/>
+                  </a:schemeClr>
+                </a:solidFill>
+                <a:latin typeface="Arial"/>
+                <a:ea typeface="Arial"/>
+                <a:cs typeface="Arial"/>
+              </a:rPr>
+              <a:t>the</a:t>
+            </a:r>
+            <a:r>
+              <a:rPr lang="de-DE" sz="2400" b="0" i="0" u="none" dirty="0">
+                <a:solidFill>
+                  <a:schemeClr val="bg1">
+                    <a:lumMod val="65000"/>
+                  </a:schemeClr>
+                </a:solidFill>
+                <a:latin typeface="Arial"/>
+                <a:ea typeface="Arial"/>
+                <a:cs typeface="Arial"/>
+              </a:rPr>
+              <a:t> </a:t>
+            </a:r>
+            <a:r>
+              <a:rPr lang="de-DE" sz="2400" b="0" i="0" u="none" dirty="0" err="1">
+                <a:solidFill>
+                  <a:schemeClr val="bg1">
+                    <a:lumMod val="65000"/>
+                  </a:schemeClr>
+                </a:solidFill>
+                <a:latin typeface="Arial"/>
+                <a:ea typeface="Arial"/>
+                <a:cs typeface="Arial"/>
+              </a:rPr>
+              <a:t>user</a:t>
+            </a:r>
+            <a:r>
+              <a:rPr lang="de-DE" sz="2400" dirty="0">
+                <a:solidFill>
+                  <a:schemeClr val="bg1">
+                    <a:lumMod val="65000"/>
+                  </a:schemeClr>
+                </a:solidFill>
+                <a:latin typeface="Arial"/>
+                <a:ea typeface="Arial"/>
+                <a:cs typeface="Arial"/>
+              </a:rPr>
+              <a:t> IDs</a:t>
+            </a:r>
+            <a:endParaRPr lang="de-DE" sz="2400" b="0" i="0" u="none" dirty="0">
+              <a:solidFill>
+                <a:schemeClr val="bg1">
+                  <a:lumMod val="65000"/>
+                </a:schemeClr>
+              </a:solidFill>
+              <a:latin typeface="Arial"/>
+              <a:ea typeface="Arial"/>
+              <a:cs typeface="Arial"/>
+            </a:endParaRPr>
+          </a:p>
+        </p:txBody>
+      </p:sp>
+      <p:sp>
+        <p:nvSpPr>
+          <p:cNvPr id="281538676" name="Textfeld 281538675"/>
+          <p:cNvSpPr txBox="1"/>
+          <p:nvPr/>
+        </p:nvSpPr>
+        <p:spPr bwMode="auto">
+          <a:xfrm>
+            <a:off x="6384324" y="5302249"/>
+            <a:ext cx="5552037" cy="1082399"/>
+          </a:xfrm>
+          <a:prstGeom prst="rect">
+            <a:avLst/>
+          </a:prstGeom>
+          <a:solidFill>
+            <a:schemeClr val="bg1"/>
+          </a:solidFill>
+        </p:spPr>
+        <p:txBody>
+          <a:bodyPr vertOverflow="overflow" horzOverflow="overflow" vert="horz" wrap="square" lIns="91440" tIns="45720" rIns="91440" bIns="45720" numCol="1" spcCol="0" rtlCol="0" fromWordArt="0" anchor="t" anchorCtr="0" forceAA="0" compatLnSpc="0">
+            <a:spAutoFit/>
+          </a:bodyPr>
+          <a:lstStyle/>
+          <a:p>
+            <a:pPr algn="ctr">
+              <a:defRPr/>
+            </a:pPr>
+            <a:br>
+              <a:rPr dirty="0">
+                <a:latin typeface="Arial"/>
+                <a:ea typeface="Arial"/>
+                <a:cs typeface="Arial"/>
+              </a:rPr>
+            </a:br>
+            <a:r>
+              <a:rPr lang="en-US" sz="1800" b="0" i="0" u="none" strike="noStrike" cap="none" spc="0" dirty="0">
+                <a:solidFill>
+                  <a:schemeClr val="tx1"/>
+                </a:solidFill>
+                <a:latin typeface="Arial"/>
+                <a:ea typeface="Arial"/>
+                <a:cs typeface="Arial"/>
+              </a:rPr>
+              <a:t>Network namespace</a:t>
+            </a:r>
+            <a:r>
+              <a:rPr dirty="0">
+                <a:latin typeface="Arial"/>
+                <a:ea typeface="Arial"/>
+                <a:cs typeface="Arial"/>
+              </a:rPr>
+              <a:t>.</a:t>
+            </a:r>
+            <a:br>
+              <a:rPr dirty="0">
+                <a:latin typeface="Arial"/>
+                <a:ea typeface="Arial"/>
+                <a:cs typeface="Arial"/>
+              </a:rPr>
+            </a:br>
+            <a:r>
+              <a:rPr dirty="0">
+                <a:latin typeface="Arial"/>
+                <a:ea typeface="Arial"/>
+                <a:cs typeface="Arial"/>
+              </a:rPr>
+              <a:t> </a:t>
+            </a:r>
+          </a:p>
+          <a:p>
+            <a:pPr algn="ctr">
+              <a:defRPr/>
+            </a:pPr>
+            <a:r>
+              <a:rPr sz="1100" dirty="0">
+                <a:latin typeface="Arial"/>
+                <a:ea typeface="Arial"/>
+                <a:cs typeface="Arial"/>
+              </a:rPr>
+              <a:t>Image taken from </a:t>
+            </a:r>
+            <a:r>
+              <a:rPr lang="de-IT" sz="1100" dirty="0">
+                <a:latin typeface="Arial"/>
+                <a:ea typeface="Arial"/>
+                <a:cs typeface="Arial"/>
+              </a:rPr>
+              <a:t>[</a:t>
+            </a:r>
+            <a:r>
+              <a:rPr lang="de-DE" sz="1100" u="sng" dirty="0">
+                <a:solidFill>
+                  <a:schemeClr val="hlink"/>
+                </a:solidFill>
+                <a:latin typeface="Arial"/>
+                <a:ea typeface="Arial"/>
+                <a:cs typeface="Arial"/>
+              </a:rPr>
+              <a:t>www.infraspec.dev</a:t>
+            </a:r>
+            <a:r>
+              <a:rPr sz="1100" dirty="0">
+                <a:latin typeface="Arial"/>
+                <a:ea typeface="Arial"/>
+                <a:cs typeface="Arial"/>
+              </a:rPr>
+              <a:t>]</a:t>
+            </a:r>
+            <a:endParaRPr sz="1100" dirty="0"/>
+          </a:p>
+        </p:txBody>
+      </p:sp>
+      <p:pic>
+        <p:nvPicPr>
+          <p:cNvPr id="2050" name="Picture 2" descr="Container Networking Deep Dive - Part 1 - Infraspec">
+            <a:extLst>
+              <a:ext uri="{FF2B5EF4-FFF2-40B4-BE49-F238E27FC236}">
+                <a16:creationId xmlns:a16="http://schemas.microsoft.com/office/drawing/2014/main" id="{AF2DEB2B-CC46-768B-74A7-9F6B91C4A256}"/>
+              </a:ext>
+            </a:extLst>
+          </p:cNvPr>
+          <p:cNvPicPr>
+            <a:picLocks noChangeAspect="1" noChangeArrowheads="1"/>
+          </p:cNvPicPr>
+          <p:nvPr/>
+        </p:nvPicPr>
+        <p:blipFill>
+          <a:blip r:embed="rId3">
+            <a:extLst>
+              <a:ext uri="{28A0092B-C50C-407E-A947-70E740481C1C}">
+                <a14:useLocalDpi xmlns:a14="http://schemas.microsoft.com/office/drawing/2010/main" val="0"/>
+              </a:ext>
+            </a:extLst>
+          </a:blip>
+          <a:srcRect/>
+          <a:stretch>
+            <a:fillRect/>
+          </a:stretch>
+        </p:blipFill>
+        <p:spPr bwMode="auto">
+          <a:xfrm>
+            <a:off x="6384324" y="1903689"/>
+            <a:ext cx="5552037" cy="3266560"/>
+          </a:xfrm>
+          <a:prstGeom prst="rect">
+            <a:avLst/>
+          </a:prstGeom>
+          <a:noFill/>
+          <a:extLst>
+            <a:ext uri="{909E8E84-426E-40DD-AFC4-6F175D3DCCD1}">
+              <a14:hiddenFill xmlns:a14="http://schemas.microsoft.com/office/drawing/2010/main">
+                <a:solidFill>
+                  <a:srgbClr val="FFFFFF"/>
+                </a:solidFill>
+              </a14:hiddenFill>
+            </a:ext>
+          </a:extLst>
+        </p:spPr>
+      </p:pic>
+    </p:spTree>
+    <p:extLst>
+      <p:ext uri="{BB962C8B-B14F-4D97-AF65-F5344CB8AC3E}">
+        <p14:creationId xmlns:p14="http://schemas.microsoft.com/office/powerpoint/2010/main" val="1935029439"/>
+      </p:ext>
+    </p:extLst>
+  </p:cSld>
+  <p:clrMapOvr>
+    <a:masterClrMapping/>
+  </p:clrMapOvr>
+</p:sld>
+</file>
+
+<file path=ppt/slides/slide12.xml><?xml version="1.0" encoding="utf-8"?>
+<p:sld xmlns:a="http://schemas.openxmlformats.org/drawingml/2006/main" xmlns:r="http://schemas.openxmlformats.org/officeDocument/2006/relationships" xmlns:p="http://schemas.openxmlformats.org/presentationml/2006/main" showMasterPhAnim="0">
+  <p:cSld>
+    <p:spTree>
+      <p:nvGrpSpPr>
+        <p:cNvPr id="1" name=""/>
+        <p:cNvGrpSpPr/>
+        <p:nvPr/>
+      </p:nvGrpSpPr>
+      <p:grpSpPr bwMode="auto">
+        <a:xfrm>
+          <a:off x="0" y="0"/>
+          <a:ext cx="0" cy="0"/>
+          <a:chOff x="0" y="0"/>
+          <a:chExt cx="0" cy="0"/>
+        </a:xfrm>
+      </p:grpSpPr>
+      <p:sp>
+        <p:nvSpPr>
+          <p:cNvPr id="696532452" name="Заголовок 1"/>
+          <p:cNvSpPr>
+            <a:spLocks noGrp="1"/>
+          </p:cNvSpPr>
+          <p:nvPr>
+            <p:ph type="title"/>
+          </p:nvPr>
+        </p:nvSpPr>
+        <p:spPr bwMode="auto"/>
+        <p:txBody>
+          <a:bodyPr vertOverflow="overflow" horzOverflow="overflow" vert="horz" wrap="square" lIns="91440" tIns="45720" rIns="91440" bIns="45720" numCol="1" spcCol="0" rtlCol="0" fromWordArt="0" anchor="ctr" anchorCtr="0" forceAA="0" compatLnSpc="0">
+            <a:normAutofit/>
+          </a:bodyPr>
+          <a:lstStyle/>
+          <a:p>
+            <a:pPr>
+              <a:defRPr/>
+            </a:pPr>
+            <a:r>
+              <a:rPr lang="de-DE" dirty="0" err="1"/>
+              <a:t>Important</a:t>
+            </a:r>
+            <a:r>
+              <a:rPr lang="de-DE" dirty="0"/>
+              <a:t> </a:t>
+            </a:r>
+            <a:r>
+              <a:rPr dirty="0"/>
+              <a:t>Namespaces</a:t>
+            </a:r>
+          </a:p>
+        </p:txBody>
+      </p:sp>
+      <p:sp>
+        <p:nvSpPr>
+          <p:cNvPr id="1162661495" name="Объект 2"/>
+          <p:cNvSpPr>
+            <a:spLocks noGrp="1"/>
+          </p:cNvSpPr>
+          <p:nvPr>
+            <p:ph idx="1"/>
+          </p:nvPr>
+        </p:nvSpPr>
+        <p:spPr bwMode="auto">
+          <a:xfrm>
+            <a:off x="609599" y="1340767"/>
+            <a:ext cx="5774725" cy="5043881"/>
+          </a:xfrm>
+        </p:spPr>
+        <p:txBody>
+          <a:bodyPr>
+            <a:normAutofit/>
+          </a:bodyPr>
+          <a:lstStyle/>
+          <a:p>
+            <a:pPr>
+              <a:lnSpc>
+                <a:spcPct val="114999"/>
+              </a:lnSpc>
+              <a:defRPr/>
+            </a:pPr>
+            <a:r>
+              <a:rPr lang="de-DE" sz="2800" b="0" i="0" u="none" dirty="0">
+                <a:solidFill>
+                  <a:schemeClr val="bg1">
+                    <a:lumMod val="65000"/>
+                  </a:schemeClr>
+                </a:solidFill>
+                <a:latin typeface="Arial"/>
+                <a:ea typeface="Arial"/>
+                <a:cs typeface="Arial"/>
+              </a:rPr>
+              <a:t>Mount </a:t>
+            </a:r>
+            <a:r>
+              <a:rPr lang="de-DE" sz="2800" b="0" i="0" u="none" dirty="0" err="1">
+                <a:solidFill>
+                  <a:schemeClr val="bg1">
+                    <a:lumMod val="65000"/>
+                  </a:schemeClr>
+                </a:solidFill>
+                <a:latin typeface="Arial"/>
+                <a:ea typeface="Arial"/>
+                <a:cs typeface="Arial"/>
+              </a:rPr>
+              <a:t>namespace</a:t>
+            </a:r>
+            <a:r>
+              <a:rPr lang="de-DE" sz="2800" b="0" i="0" u="none" dirty="0">
+                <a:solidFill>
+                  <a:schemeClr val="bg1">
+                    <a:lumMod val="65000"/>
+                  </a:schemeClr>
+                </a:solidFill>
+                <a:latin typeface="Arial"/>
+                <a:ea typeface="Arial"/>
+                <a:cs typeface="Arial"/>
+              </a:rPr>
+              <a:t>:</a:t>
+            </a:r>
+          </a:p>
+          <a:p>
+            <a:pPr lvl="1">
+              <a:lnSpc>
+                <a:spcPct val="114999"/>
+              </a:lnSpc>
+              <a:defRPr/>
+            </a:pPr>
+            <a:r>
+              <a:rPr lang="de-DE" sz="2400" dirty="0" err="1">
+                <a:solidFill>
+                  <a:schemeClr val="bg1">
+                    <a:lumMod val="65000"/>
+                  </a:schemeClr>
+                </a:solidFill>
+                <a:latin typeface="Arial"/>
+                <a:ea typeface="Arial"/>
+                <a:cs typeface="Arial"/>
+              </a:rPr>
+              <a:t>Provides</a:t>
+            </a:r>
+            <a:r>
+              <a:rPr lang="de-DE" sz="2400" dirty="0">
+                <a:solidFill>
+                  <a:schemeClr val="bg1">
+                    <a:lumMod val="65000"/>
+                  </a:schemeClr>
+                </a:solidFill>
+                <a:latin typeface="Arial"/>
+                <a:ea typeface="Arial"/>
+                <a:cs typeface="Arial"/>
+              </a:rPr>
+              <a:t> </a:t>
+            </a:r>
+            <a:r>
+              <a:rPr lang="de-DE" sz="2400" dirty="0" err="1">
+                <a:solidFill>
+                  <a:schemeClr val="bg1">
+                    <a:lumMod val="65000"/>
+                  </a:schemeClr>
+                </a:solidFill>
+                <a:latin typeface="Arial"/>
+                <a:ea typeface="Arial"/>
+                <a:cs typeface="Arial"/>
+              </a:rPr>
+              <a:t>isolated</a:t>
+            </a:r>
+            <a:r>
+              <a:rPr lang="de-DE" sz="2400" dirty="0">
+                <a:solidFill>
+                  <a:schemeClr val="bg1">
+                    <a:lumMod val="65000"/>
+                  </a:schemeClr>
+                </a:solidFill>
+                <a:latin typeface="Arial"/>
+                <a:ea typeface="Arial"/>
+                <a:cs typeface="Arial"/>
+              </a:rPr>
+              <a:t> </a:t>
+            </a:r>
+            <a:r>
+              <a:rPr lang="de-DE" sz="2400" dirty="0" err="1">
+                <a:solidFill>
+                  <a:schemeClr val="bg1">
+                    <a:lumMod val="65000"/>
+                  </a:schemeClr>
+                </a:solidFill>
+                <a:latin typeface="Arial"/>
+                <a:ea typeface="Arial"/>
+                <a:cs typeface="Arial"/>
+              </a:rPr>
+              <a:t>view</a:t>
+            </a:r>
+            <a:r>
+              <a:rPr lang="de-DE" sz="2400" dirty="0">
+                <a:solidFill>
+                  <a:schemeClr val="bg1">
+                    <a:lumMod val="65000"/>
+                  </a:schemeClr>
+                </a:solidFill>
+                <a:latin typeface="Arial"/>
+                <a:ea typeface="Arial"/>
+                <a:cs typeface="Arial"/>
+              </a:rPr>
+              <a:t> </a:t>
+            </a:r>
+            <a:r>
+              <a:rPr lang="de-DE" sz="2400" dirty="0" err="1">
+                <a:solidFill>
+                  <a:schemeClr val="bg1">
+                    <a:lumMod val="65000"/>
+                  </a:schemeClr>
+                </a:solidFill>
+                <a:latin typeface="Arial"/>
+                <a:ea typeface="Arial"/>
+                <a:cs typeface="Arial"/>
+              </a:rPr>
+              <a:t>of</a:t>
+            </a:r>
+            <a:r>
+              <a:rPr lang="de-DE" sz="2400" dirty="0">
+                <a:solidFill>
+                  <a:schemeClr val="bg1">
+                    <a:lumMod val="65000"/>
+                  </a:schemeClr>
+                </a:solidFill>
+                <a:latin typeface="Arial"/>
+                <a:ea typeface="Arial"/>
+                <a:cs typeface="Arial"/>
+              </a:rPr>
+              <a:t> </a:t>
+            </a:r>
+            <a:r>
+              <a:rPr lang="de-DE" sz="2400" dirty="0" err="1">
+                <a:solidFill>
+                  <a:schemeClr val="bg1">
+                    <a:lumMod val="65000"/>
+                  </a:schemeClr>
+                </a:solidFill>
+                <a:latin typeface="Arial"/>
+                <a:ea typeface="Arial"/>
+                <a:cs typeface="Arial"/>
+              </a:rPr>
+              <a:t>filesystem</a:t>
+            </a:r>
+            <a:r>
+              <a:rPr lang="de-DE" sz="2400" dirty="0">
+                <a:solidFill>
+                  <a:schemeClr val="bg1">
+                    <a:lumMod val="65000"/>
+                  </a:schemeClr>
+                </a:solidFill>
+                <a:latin typeface="Arial"/>
+                <a:ea typeface="Arial"/>
+                <a:cs typeface="Arial"/>
+              </a:rPr>
+              <a:t> </a:t>
+            </a:r>
+            <a:r>
+              <a:rPr lang="de-DE" sz="2400" dirty="0" err="1">
+                <a:solidFill>
+                  <a:schemeClr val="bg1">
+                    <a:lumMod val="65000"/>
+                  </a:schemeClr>
+                </a:solidFill>
+                <a:latin typeface="Arial"/>
+                <a:ea typeface="Arial"/>
+                <a:cs typeface="Arial"/>
+              </a:rPr>
+              <a:t>hierarchy</a:t>
+            </a:r>
+            <a:endParaRPr lang="de-DE" sz="2400" dirty="0">
+              <a:solidFill>
+                <a:schemeClr val="bg1">
+                  <a:lumMod val="65000"/>
+                </a:schemeClr>
+              </a:solidFill>
+              <a:latin typeface="Arial"/>
+              <a:ea typeface="Arial"/>
+              <a:cs typeface="Arial"/>
+            </a:endParaRPr>
+          </a:p>
+          <a:p>
+            <a:pPr>
+              <a:lnSpc>
+                <a:spcPct val="114999"/>
+              </a:lnSpc>
+              <a:defRPr/>
+            </a:pPr>
+            <a:r>
+              <a:rPr lang="de-DE" sz="2800" b="0" i="0" u="none" dirty="0">
+                <a:solidFill>
+                  <a:schemeClr val="bg1">
+                    <a:lumMod val="65000"/>
+                  </a:schemeClr>
+                </a:solidFill>
+                <a:latin typeface="Arial"/>
+                <a:ea typeface="Arial"/>
+                <a:cs typeface="Arial"/>
+              </a:rPr>
+              <a:t>PID </a:t>
+            </a:r>
+            <a:r>
+              <a:rPr lang="de-DE" sz="2800" b="0" i="0" u="none" dirty="0" err="1">
+                <a:solidFill>
+                  <a:schemeClr val="bg1">
+                    <a:lumMod val="65000"/>
+                  </a:schemeClr>
+                </a:solidFill>
+                <a:latin typeface="Arial"/>
+                <a:ea typeface="Arial"/>
+                <a:cs typeface="Arial"/>
+              </a:rPr>
+              <a:t>namespace</a:t>
+            </a:r>
+            <a:r>
+              <a:rPr lang="de-DE" sz="2800" b="0" i="0" u="none" dirty="0">
+                <a:solidFill>
+                  <a:schemeClr val="bg1">
+                    <a:lumMod val="65000"/>
+                  </a:schemeClr>
+                </a:solidFill>
+                <a:latin typeface="Arial"/>
+                <a:ea typeface="Arial"/>
+                <a:cs typeface="Arial"/>
+              </a:rPr>
+              <a:t>:</a:t>
+            </a:r>
+          </a:p>
+          <a:p>
+            <a:pPr lvl="1">
+              <a:lnSpc>
+                <a:spcPct val="114999"/>
+              </a:lnSpc>
+              <a:defRPr/>
+            </a:pPr>
+            <a:r>
+              <a:rPr lang="en-US" sz="2400" b="0" i="0" u="none" dirty="0">
+                <a:solidFill>
+                  <a:schemeClr val="bg1">
+                    <a:lumMod val="65000"/>
+                  </a:schemeClr>
+                </a:solidFill>
+                <a:latin typeface="Arial"/>
+                <a:ea typeface="Arial"/>
+                <a:cs typeface="Arial"/>
+              </a:rPr>
+              <a:t>Provides isolation within the set of process IDs</a:t>
+            </a:r>
+            <a:endParaRPr lang="de-DE" sz="2400" b="0" i="0" u="none" dirty="0">
+              <a:solidFill>
+                <a:schemeClr val="bg1">
+                  <a:lumMod val="65000"/>
+                </a:schemeClr>
+              </a:solidFill>
+              <a:latin typeface="Arial"/>
+              <a:ea typeface="Arial"/>
+              <a:cs typeface="Arial"/>
+            </a:endParaRPr>
+          </a:p>
+          <a:p>
+            <a:pPr>
+              <a:lnSpc>
+                <a:spcPct val="114999"/>
+              </a:lnSpc>
+              <a:defRPr/>
+            </a:pPr>
+            <a:r>
+              <a:rPr lang="de-DE" sz="2800" b="0" i="0" u="none" dirty="0">
+                <a:solidFill>
+                  <a:schemeClr val="bg1">
+                    <a:lumMod val="65000"/>
+                  </a:schemeClr>
+                </a:solidFill>
+                <a:latin typeface="Arial"/>
+                <a:ea typeface="Arial"/>
+                <a:cs typeface="Arial"/>
+              </a:rPr>
+              <a:t>Network </a:t>
+            </a:r>
+            <a:r>
+              <a:rPr lang="de-DE" sz="2800" b="0" i="0" u="none" dirty="0" err="1">
+                <a:solidFill>
+                  <a:schemeClr val="bg1">
+                    <a:lumMod val="65000"/>
+                  </a:schemeClr>
+                </a:solidFill>
+                <a:latin typeface="Arial"/>
+                <a:ea typeface="Arial"/>
+                <a:cs typeface="Arial"/>
+              </a:rPr>
+              <a:t>namespace</a:t>
+            </a:r>
+            <a:r>
+              <a:rPr lang="de-DE" sz="2800" b="0" i="0" u="none" dirty="0">
+                <a:solidFill>
+                  <a:schemeClr val="bg1">
+                    <a:lumMod val="65000"/>
+                  </a:schemeClr>
+                </a:solidFill>
+                <a:latin typeface="Arial"/>
+                <a:ea typeface="Arial"/>
+                <a:cs typeface="Arial"/>
+              </a:rPr>
+              <a:t>:</a:t>
+            </a:r>
+          </a:p>
+          <a:p>
+            <a:pPr lvl="1">
+              <a:lnSpc>
+                <a:spcPct val="114999"/>
+              </a:lnSpc>
+              <a:defRPr/>
+            </a:pPr>
+            <a:r>
+              <a:rPr lang="en-US" sz="2400" b="0" i="0" u="none" dirty="0">
+                <a:solidFill>
+                  <a:schemeClr val="bg1">
+                    <a:lumMod val="65000"/>
+                  </a:schemeClr>
+                </a:solidFill>
+                <a:latin typeface="Arial"/>
+                <a:ea typeface="Arial"/>
+                <a:cs typeface="Arial"/>
+              </a:rPr>
+              <a:t>Is responsible for the isolation of network-related resources</a:t>
+            </a:r>
+            <a:endParaRPr lang="de-DE" sz="2400" b="0" i="0" u="none" dirty="0">
+              <a:solidFill>
+                <a:schemeClr val="bg1">
+                  <a:lumMod val="65000"/>
+                </a:schemeClr>
+              </a:solidFill>
+              <a:latin typeface="Arial"/>
+              <a:ea typeface="Arial"/>
+              <a:cs typeface="Arial"/>
+            </a:endParaRPr>
+          </a:p>
+          <a:p>
+            <a:pPr>
+              <a:lnSpc>
+                <a:spcPct val="114999"/>
+              </a:lnSpc>
+              <a:defRPr/>
+            </a:pPr>
+            <a:r>
+              <a:rPr lang="de-DE" sz="2800" dirty="0">
+                <a:solidFill>
+                  <a:schemeClr val="tx1"/>
+                </a:solidFill>
+                <a:latin typeface="Arial"/>
+                <a:ea typeface="Arial"/>
+                <a:cs typeface="Arial"/>
+              </a:rPr>
+              <a:t>User </a:t>
+            </a:r>
+            <a:r>
+              <a:rPr lang="de-DE" sz="2800" dirty="0" err="1">
+                <a:solidFill>
+                  <a:schemeClr val="tx1"/>
+                </a:solidFill>
+                <a:latin typeface="Arial"/>
+                <a:ea typeface="Arial"/>
+                <a:cs typeface="Arial"/>
+              </a:rPr>
+              <a:t>namespace</a:t>
+            </a:r>
+            <a:r>
+              <a:rPr lang="de-DE" sz="2800" dirty="0">
+                <a:solidFill>
+                  <a:schemeClr val="tx1"/>
+                </a:solidFill>
+                <a:latin typeface="Arial"/>
+                <a:ea typeface="Arial"/>
+                <a:cs typeface="Arial"/>
+              </a:rPr>
+              <a:t>:</a:t>
+            </a:r>
+          </a:p>
+          <a:p>
+            <a:pPr lvl="1">
+              <a:lnSpc>
+                <a:spcPct val="114999"/>
+              </a:lnSpc>
+              <a:defRPr/>
+            </a:pPr>
+            <a:r>
+              <a:rPr lang="de-DE" sz="2400" b="0" i="0" u="none" dirty="0">
+                <a:solidFill>
+                  <a:schemeClr val="tx1"/>
+                </a:solidFill>
+                <a:latin typeface="Arial"/>
+                <a:ea typeface="Arial"/>
+                <a:cs typeface="Arial"/>
+              </a:rPr>
+              <a:t>Isolates </a:t>
+            </a:r>
+            <a:r>
+              <a:rPr lang="de-DE" sz="2400" b="0" i="0" u="none" dirty="0" err="1">
+                <a:solidFill>
+                  <a:schemeClr val="tx1"/>
+                </a:solidFill>
+                <a:latin typeface="Arial"/>
+                <a:ea typeface="Arial"/>
+                <a:cs typeface="Arial"/>
+              </a:rPr>
+              <a:t>the</a:t>
+            </a:r>
+            <a:r>
+              <a:rPr lang="de-DE" sz="2400" b="0" i="0" u="none" dirty="0">
+                <a:solidFill>
+                  <a:schemeClr val="tx1"/>
+                </a:solidFill>
+                <a:latin typeface="Arial"/>
+                <a:ea typeface="Arial"/>
+                <a:cs typeface="Arial"/>
+              </a:rPr>
+              <a:t> </a:t>
+            </a:r>
+            <a:r>
+              <a:rPr lang="de-DE" sz="2400" b="0" i="0" u="none" dirty="0" err="1">
+                <a:solidFill>
+                  <a:schemeClr val="tx1"/>
+                </a:solidFill>
+                <a:latin typeface="Arial"/>
+                <a:ea typeface="Arial"/>
+                <a:cs typeface="Arial"/>
+              </a:rPr>
+              <a:t>user</a:t>
+            </a:r>
+            <a:r>
+              <a:rPr lang="de-DE" sz="2400" dirty="0">
+                <a:solidFill>
+                  <a:schemeClr val="tx1"/>
+                </a:solidFill>
+                <a:latin typeface="Arial"/>
+                <a:ea typeface="Arial"/>
+                <a:cs typeface="Arial"/>
+              </a:rPr>
+              <a:t> IDs</a:t>
+            </a:r>
+            <a:endParaRPr lang="de-DE" sz="2400" b="0" i="0" u="none" dirty="0">
+              <a:solidFill>
+                <a:schemeClr val="tx1"/>
+              </a:solidFill>
+              <a:latin typeface="Arial"/>
+              <a:ea typeface="Arial"/>
+              <a:cs typeface="Arial"/>
+            </a:endParaRPr>
+          </a:p>
+        </p:txBody>
+      </p:sp>
+      <p:sp>
+        <p:nvSpPr>
+          <p:cNvPr id="281538676" name="Textfeld 281538675"/>
+          <p:cNvSpPr txBox="1"/>
+          <p:nvPr/>
+        </p:nvSpPr>
+        <p:spPr bwMode="auto">
+          <a:xfrm>
+            <a:off x="7035113" y="5366951"/>
+            <a:ext cx="4693698" cy="667490"/>
+          </a:xfrm>
+          <a:prstGeom prst="rect">
+            <a:avLst/>
+          </a:prstGeom>
+          <a:solidFill>
+            <a:schemeClr val="bg1"/>
+          </a:solidFill>
+        </p:spPr>
+        <p:txBody>
+          <a:bodyPr vertOverflow="overflow" horzOverflow="overflow" vert="horz" wrap="square" lIns="91440" tIns="45720" rIns="91440" bIns="45720" numCol="1" spcCol="0" rtlCol="0" fromWordArt="0" anchor="t" anchorCtr="0" forceAA="0" compatLnSpc="0">
+            <a:spAutoFit/>
+          </a:bodyPr>
+          <a:lstStyle/>
+          <a:p>
+            <a:pPr algn="ctr">
+              <a:defRPr/>
+            </a:pPr>
+            <a:endParaRPr lang="de-DE" dirty="0">
+              <a:latin typeface="Arial"/>
+              <a:ea typeface="Arial"/>
+              <a:cs typeface="Arial"/>
+            </a:endParaRPr>
+          </a:p>
+          <a:p>
+            <a:pPr algn="ctr">
+              <a:defRPr/>
+            </a:pPr>
+            <a:r>
+              <a:rPr dirty="0">
+                <a:latin typeface="Arial"/>
+                <a:ea typeface="Arial"/>
+                <a:cs typeface="Arial"/>
+              </a:rPr>
+              <a:t> </a:t>
+            </a:r>
+          </a:p>
+          <a:p>
+            <a:pPr algn="ctr">
+              <a:defRPr/>
+            </a:pPr>
+            <a:r>
+              <a:rPr sz="1100" dirty="0">
+                <a:latin typeface="Arial"/>
+                <a:ea typeface="Arial"/>
+                <a:cs typeface="Arial"/>
+              </a:rPr>
+              <a:t>Image taken from [</a:t>
+            </a:r>
+            <a:r>
+              <a:rPr sz="1100" u="sng" dirty="0">
+                <a:solidFill>
+                  <a:schemeClr val="hlink"/>
+                </a:solidFill>
+                <a:latin typeface="Arial"/>
+                <a:ea typeface="Arial"/>
+                <a:cs typeface="Arial"/>
+              </a:rPr>
+              <a:t>www.</a:t>
+            </a:r>
+            <a:r>
+              <a:rPr lang="de-DE" sz="1100" u="sng" dirty="0">
+                <a:solidFill>
+                  <a:schemeClr val="hlink"/>
+                </a:solidFill>
+                <a:latin typeface="Arial"/>
+                <a:ea typeface="Arial"/>
+                <a:cs typeface="Arial"/>
+              </a:rPr>
+              <a:t>cloudflare.com</a:t>
+            </a:r>
+            <a:r>
+              <a:rPr sz="1100" dirty="0">
+                <a:latin typeface="Arial"/>
+                <a:ea typeface="Arial"/>
+                <a:cs typeface="Arial"/>
+              </a:rPr>
+              <a:t>]</a:t>
+            </a:r>
+            <a:endParaRPr sz="1100" dirty="0"/>
+          </a:p>
+        </p:txBody>
+      </p:sp>
+      <p:pic>
+        <p:nvPicPr>
+          <p:cNvPr id="3074" name="Picture 2" descr="The Linux Crypto API for user applications">
+            <a:extLst>
+              <a:ext uri="{FF2B5EF4-FFF2-40B4-BE49-F238E27FC236}">
+                <a16:creationId xmlns:a16="http://schemas.microsoft.com/office/drawing/2014/main" id="{5BA49EBC-E9FD-380A-E19B-6A03913EC2A1}"/>
+              </a:ext>
+            </a:extLst>
+          </p:cNvPr>
+          <p:cNvPicPr>
+            <a:picLocks noChangeAspect="1" noChangeArrowheads="1"/>
+          </p:cNvPicPr>
+          <p:nvPr/>
+        </p:nvPicPr>
+        <p:blipFill rotWithShape="1">
+          <a:blip r:embed="rId3">
+            <a:extLst>
+              <a:ext uri="{28A0092B-C50C-407E-A947-70E740481C1C}">
+                <a14:useLocalDpi xmlns:a14="http://schemas.microsoft.com/office/drawing/2010/main" val="0"/>
+              </a:ext>
+            </a:extLst>
+          </a:blip>
+          <a:srcRect l="39189"/>
+          <a:stretch/>
+        </p:blipFill>
+        <p:spPr bwMode="auto">
+          <a:xfrm>
+            <a:off x="7035113" y="1491049"/>
+            <a:ext cx="4693699" cy="4039362"/>
+          </a:xfrm>
+          <a:prstGeom prst="rect">
+            <a:avLst/>
+          </a:prstGeom>
+          <a:noFill/>
+          <a:extLst>
+            <a:ext uri="{909E8E84-426E-40DD-AFC4-6F175D3DCCD1}">
+              <a14:hiddenFill xmlns:a14="http://schemas.microsoft.com/office/drawing/2010/main">
+                <a:solidFill>
+                  <a:srgbClr val="FFFFFF"/>
+                </a:solidFill>
+              </a14:hiddenFill>
+            </a:ext>
+          </a:extLst>
+        </p:spPr>
+      </p:pic>
+    </p:spTree>
+    <p:extLst>
+      <p:ext uri="{BB962C8B-B14F-4D97-AF65-F5344CB8AC3E}">
+        <p14:creationId xmlns:p14="http://schemas.microsoft.com/office/powerpoint/2010/main" val="3866543246"/>
+      </p:ext>
+    </p:extLst>
+  </p:cSld>
+  <p:clrMapOvr>
+    <a:masterClrMapping/>
+  </p:clrMapOvr>
+</p:sld>
+</file>
+
+<file path=ppt/slides/slide13.xml><?xml version="1.0" encoding="utf-8"?>
+<p:sld xmlns:a="http://schemas.openxmlformats.org/drawingml/2006/main" xmlns:r="http://schemas.openxmlformats.org/officeDocument/2006/relationships" xmlns:p="http://schemas.openxmlformats.org/presentationml/2006/main" showMasterPhAnim="0">
+  <p:cSld>
+    <p:spTree>
+      <p:nvGrpSpPr>
+        <p:cNvPr id="1" name=""/>
+        <p:cNvGrpSpPr/>
+        <p:nvPr/>
+      </p:nvGrpSpPr>
+      <p:grpSpPr bwMode="auto">
+        <a:xfrm>
+          <a:off x="0" y="0"/>
+          <a:ext cx="0" cy="0"/>
+          <a:chOff x="0" y="0"/>
+          <a:chExt cx="0" cy="0"/>
+        </a:xfrm>
+      </p:grpSpPr>
+      <p:sp>
+        <p:nvSpPr>
+          <p:cNvPr id="409" name="Google Shape;409;p21"/>
+          <p:cNvSpPr txBox="1">
+            <a:spLocks noGrp="1"/>
+          </p:cNvSpPr>
           <p:nvPr>
             <p:ph type="title"/>
           </p:nvPr>
@@ -20351,7 +23467,7 @@
             </a:pPr>
             <a:r>
               <a:rPr lang="en-US"/>
-              <a:t>cgroups</a:t>
+              <a:t>Capabilities</a:t>
             </a:r>
             <a:endParaRPr/>
           </a:p>
@@ -20359,8 +23475,10 @@
       </p:sp>
       <p:sp>
         <p:nvSpPr>
-          <p:cNvPr id="420" name="Google Shape;420;p22"/>
-          <p:cNvSpPr txBox="1"/>
+          <p:cNvPr id="410" name="Google Shape;410;p21"/>
+          <p:cNvSpPr txBox="1">
+            <a:spLocks noGrp="1"/>
+          </p:cNvSpPr>
           <p:nvPr>
             <p:ph type="body" idx="1"/>
           </p:nvPr>
@@ -20407,6 +23525,504 @@
                 <a:ea typeface="Arial"/>
                 <a:cs typeface="Arial"/>
               </a:rPr>
+              <a:t>Divide root privileges</a:t>
+            </a:r>
+            <a:endParaRPr>
+              <a:latin typeface="Arial"/>
+              <a:ea typeface="Arial"/>
+              <a:cs typeface="Arial"/>
+            </a:endParaRPr>
+          </a:p>
+          <a:p>
+            <a:pPr marL="1143000" lvl="2" indent="-228600" algn="l">
+              <a:lnSpc>
+                <a:spcPct val="114999"/>
+              </a:lnSpc>
+              <a:spcBef>
+                <a:spcPts val="0"/>
+              </a:spcBef>
+              <a:spcAft>
+                <a:spcPts val="0"/>
+              </a:spcAft>
+              <a:buClr>
+                <a:srgbClr val="0F243E"/>
+              </a:buClr>
+              <a:buSzPts val="2400"/>
+              <a:buChar char="•"/>
+              <a:defRPr/>
+            </a:pPr>
+            <a:r>
+              <a:rPr lang="en-US">
+                <a:latin typeface="Arial"/>
+                <a:ea typeface="Arial"/>
+                <a:cs typeface="Arial"/>
+              </a:rPr>
+              <a:t>Over 40 privileges</a:t>
+            </a:r>
+            <a:endParaRPr>
+              <a:latin typeface="Arial"/>
+              <a:ea typeface="Arial"/>
+              <a:cs typeface="Arial"/>
+            </a:endParaRPr>
+          </a:p>
+          <a:p>
+            <a:pPr marL="342900" lvl="0" indent="-342900" algn="l">
+              <a:lnSpc>
+                <a:spcPct val="114999"/>
+              </a:lnSpc>
+              <a:spcBef>
+                <a:spcPts val="0"/>
+              </a:spcBef>
+              <a:spcAft>
+                <a:spcPts val="0"/>
+              </a:spcAft>
+              <a:buClr>
+                <a:srgbClr val="0F243E"/>
+              </a:buClr>
+              <a:buSzPts val="3200"/>
+              <a:buChar char="•"/>
+              <a:defRPr/>
+            </a:pPr>
+            <a:r>
+              <a:rPr lang="en-US">
+                <a:latin typeface="Arial"/>
+                <a:ea typeface="Arial"/>
+                <a:cs typeface="Arial"/>
+              </a:rPr>
+              <a:t>Granular control</a:t>
+            </a:r>
+            <a:endParaRPr>
+              <a:latin typeface="Arial"/>
+              <a:ea typeface="Arial"/>
+              <a:cs typeface="Arial"/>
+            </a:endParaRPr>
+          </a:p>
+          <a:p>
+            <a:pPr marL="1143000" lvl="2" indent="-228600" algn="l">
+              <a:lnSpc>
+                <a:spcPct val="114999"/>
+              </a:lnSpc>
+              <a:spcBef>
+                <a:spcPts val="0"/>
+              </a:spcBef>
+              <a:spcAft>
+                <a:spcPts val="0"/>
+              </a:spcAft>
+              <a:buClr>
+                <a:srgbClr val="0F243E"/>
+              </a:buClr>
+              <a:buSzPts val="2400"/>
+              <a:buChar char="•"/>
+              <a:defRPr/>
+            </a:pPr>
+            <a:r>
+              <a:rPr lang="en-US">
+                <a:latin typeface="Arial"/>
+                <a:ea typeface="Arial"/>
+                <a:cs typeface="Arial"/>
+              </a:rPr>
+              <a:t>Only required priviledges</a:t>
+            </a:r>
+            <a:endParaRPr>
+              <a:latin typeface="Arial"/>
+              <a:ea typeface="Arial"/>
+              <a:cs typeface="Arial"/>
+            </a:endParaRPr>
+          </a:p>
+          <a:p>
+            <a:pPr marL="0" lvl="0" indent="0" algn="l">
+              <a:spcBef>
+                <a:spcPts val="0"/>
+              </a:spcBef>
+              <a:spcAft>
+                <a:spcPts val="0"/>
+              </a:spcAft>
+              <a:buClr>
+                <a:srgbClr val="0F243E"/>
+              </a:buClr>
+              <a:buSzPts val="3200"/>
+              <a:buFont typeface="Arial"/>
+              <a:buNone/>
+              <a:defRPr/>
+            </a:pPr>
+            <a:endParaRPr>
+              <a:latin typeface="Arial"/>
+              <a:ea typeface="Arial"/>
+              <a:cs typeface="Arial"/>
+            </a:endParaRPr>
+          </a:p>
+        </p:txBody>
+      </p:sp>
+      <p:sp>
+        <p:nvSpPr>
+          <p:cNvPr id="411" name="Google Shape;411;p21"/>
+          <p:cNvSpPr txBox="1"/>
+          <p:nvPr/>
+        </p:nvSpPr>
+        <p:spPr bwMode="auto">
+          <a:xfrm>
+            <a:off x="6052247" y="5563509"/>
+            <a:ext cx="5135677" cy="366119"/>
+          </a:xfrm>
+          <a:prstGeom prst="rect">
+            <a:avLst/>
+          </a:prstGeom>
+          <a:noFill/>
+          <a:ln>
+            <a:noFill/>
+          </a:ln>
+        </p:spPr>
+        <p:txBody>
+          <a:bodyPr spcFirstLastPara="1" wrap="square" lIns="91425" tIns="45700" rIns="91425" bIns="45700" anchor="t" anchorCtr="0">
+            <a:spAutoFit/>
+          </a:bodyPr>
+          <a:lstStyle/>
+          <a:p>
+            <a:pPr marL="0" marR="0" lvl="0" indent="0" algn="l">
+              <a:spcBef>
+                <a:spcPts val="0"/>
+              </a:spcBef>
+              <a:spcAft>
+                <a:spcPts val="0"/>
+              </a:spcAft>
+              <a:buNone/>
+              <a:defRPr/>
+            </a:pPr>
+            <a:endParaRPr sz="1800" b="0" i="0" u="none" strike="noStrike" cap="none">
+              <a:solidFill>
+                <a:schemeClr val="dk1"/>
+              </a:solidFill>
+              <a:latin typeface="Times New Roman"/>
+              <a:ea typeface="Times New Roman"/>
+              <a:cs typeface="Times New Roman"/>
+            </a:endParaRPr>
+          </a:p>
+        </p:txBody>
+      </p:sp>
+      <p:pic>
+        <p:nvPicPr>
+          <p:cNvPr id="412" name="Google Shape;412;p21"/>
+          <p:cNvPicPr/>
+          <p:nvPr/>
+        </p:nvPicPr>
+        <p:blipFill>
+          <a:blip r:embed="rId2">
+            <a:alphaModFix/>
+          </a:blip>
+          <a:srcRect/>
+          <a:stretch/>
+        </p:blipFill>
+        <p:spPr bwMode="auto">
+          <a:xfrm>
+            <a:off x="6052247" y="1394698"/>
+            <a:ext cx="5134597" cy="2637551"/>
+          </a:xfrm>
+          <a:prstGeom prst="rect">
+            <a:avLst/>
+          </a:prstGeom>
+          <a:noFill/>
+          <a:ln>
+            <a:noFill/>
+          </a:ln>
+        </p:spPr>
+      </p:pic>
+      <p:sp>
+        <p:nvSpPr>
+          <p:cNvPr id="413" name="Google Shape;413;p21"/>
+          <p:cNvSpPr txBox="1"/>
+          <p:nvPr/>
+        </p:nvSpPr>
+        <p:spPr bwMode="auto">
+          <a:xfrm>
+            <a:off x="6051527" y="4083049"/>
+            <a:ext cx="5151157" cy="1250039"/>
+          </a:xfrm>
+          <a:prstGeom prst="rect">
+            <a:avLst/>
+          </a:prstGeom>
+          <a:solidFill>
+            <a:schemeClr val="lt1"/>
+          </a:solidFill>
+          <a:ln>
+            <a:noFill/>
+          </a:ln>
+        </p:spPr>
+        <p:txBody>
+          <a:bodyPr spcFirstLastPara="1" wrap="square" lIns="91425" tIns="45700" rIns="91425" bIns="45700" anchor="t" anchorCtr="0">
+            <a:spAutoFit/>
+          </a:bodyPr>
+          <a:lstStyle/>
+          <a:p>
+            <a:pPr marL="0" marR="0" lvl="0" indent="0" algn="ctr">
+              <a:spcBef>
+                <a:spcPts val="0"/>
+              </a:spcBef>
+              <a:spcAft>
+                <a:spcPts val="0"/>
+              </a:spcAft>
+              <a:buNone/>
+              <a:defRPr/>
+            </a:pPr>
+            <a:br>
+              <a:rPr lang="en-US" sz="1800" b="0" i="0" u="none" strike="noStrike" cap="none">
+                <a:solidFill>
+                  <a:schemeClr val="dk1"/>
+                </a:solidFill>
+                <a:latin typeface="Arial"/>
+                <a:ea typeface="Arial"/>
+                <a:cs typeface="Arial"/>
+              </a:rPr>
+            </a:br>
+            <a:r>
+              <a:rPr lang="en-US" sz="1800" b="0" i="0" u="none" strike="noStrike" cap="none">
+                <a:solidFill>
+                  <a:schemeClr val="dk1"/>
+                </a:solidFill>
+                <a:latin typeface="Arial"/>
+                <a:ea typeface="Arial"/>
+                <a:cs typeface="Arial"/>
+              </a:rPr>
+              <a:t>Manual capabilities cutout.</a:t>
+            </a:r>
+            <a:br>
+              <a:rPr lang="en-US" sz="1800" b="0" i="0" u="none" strike="noStrike" cap="none">
+                <a:solidFill>
+                  <a:schemeClr val="dk1"/>
+                </a:solidFill>
+                <a:latin typeface="Arial"/>
+                <a:ea typeface="Arial"/>
+                <a:cs typeface="Arial"/>
+              </a:rPr>
+            </a:br>
+            <a:r>
+              <a:rPr lang="en-US" sz="1800" b="0" i="0" u="none" strike="noStrike" cap="none">
+                <a:solidFill>
+                  <a:schemeClr val="dk1"/>
+                </a:solidFill>
+                <a:latin typeface="Arial"/>
+                <a:ea typeface="Arial"/>
+                <a:cs typeface="Arial"/>
+              </a:rPr>
+              <a:t> </a:t>
+            </a:r>
+            <a:endParaRPr sz="1800" b="0" i="0" u="none" strike="noStrike" cap="none">
+              <a:solidFill>
+                <a:schemeClr val="dk1"/>
+              </a:solidFill>
+              <a:latin typeface="Arial"/>
+              <a:ea typeface="Arial"/>
+              <a:cs typeface="Arial"/>
+            </a:endParaRPr>
+          </a:p>
+          <a:p>
+            <a:pPr marL="0" marR="0" lvl="0" indent="0" algn="ctr">
+              <a:spcBef>
+                <a:spcPts val="0"/>
+              </a:spcBef>
+              <a:spcAft>
+                <a:spcPts val="0"/>
+              </a:spcAft>
+              <a:buNone/>
+              <a:defRPr/>
+            </a:pPr>
+            <a:r>
+              <a:rPr lang="en-US" sz="1100" b="0" i="0" u="none" strike="noStrike" cap="none">
+                <a:solidFill>
+                  <a:schemeClr val="dk1"/>
+                </a:solidFill>
+                <a:latin typeface="Arial"/>
+                <a:ea typeface="Arial"/>
+                <a:cs typeface="Arial"/>
+              </a:rPr>
+              <a:t>Screenshot taken from [</a:t>
+            </a:r>
+            <a:r>
+              <a:rPr lang="en-US" sz="1100" b="0" i="0" u="sng" strike="noStrike" cap="none">
+                <a:solidFill>
+                  <a:schemeClr val="hlink"/>
+                </a:solidFill>
+                <a:latin typeface="Arial"/>
+                <a:ea typeface="Arial"/>
+                <a:cs typeface="Arial"/>
+                <a:hlinkClick r:id="rId3" tooltip="https://man7.org/linux/man-pages/man7/capabilities.7.html"/>
+              </a:rPr>
+              <a:t>man7.org</a:t>
+            </a:r>
+            <a:r>
+              <a:rPr lang="en-US" sz="1100" b="0" i="0" u="none" strike="noStrike" cap="none">
+                <a:solidFill>
+                  <a:schemeClr val="dk1"/>
+                </a:solidFill>
+                <a:latin typeface="Arial"/>
+                <a:ea typeface="Arial"/>
+                <a:cs typeface="Arial"/>
+              </a:rPr>
+              <a:t>]</a:t>
+            </a:r>
+            <a:endParaRPr sz="1100" b="0" i="0" u="none" strike="noStrike" cap="none">
+              <a:solidFill>
+                <a:schemeClr val="dk1"/>
+              </a:solidFill>
+              <a:latin typeface="Arial"/>
+              <a:ea typeface="Arial"/>
+              <a:cs typeface="Arial"/>
+            </a:endParaRPr>
+          </a:p>
+          <a:p>
+            <a:pPr marL="0" marR="0" lvl="0" indent="0" algn="ctr">
+              <a:spcBef>
+                <a:spcPts val="0"/>
+              </a:spcBef>
+              <a:spcAft>
+                <a:spcPts val="0"/>
+              </a:spcAft>
+              <a:buNone/>
+              <a:defRPr/>
+            </a:pPr>
+            <a:endParaRPr sz="1100" b="0" i="0" u="none" strike="noStrike" cap="none">
+              <a:solidFill>
+                <a:schemeClr val="dk1"/>
+              </a:solidFill>
+              <a:latin typeface="Times New Roman"/>
+              <a:ea typeface="Times New Roman"/>
+              <a:cs typeface="Times New Roman"/>
+            </a:endParaRPr>
+          </a:p>
+        </p:txBody>
+      </p:sp>
+    </p:spTree>
+  </p:cSld>
+  <p:clrMapOvr>
+    <a:masterClrMapping/>
+  </p:clrMapOvr>
+</p:sld>
+</file>
+
+<file path=ppt/slides/slide14.xml><?xml version="1.0" encoding="utf-8"?>
+<p:sld xmlns:a="http://schemas.openxmlformats.org/drawingml/2006/main" xmlns:r="http://schemas.openxmlformats.org/officeDocument/2006/relationships" xmlns:p="http://schemas.openxmlformats.org/presentationml/2006/main" showMasterPhAnim="0">
+  <p:cSld>
+    <p:spTree>
+      <p:nvGrpSpPr>
+        <p:cNvPr id="1" name=""/>
+        <p:cNvGrpSpPr/>
+        <p:nvPr/>
+      </p:nvGrpSpPr>
+      <p:grpSpPr bwMode="auto">
+        <a:xfrm>
+          <a:off x="0" y="0"/>
+          <a:ext cx="0" cy="0"/>
+          <a:chOff x="0" y="0"/>
+          <a:chExt cx="0" cy="0"/>
+        </a:xfrm>
+      </p:grpSpPr>
+      <p:sp>
+        <p:nvSpPr>
+          <p:cNvPr id="419" name="Google Shape;419;p22"/>
+          <p:cNvSpPr txBox="1">
+            <a:spLocks noGrp="1"/>
+          </p:cNvSpPr>
+          <p:nvPr>
+            <p:ph type="title"/>
+          </p:nvPr>
+        </p:nvSpPr>
+        <p:spPr bwMode="auto">
+          <a:xfrm>
+            <a:off x="2676487" y="220639"/>
+            <a:ext cx="6750077" cy="856127"/>
+          </a:xfrm>
+          <a:prstGeom prst="rect">
+            <a:avLst/>
+          </a:prstGeom>
+          <a:solidFill>
+            <a:schemeClr val="lt1">
+              <a:alpha val="83921"/>
+            </a:schemeClr>
+          </a:solidFill>
+          <a:ln>
+            <a:noFill/>
+          </a:ln>
+        </p:spPr>
+        <p:txBody>
+          <a:bodyPr spcFirstLastPara="1" wrap="square" lIns="91425" tIns="45700" rIns="91425" bIns="45700" anchor="ctr" anchorCtr="0">
+            <a:normAutofit/>
+          </a:bodyPr>
+          <a:lstStyle/>
+          <a:p>
+            <a:pPr marL="0" lvl="0" indent="0" algn="ctr">
+              <a:spcBef>
+                <a:spcPts val="0"/>
+              </a:spcBef>
+              <a:spcAft>
+                <a:spcPts val="0"/>
+              </a:spcAft>
+              <a:buClr>
+                <a:srgbClr val="00007F"/>
+              </a:buClr>
+              <a:buSzPts val="3200"/>
+              <a:buFont typeface="Arial"/>
+              <a:buNone/>
+              <a:defRPr/>
+            </a:pPr>
+            <a:r>
+              <a:rPr lang="en-US"/>
+              <a:t>cgroups</a:t>
+            </a:r>
+            <a:endParaRPr/>
+          </a:p>
+        </p:txBody>
+      </p:sp>
+      <p:sp>
+        <p:nvSpPr>
+          <p:cNvPr id="420" name="Google Shape;420;p22"/>
+          <p:cNvSpPr txBox="1">
+            <a:spLocks noGrp="1"/>
+          </p:cNvSpPr>
+          <p:nvPr>
+            <p:ph type="body" idx="1"/>
+          </p:nvPr>
+        </p:nvSpPr>
+        <p:spPr bwMode="auto">
+          <a:xfrm>
+            <a:off x="609599" y="1340767"/>
+            <a:ext cx="10972800" cy="4608513"/>
+          </a:xfrm>
+          <a:prstGeom prst="rect">
+            <a:avLst/>
+          </a:prstGeom>
+          <a:noFill/>
+          <a:ln>
+            <a:noFill/>
+          </a:ln>
+        </p:spPr>
+        <p:txBody>
+          <a:bodyPr spcFirstLastPara="1" wrap="square" lIns="91425" tIns="45700" rIns="91425" bIns="45700" anchor="t" anchorCtr="0">
+            <a:normAutofit/>
+          </a:bodyPr>
+          <a:lstStyle/>
+          <a:p>
+            <a:pPr marL="342900" lvl="0" indent="-342900" algn="l">
+              <a:lnSpc>
+                <a:spcPct val="114999"/>
+              </a:lnSpc>
+              <a:spcBef>
+                <a:spcPts val="0"/>
+              </a:spcBef>
+              <a:spcAft>
+                <a:spcPts val="0"/>
+              </a:spcAft>
+              <a:buClr>
+                <a:srgbClr val="0F243E"/>
+              </a:buClr>
+              <a:buSzPts val="3200"/>
+              <a:buChar char="•"/>
+              <a:defRPr/>
+            </a:pPr>
+            <a:r>
+              <a:rPr lang="en-US">
+                <a:latin typeface="Arial"/>
+                <a:ea typeface="Arial"/>
+                <a:cs typeface="Arial"/>
+              </a:rPr>
               <a:t>Control groups</a:t>
             </a:r>
             <a:endParaRPr>
@@ -20583,7 +24199,7 @@
           <a:blip r:embed="rId2">
             <a:alphaModFix/>
           </a:blip>
-          <a:srcRect l="0" t="0" r="0" b="0"/>
+          <a:srcRect/>
           <a:stretch/>
         </p:blipFill>
         <p:spPr bwMode="auto">
@@ -20662,20 +24278,12 @@
   <p:clrMapOvr>
     <a:masterClrMapping/>
   </p:clrMapOvr>
-  <mc:AlternateContent xmlns:mc="http://schemas.openxmlformats.org/markup-compatibility/2006">
-    <mc:Choice xmlns:p14="http://schemas.microsoft.com/office/powerpoint/2010/main" Requires="p14">
-      <p:transition p14:dur="2000" advClick="1"/>
-    </mc:Choice>
-    <mc:Fallback>
-      <p:transition advClick="1"/>
-    </mc:Fallback>
-  </mc:AlternateContent>
 </p:sld>
 </file>
 
-<file path=ppt/slides/slide11.xml><?xml version="1.0" encoding="utf-8"?>
-<p:sld xmlns:a="http://schemas.openxmlformats.org/drawingml/2006/main" xmlns:r="http://schemas.openxmlformats.org/officeDocument/2006/relationships" xmlns:p="http://schemas.openxmlformats.org/presentationml/2006/main" xmlns:m="http://schemas.openxmlformats.org/officeDocument/2006/math" xmlns:w="http://schemas.openxmlformats.org/wordprocessingml/2006/main" showMasterPhAnim="0" show="1">
-  <p:cSld name="">
+<file path=ppt/slides/slide15.xml><?xml version="1.0" encoding="utf-8"?>
+<p:sld xmlns:a="http://schemas.openxmlformats.org/drawingml/2006/main" xmlns:r="http://schemas.openxmlformats.org/officeDocument/2006/relationships" xmlns:p="http://schemas.openxmlformats.org/presentationml/2006/main" showMasterPhAnim="0">
+  <p:cSld>
     <p:spTree>
       <p:nvGrpSpPr>
         <p:cNvPr id="1" name=""/>
@@ -20693,7 +24301,9 @@
       <p:sp>
         <p:nvSpPr>
           <p:cNvPr id="1945863494" name="Google Shape;419;p22"/>
-          <p:cNvSpPr txBox="1"/>
+          <p:cNvSpPr txBox="1">
+            <a:spLocks noGrp="1"/>
+          </p:cNvSpPr>
           <p:nvPr>
             <p:ph type="title"/>
           </p:nvPr>
@@ -20747,7 +24357,9 @@
       <p:sp>
         <p:nvSpPr>
           <p:cNvPr id="1836896347" name="Google Shape;420;p22"/>
-          <p:cNvSpPr txBox="1"/>
+          <p:cNvSpPr txBox="1">
+            <a:spLocks noGrp="1"/>
+          </p:cNvSpPr>
           <p:nvPr>
             <p:ph type="body" idx="1"/>
           </p:nvPr>
@@ -20766,7 +24378,7 @@
           </a:ln>
         </p:spPr>
         <p:txBody>
-          <a:bodyPr spcFirstLastPara="1" vertOverflow="overflow" horzOverflow="overflow" vert="horz" wrap="square" lIns="91424" tIns="45699" rIns="91424" bIns="45699" numCol="1" spcCol="0" rtlCol="0" fromWordArt="0" anchor="t" anchorCtr="0" forceAA="0" upright="0" compatLnSpc="0">
+          <a:bodyPr spcFirstLastPara="1" vertOverflow="overflow" horzOverflow="overflow" vert="horz" wrap="square" lIns="91424" tIns="45699" rIns="91424" bIns="45699" numCol="1" spcCol="0" rtlCol="0" fromWordArt="0" anchor="t" anchorCtr="0" forceAA="0" compatLnSpc="0">
             <a:normAutofit fontScale="95000" lnSpcReduction="1000"/>
           </a:bodyPr>
           <a:lstStyle/>
@@ -20796,11 +24408,6 @@
               </a:rPr>
               <a:t>Secure Computing Mode</a:t>
             </a:r>
-            <a:endParaRPr lang="en-US">
-              <a:latin typeface="Arial"/>
-              <a:ea typeface="Arial"/>
-              <a:cs typeface="Arial"/>
-            </a:endParaRPr>
           </a:p>
           <a:p>
             <a:pPr marL="342900" lvl="0" indent="-342900" algn="l">
@@ -20828,11 +24435,6 @@
               </a:rPr>
               <a:t>Linux kernel feature</a:t>
             </a:r>
-            <a:endParaRPr lang="en-US">
-              <a:latin typeface="Arial"/>
-              <a:ea typeface="Arial"/>
-              <a:cs typeface="Arial"/>
-            </a:endParaRPr>
           </a:p>
           <a:p>
             <a:pPr marL="342900" lvl="0" indent="-342900" algn="l">
@@ -20860,11 +24462,6 @@
               </a:rPr>
               <a:t>Blocks syscalls</a:t>
             </a:r>
-            <a:endParaRPr lang="en-US">
-              <a:latin typeface="Arial"/>
-              <a:ea typeface="Arial"/>
-              <a:cs typeface="Arial"/>
-            </a:endParaRPr>
           </a:p>
           <a:p>
             <a:pPr marL="342900" lvl="0" indent="-342900" algn="l">
@@ -20892,11 +24489,6 @@
               </a:rPr>
               <a:t>Docker default profile</a:t>
             </a:r>
-            <a:endParaRPr lang="en-US">
-              <a:latin typeface="Arial"/>
-              <a:ea typeface="Arial"/>
-              <a:cs typeface="Arial"/>
-            </a:endParaRPr>
           </a:p>
           <a:p>
             <a:pPr marL="742950" lvl="1" indent="-342900" algn="l">
@@ -20924,11 +24516,6 @@
               </a:rPr>
               <a:t>finit_module</a:t>
             </a:r>
-            <a:endParaRPr lang="en-US">
-              <a:latin typeface="Arial"/>
-              <a:ea typeface="Arial"/>
-              <a:cs typeface="Arial"/>
-            </a:endParaRPr>
           </a:p>
           <a:p>
             <a:pPr marL="742950" lvl="1" indent="-342900" algn="l">
@@ -20956,11 +24543,6 @@
               </a:rPr>
               <a:t>reboot</a:t>
             </a:r>
-            <a:endParaRPr lang="en-US">
-              <a:latin typeface="Arial"/>
-              <a:ea typeface="Arial"/>
-              <a:cs typeface="Arial"/>
-            </a:endParaRPr>
           </a:p>
           <a:p>
             <a:pPr marL="742950" lvl="1" indent="-342900" algn="l">
@@ -20988,11 +24570,6 @@
               </a:rPr>
               <a:t>ptrace</a:t>
             </a:r>
-            <a:endParaRPr lang="en-US">
-              <a:latin typeface="Arial"/>
-              <a:ea typeface="Arial"/>
-              <a:cs typeface="Arial"/>
-            </a:endParaRPr>
           </a:p>
           <a:p>
             <a:pPr marL="742950" lvl="1" indent="-342900" algn="l">
@@ -21020,11 +24597,6 @@
               </a:rPr>
               <a:t>...</a:t>
             </a:r>
-            <a:endParaRPr lang="en-US">
-              <a:latin typeface="Arial"/>
-              <a:ea typeface="Arial"/>
-              <a:cs typeface="Arial"/>
-            </a:endParaRPr>
           </a:p>
           <a:p>
             <a:pPr marL="742950" lvl="1" indent="-342900" algn="l">
@@ -21054,12 +24626,12 @@
       </p:sp>
       <p:sp>
         <p:nvSpPr>
-          <p:cNvPr id="1076045094" name=""/>
+          <p:cNvPr id="1076045094" name="Rechteck 1076045093"/>
           <p:cNvSpPr/>
           <p:nvPr/>
         </p:nvSpPr>
         <p:spPr bwMode="auto">
-          <a:xfrm flipH="0" flipV="0">
+          <a:xfrm>
             <a:off x="6668853" y="1336145"/>
             <a:ext cx="2588078" cy="886353"/>
           </a:xfrm>
@@ -21088,6 +24660,7 @@
         </p:style>
         <p:txBody>
           <a:bodyPr/>
+          <a:lstStyle/>
           <a:p>
             <a:pPr algn="ctr">
               <a:defRPr/>
@@ -21096,18 +24669,17 @@
               <a:rPr sz="2800"/>
               <a:t>Container</a:t>
             </a:r>
-            <a:endParaRPr sz="2800"/>
           </a:p>
         </p:txBody>
       </p:sp>
       <p:sp>
         <p:nvSpPr>
-          <p:cNvPr id="1154903434" name=""/>
+          <p:cNvPr id="1154903434" name="Rechteck 1154903433"/>
           <p:cNvSpPr/>
           <p:nvPr/>
         </p:nvSpPr>
         <p:spPr bwMode="auto">
-          <a:xfrm flipH="0" flipV="0">
+          <a:xfrm>
             <a:off x="6759212" y="4216135"/>
             <a:ext cx="5229005" cy="886353"/>
           </a:xfrm>
@@ -21136,6 +24708,7 @@
         </p:style>
         <p:txBody>
           <a:bodyPr/>
+          <a:lstStyle/>
           <a:p>
             <a:pPr algn="ctr">
               <a:defRPr/>
@@ -21144,18 +24717,17 @@
               <a:rPr sz="2800"/>
               <a:t>Kernel</a:t>
             </a:r>
-            <a:endParaRPr sz="2800"/>
           </a:p>
         </p:txBody>
       </p:sp>
       <p:sp>
         <p:nvSpPr>
-          <p:cNvPr id="1520623193" name=""/>
+          <p:cNvPr id="1520623193" name="Pfeil: nach unten 1520623192"/>
           <p:cNvSpPr/>
           <p:nvPr/>
         </p:nvSpPr>
         <p:spPr bwMode="auto">
-          <a:xfrm flipH="0" flipV="0">
+          <a:xfrm>
             <a:off x="7630992" y="2225912"/>
             <a:ext cx="721178" cy="625928"/>
           </a:xfrm>
@@ -21185,15 +24757,22 @@
             <a:schemeClr val="lt1"/>
           </a:fontRef>
         </p:style>
+        <p:txBody>
+          <a:bodyPr/>
+          <a:lstStyle/>
+          <a:p>
+            <a:endParaRPr lang="de-IT"/>
+          </a:p>
+        </p:txBody>
       </p:sp>
       <p:sp>
         <p:nvSpPr>
-          <p:cNvPr id="1606931137" name=""/>
+          <p:cNvPr id="1606931137" name="Pfeil: nach unten 1606931136"/>
           <p:cNvSpPr/>
           <p:nvPr/>
         </p:nvSpPr>
         <p:spPr bwMode="auto">
-          <a:xfrm flipH="0" flipV="0">
+          <a:xfrm>
             <a:off x="7630992" y="3590206"/>
             <a:ext cx="721177" cy="625927"/>
           </a:xfrm>
@@ -21223,15 +24802,22 @@
             <a:schemeClr val="lt1"/>
           </a:fontRef>
         </p:style>
+        <p:txBody>
+          <a:bodyPr/>
+          <a:lstStyle/>
+          <a:p>
+            <a:endParaRPr lang="de-IT"/>
+          </a:p>
+        </p:txBody>
       </p:sp>
       <p:sp>
         <p:nvSpPr>
-          <p:cNvPr id="1187889726" name=""/>
+          <p:cNvPr id="1187889726" name="Rechteck 1187889725"/>
           <p:cNvSpPr/>
           <p:nvPr/>
         </p:nvSpPr>
         <p:spPr bwMode="auto">
-          <a:xfrm flipH="0" flipV="0">
+          <a:xfrm>
             <a:off x="6668853" y="2851840"/>
             <a:ext cx="2524143" cy="738366"/>
           </a:xfrm>
@@ -21260,6 +24846,7 @@
         </p:style>
         <p:txBody>
           <a:bodyPr/>
+          <a:lstStyle/>
           <a:p>
             <a:pPr algn="ctr">
               <a:defRPr/>
@@ -21268,18 +24855,17 @@
               <a:rPr sz="2800"/>
               <a:t>System Call</a:t>
             </a:r>
-            <a:endParaRPr sz="2800"/>
           </a:p>
         </p:txBody>
       </p:sp>
       <p:sp>
         <p:nvSpPr>
-          <p:cNvPr id="901644690" name=""/>
+          <p:cNvPr id="901644690" name="Rechteck 901644689"/>
           <p:cNvSpPr/>
           <p:nvPr/>
         </p:nvSpPr>
         <p:spPr bwMode="auto">
-          <a:xfrm flipH="0" flipV="0">
+          <a:xfrm>
             <a:off x="9373715" y="1336145"/>
             <a:ext cx="2640926" cy="886353"/>
           </a:xfrm>
@@ -21308,6 +24894,7 @@
         </p:style>
         <p:txBody>
           <a:bodyPr/>
+          <a:lstStyle/>
           <a:p>
             <a:pPr algn="ctr">
               <a:defRPr/>
@@ -21316,18 +24903,17 @@
               <a:rPr sz="2800"/>
               <a:t>Host</a:t>
             </a:r>
-            <a:endParaRPr sz="2800"/>
           </a:p>
         </p:txBody>
       </p:sp>
       <p:sp>
         <p:nvSpPr>
-          <p:cNvPr id="1884903272" name=""/>
+          <p:cNvPr id="1884903272" name="Rechteck 1884903271"/>
           <p:cNvSpPr/>
           <p:nvPr/>
         </p:nvSpPr>
         <p:spPr bwMode="auto">
-          <a:xfrm flipH="0" flipV="0">
+          <a:xfrm>
             <a:off x="9373715" y="2851840"/>
             <a:ext cx="2524143" cy="738365"/>
           </a:xfrm>
@@ -21356,6 +24942,7 @@
         </p:style>
         <p:txBody>
           <a:bodyPr/>
+          <a:lstStyle/>
           <a:p>
             <a:pPr algn="ctr">
               <a:defRPr/>
@@ -21364,18 +24951,17 @@
               <a:rPr sz="2800"/>
               <a:t>System Call</a:t>
             </a:r>
-            <a:endParaRPr sz="2800"/>
           </a:p>
         </p:txBody>
       </p:sp>
       <p:sp>
         <p:nvSpPr>
-          <p:cNvPr id="957139931" name=""/>
+          <p:cNvPr id="957139931" name="Pfeil: nach unten 957139930"/>
           <p:cNvSpPr/>
           <p:nvPr/>
         </p:nvSpPr>
         <p:spPr bwMode="auto">
-          <a:xfrm flipH="0" flipV="0">
+          <a:xfrm>
             <a:off x="10327927" y="3590206"/>
             <a:ext cx="721177" cy="625927"/>
           </a:xfrm>
@@ -21405,15 +24991,22 @@
             <a:schemeClr val="lt1"/>
           </a:fontRef>
         </p:style>
+        <p:txBody>
+          <a:bodyPr/>
+          <a:lstStyle/>
+          <a:p>
+            <a:endParaRPr lang="de-IT"/>
+          </a:p>
+        </p:txBody>
       </p:sp>
       <p:sp>
         <p:nvSpPr>
-          <p:cNvPr id="1460801642" name=""/>
+          <p:cNvPr id="1460801642" name="Pfeil: nach unten 1460801641"/>
           <p:cNvSpPr/>
           <p:nvPr/>
         </p:nvSpPr>
         <p:spPr bwMode="auto">
-          <a:xfrm flipH="0" flipV="0">
+          <a:xfrm>
             <a:off x="10327927" y="2225912"/>
             <a:ext cx="721177" cy="625927"/>
           </a:xfrm>
@@ -21443,26 +25036,25 @@
             <a:schemeClr val="lt1"/>
           </a:fontRef>
         </p:style>
+        <p:txBody>
+          <a:bodyPr/>
+          <a:lstStyle/>
+          <a:p>
+            <a:endParaRPr lang="de-IT"/>
+          </a:p>
+        </p:txBody>
       </p:sp>
     </p:spTree>
   </p:cSld>
   <p:clrMapOvr>
     <a:masterClrMapping/>
   </p:clrMapOvr>
-  <mc:AlternateContent xmlns:mc="http://schemas.openxmlformats.org/markup-compatibility/2006">
-    <mc:Choice xmlns:p14="http://schemas.microsoft.com/office/powerpoint/2010/main" Requires="p14">
-      <p:transition p14:dur="2000" advClick="1"/>
-    </mc:Choice>
-    <mc:Fallback>
-      <p:transition advClick="1"/>
-    </mc:Fallback>
-  </mc:AlternateContent>
 </p:sld>
 </file>
 
-<file path=ppt/slides/slide12.xml><?xml version="1.0" encoding="utf-8"?>
-<p:sld xmlns:a="http://schemas.openxmlformats.org/drawingml/2006/main" xmlns:r="http://schemas.openxmlformats.org/officeDocument/2006/relationships" xmlns:p="http://schemas.openxmlformats.org/presentationml/2006/main" xmlns:m="http://schemas.openxmlformats.org/officeDocument/2006/math" xmlns:w="http://schemas.openxmlformats.org/wordprocessingml/2006/main" showMasterPhAnim="0" show="1">
-  <p:cSld name="">
+<file path=ppt/slides/slide16.xml><?xml version="1.0" encoding="utf-8"?>
+<p:sld xmlns:a="http://schemas.openxmlformats.org/drawingml/2006/main" xmlns:r="http://schemas.openxmlformats.org/officeDocument/2006/relationships" xmlns:p="http://schemas.openxmlformats.org/presentationml/2006/main" showMasterPhAnim="0">
+  <p:cSld>
     <p:spTree>
       <p:nvGrpSpPr>
         <p:cNvPr id="1" name=""/>
@@ -21480,7 +25072,9 @@
       <p:sp>
         <p:nvSpPr>
           <p:cNvPr id="1250075880" name="Google Shape;419;p22"/>
-          <p:cNvSpPr txBox="1"/>
+          <p:cNvSpPr txBox="1">
+            <a:spLocks noGrp="1"/>
+          </p:cNvSpPr>
           <p:nvPr>
             <p:ph type="title"/>
           </p:nvPr>
@@ -21534,7 +25128,9 @@
       <p:sp>
         <p:nvSpPr>
           <p:cNvPr id="1437401899" name="Google Shape;420;p22"/>
-          <p:cNvSpPr txBox="1"/>
+          <p:cNvSpPr txBox="1">
+            <a:spLocks noGrp="1"/>
+          </p:cNvSpPr>
           <p:nvPr>
             <p:ph type="body" idx="1"/>
           </p:nvPr>
@@ -21553,7 +25149,7 @@
           </a:ln>
         </p:spPr>
         <p:txBody>
-          <a:bodyPr spcFirstLastPara="1" vertOverflow="overflow" horzOverflow="overflow" vert="horz" wrap="square" lIns="91424" tIns="45699" rIns="91424" bIns="45699" numCol="1" spcCol="0" rtlCol="0" fromWordArt="0" anchor="t" anchorCtr="0" forceAA="0" upright="0" compatLnSpc="0">
+          <a:bodyPr spcFirstLastPara="1" vertOverflow="overflow" horzOverflow="overflow" vert="horz" wrap="square" lIns="91424" tIns="45699" rIns="91424" bIns="45699" numCol="1" spcCol="0" rtlCol="0" fromWordArt="0" anchor="t" anchorCtr="0" forceAA="0" compatLnSpc="0">
             <a:normAutofit/>
           </a:bodyPr>
           <a:lstStyle/>
@@ -21643,7 +25239,7 @@
       </p:sp>
       <p:pic>
         <p:nvPicPr>
-          <p:cNvPr id="153978150" name=""/>
+          <p:cNvPr id="153978150" name="Grafik 153978149"/>
           <p:cNvPicPr>
             <a:picLocks noChangeAspect="1"/>
           </p:cNvPicPr>
@@ -21654,7 +25250,7 @@
           <a:stretch/>
         </p:blipFill>
         <p:spPr bwMode="auto">
-          <a:xfrm flipH="0" flipV="0">
+          <a:xfrm>
             <a:off x="781233" y="1433370"/>
             <a:ext cx="10629529" cy="3699545"/>
           </a:xfrm>
@@ -21668,20 +25264,12 @@
   <p:clrMapOvr>
     <a:masterClrMapping/>
   </p:clrMapOvr>
-  <mc:AlternateContent xmlns:mc="http://schemas.openxmlformats.org/markup-compatibility/2006">
-    <mc:Choice xmlns:p14="http://schemas.microsoft.com/office/powerpoint/2010/main" Requires="p14">
-      <p:transition p14:dur="2000" advClick="1"/>
-    </mc:Choice>
-    <mc:Fallback>
-      <p:transition advClick="1"/>
-    </mc:Fallback>
-  </mc:AlternateContent>
 </p:sld>
 </file>
 
-<file path=ppt/slides/slide13.xml><?xml version="1.0" encoding="utf-8"?>
-<p:sld xmlns:a="http://schemas.openxmlformats.org/drawingml/2006/main" xmlns:r="http://schemas.openxmlformats.org/officeDocument/2006/relationships" xmlns:p="http://schemas.openxmlformats.org/presentationml/2006/main" xmlns:m="http://schemas.openxmlformats.org/officeDocument/2006/math" xmlns:w="http://schemas.openxmlformats.org/wordprocessingml/2006/main" showMasterPhAnim="0" show="1">
-  <p:cSld name="">
+<file path=ppt/slides/slide17.xml><?xml version="1.0" encoding="utf-8"?>
+<p:sld xmlns:a="http://schemas.openxmlformats.org/drawingml/2006/main" xmlns:r="http://schemas.openxmlformats.org/officeDocument/2006/relationships" xmlns:p="http://schemas.openxmlformats.org/presentationml/2006/main" showMasterPhAnim="0">
+  <p:cSld>
     <p:spTree>
       <p:nvGrpSpPr>
         <p:cNvPr id="1" name=""/>
@@ -21699,7 +25287,9 @@
       <p:sp>
         <p:nvSpPr>
           <p:cNvPr id="428" name="Google Shape;428;p23"/>
-          <p:cNvSpPr txBox="1"/>
+          <p:cNvSpPr txBox="1">
+            <a:spLocks noGrp="1"/>
+          </p:cNvSpPr>
           <p:nvPr>
             <p:ph type="ctrTitle"/>
           </p:nvPr>
@@ -21763,7 +25353,9 @@
       <p:sp>
         <p:nvSpPr>
           <p:cNvPr id="429" name="Google Shape;429;p23"/>
-          <p:cNvSpPr txBox="1"/>
+          <p:cNvSpPr txBox="1">
+            <a:spLocks noGrp="1"/>
+          </p:cNvSpPr>
           <p:nvPr>
             <p:ph type="subTitle" idx="1"/>
           </p:nvPr>
@@ -21818,20 +25410,12 @@
   <p:clrMapOvr>
     <a:masterClrMapping/>
   </p:clrMapOvr>
-  <mc:AlternateContent xmlns:mc="http://schemas.openxmlformats.org/markup-compatibility/2006">
-    <mc:Choice xmlns:p14="http://schemas.microsoft.com/office/powerpoint/2010/main" Requires="p14">
-      <p:transition p14:dur="2000" advClick="1"/>
-    </mc:Choice>
-    <mc:Fallback>
-      <p:transition advClick="1"/>
-    </mc:Fallback>
-  </mc:AlternateContent>
 </p:sld>
 </file>
 
-<file path=ppt/slides/slide14.xml><?xml version="1.0" encoding="utf-8"?>
-<p:sld xmlns:a="http://schemas.openxmlformats.org/drawingml/2006/main" xmlns:r="http://schemas.openxmlformats.org/officeDocument/2006/relationships" xmlns:p="http://schemas.openxmlformats.org/presentationml/2006/main" xmlns:m="http://schemas.openxmlformats.org/officeDocument/2006/math" xmlns:w="http://schemas.openxmlformats.org/wordprocessingml/2006/main" showMasterPhAnim="0" show="1">
-  <p:cSld name="">
+<file path=ppt/slides/slide18.xml><?xml version="1.0" encoding="utf-8"?>
+<p:sld xmlns:a="http://schemas.openxmlformats.org/drawingml/2006/main" xmlns:r="http://schemas.openxmlformats.org/officeDocument/2006/relationships" xmlns:p="http://schemas.openxmlformats.org/presentationml/2006/main" showMasterPhAnim="0">
+  <p:cSld>
     <p:spTree>
       <p:nvGrpSpPr>
         <p:cNvPr id="1" name=""/>
@@ -21849,7 +25433,9 @@
       <p:sp>
         <p:nvSpPr>
           <p:cNvPr id="435" name="Google Shape;435;p24"/>
-          <p:cNvSpPr txBox="1"/>
+          <p:cNvSpPr txBox="1">
+            <a:spLocks noGrp="1"/>
+          </p:cNvSpPr>
           <p:nvPr>
             <p:ph type="title"/>
           </p:nvPr>
@@ -21903,7 +25489,9 @@
       <p:sp>
         <p:nvSpPr>
           <p:cNvPr id="436" name="Google Shape;436;p24"/>
-          <p:cNvSpPr txBox="1"/>
+          <p:cNvSpPr txBox="1">
+            <a:spLocks noGrp="1"/>
+          </p:cNvSpPr>
           <p:nvPr>
             <p:ph type="body" idx="1"/>
           </p:nvPr>
@@ -21923,7 +25511,7 @@
         </p:spPr>
         <p:txBody>
           <a:bodyPr spcFirstLastPara="1" wrap="square" lIns="91425" tIns="45700" rIns="91425" bIns="45700" anchor="t" anchorCtr="0">
-            <a:normAutofit fontScale="92500" lnSpcReduction="20000"/>
+            <a:normAutofit fontScale="92500" lnSpcReduction="10000"/>
           </a:bodyPr>
           <a:lstStyle/>
           <a:p>
@@ -22283,7 +25871,7 @@
           <a:blip r:embed="rId2">
             <a:alphaModFix/>
           </a:blip>
-          <a:srcRect l="0" t="0" r="0" b="0"/>
+          <a:srcRect/>
           <a:stretch/>
         </p:blipFill>
         <p:spPr bwMode="auto">
@@ -22469,20 +26057,12 @@
   <p:clrMapOvr>
     <a:masterClrMapping/>
   </p:clrMapOvr>
-  <mc:AlternateContent xmlns:mc="http://schemas.openxmlformats.org/markup-compatibility/2006">
-    <mc:Choice xmlns:p14="http://schemas.microsoft.com/office/powerpoint/2010/main" Requires="p14">
-      <p:transition p14:dur="2000" advClick="1"/>
-    </mc:Choice>
-    <mc:Fallback>
-      <p:transition advClick="1"/>
-    </mc:Fallback>
-  </mc:AlternateContent>
 </p:sld>
 </file>
 
-<file path=ppt/slides/slide15.xml><?xml version="1.0" encoding="utf-8"?>
-<p:sld xmlns:a="http://schemas.openxmlformats.org/drawingml/2006/main" xmlns:r="http://schemas.openxmlformats.org/officeDocument/2006/relationships" xmlns:p="http://schemas.openxmlformats.org/presentationml/2006/main" xmlns:m="http://schemas.openxmlformats.org/officeDocument/2006/math" xmlns:w="http://schemas.openxmlformats.org/wordprocessingml/2006/main" showMasterPhAnim="0" show="1">
-  <p:cSld name="">
+<file path=ppt/slides/slide19.xml><?xml version="1.0" encoding="utf-8"?>
+<p:sld xmlns:a="http://schemas.openxmlformats.org/drawingml/2006/main" xmlns:r="http://schemas.openxmlformats.org/officeDocument/2006/relationships" xmlns:p="http://schemas.openxmlformats.org/presentationml/2006/main" showMasterPhAnim="0">
+  <p:cSld>
     <p:spTree>
       <p:nvGrpSpPr>
         <p:cNvPr id="1" name=""/>
@@ -22500,7 +26080,9 @@
       <p:sp>
         <p:nvSpPr>
           <p:cNvPr id="1291513503" name="Google Shape;278;p3"/>
-          <p:cNvSpPr txBox="1"/>
+          <p:cNvSpPr txBox="1">
+            <a:spLocks noGrp="1"/>
+          </p:cNvSpPr>
           <p:nvPr>
             <p:ph type="title"/>
           </p:nvPr>
@@ -22635,10 +26217,8 @@
               <a:defRPr/>
             </a:pPr>
             <a:r>
-              <a:rPr/>
               <a:t>Vote for Us</a:t>
             </a:r>
-            <a:endParaRPr/>
           </a:p>
         </p:txBody>
       </p:sp>
@@ -22655,7 +26235,7 @@
           <a:stretch/>
         </p:blipFill>
         <p:spPr bwMode="auto">
-          <a:xfrm flipH="0" flipV="0">
+          <a:xfrm>
             <a:off x="4473242" y="1076765"/>
             <a:ext cx="3156567" cy="3156567"/>
           </a:xfrm>
@@ -22711,20 +26291,12 @@
   <p:clrMapOvr>
     <a:masterClrMapping/>
   </p:clrMapOvr>
-  <mc:AlternateContent xmlns:mc="http://schemas.openxmlformats.org/markup-compatibility/2006">
-    <mc:Choice xmlns:p14="http://schemas.microsoft.com/office/powerpoint/2010/main" Requires="p14">
-      <p:transition p14:dur="2000" advClick="1"/>
-    </mc:Choice>
-    <mc:Fallback>
-      <p:transition advClick="1"/>
-    </mc:Fallback>
-  </mc:AlternateContent>
 </p:sld>
 </file>
 
 <file path=ppt/slides/slide2.xml><?xml version="1.0" encoding="utf-8"?>
-<p:sld xmlns:a="http://schemas.openxmlformats.org/drawingml/2006/main" xmlns:r="http://schemas.openxmlformats.org/officeDocument/2006/relationships" xmlns:p="http://schemas.openxmlformats.org/presentationml/2006/main" xmlns:m="http://schemas.openxmlformats.org/officeDocument/2006/math" xmlns:w="http://schemas.openxmlformats.org/wordprocessingml/2006/main" showMasterPhAnim="0" show="1">
-  <p:cSld name="">
+<p:sld xmlns:a="http://schemas.openxmlformats.org/drawingml/2006/main" xmlns:r="http://schemas.openxmlformats.org/officeDocument/2006/relationships" xmlns:p="http://schemas.openxmlformats.org/presentationml/2006/main" showMasterPhAnim="0">
+  <p:cSld>
     <p:spTree>
       <p:nvGrpSpPr>
         <p:cNvPr id="1" name=""/>
@@ -22742,7 +26314,9 @@
       <p:sp>
         <p:nvSpPr>
           <p:cNvPr id="352" name="Google Shape;352;p14"/>
-          <p:cNvSpPr txBox="1"/>
+          <p:cNvSpPr txBox="1">
+            <a:spLocks noGrp="1"/>
+          </p:cNvSpPr>
           <p:nvPr>
             <p:ph type="title"/>
           </p:nvPr>
@@ -22796,7 +26370,9 @@
       <p:sp>
         <p:nvSpPr>
           <p:cNvPr id="353" name="Google Shape;353;p14"/>
-          <p:cNvSpPr txBox="1"/>
+          <p:cNvSpPr txBox="1">
+            <a:spLocks noGrp="1"/>
+          </p:cNvSpPr>
           <p:nvPr>
             <p:ph type="body" idx="1"/>
           </p:nvPr>
@@ -22922,20 +26498,12 @@
   <p:clrMapOvr>
     <a:masterClrMapping/>
   </p:clrMapOvr>
-  <mc:AlternateContent xmlns:mc="http://schemas.openxmlformats.org/markup-compatibility/2006">
-    <mc:Choice xmlns:p14="http://schemas.microsoft.com/office/powerpoint/2010/main" Requires="p14">
-      <p:transition p14:dur="2000" advClick="1"/>
-    </mc:Choice>
-    <mc:Fallback>
-      <p:transition advClick="1"/>
-    </mc:Fallback>
-  </mc:AlternateContent>
 </p:sld>
 </file>
 
 <file path=ppt/slides/slide3.xml><?xml version="1.0" encoding="utf-8"?>
-<p:sld xmlns:a="http://schemas.openxmlformats.org/drawingml/2006/main" xmlns:r="http://schemas.openxmlformats.org/officeDocument/2006/relationships" xmlns:p="http://schemas.openxmlformats.org/presentationml/2006/main" xmlns:m="http://schemas.openxmlformats.org/officeDocument/2006/math" xmlns:w="http://schemas.openxmlformats.org/wordprocessingml/2006/main" showMasterPhAnim="0" show="1">
-  <p:cSld name="">
+<p:sld xmlns:a="http://schemas.openxmlformats.org/drawingml/2006/main" xmlns:r="http://schemas.openxmlformats.org/officeDocument/2006/relationships" xmlns:p="http://schemas.openxmlformats.org/presentationml/2006/main" showMasterPhAnim="0">
+  <p:cSld>
     <p:spTree>
       <p:nvGrpSpPr>
         <p:cNvPr id="1" name=""/>
@@ -22953,7 +26521,9 @@
       <p:sp>
         <p:nvSpPr>
           <p:cNvPr id="359" name="Google Shape;359;p15"/>
-          <p:cNvSpPr txBox="1"/>
+          <p:cNvSpPr txBox="1">
+            <a:spLocks noGrp="1"/>
+          </p:cNvSpPr>
           <p:nvPr>
             <p:ph type="ctrTitle"/>
           </p:nvPr>
@@ -23017,7 +26587,9 @@
       <p:sp>
         <p:nvSpPr>
           <p:cNvPr id="360" name="Google Shape;360;p15"/>
-          <p:cNvSpPr txBox="1"/>
+          <p:cNvSpPr txBox="1">
+            <a:spLocks noGrp="1"/>
+          </p:cNvSpPr>
           <p:nvPr>
             <p:ph type="subTitle" idx="1"/>
           </p:nvPr>
@@ -23072,20 +26644,12 @@
   <p:clrMapOvr>
     <a:masterClrMapping/>
   </p:clrMapOvr>
-  <mc:AlternateContent xmlns:mc="http://schemas.openxmlformats.org/markup-compatibility/2006">
-    <mc:Choice xmlns:p14="http://schemas.microsoft.com/office/powerpoint/2010/main" Requires="p14">
-      <p:transition p14:dur="2000" advClick="1"/>
-    </mc:Choice>
-    <mc:Fallback>
-      <p:transition advClick="1"/>
-    </mc:Fallback>
-  </mc:AlternateContent>
 </p:sld>
 </file>
 
 <file path=ppt/slides/slide4.xml><?xml version="1.0" encoding="utf-8"?>
-<p:sld xmlns:a="http://schemas.openxmlformats.org/drawingml/2006/main" xmlns:r="http://schemas.openxmlformats.org/officeDocument/2006/relationships" xmlns:p="http://schemas.openxmlformats.org/presentationml/2006/main" xmlns:m="http://schemas.openxmlformats.org/officeDocument/2006/math" xmlns:w="http://schemas.openxmlformats.org/wordprocessingml/2006/main" showMasterPhAnim="0" show="1">
-  <p:cSld name="">
+<p:sld xmlns:a="http://schemas.openxmlformats.org/drawingml/2006/main" xmlns:r="http://schemas.openxmlformats.org/officeDocument/2006/relationships" xmlns:p="http://schemas.openxmlformats.org/presentationml/2006/main" showMasterPhAnim="0">
+  <p:cSld>
     <p:spTree>
       <p:nvGrpSpPr>
         <p:cNvPr id="1" name=""/>
@@ -23103,7 +26667,9 @@
       <p:sp>
         <p:nvSpPr>
           <p:cNvPr id="366" name="Google Shape;366;p16"/>
-          <p:cNvSpPr txBox="1"/>
+          <p:cNvSpPr txBox="1">
+            <a:spLocks noGrp="1"/>
+          </p:cNvSpPr>
           <p:nvPr>
             <p:ph type="title"/>
           </p:nvPr>
@@ -23157,7 +26723,9 @@
       <p:sp>
         <p:nvSpPr>
           <p:cNvPr id="367" name="Google Shape;367;p16"/>
-          <p:cNvSpPr txBox="1"/>
+          <p:cNvSpPr txBox="1">
+            <a:spLocks noGrp="1"/>
+          </p:cNvSpPr>
           <p:nvPr>
             <p:ph type="body" idx="1"/>
           </p:nvPr>
@@ -23408,7 +26976,7 @@
           <a:blip r:embed="rId2">
             <a:alphaModFix/>
           </a:blip>
-          <a:srcRect l="0" t="0" r="0" b="0"/>
+          <a:srcRect/>
           <a:stretch/>
         </p:blipFill>
         <p:spPr bwMode="auto">
@@ -23594,20 +27162,12 @@
   <p:clrMapOvr>
     <a:masterClrMapping/>
   </p:clrMapOvr>
-  <mc:AlternateContent xmlns:mc="http://schemas.openxmlformats.org/markup-compatibility/2006">
-    <mc:Choice xmlns:p14="http://schemas.microsoft.com/office/powerpoint/2010/main" Requires="p14">
-      <p:transition p14:dur="2000" advClick="1"/>
-    </mc:Choice>
-    <mc:Fallback>
-      <p:transition advClick="1"/>
-    </mc:Fallback>
-  </mc:AlternateContent>
 </p:sld>
 </file>
 
 <file path=ppt/slides/slide5.xml><?xml version="1.0" encoding="utf-8"?>
-<p:sld xmlns:a="http://schemas.openxmlformats.org/drawingml/2006/main" xmlns:r="http://schemas.openxmlformats.org/officeDocument/2006/relationships" xmlns:p="http://schemas.openxmlformats.org/presentationml/2006/main" xmlns:m="http://schemas.openxmlformats.org/officeDocument/2006/math" xmlns:w="http://schemas.openxmlformats.org/wordprocessingml/2006/main" showMasterPhAnim="0" show="1">
-  <p:cSld name="">
+<p:sld xmlns:a="http://schemas.openxmlformats.org/drawingml/2006/main" xmlns:r="http://schemas.openxmlformats.org/officeDocument/2006/relationships" xmlns:p="http://schemas.openxmlformats.org/presentationml/2006/main" showMasterPhAnim="0">
+  <p:cSld>
     <p:spTree>
       <p:nvGrpSpPr>
         <p:cNvPr id="1" name=""/>
@@ -23625,7 +27185,9 @@
       <p:sp>
         <p:nvSpPr>
           <p:cNvPr id="375" name="Google Shape;375;p17"/>
-          <p:cNvSpPr txBox="1"/>
+          <p:cNvSpPr txBox="1">
+            <a:spLocks noGrp="1"/>
+          </p:cNvSpPr>
           <p:nvPr>
             <p:ph type="title"/>
           </p:nvPr>
@@ -23679,7 +27241,9 @@
       <p:sp>
         <p:nvSpPr>
           <p:cNvPr id="376" name="Google Shape;376;p17"/>
-          <p:cNvSpPr txBox="1"/>
+          <p:cNvSpPr txBox="1">
+            <a:spLocks noGrp="1"/>
+          </p:cNvSpPr>
           <p:nvPr>
             <p:ph type="body" idx="1"/>
           </p:nvPr>
@@ -23939,7 +27503,7 @@
           <a:blip r:embed="rId2">
             <a:alphaModFix/>
           </a:blip>
-          <a:srcRect l="0" t="0" r="0" b="0"/>
+          <a:srcRect/>
           <a:stretch/>
         </p:blipFill>
         <p:spPr bwMode="auto">
@@ -24125,20 +27689,12 @@
   <p:clrMapOvr>
     <a:masterClrMapping/>
   </p:clrMapOvr>
-  <mc:AlternateContent xmlns:mc="http://schemas.openxmlformats.org/markup-compatibility/2006">
-    <mc:Choice xmlns:p14="http://schemas.microsoft.com/office/powerpoint/2010/main" Requires="p14">
-      <p:transition p14:dur="2000" advClick="1"/>
-    </mc:Choice>
-    <mc:Fallback>
-      <p:transition advClick="1"/>
-    </mc:Fallback>
-  </mc:AlternateContent>
 </p:sld>
 </file>
 
 <file path=ppt/slides/slide6.xml><?xml version="1.0" encoding="utf-8"?>
-<p:sld xmlns:a="http://schemas.openxmlformats.org/drawingml/2006/main" xmlns:r="http://schemas.openxmlformats.org/officeDocument/2006/relationships" xmlns:p="http://schemas.openxmlformats.org/presentationml/2006/main" xmlns:m="http://schemas.openxmlformats.org/officeDocument/2006/math" xmlns:w="http://schemas.openxmlformats.org/wordprocessingml/2006/main" showMasterPhAnim="0" show="1">
-  <p:cSld name="">
+<p:sld xmlns:a="http://schemas.openxmlformats.org/drawingml/2006/main" xmlns:r="http://schemas.openxmlformats.org/officeDocument/2006/relationships" xmlns:p="http://schemas.openxmlformats.org/presentationml/2006/main" showMasterPhAnim="0">
+  <p:cSld>
     <p:spTree>
       <p:nvGrpSpPr>
         <p:cNvPr id="1" name=""/>
@@ -24156,7 +27712,9 @@
       <p:sp>
         <p:nvSpPr>
           <p:cNvPr id="384" name="Google Shape;384;p18"/>
-          <p:cNvSpPr txBox="1"/>
+          <p:cNvSpPr txBox="1">
+            <a:spLocks noGrp="1"/>
+          </p:cNvSpPr>
           <p:nvPr>
             <p:ph type="title"/>
           </p:nvPr>
@@ -24210,7 +27768,9 @@
       <p:sp>
         <p:nvSpPr>
           <p:cNvPr id="385" name="Google Shape;385;p18"/>
-          <p:cNvSpPr txBox="1"/>
+          <p:cNvSpPr txBox="1">
+            <a:spLocks noGrp="1"/>
+          </p:cNvSpPr>
           <p:nvPr>
             <p:ph type="body" idx="1"/>
           </p:nvPr>
@@ -24473,7 +28033,7 @@
           <a:blip r:embed="rId2">
             <a:alphaModFix/>
           </a:blip>
-          <a:srcRect l="0" t="0" r="0" b="0"/>
+          <a:srcRect/>
           <a:stretch/>
         </p:blipFill>
         <p:spPr bwMode="auto">
@@ -24659,20 +28219,12 @@
   <p:clrMapOvr>
     <a:masterClrMapping/>
   </p:clrMapOvr>
-  <mc:AlternateContent xmlns:mc="http://schemas.openxmlformats.org/markup-compatibility/2006">
-    <mc:Choice xmlns:p14="http://schemas.microsoft.com/office/powerpoint/2010/main" Requires="p14">
-      <p:transition p14:dur="2000" advClick="1"/>
-    </mc:Choice>
-    <mc:Fallback>
-      <p:transition advClick="1"/>
-    </mc:Fallback>
-  </mc:AlternateContent>
 </p:sld>
 </file>
 
 <file path=ppt/slides/slide7.xml><?xml version="1.0" encoding="utf-8"?>
-<p:sld xmlns:a="http://schemas.openxmlformats.org/drawingml/2006/main" xmlns:r="http://schemas.openxmlformats.org/officeDocument/2006/relationships" xmlns:p="http://schemas.openxmlformats.org/presentationml/2006/main" xmlns:m="http://schemas.openxmlformats.org/officeDocument/2006/math" xmlns:w="http://schemas.openxmlformats.org/wordprocessingml/2006/main" showMasterPhAnim="0" show="1">
-  <p:cSld name="">
+<p:sld xmlns:a="http://schemas.openxmlformats.org/drawingml/2006/main" xmlns:r="http://schemas.openxmlformats.org/officeDocument/2006/relationships" xmlns:p="http://schemas.openxmlformats.org/presentationml/2006/main" showMasterPhAnim="0">
+  <p:cSld>
     <p:spTree>
       <p:nvGrpSpPr>
         <p:cNvPr id="1" name=""/>
@@ -24690,7 +28242,9 @@
       <p:sp>
         <p:nvSpPr>
           <p:cNvPr id="393" name="Google Shape;393;p19"/>
-          <p:cNvSpPr txBox="1"/>
+          <p:cNvSpPr txBox="1">
+            <a:spLocks noGrp="1"/>
+          </p:cNvSpPr>
           <p:nvPr>
             <p:ph type="ctrTitle"/>
           </p:nvPr>
@@ -24754,7 +28308,9 @@
       <p:sp>
         <p:nvSpPr>
           <p:cNvPr id="394" name="Google Shape;394;p19"/>
-          <p:cNvSpPr txBox="1"/>
+          <p:cNvSpPr txBox="1">
+            <a:spLocks noGrp="1"/>
+          </p:cNvSpPr>
           <p:nvPr>
             <p:ph type="subTitle" idx="1"/>
           </p:nvPr>
@@ -24820,20 +28376,12 @@
   <p:clrMapOvr>
     <a:masterClrMapping/>
   </p:clrMapOvr>
-  <mc:AlternateContent xmlns:mc="http://schemas.openxmlformats.org/markup-compatibility/2006">
-    <mc:Choice xmlns:p14="http://schemas.microsoft.com/office/powerpoint/2010/main" Requires="p14">
-      <p:transition p14:dur="2000" advClick="1"/>
-    </mc:Choice>
-    <mc:Fallback>
-      <p:transition advClick="1"/>
-    </mc:Fallback>
-  </mc:AlternateContent>
 </p:sld>
 </file>
 
 <file path=ppt/slides/slide8.xml><?xml version="1.0" encoding="utf-8"?>
-<p:sld xmlns:a="http://schemas.openxmlformats.org/drawingml/2006/main" xmlns:r="http://schemas.openxmlformats.org/officeDocument/2006/relationships" xmlns:p="http://schemas.openxmlformats.org/presentationml/2006/main" xmlns:m="http://schemas.openxmlformats.org/officeDocument/2006/math" xmlns:w="http://schemas.openxmlformats.org/wordprocessingml/2006/main" showMasterPhAnim="0" show="1">
-  <p:cSld name="">
+<p:sld xmlns:a="http://schemas.openxmlformats.org/drawingml/2006/main" xmlns:r="http://schemas.openxmlformats.org/officeDocument/2006/relationships" xmlns:p="http://schemas.openxmlformats.org/presentationml/2006/main" showMasterPhAnim="0">
+  <p:cSld>
     <p:spTree>
       <p:nvGrpSpPr>
         <p:cNvPr id="1" name=""/>
@@ -24850,200 +28398,229 @@
       </p:grpSpPr>
       <p:sp>
         <p:nvSpPr>
-          <p:cNvPr id="400" name="Google Shape;400;p20"/>
-          <p:cNvSpPr txBox="1"/>
+          <p:cNvPr id="696532452" name="Заголовок 1"/>
+          <p:cNvSpPr>
+            <a:spLocks noGrp="1"/>
+          </p:cNvSpPr>
           <p:nvPr>
             <p:ph type="title"/>
           </p:nvPr>
         </p:nvSpPr>
-        <p:spPr bwMode="auto">
-          <a:xfrm>
-            <a:off x="2676487" y="220639"/>
-            <a:ext cx="6750077" cy="856127"/>
-          </a:xfrm>
-          <a:prstGeom prst="rect">
-            <a:avLst/>
-          </a:prstGeom>
-          <a:solidFill>
-            <a:schemeClr val="lt1">
-              <a:alpha val="83921"/>
-            </a:schemeClr>
-          </a:solidFill>
-          <a:ln>
-            <a:noFill/>
-          </a:ln>
-        </p:spPr>
+        <p:spPr bwMode="auto"/>
         <p:txBody>
-          <a:bodyPr spcFirstLastPara="1" wrap="square" lIns="91425" tIns="45700" rIns="91425" bIns="45700" anchor="ctr" anchorCtr="0">
+          <a:bodyPr vertOverflow="overflow" horzOverflow="overflow" vert="horz" wrap="square" lIns="91440" tIns="45720" rIns="91440" bIns="45720" numCol="1" spcCol="0" rtlCol="0" fromWordArt="0" anchor="ctr" anchorCtr="0" forceAA="0" compatLnSpc="0">
             <a:normAutofit/>
           </a:bodyPr>
           <a:lstStyle/>
           <a:p>
-            <a:pPr marL="0" lvl="0" indent="0" algn="ctr">
-              <a:spcBef>
-                <a:spcPts val="0"/>
-              </a:spcBef>
-              <a:spcAft>
-                <a:spcPts val="0"/>
-              </a:spcAft>
-              <a:buClr>
-                <a:srgbClr val="00007F"/>
-              </a:buClr>
-              <a:buSzPts val="3200"/>
-              <a:buFont typeface="Arial"/>
-              <a:buNone/>
+            <a:pPr>
               <a:defRPr/>
             </a:pPr>
             <a:r>
-              <a:rPr lang="en-US"/>
               <a:t>Namespaces</a:t>
             </a:r>
-            <a:endParaRPr/>
           </a:p>
         </p:txBody>
       </p:sp>
       <p:sp>
         <p:nvSpPr>
-          <p:cNvPr id="401" name="Google Shape;401;p20"/>
-          <p:cNvSpPr txBox="1"/>
+          <p:cNvPr id="1162661495" name="Объект 2"/>
+          <p:cNvSpPr>
+            <a:spLocks noGrp="1"/>
+          </p:cNvSpPr>
           <p:nvPr>
-            <p:ph type="body" idx="1"/>
+            <p:ph idx="1"/>
           </p:nvPr>
         </p:nvSpPr>
         <p:spPr bwMode="auto">
           <a:xfrm>
             <a:off x="609599" y="1340767"/>
-            <a:ext cx="10972800" cy="4608513"/>
+            <a:ext cx="5774725" cy="5043881"/>
           </a:xfrm>
-          <a:prstGeom prst="rect">
-            <a:avLst/>
-          </a:prstGeom>
-          <a:noFill/>
-          <a:ln>
-            <a:noFill/>
-          </a:ln>
         </p:spPr>
         <p:txBody>
-          <a:bodyPr spcFirstLastPara="1" wrap="square" lIns="91425" tIns="45700" rIns="91425" bIns="45700" anchor="t" anchorCtr="0">
-            <a:normAutofit/>
+          <a:bodyPr>
+            <a:normAutofit lnSpcReduction="10000"/>
           </a:bodyPr>
           <a:lstStyle/>
           <a:p>
-            <a:pPr marL="342900" lvl="0" indent="-342900" algn="l">
+            <a:pPr>
               <a:lnSpc>
                 <a:spcPct val="114999"/>
               </a:lnSpc>
-              <a:spcBef>
-                <a:spcPts val="0"/>
-              </a:spcBef>
-              <a:spcAft>
-                <a:spcPts val="0"/>
-              </a:spcAft>
-              <a:buClr>
-                <a:srgbClr val="0F243E"/>
-              </a:buClr>
-              <a:buSzPts val="3200"/>
-              <a:buChar char="•"/>
               <a:defRPr/>
             </a:pPr>
             <a:r>
-              <a:rPr lang="en-US">
+              <a:rPr dirty="0">
                 <a:latin typeface="Arial"/>
                 <a:ea typeface="Arial"/>
                 <a:cs typeface="Arial"/>
               </a:rPr>
-              <a:t>Isolate resources</a:t>
+              <a:t>Isolate</a:t>
             </a:r>
-            <a:endParaRPr>
+            <a:r>
+              <a:rPr lang="de-DE" dirty="0">
+                <a:latin typeface="Arial"/>
+                <a:ea typeface="Arial"/>
+                <a:cs typeface="Arial"/>
+              </a:rPr>
+              <a:t> different system-</a:t>
+            </a:r>
+            <a:r>
+              <a:rPr dirty="0">
+                <a:latin typeface="Arial"/>
+                <a:ea typeface="Arial"/>
+                <a:cs typeface="Arial"/>
+              </a:rPr>
+              <a:t>resources</a:t>
+            </a:r>
+            <a:endParaRPr dirty="0">
+              <a:latin typeface="Arial"/>
+              <a:cs typeface="Arial"/>
+            </a:endParaRPr>
+          </a:p>
+          <a:p>
+            <a:pPr>
+              <a:lnSpc>
+                <a:spcPct val="114999"/>
+              </a:lnSpc>
+              <a:defRPr/>
+            </a:pPr>
+            <a:r>
+              <a:rPr lang="de-DE" dirty="0">
+                <a:latin typeface="Arial"/>
+                <a:ea typeface="Arial"/>
+                <a:cs typeface="Arial"/>
+              </a:rPr>
+              <a:t>In total 8 </a:t>
+            </a:r>
+            <a:r>
+              <a:rPr lang="de-DE" dirty="0" err="1">
+                <a:latin typeface="Arial"/>
+                <a:ea typeface="Arial"/>
+                <a:cs typeface="Arial"/>
+              </a:rPr>
+              <a:t>namespaces</a:t>
+            </a:r>
+            <a:r>
+              <a:rPr lang="de-DE" dirty="0">
+                <a:latin typeface="Arial"/>
+                <a:ea typeface="Arial"/>
+                <a:cs typeface="Arial"/>
+              </a:rPr>
+              <a:t>:</a:t>
+            </a:r>
+            <a:endParaRPr dirty="0">
               <a:latin typeface="Arial"/>
               <a:ea typeface="Arial"/>
               <a:cs typeface="Arial"/>
             </a:endParaRPr>
           </a:p>
           <a:p>
-            <a:pPr marL="342900" lvl="0" indent="-342900" algn="l">
+            <a:pPr lvl="2">
               <a:lnSpc>
                 <a:spcPct val="114999"/>
               </a:lnSpc>
-              <a:spcBef>
-                <a:spcPts val="0"/>
-              </a:spcBef>
-              <a:spcAft>
-                <a:spcPts val="0"/>
-              </a:spcAft>
-              <a:buClr>
-                <a:srgbClr val="0F243E"/>
-              </a:buClr>
-              <a:buSzPts val="3200"/>
-              <a:buChar char="•"/>
               <a:defRPr/>
             </a:pPr>
             <a:r>
-              <a:rPr lang="en-US">
+              <a:rPr sz="2400" b="0" i="0" u="none" dirty="0">
+                <a:solidFill>
+                  <a:srgbClr val="000000"/>
+                </a:solidFill>
                 <a:latin typeface="Arial"/>
                 <a:ea typeface="Arial"/>
                 <a:cs typeface="Arial"/>
               </a:rPr>
-              <a:t>8 in total</a:t>
+              <a:t>Mount (</a:t>
             </a:r>
-            <a:endParaRPr>
+            <a:r>
+              <a:rPr sz="2400" b="0" i="0" u="none" dirty="0" err="1">
+                <a:solidFill>
+                  <a:srgbClr val="000000"/>
+                </a:solidFill>
+                <a:latin typeface="Arial"/>
+                <a:ea typeface="Arial"/>
+                <a:cs typeface="Arial"/>
+              </a:rPr>
+              <a:t>mnt</a:t>
+            </a:r>
+            <a:r>
+              <a:rPr sz="2400" b="0" i="0" u="none" dirty="0">
+                <a:solidFill>
+                  <a:srgbClr val="000000"/>
+                </a:solidFill>
+                <a:latin typeface="Arial"/>
+                <a:ea typeface="Arial"/>
+                <a:cs typeface="Arial"/>
+              </a:rPr>
+              <a:t>)</a:t>
+            </a:r>
+            <a:endParaRPr sz="2400" b="0" i="0" u="none" dirty="0">
+              <a:solidFill>
+                <a:srgbClr val="000000"/>
+              </a:solidFill>
               <a:latin typeface="Arial"/>
-              <a:ea typeface="Arial"/>
               <a:cs typeface="Arial"/>
             </a:endParaRPr>
           </a:p>
           <a:p>
-            <a:pPr marL="342900" lvl="0" indent="-342900" algn="l">
+            <a:pPr lvl="2">
               <a:lnSpc>
                 <a:spcPct val="114999"/>
               </a:lnSpc>
-              <a:spcBef>
-                <a:spcPts val="0"/>
-              </a:spcBef>
-              <a:spcAft>
-                <a:spcPts val="0"/>
-              </a:spcAft>
-              <a:buClr>
-                <a:srgbClr val="0F243E"/>
-              </a:buClr>
-              <a:buSzPts val="3200"/>
-              <a:buChar char="•"/>
               <a:defRPr/>
             </a:pPr>
             <a:r>
-              <a:rPr lang="en-US">
+              <a:rPr sz="2400" b="0" i="0" u="none" dirty="0">
+                <a:solidFill>
+                  <a:srgbClr val="000000"/>
+                </a:solidFill>
                 <a:latin typeface="Arial"/>
                 <a:ea typeface="Arial"/>
                 <a:cs typeface="Arial"/>
               </a:rPr>
-              <a:t>Key namespaces:</a:t>
+              <a:t>PID (</a:t>
             </a:r>
-            <a:endParaRPr>
+            <a:r>
+              <a:rPr sz="2400" b="0" i="0" u="none" dirty="0" err="1">
+                <a:solidFill>
+                  <a:srgbClr val="000000"/>
+                </a:solidFill>
+                <a:latin typeface="Arial"/>
+                <a:ea typeface="Arial"/>
+                <a:cs typeface="Arial"/>
+              </a:rPr>
+              <a:t>pid</a:t>
+            </a:r>
+            <a:r>
+              <a:rPr sz="2400" b="0" i="0" u="none" dirty="0">
+                <a:solidFill>
+                  <a:srgbClr val="000000"/>
+                </a:solidFill>
+                <a:latin typeface="Arial"/>
+                <a:ea typeface="Arial"/>
+                <a:cs typeface="Arial"/>
+              </a:rPr>
+              <a:t>)</a:t>
+            </a:r>
+            <a:endParaRPr sz="2400" b="0" i="0" u="none" dirty="0">
+              <a:solidFill>
+                <a:srgbClr val="000000"/>
+              </a:solidFill>
               <a:latin typeface="Arial"/>
-              <a:ea typeface="Arial"/>
               <a:cs typeface="Arial"/>
             </a:endParaRPr>
           </a:p>
           <a:p>
-            <a:pPr marL="1143000" lvl="2" indent="-228600" algn="l">
+            <a:pPr lvl="2">
               <a:lnSpc>
                 <a:spcPct val="114999"/>
               </a:lnSpc>
-              <a:spcBef>
-                <a:spcPts val="0"/>
-              </a:spcBef>
-              <a:spcAft>
-                <a:spcPts val="0"/>
-              </a:spcAft>
-              <a:buClr>
-                <a:srgbClr val="000000"/>
-              </a:buClr>
-              <a:buSzPts val="2400"/>
-              <a:buChar char="•"/>
               <a:defRPr/>
             </a:pPr>
             <a:r>
-              <a:rPr lang="en-US" sz="2400" b="0" i="0" u="none">
+              <a:rPr sz="2400" b="0" i="0" u="none" dirty="0">
                 <a:solidFill>
                   <a:srgbClr val="000000"/>
                 </a:solidFill>
@@ -25051,9 +28628,9 @@
                 <a:ea typeface="Arial"/>
                 <a:cs typeface="Arial"/>
               </a:rPr>
-              <a:t>Mount (mnt)</a:t>
+              <a:t>Network (net)</a:t>
             </a:r>
-            <a:endParaRPr sz="2400" b="0" i="0" u="none">
+            <a:endParaRPr lang="de-DE" sz="2400" b="0" i="0" u="none" dirty="0">
               <a:solidFill>
                 <a:srgbClr val="000000"/>
               </a:solidFill>
@@ -25063,25 +28640,145 @@
             </a:endParaRPr>
           </a:p>
           <a:p>
-            <a:pPr marL="1143000" lvl="2" indent="-228600" algn="l">
+            <a:pPr lvl="2">
               <a:lnSpc>
                 <a:spcPct val="114999"/>
               </a:lnSpc>
-              <a:spcBef>
-                <a:spcPts val="0"/>
-              </a:spcBef>
-              <a:spcAft>
-                <a:spcPts val="0"/>
-              </a:spcAft>
-              <a:buClr>
-                <a:srgbClr val="000000"/>
-              </a:buClr>
-              <a:buSzPts val="2400"/>
-              <a:buChar char="•"/>
               <a:defRPr/>
             </a:pPr>
             <a:r>
-              <a:rPr lang="en-US" sz="2400" b="0" i="0" u="none">
+              <a:rPr lang="de-DE" dirty="0">
+                <a:solidFill>
+                  <a:srgbClr val="000000"/>
+                </a:solidFill>
+                <a:latin typeface="Arial"/>
+                <a:cs typeface="Arial"/>
+              </a:rPr>
+              <a:t>IPC (</a:t>
+            </a:r>
+            <a:r>
+              <a:rPr lang="de-DE" dirty="0" err="1">
+                <a:solidFill>
+                  <a:srgbClr val="000000"/>
+                </a:solidFill>
+                <a:latin typeface="Arial"/>
+                <a:cs typeface="Arial"/>
+              </a:rPr>
+              <a:t>ipc</a:t>
+            </a:r>
+            <a:r>
+              <a:rPr lang="de-DE" dirty="0">
+                <a:solidFill>
+                  <a:srgbClr val="000000"/>
+                </a:solidFill>
+                <a:latin typeface="Arial"/>
+                <a:cs typeface="Arial"/>
+              </a:rPr>
+              <a:t>)</a:t>
+            </a:r>
+          </a:p>
+          <a:p>
+            <a:pPr lvl="2">
+              <a:lnSpc>
+                <a:spcPct val="114999"/>
+              </a:lnSpc>
+              <a:defRPr/>
+            </a:pPr>
+            <a:r>
+              <a:rPr lang="de-DE" sz="2400" b="0" i="0" u="none" dirty="0">
+                <a:solidFill>
+                  <a:srgbClr val="000000"/>
+                </a:solidFill>
+                <a:latin typeface="Arial"/>
+                <a:cs typeface="Arial"/>
+              </a:rPr>
+              <a:t>UTS (</a:t>
+            </a:r>
+            <a:r>
+              <a:rPr lang="de-DE" sz="2400" b="0" i="0" u="none" dirty="0" err="1">
+                <a:solidFill>
+                  <a:srgbClr val="000000"/>
+                </a:solidFill>
+                <a:latin typeface="Arial"/>
+                <a:cs typeface="Arial"/>
+              </a:rPr>
+              <a:t>uts</a:t>
+            </a:r>
+            <a:r>
+              <a:rPr lang="de-DE" sz="2400" b="0" i="0" u="none" dirty="0">
+                <a:solidFill>
+                  <a:srgbClr val="000000"/>
+                </a:solidFill>
+                <a:latin typeface="Arial"/>
+                <a:cs typeface="Arial"/>
+              </a:rPr>
+              <a:t>)</a:t>
+            </a:r>
+          </a:p>
+          <a:p>
+            <a:pPr lvl="2">
+              <a:lnSpc>
+                <a:spcPct val="114999"/>
+              </a:lnSpc>
+              <a:defRPr/>
+            </a:pPr>
+            <a:r>
+              <a:rPr lang="de-DE" sz="2400" b="0" i="0" u="none" dirty="0" err="1">
+                <a:solidFill>
+                  <a:srgbClr val="000000"/>
+                </a:solidFill>
+                <a:latin typeface="Arial"/>
+                <a:cs typeface="Arial"/>
+              </a:rPr>
+              <a:t>Cgroups</a:t>
+            </a:r>
+            <a:r>
+              <a:rPr lang="de-DE" sz="2400" b="0" i="0" u="none" dirty="0">
+                <a:solidFill>
+                  <a:srgbClr val="000000"/>
+                </a:solidFill>
+                <a:latin typeface="Arial"/>
+                <a:cs typeface="Arial"/>
+              </a:rPr>
+              <a:t> (</a:t>
+            </a:r>
+            <a:r>
+              <a:rPr lang="de-DE" sz="2400" b="0" i="0" u="none" dirty="0" err="1">
+                <a:solidFill>
+                  <a:srgbClr val="000000"/>
+                </a:solidFill>
+                <a:latin typeface="Arial"/>
+                <a:cs typeface="Arial"/>
+              </a:rPr>
+              <a:t>cgroup</a:t>
+            </a:r>
+            <a:r>
+              <a:rPr lang="de-DE" dirty="0">
+                <a:solidFill>
+                  <a:srgbClr val="000000"/>
+                </a:solidFill>
+                <a:latin typeface="Arial"/>
+                <a:cs typeface="Arial"/>
+              </a:rPr>
+              <a:t>)</a:t>
+            </a:r>
+            <a:endParaRPr sz="2400" b="0" i="0" u="none" dirty="0">
+              <a:solidFill>
+                <a:srgbClr val="000000"/>
+              </a:solidFill>
+              <a:latin typeface="Arial"/>
+              <a:cs typeface="Arial"/>
+            </a:endParaRPr>
+          </a:p>
+          <a:p>
+            <a:pPr lvl="2">
+              <a:lnSpc>
+                <a:spcPct val="114999"/>
+              </a:lnSpc>
+              <a:defRPr/>
+            </a:pPr>
+            <a:r>
+              <a:rPr sz="2400" b="0" i="0" u="none" dirty="0">
                 <a:solidFill>
                   <a:srgbClr val="000000"/>
                 </a:solidFill>
@@ -25089,9 +28786,9 @@
                 <a:ea typeface="Arial"/>
                 <a:cs typeface="Arial"/>
               </a:rPr>
-              <a:t>PID (pid)</a:t>
+              <a:t>User (user)</a:t>
             </a:r>
-            <a:endParaRPr sz="2400" b="0" i="0" u="none">
+            <a:endParaRPr lang="de-DE" sz="2400" b="0" i="0" u="none" dirty="0">
               <a:solidFill>
                 <a:srgbClr val="000000"/>
               </a:solidFill>
@@ -25101,25 +28798,14 @@
             </a:endParaRPr>
           </a:p>
           <a:p>
-            <a:pPr marL="1143000" lvl="2" indent="-228600" algn="l">
+            <a:pPr lvl="2">
               <a:lnSpc>
                 <a:spcPct val="114999"/>
               </a:lnSpc>
-              <a:spcBef>
-                <a:spcPts val="0"/>
-              </a:spcBef>
-              <a:spcAft>
-                <a:spcPts val="0"/>
-              </a:spcAft>
-              <a:buClr>
-                <a:srgbClr val="000000"/>
-              </a:buClr>
-              <a:buSzPts val="2400"/>
-              <a:buChar char="•"/>
               <a:defRPr/>
             </a:pPr>
             <a:r>
-              <a:rPr lang="en-US" sz="2400" b="0" i="0" u="none">
+              <a:rPr lang="de-DE" dirty="0">
                 <a:solidFill>
                   <a:srgbClr val="000000"/>
                 </a:solidFill>
@@ -25127,47 +28813,9 @@
                 <a:ea typeface="Arial"/>
                 <a:cs typeface="Arial"/>
               </a:rPr>
-              <a:t>Network (net)</a:t>
+              <a:t>Time (time)</a:t>
             </a:r>
-            <a:endParaRPr sz="2400" b="0" i="0" u="none">
-              <a:solidFill>
-                <a:srgbClr val="000000"/>
-              </a:solidFill>
-              <a:latin typeface="Arial"/>
-              <a:ea typeface="Arial"/>
-              <a:cs typeface="Arial"/>
-            </a:endParaRPr>
-          </a:p>
-          <a:p>
-            <a:pPr marL="1143000" lvl="2" indent="-228600" algn="l">
-              <a:lnSpc>
-                <a:spcPct val="114999"/>
-              </a:lnSpc>
-              <a:spcBef>
-                <a:spcPts val="0"/>
-              </a:spcBef>
-              <a:spcAft>
-                <a:spcPts val="0"/>
-              </a:spcAft>
-              <a:buClr>
-                <a:srgbClr val="000000"/>
-              </a:buClr>
-              <a:buSzPts val="2400"/>
-              <a:buChar char="•"/>
-              <a:defRPr/>
-            </a:pPr>
-            <a:r>
-              <a:rPr lang="en-US" sz="2400" b="0" i="0" u="none">
-                <a:solidFill>
-                  <a:srgbClr val="000000"/>
-                </a:solidFill>
-                <a:latin typeface="Arial"/>
-                <a:ea typeface="Arial"/>
-                <a:cs typeface="Arial"/>
-              </a:rPr>
-              <a:t>User (user)</a:t>
-            </a:r>
-            <a:endParaRPr sz="2400" b="0" i="0" u="none">
+            <a:endParaRPr sz="2400" b="0" i="0" u="none" dirty="0">
               <a:solidFill>
                 <a:srgbClr val="000000"/>
               </a:solidFill>
@@ -25178,196 +28826,182 @@
           </a:p>
         </p:txBody>
       </p:sp>
-      <p:pic>
-        <p:nvPicPr>
-          <p:cNvPr id="402" name="Google Shape;402;p20"/>
-          <p:cNvPicPr/>
-          <p:nvPr/>
-        </p:nvPicPr>
-        <p:blipFill>
-          <a:blip r:embed="rId2">
-            <a:alphaModFix/>
-          </a:blip>
-          <a:srcRect l="0" t="0" r="0" b="0"/>
-          <a:stretch/>
-        </p:blipFill>
-        <p:spPr bwMode="auto">
-          <a:xfrm>
-            <a:off x="6573168" y="1340767"/>
-            <a:ext cx="3961481" cy="3961481"/>
-          </a:xfrm>
-          <a:prstGeom prst="rect">
-            <a:avLst/>
-          </a:prstGeom>
-          <a:noFill/>
-          <a:ln>
-            <a:noFill/>
-          </a:ln>
-        </p:spPr>
-      </p:pic>
       <p:sp>
         <p:nvSpPr>
-          <p:cNvPr id="403" name="Google Shape;403;p20"/>
+          <p:cNvPr id="281538676" name="Textfeld 281538675"/>
           <p:cNvSpPr txBox="1"/>
           <p:nvPr/>
         </p:nvSpPr>
         <p:spPr bwMode="auto">
           <a:xfrm>
-            <a:off x="6573168" y="5302249"/>
-            <a:ext cx="3969761" cy="1082399"/>
+            <a:off x="6289730" y="5302249"/>
+            <a:ext cx="5131543" cy="932948"/>
           </a:xfrm>
           <a:prstGeom prst="rect">
             <a:avLst/>
           </a:prstGeom>
           <a:solidFill>
-            <a:schemeClr val="lt1"/>
+            <a:schemeClr val="bg1"/>
           </a:solidFill>
-          <a:ln>
-            <a:noFill/>
-          </a:ln>
         </p:spPr>
         <p:txBody>
-          <a:bodyPr spcFirstLastPara="1" wrap="square" lIns="91425" tIns="45700" rIns="91425" bIns="45700" anchor="t" anchorCtr="0">
+          <a:bodyPr vertOverflow="overflow" horzOverflow="overflow" vert="horz" wrap="square" lIns="91440" tIns="45720" rIns="91440" bIns="45720" numCol="1" spcCol="0" rtlCol="0" fromWordArt="0" anchor="t" anchorCtr="0" forceAA="0" compatLnSpc="0">
             <a:spAutoFit/>
           </a:bodyPr>
           <a:lstStyle/>
           <a:p>
-            <a:pPr marL="0" marR="0" lvl="0" indent="0" algn="ctr">
-              <a:spcBef>
-                <a:spcPts val="0"/>
-              </a:spcBef>
-              <a:spcAft>
-                <a:spcPts val="0"/>
-              </a:spcAft>
-              <a:buNone/>
+            <a:pPr algn="ctr">
+              <a:defRPr/>
+            </a:pPr>
+            <a:endParaRPr lang="de-DE" dirty="0">
+              <a:latin typeface="Arial"/>
+              <a:ea typeface="Arial"/>
+              <a:cs typeface="Arial"/>
+            </a:endParaRPr>
+          </a:p>
+          <a:p>
+            <a:pPr algn="ctr">
               <a:defRPr/>
             </a:pPr>
             <a:br>
-              <a:rPr lang="en-US" sz="1800" b="0" i="0" u="none" strike="noStrike" cap="none">
-                <a:solidFill>
-                  <a:schemeClr val="dk1"/>
-                </a:solidFill>
+              <a:rPr dirty="0">
                 <a:latin typeface="Arial"/>
                 <a:ea typeface="Arial"/>
                 <a:cs typeface="Arial"/>
               </a:rPr>
             </a:br>
             <a:r>
-              <a:rPr lang="en-US" sz="1800" b="0" i="0" u="none" strike="noStrike" cap="none">
-                <a:solidFill>
-                  <a:schemeClr val="dk1"/>
+              <a:rPr lang="en-US" sz="1800" b="0" i="0" u="none" strike="noStrike" cap="none" spc="0" dirty="0">
+                <a:solidFill>
+                  <a:schemeClr val="tx1"/>
                 </a:solidFill>
                 <a:latin typeface="Arial"/>
                 <a:ea typeface="Arial"/>
                 <a:cs typeface="Arial"/>
               </a:rPr>
-              <a:t>Mount namespace.</a:t>
+              <a:t>Isolation Layers</a:t>
             </a:r>
-            <a:br>
-              <a:rPr lang="en-US" sz="1800" b="0" i="0" u="none" strike="noStrike" cap="none">
-                <a:solidFill>
-                  <a:schemeClr val="dk1"/>
-                </a:solidFill>
+            <a:r>
+              <a:rPr dirty="0">
                 <a:latin typeface="Arial"/>
                 <a:ea typeface="Arial"/>
                 <a:cs typeface="Arial"/>
               </a:rPr>
-            </a:br>
+              <a:t>.</a:t>
+            </a:r>
+          </a:p>
+          <a:p>
+            <a:pPr algn="ctr">
+              <a:defRPr/>
+            </a:pPr>
             <a:r>
-              <a:rPr lang="en-US" sz="1800" b="0" i="0" u="none" strike="noStrike" cap="none">
-                <a:solidFill>
-                  <a:schemeClr val="dk1"/>
-                </a:solidFill>
+              <a:rPr sz="1100" dirty="0">
                 <a:latin typeface="Arial"/>
                 <a:ea typeface="Arial"/>
                 <a:cs typeface="Arial"/>
               </a:rPr>
-              <a:t> </a:t>
+              <a:t>Image taken from </a:t>
             </a:r>
-            <a:endParaRPr sz="1800" b="0" i="0" u="none" strike="noStrike" cap="none">
-              <a:solidFill>
-                <a:schemeClr val="dk1"/>
-              </a:solidFill>
-              <a:latin typeface="Arial"/>
-              <a:ea typeface="Arial"/>
-              <a:cs typeface="Arial"/>
-            </a:endParaRPr>
-          </a:p>
-          <a:p>
-            <a:pPr marL="0" marR="0" lvl="0" indent="0" algn="ctr">
-              <a:spcBef>
-                <a:spcPts val="0"/>
-              </a:spcBef>
-              <a:spcAft>
-                <a:spcPts val="0"/>
-              </a:spcAft>
-              <a:buNone/>
-              <a:defRPr/>
-            </a:pPr>
             <a:r>
-              <a:rPr lang="en-US" sz="1100" b="0" i="0" u="none" strike="noStrike" cap="none">
-                <a:solidFill>
-                  <a:schemeClr val="dk1"/>
-                </a:solidFill>
+              <a:rPr lang="de-IT" sz="1100" dirty="0">
                 <a:latin typeface="Arial"/>
                 <a:ea typeface="Arial"/>
                 <a:cs typeface="Arial"/>
               </a:rPr>
-              <a:t>Image taken from [</a:t>
+              <a:t>[</a:t>
             </a:r>
             <a:r>
-              <a:rPr lang="en-US" sz="1100" b="0" i="0" u="sng" strike="noStrike" cap="none">
+              <a:rPr lang="de-DE" sz="1100" u="sng" dirty="0" err="1">
                 <a:solidFill>
                   <a:schemeClr val="hlink"/>
                 </a:solidFill>
-                <a:latin typeface="Arial"/>
-                <a:ea typeface="Arial"/>
-                <a:cs typeface="Arial"/>
-                <a:hlinkClick r:id="rId3" tooltip="https://www.toptal.com/linux/separation-anxiety-isolating-your-system-with-linux-namespaces"/>
               </a:rPr>
-              <a:t>www.toptal.com</a:t>
+              <a:t>www</a:t>
             </a:r>
             <a:r>
-              <a:rPr lang="en-US" sz="1100" b="0" i="0" u="none" strike="noStrike" cap="none">
-                <a:solidFill>
-                  <a:schemeClr val="dk1"/>
-                </a:solidFill>
+              <a:rPr lang="de-IT" sz="1100" u="sng" dirty="0">
+                <a:solidFill>
+                  <a:schemeClr val="hlink"/>
+                </a:solidFill>
+              </a:rPr>
+              <a:t>.</a:t>
+            </a:r>
+            <a:r>
+              <a:rPr lang="de-DE" sz="1100" u="sng" dirty="0">
+                <a:solidFill>
+                  <a:schemeClr val="hlink"/>
+                </a:solidFill>
+              </a:rPr>
+              <a:t>securitylabs.datadoghq.com</a:t>
+            </a:r>
+            <a:r>
+              <a:rPr sz="1100" dirty="0">
                 <a:latin typeface="Arial"/>
                 <a:ea typeface="Arial"/>
                 <a:cs typeface="Arial"/>
               </a:rPr>
               <a:t>]</a:t>
             </a:r>
-            <a:endParaRPr sz="1100" b="0" i="0" u="none" strike="noStrike" cap="none">
-              <a:solidFill>
-                <a:schemeClr val="dk1"/>
-              </a:solidFill>
-              <a:latin typeface="Times New Roman"/>
-              <a:ea typeface="Times New Roman"/>
-              <a:cs typeface="Times New Roman"/>
-            </a:endParaRPr>
+            <a:endParaRPr sz="1100" dirty="0"/>
           </a:p>
         </p:txBody>
       </p:sp>
+      <p:pic>
+        <p:nvPicPr>
+          <p:cNvPr id="1026" name="Picture 2">
+            <a:extLst>
+              <a:ext uri="{FF2B5EF4-FFF2-40B4-BE49-F238E27FC236}">
+                <a16:creationId xmlns:a16="http://schemas.microsoft.com/office/drawing/2014/main" id="{6378E903-D98B-6ECD-26D3-49545DF16DAC}"/>
+              </a:ext>
+            </a:extLst>
+          </p:cNvPr>
+          <p:cNvPicPr>
+            <a:picLocks noChangeAspect="1" noChangeArrowheads="1"/>
+          </p:cNvPicPr>
+          <p:nvPr/>
+        </p:nvPicPr>
+        <p:blipFill rotWithShape="1">
+          <a:blip r:embed="rId3">
+            <a:extLst>
+              <a:ext uri="{28A0092B-C50C-407E-A947-70E740481C1C}">
+                <a14:useLocalDpi xmlns:a14="http://schemas.microsoft.com/office/drawing/2010/main" val="0"/>
+              </a:ext>
+            </a:extLst>
+          </a:blip>
+          <a:srcRect l="22197" r="20709"/>
+          <a:stretch/>
+        </p:blipFill>
+        <p:spPr bwMode="auto">
+          <a:xfrm>
+            <a:off x="6289729" y="1250468"/>
+            <a:ext cx="5131544" cy="4357064"/>
+          </a:xfrm>
+          <a:prstGeom prst="rect">
+            <a:avLst/>
+          </a:prstGeom>
+          <a:noFill/>
+          <a:extLst>
+            <a:ext uri="{909E8E84-426E-40DD-AFC4-6F175D3DCCD1}">
+              <a14:hiddenFill xmlns:a14="http://schemas.microsoft.com/office/drawing/2010/main">
+                <a:solidFill>
+                  <a:srgbClr val="FFFFFF"/>
+                </a:solidFill>
+              </a14:hiddenFill>
+            </a:ext>
+          </a:extLst>
+        </p:spPr>
+      </p:pic>
     </p:spTree>
   </p:cSld>
   <p:clrMapOvr>
     <a:masterClrMapping/>
   </p:clrMapOvr>
-  <mc:AlternateContent xmlns:mc="http://schemas.openxmlformats.org/markup-compatibility/2006">
-    <mc:Choice xmlns:p14="http://schemas.microsoft.com/office/powerpoint/2010/main" Requires="p14">
-      <p:transition p14:dur="2000" advClick="1"/>
-    </mc:Choice>
-    <mc:Fallback>
-      <p:transition advClick="1"/>
-    </mc:Fallback>
-  </mc:AlternateContent>
 </p:sld>
 </file>
 
 <file path=ppt/slides/slide9.xml><?xml version="1.0" encoding="utf-8"?>
-<p:sld xmlns:a="http://schemas.openxmlformats.org/drawingml/2006/main" xmlns:r="http://schemas.openxmlformats.org/officeDocument/2006/relationships" xmlns:p="http://schemas.openxmlformats.org/presentationml/2006/main" xmlns:m="http://schemas.openxmlformats.org/officeDocument/2006/math" xmlns:w="http://schemas.openxmlformats.org/wordprocessingml/2006/main" showMasterPhAnim="0" show="1">
-  <p:cSld name="">
+<p:sld xmlns:a="http://schemas.openxmlformats.org/drawingml/2006/main" xmlns:r="http://schemas.openxmlformats.org/officeDocument/2006/relationships" xmlns:p="http://schemas.openxmlformats.org/presentationml/2006/main" showMasterPhAnim="0">
+  <p:cSld>
     <p:spTree>
       <p:nvGrpSpPr>
         <p:cNvPr id="1" name=""/>
@@ -25384,229 +29018,519 @@
       </p:grpSpPr>
       <p:sp>
         <p:nvSpPr>
-          <p:cNvPr id="409" name="Google Shape;409;p21"/>
-          <p:cNvSpPr txBox="1"/>
+          <p:cNvPr id="696532452" name="Заголовок 1"/>
+          <p:cNvSpPr>
+            <a:spLocks noGrp="1"/>
+          </p:cNvSpPr>
           <p:nvPr>
             <p:ph type="title"/>
           </p:nvPr>
         </p:nvSpPr>
-        <p:spPr bwMode="auto">
-          <a:xfrm>
-            <a:off x="2676487" y="220639"/>
-            <a:ext cx="6750077" cy="856127"/>
-          </a:xfrm>
-          <a:prstGeom prst="rect">
-            <a:avLst/>
-          </a:prstGeom>
-          <a:solidFill>
-            <a:schemeClr val="lt1">
-              <a:alpha val="83921"/>
-            </a:schemeClr>
-          </a:solidFill>
-          <a:ln>
-            <a:noFill/>
-          </a:ln>
-        </p:spPr>
+        <p:spPr bwMode="auto"/>
         <p:txBody>
-          <a:bodyPr spcFirstLastPara="1" wrap="square" lIns="91425" tIns="45700" rIns="91425" bIns="45700" anchor="ctr" anchorCtr="0">
+          <a:bodyPr vertOverflow="overflow" horzOverflow="overflow" vert="horz" wrap="square" lIns="91440" tIns="45720" rIns="91440" bIns="45720" numCol="1" spcCol="0" rtlCol="0" fromWordArt="0" anchor="ctr" anchorCtr="0" forceAA="0" compatLnSpc="0">
             <a:normAutofit/>
           </a:bodyPr>
           <a:lstStyle/>
           <a:p>
-            <a:pPr marL="0" lvl="0" indent="0" algn="ctr">
-              <a:spcBef>
-                <a:spcPts val="0"/>
-              </a:spcBef>
-              <a:spcAft>
-                <a:spcPts val="0"/>
-              </a:spcAft>
-              <a:buClr>
-                <a:srgbClr val="00007F"/>
-              </a:buClr>
-              <a:buSzPts val="3200"/>
-              <a:buFont typeface="Arial"/>
-              <a:buNone/>
+            <a:pPr>
               <a:defRPr/>
             </a:pPr>
             <a:r>
-              <a:rPr lang="en-US"/>
-              <a:t>Capabilities</a:t>
+              <a:rPr lang="de-DE" dirty="0" err="1"/>
+              <a:t>Important</a:t>
             </a:r>
-            <a:endParaRPr/>
+            <a:r>
+              <a:rPr lang="de-DE" dirty="0"/>
+              <a:t> </a:t>
+            </a:r>
+            <a:r>
+              <a:rPr dirty="0"/>
+              <a:t>Namespaces</a:t>
+            </a:r>
           </a:p>
         </p:txBody>
       </p:sp>
       <p:sp>
         <p:nvSpPr>
-          <p:cNvPr id="410" name="Google Shape;410;p21"/>
-          <p:cNvSpPr txBox="1"/>
+          <p:cNvPr id="1162661495" name="Объект 2"/>
+          <p:cNvSpPr>
+            <a:spLocks noGrp="1"/>
+          </p:cNvSpPr>
           <p:nvPr>
-            <p:ph type="body" idx="1"/>
+            <p:ph idx="1"/>
           </p:nvPr>
         </p:nvSpPr>
         <p:spPr bwMode="auto">
           <a:xfrm>
             <a:off x="609599" y="1340767"/>
-            <a:ext cx="10972800" cy="4608513"/>
+            <a:ext cx="5774725" cy="5043881"/>
           </a:xfrm>
-          <a:prstGeom prst="rect">
-            <a:avLst/>
-          </a:prstGeom>
-          <a:noFill/>
-          <a:ln>
-            <a:noFill/>
-          </a:ln>
         </p:spPr>
         <p:txBody>
-          <a:bodyPr spcFirstLastPara="1" wrap="square" lIns="91425" tIns="45700" rIns="91425" bIns="45700" anchor="t" anchorCtr="0">
+          <a:bodyPr>
             <a:normAutofit/>
           </a:bodyPr>
           <a:lstStyle/>
           <a:p>
-            <a:pPr marL="342900" lvl="0" indent="-342900" algn="l">
+            <a:pPr>
               <a:lnSpc>
                 <a:spcPct val="114999"/>
               </a:lnSpc>
-              <a:spcBef>
-                <a:spcPts val="0"/>
-              </a:spcBef>
-              <a:spcAft>
-                <a:spcPts val="0"/>
-              </a:spcAft>
-              <a:buClr>
-                <a:srgbClr val="0F243E"/>
-              </a:buClr>
-              <a:buSzPts val="3200"/>
-              <a:buChar char="•"/>
               <a:defRPr/>
             </a:pPr>
             <a:r>
-              <a:rPr lang="en-US">
+              <a:rPr lang="de-DE" sz="2800" b="0" i="0" u="none" dirty="0">
+                <a:solidFill>
+                  <a:srgbClr val="000000"/>
+                </a:solidFill>
                 <a:latin typeface="Arial"/>
                 <a:ea typeface="Arial"/>
                 <a:cs typeface="Arial"/>
               </a:rPr>
-              <a:t>Divide root privileges</a:t>
+              <a:t>Mount </a:t>
             </a:r>
-            <a:endParaRPr>
+            <a:r>
+              <a:rPr lang="de-DE" sz="2800" b="0" i="0" u="none" dirty="0" err="1">
+                <a:solidFill>
+                  <a:srgbClr val="000000"/>
+                </a:solidFill>
+                <a:latin typeface="Arial"/>
+                <a:ea typeface="Arial"/>
+                <a:cs typeface="Arial"/>
+              </a:rPr>
+              <a:t>namespace</a:t>
+            </a:r>
+            <a:r>
+              <a:rPr lang="de-DE" sz="2800" b="0" i="0" u="none" dirty="0">
+                <a:solidFill>
+                  <a:srgbClr val="000000"/>
+                </a:solidFill>
+                <a:latin typeface="Arial"/>
+                <a:ea typeface="Arial"/>
+                <a:cs typeface="Arial"/>
+              </a:rPr>
+              <a:t>:</a:t>
+            </a:r>
+          </a:p>
+          <a:p>
+            <a:pPr lvl="1">
+              <a:lnSpc>
+                <a:spcPct val="114999"/>
+              </a:lnSpc>
+              <a:defRPr/>
+            </a:pPr>
+            <a:r>
+              <a:rPr lang="de-DE" sz="2400" dirty="0" err="1">
+                <a:solidFill>
+                  <a:srgbClr val="000000"/>
+                </a:solidFill>
+                <a:latin typeface="Arial"/>
+                <a:ea typeface="Arial"/>
+                <a:cs typeface="Arial"/>
+              </a:rPr>
+              <a:t>Provides</a:t>
+            </a:r>
+            <a:r>
+              <a:rPr lang="de-DE" sz="2400" dirty="0">
+                <a:solidFill>
+                  <a:srgbClr val="000000"/>
+                </a:solidFill>
+                <a:latin typeface="Arial"/>
+                <a:ea typeface="Arial"/>
+                <a:cs typeface="Arial"/>
+              </a:rPr>
+              <a:t> </a:t>
+            </a:r>
+            <a:r>
+              <a:rPr lang="de-DE" sz="2400" dirty="0" err="1">
+                <a:solidFill>
+                  <a:srgbClr val="000000"/>
+                </a:solidFill>
+                <a:latin typeface="Arial"/>
+                <a:ea typeface="Arial"/>
+                <a:cs typeface="Arial"/>
+              </a:rPr>
+              <a:t>isolated</a:t>
+            </a:r>
+            <a:r>
+              <a:rPr lang="de-DE" sz="2400" dirty="0">
+                <a:solidFill>
+                  <a:srgbClr val="000000"/>
+                </a:solidFill>
+                <a:latin typeface="Arial"/>
+                <a:ea typeface="Arial"/>
+                <a:cs typeface="Arial"/>
+              </a:rPr>
+              <a:t> </a:t>
+            </a:r>
+            <a:r>
+              <a:rPr lang="de-DE" sz="2400" dirty="0" err="1">
+                <a:solidFill>
+                  <a:srgbClr val="000000"/>
+                </a:solidFill>
+                <a:latin typeface="Arial"/>
+                <a:ea typeface="Arial"/>
+                <a:cs typeface="Arial"/>
+              </a:rPr>
+              <a:t>view</a:t>
+            </a:r>
+            <a:r>
+              <a:rPr lang="de-DE" sz="2400" dirty="0">
+                <a:solidFill>
+                  <a:srgbClr val="000000"/>
+                </a:solidFill>
+                <a:latin typeface="Arial"/>
+                <a:ea typeface="Arial"/>
+                <a:cs typeface="Arial"/>
+              </a:rPr>
+              <a:t> </a:t>
+            </a:r>
+            <a:r>
+              <a:rPr lang="de-DE" sz="2400" dirty="0" err="1">
+                <a:solidFill>
+                  <a:srgbClr val="000000"/>
+                </a:solidFill>
+                <a:latin typeface="Arial"/>
+                <a:ea typeface="Arial"/>
+                <a:cs typeface="Arial"/>
+              </a:rPr>
+              <a:t>of</a:t>
+            </a:r>
+            <a:r>
+              <a:rPr lang="de-DE" sz="2400" dirty="0">
+                <a:solidFill>
+                  <a:srgbClr val="000000"/>
+                </a:solidFill>
+                <a:latin typeface="Arial"/>
+                <a:ea typeface="Arial"/>
+                <a:cs typeface="Arial"/>
+              </a:rPr>
+              <a:t> </a:t>
+            </a:r>
+            <a:r>
+              <a:rPr lang="de-DE" sz="2400" dirty="0" err="1">
+                <a:solidFill>
+                  <a:srgbClr val="000000"/>
+                </a:solidFill>
+                <a:latin typeface="Arial"/>
+                <a:ea typeface="Arial"/>
+                <a:cs typeface="Arial"/>
+              </a:rPr>
+              <a:t>filesystem</a:t>
+            </a:r>
+            <a:r>
+              <a:rPr lang="de-DE" sz="2400" dirty="0">
+                <a:solidFill>
+                  <a:srgbClr val="000000"/>
+                </a:solidFill>
+                <a:latin typeface="Arial"/>
+                <a:ea typeface="Arial"/>
+                <a:cs typeface="Arial"/>
+              </a:rPr>
+              <a:t> </a:t>
+            </a:r>
+            <a:r>
+              <a:rPr lang="de-DE" sz="2400" dirty="0" err="1">
+                <a:solidFill>
+                  <a:srgbClr val="000000"/>
+                </a:solidFill>
+                <a:latin typeface="Arial"/>
+                <a:ea typeface="Arial"/>
+                <a:cs typeface="Arial"/>
+              </a:rPr>
+              <a:t>hierarchy</a:t>
+            </a:r>
+            <a:endParaRPr lang="de-DE" sz="2400" dirty="0">
+              <a:solidFill>
+                <a:srgbClr val="000000"/>
+              </a:solidFill>
               <a:latin typeface="Arial"/>
               <a:ea typeface="Arial"/>
               <a:cs typeface="Arial"/>
             </a:endParaRPr>
           </a:p>
           <a:p>
-            <a:pPr marL="1143000" lvl="2" indent="-228600" algn="l">
+            <a:pPr>
               <a:lnSpc>
                 <a:spcPct val="114999"/>
               </a:lnSpc>
-              <a:spcBef>
-                <a:spcPts val="0"/>
-              </a:spcBef>
-              <a:spcAft>
-                <a:spcPts val="0"/>
-              </a:spcAft>
-              <a:buClr>
-                <a:srgbClr val="0F243E"/>
-              </a:buClr>
-              <a:buSzPts val="2400"/>
-              <a:buChar char="•"/>
               <a:defRPr/>
             </a:pPr>
             <a:r>
-              <a:rPr lang="en-US">
+              <a:rPr lang="de-DE" sz="2800" b="0" i="0" u="none" dirty="0">
+                <a:solidFill>
+                  <a:schemeClr val="bg1">
+                    <a:lumMod val="65000"/>
+                  </a:schemeClr>
+                </a:solidFill>
                 <a:latin typeface="Arial"/>
                 <a:ea typeface="Arial"/>
                 <a:cs typeface="Arial"/>
               </a:rPr>
-              <a:t>Over 40 privileges</a:t>
+              <a:t>PID </a:t>
             </a:r>
-            <a:endParaRPr>
+            <a:r>
+              <a:rPr lang="de-DE" sz="2800" b="0" i="0" u="none" dirty="0" err="1">
+                <a:solidFill>
+                  <a:schemeClr val="bg1">
+                    <a:lumMod val="65000"/>
+                  </a:schemeClr>
+                </a:solidFill>
+                <a:latin typeface="Arial"/>
+                <a:ea typeface="Arial"/>
+                <a:cs typeface="Arial"/>
+              </a:rPr>
+              <a:t>namespace</a:t>
+            </a:r>
+            <a:r>
+              <a:rPr lang="de-DE" sz="2800" b="0" i="0" u="none" dirty="0">
+                <a:solidFill>
+                  <a:schemeClr val="bg1">
+                    <a:lumMod val="65000"/>
+                  </a:schemeClr>
+                </a:solidFill>
+                <a:latin typeface="Arial"/>
+                <a:ea typeface="Arial"/>
+                <a:cs typeface="Arial"/>
+              </a:rPr>
+              <a:t>:</a:t>
+            </a:r>
+          </a:p>
+          <a:p>
+            <a:pPr lvl="1">
+              <a:lnSpc>
+                <a:spcPct val="114999"/>
+              </a:lnSpc>
+              <a:defRPr/>
+            </a:pPr>
+            <a:r>
+              <a:rPr lang="en-US" sz="2400" b="0" i="0" u="none" dirty="0">
+                <a:solidFill>
+                  <a:schemeClr val="bg1">
+                    <a:lumMod val="65000"/>
+                  </a:schemeClr>
+                </a:solidFill>
+                <a:latin typeface="Arial"/>
+                <a:ea typeface="Arial"/>
+                <a:cs typeface="Arial"/>
+              </a:rPr>
+              <a:t>Provides isolation within the set of process IDs</a:t>
+            </a:r>
+            <a:endParaRPr lang="de-DE" sz="2400" b="0" i="0" u="none" dirty="0">
+              <a:solidFill>
+                <a:schemeClr val="bg1">
+                  <a:lumMod val="65000"/>
+                </a:schemeClr>
+              </a:solidFill>
               <a:latin typeface="Arial"/>
               <a:ea typeface="Arial"/>
               <a:cs typeface="Arial"/>
             </a:endParaRPr>
           </a:p>
           <a:p>
-            <a:pPr marL="342900" lvl="0" indent="-342900" algn="l">
+            <a:pPr>
               <a:lnSpc>
                 <a:spcPct val="114999"/>
               </a:lnSpc>
-              <a:spcBef>
-                <a:spcPts val="0"/>
-              </a:spcBef>
-              <a:spcAft>
-                <a:spcPts val="0"/>
-              </a:spcAft>
-              <a:buClr>
-                <a:srgbClr val="0F243E"/>
-              </a:buClr>
-              <a:buSzPts val="3200"/>
-              <a:buChar char="•"/>
               <a:defRPr/>
             </a:pPr>
             <a:r>
-              <a:rPr lang="en-US">
+              <a:rPr lang="de-DE" sz="2800" b="0" i="0" u="none" dirty="0">
+                <a:solidFill>
+                  <a:schemeClr val="bg1">
+                    <a:lumMod val="65000"/>
+                  </a:schemeClr>
+                </a:solidFill>
                 <a:latin typeface="Arial"/>
                 <a:ea typeface="Arial"/>
                 <a:cs typeface="Arial"/>
               </a:rPr>
-              <a:t>Granular control</a:t>
+              <a:t>Network </a:t>
             </a:r>
-            <a:endParaRPr>
+            <a:r>
+              <a:rPr lang="de-DE" sz="2800" b="0" i="0" u="none" dirty="0" err="1">
+                <a:solidFill>
+                  <a:schemeClr val="bg1">
+                    <a:lumMod val="65000"/>
+                  </a:schemeClr>
+                </a:solidFill>
+                <a:latin typeface="Arial"/>
+                <a:ea typeface="Arial"/>
+                <a:cs typeface="Arial"/>
+              </a:rPr>
+              <a:t>namespace</a:t>
+            </a:r>
+            <a:r>
+              <a:rPr lang="de-DE" sz="2800" b="0" i="0" u="none" dirty="0">
+                <a:solidFill>
+                  <a:schemeClr val="bg1">
+                    <a:lumMod val="65000"/>
+                  </a:schemeClr>
+                </a:solidFill>
+                <a:latin typeface="Arial"/>
+                <a:ea typeface="Arial"/>
+                <a:cs typeface="Arial"/>
+              </a:rPr>
+              <a:t>:</a:t>
+            </a:r>
+          </a:p>
+          <a:p>
+            <a:pPr lvl="1">
+              <a:lnSpc>
+                <a:spcPct val="114999"/>
+              </a:lnSpc>
+              <a:defRPr/>
+            </a:pPr>
+            <a:r>
+              <a:rPr lang="en-US" sz="2400" b="0" i="0" u="none" dirty="0">
+                <a:solidFill>
+                  <a:schemeClr val="bg1">
+                    <a:lumMod val="65000"/>
+                  </a:schemeClr>
+                </a:solidFill>
+                <a:latin typeface="Arial"/>
+                <a:ea typeface="Arial"/>
+                <a:cs typeface="Arial"/>
+              </a:rPr>
+              <a:t>Is responsible for the isolation of network-related resources</a:t>
+            </a:r>
+            <a:endParaRPr lang="de-DE" sz="2400" b="0" i="0" u="none" dirty="0">
+              <a:solidFill>
+                <a:schemeClr val="bg1">
+                  <a:lumMod val="65000"/>
+                </a:schemeClr>
+              </a:solidFill>
               <a:latin typeface="Arial"/>
               <a:ea typeface="Arial"/>
               <a:cs typeface="Arial"/>
             </a:endParaRPr>
           </a:p>
           <a:p>
-            <a:pPr marL="1143000" lvl="2" indent="-228600" algn="l">
+            <a:pPr>
               <a:lnSpc>
                 <a:spcPct val="114999"/>
               </a:lnSpc>
-              <a:spcBef>
-                <a:spcPts val="0"/>
-              </a:spcBef>
-              <a:spcAft>
-                <a:spcPts val="0"/>
-              </a:spcAft>
-              <a:buClr>
-                <a:srgbClr val="0F243E"/>
-              </a:buClr>
-              <a:buSzPts val="2400"/>
-              <a:buChar char="•"/>
               <a:defRPr/>
             </a:pPr>
             <a:r>
-              <a:rPr lang="en-US">
+              <a:rPr lang="de-DE" sz="2800" dirty="0">
+                <a:solidFill>
+                  <a:schemeClr val="bg1">
+                    <a:lumMod val="65000"/>
+                  </a:schemeClr>
+                </a:solidFill>
                 <a:latin typeface="Arial"/>
                 <a:ea typeface="Arial"/>
                 <a:cs typeface="Arial"/>
               </a:rPr>
-              <a:t>Only required priviledges</a:t>
+              <a:t>User </a:t>
             </a:r>
-            <a:endParaRPr>
-              <a:latin typeface="Arial"/>
-              <a:ea typeface="Arial"/>
-              <a:cs typeface="Arial"/>
-            </a:endParaRPr>
+            <a:r>
+              <a:rPr lang="de-DE" sz="2800" dirty="0" err="1">
+                <a:solidFill>
+                  <a:schemeClr val="bg1">
+                    <a:lumMod val="65000"/>
+                  </a:schemeClr>
+                </a:solidFill>
+                <a:latin typeface="Arial"/>
+                <a:ea typeface="Arial"/>
+                <a:cs typeface="Arial"/>
+              </a:rPr>
+              <a:t>namespace</a:t>
+            </a:r>
+            <a:r>
+              <a:rPr lang="de-DE" sz="2800" dirty="0">
+                <a:solidFill>
+                  <a:schemeClr val="bg1">
+                    <a:lumMod val="65000"/>
+                  </a:schemeClr>
+                </a:solidFill>
+                <a:latin typeface="Arial"/>
+                <a:ea typeface="Arial"/>
+                <a:cs typeface="Arial"/>
+              </a:rPr>
+              <a:t>:</a:t>
+            </a:r>
           </a:p>
           <a:p>
-            <a:pPr marL="0" lvl="0" indent="0" algn="l">
-              <a:spcBef>
-                <a:spcPts val="0"/>
-              </a:spcBef>
-              <a:spcAft>
-                <a:spcPts val="0"/>
-              </a:spcAft>
-              <a:buClr>
-                <a:srgbClr val="0F243E"/>
-              </a:buClr>
-              <a:buSzPts val="3200"/>
-              <a:buFont typeface="Arial"/>
-              <a:buNone/>
+            <a:pPr lvl="1">
+              <a:lnSpc>
+                <a:spcPct val="114999"/>
+              </a:lnSpc>
               <a:defRPr/>
             </a:pPr>
-            <a:endParaRPr>
+            <a:r>
+              <a:rPr lang="de-DE" sz="2400" b="0" i="0" u="none" dirty="0">
+                <a:solidFill>
+                  <a:schemeClr val="bg1">
+                    <a:lumMod val="65000"/>
+                  </a:schemeClr>
+                </a:solidFill>
+                <a:latin typeface="Arial"/>
+                <a:ea typeface="Arial"/>
+                <a:cs typeface="Arial"/>
+              </a:rPr>
+              <a:t>Isolates </a:t>
+            </a:r>
+            <a:r>
+              <a:rPr lang="de-DE" sz="2400" b="0" i="0" u="none" dirty="0" err="1">
+                <a:solidFill>
+                  <a:schemeClr val="bg1">
+                    <a:lumMod val="65000"/>
+                  </a:schemeClr>
+                </a:solidFill>
+                <a:latin typeface="Arial"/>
+                <a:ea typeface="Arial"/>
+                <a:cs typeface="Arial"/>
+              </a:rPr>
+              <a:t>the</a:t>
+            </a:r>
+            <a:r>
+              <a:rPr lang="de-DE" sz="2400" b="0" i="0" u="none" dirty="0">
+                <a:solidFill>
+                  <a:schemeClr val="bg1">
+                    <a:lumMod val="65000"/>
+                  </a:schemeClr>
+                </a:solidFill>
+                <a:latin typeface="Arial"/>
+                <a:ea typeface="Arial"/>
+                <a:cs typeface="Arial"/>
+              </a:rPr>
+              <a:t> </a:t>
+            </a:r>
+            <a:r>
+              <a:rPr lang="de-DE" sz="2400" b="0" i="0" u="none" dirty="0" err="1">
+                <a:solidFill>
+                  <a:schemeClr val="bg1">
+                    <a:lumMod val="65000"/>
+                  </a:schemeClr>
+                </a:solidFill>
+                <a:latin typeface="Arial"/>
+                <a:ea typeface="Arial"/>
+                <a:cs typeface="Arial"/>
+              </a:rPr>
+              <a:t>user</a:t>
+            </a:r>
+            <a:r>
+              <a:rPr lang="de-DE" sz="2400" dirty="0">
+                <a:solidFill>
+                  <a:schemeClr val="bg1">
+                    <a:lumMod val="65000"/>
+                  </a:schemeClr>
+                </a:solidFill>
+                <a:latin typeface="Arial"/>
+                <a:ea typeface="Arial"/>
+                <a:cs typeface="Arial"/>
+              </a:rPr>
+              <a:t> IDs</a:t>
+            </a:r>
+            <a:endParaRPr lang="de-DE" sz="2400" b="0" i="0" u="none" dirty="0">
+              <a:solidFill>
+                <a:schemeClr val="bg1">
+                  <a:lumMod val="65000"/>
+                </a:schemeClr>
+              </a:solidFill>
               <a:latin typeface="Arial"/>
               <a:ea typeface="Arial"/>
               <a:cs typeface="Arial"/>
@@ -25614,261 +29538,148 @@
           </a:p>
         </p:txBody>
       </p:sp>
+      <p:pic>
+        <p:nvPicPr>
+          <p:cNvPr id="1838826119" name="Grafik 1838826118"/>
+          <p:cNvPicPr>
+            <a:picLocks noChangeAspect="1"/>
+          </p:cNvPicPr>
+          <p:nvPr/>
+        </p:nvPicPr>
+        <p:blipFill>
+          <a:blip r:embed="rId3"/>
+          <a:stretch/>
+        </p:blipFill>
+        <p:spPr bwMode="auto">
+          <a:xfrm>
+            <a:off x="7179733" y="1340767"/>
+            <a:ext cx="3961481" cy="3961481"/>
+          </a:xfrm>
+          <a:prstGeom prst="rect">
+            <a:avLst/>
+          </a:prstGeom>
+        </p:spPr>
+      </p:pic>
       <p:sp>
         <p:nvSpPr>
-          <p:cNvPr id="411" name="Google Shape;411;p21"/>
+          <p:cNvPr id="281538676" name="Textfeld 281538675"/>
           <p:cNvSpPr txBox="1"/>
           <p:nvPr/>
         </p:nvSpPr>
         <p:spPr bwMode="auto">
           <a:xfrm>
-            <a:off x="6052247" y="5563509"/>
-            <a:ext cx="5135677" cy="366119"/>
-          </a:xfrm>
-          <a:prstGeom prst="rect">
-            <a:avLst/>
-          </a:prstGeom>
-          <a:noFill/>
-          <a:ln>
-            <a:noFill/>
-          </a:ln>
-        </p:spPr>
-        <p:txBody>
-          <a:bodyPr spcFirstLastPara="1" wrap="square" lIns="91425" tIns="45700" rIns="91425" bIns="45700" anchor="t" anchorCtr="0">
-            <a:spAutoFit/>
-          </a:bodyPr>
-          <a:lstStyle/>
-          <a:p>
-            <a:pPr marL="0" marR="0" lvl="0" indent="0" algn="l">
-              <a:spcBef>
-                <a:spcPts val="0"/>
-              </a:spcBef>
-              <a:spcAft>
-                <a:spcPts val="0"/>
-              </a:spcAft>
-              <a:buNone/>
-              <a:defRPr/>
-            </a:pPr>
-            <a:endParaRPr sz="1800" b="0" i="0" u="none" strike="noStrike" cap="none">
-              <a:solidFill>
-                <a:schemeClr val="dk1"/>
-              </a:solidFill>
-              <a:latin typeface="Times New Roman"/>
-              <a:ea typeface="Times New Roman"/>
-              <a:cs typeface="Times New Roman"/>
-            </a:endParaRPr>
-          </a:p>
-        </p:txBody>
-      </p:sp>
-      <p:pic>
-        <p:nvPicPr>
-          <p:cNvPr id="412" name="Google Shape;412;p21"/>
-          <p:cNvPicPr/>
-          <p:nvPr/>
-        </p:nvPicPr>
-        <p:blipFill>
-          <a:blip r:embed="rId2">
-            <a:alphaModFix/>
-          </a:blip>
-          <a:srcRect l="0" t="0" r="0" b="0"/>
-          <a:stretch/>
-        </p:blipFill>
-        <p:spPr bwMode="auto">
-          <a:xfrm>
-            <a:off x="6052247" y="1394698"/>
-            <a:ext cx="5134597" cy="2637551"/>
-          </a:xfrm>
-          <a:prstGeom prst="rect">
-            <a:avLst/>
-          </a:prstGeom>
-          <a:noFill/>
-          <a:ln>
-            <a:noFill/>
-          </a:ln>
-        </p:spPr>
-      </p:pic>
-      <p:sp>
-        <p:nvSpPr>
-          <p:cNvPr id="413" name="Google Shape;413;p21"/>
-          <p:cNvSpPr txBox="1"/>
-          <p:nvPr/>
-        </p:nvSpPr>
-        <p:spPr bwMode="auto">
-          <a:xfrm>
-            <a:off x="6051527" y="4083049"/>
-            <a:ext cx="5151157" cy="1250039"/>
+            <a:off x="7179733" y="5302249"/>
+            <a:ext cx="3961481" cy="1082399"/>
           </a:xfrm>
           <a:prstGeom prst="rect">
             <a:avLst/>
           </a:prstGeom>
           <a:solidFill>
-            <a:schemeClr val="lt1"/>
+            <a:schemeClr val="bg1"/>
           </a:solidFill>
-          <a:ln>
-            <a:noFill/>
-          </a:ln>
         </p:spPr>
         <p:txBody>
-          <a:bodyPr spcFirstLastPara="1" wrap="square" lIns="91425" tIns="45700" rIns="91425" bIns="45700" anchor="t" anchorCtr="0">
+          <a:bodyPr vertOverflow="overflow" horzOverflow="overflow" vert="horz" wrap="square" lIns="91440" tIns="45720" rIns="91440" bIns="45720" numCol="1" spcCol="0" rtlCol="0" fromWordArt="0" anchor="t" anchorCtr="0" forceAA="0" compatLnSpc="0">
             <a:spAutoFit/>
           </a:bodyPr>
           <a:lstStyle/>
           <a:p>
-            <a:pPr marL="0" marR="0" lvl="0" indent="0" algn="ctr">
-              <a:spcBef>
-                <a:spcPts val="0"/>
-              </a:spcBef>
-              <a:spcAft>
-                <a:spcPts val="0"/>
-              </a:spcAft>
-              <a:buNone/>
+            <a:pPr algn="ctr">
               <a:defRPr/>
             </a:pPr>
             <a:br>
-              <a:rPr lang="en-US" sz="1800" b="0" i="0" u="none" strike="noStrike" cap="none">
-                <a:solidFill>
-                  <a:schemeClr val="dk1"/>
-                </a:solidFill>
+              <a:rPr dirty="0">
                 <a:latin typeface="Arial"/>
                 <a:ea typeface="Arial"/>
                 <a:cs typeface="Arial"/>
               </a:rPr>
             </a:br>
             <a:r>
-              <a:rPr lang="en-US" sz="1800" b="0" i="0" u="none" strike="noStrike" cap="none">
-                <a:solidFill>
-                  <a:schemeClr val="dk1"/>
+              <a:rPr lang="en-US" sz="1800" b="0" i="0" u="none" strike="noStrike" cap="none" spc="0" dirty="0">
+                <a:solidFill>
+                  <a:schemeClr val="tx1"/>
                 </a:solidFill>
                 <a:latin typeface="Arial"/>
                 <a:ea typeface="Arial"/>
                 <a:cs typeface="Arial"/>
               </a:rPr>
-              <a:t>Manual capabilities cutout.</a:t>
+              <a:t>Mount namespace</a:t>
+            </a:r>
+            <a:r>
+              <a:rPr dirty="0">
+                <a:latin typeface="Arial"/>
+                <a:ea typeface="Arial"/>
+                <a:cs typeface="Arial"/>
+              </a:rPr>
+              <a:t>.</a:t>
             </a:r>
             <a:br>
-              <a:rPr lang="en-US" sz="1800" b="0" i="0" u="none" strike="noStrike" cap="none">
-                <a:solidFill>
-                  <a:schemeClr val="dk1"/>
-                </a:solidFill>
+              <a:rPr dirty="0">
                 <a:latin typeface="Arial"/>
                 <a:ea typeface="Arial"/>
                 <a:cs typeface="Arial"/>
               </a:rPr>
             </a:br>
             <a:r>
-              <a:rPr lang="en-US" sz="1800" b="0" i="0" u="none" strike="noStrike" cap="none">
-                <a:solidFill>
-                  <a:schemeClr val="dk1"/>
-                </a:solidFill>
+              <a:rPr dirty="0">
                 <a:latin typeface="Arial"/>
                 <a:ea typeface="Arial"/>
                 <a:cs typeface="Arial"/>
               </a:rPr>
               <a:t> </a:t>
             </a:r>
-            <a:endParaRPr sz="1800" b="0" i="0" u="none" strike="noStrike" cap="none">
-              <a:solidFill>
-                <a:schemeClr val="dk1"/>
-              </a:solidFill>
-              <a:latin typeface="Arial"/>
-              <a:ea typeface="Arial"/>
-              <a:cs typeface="Arial"/>
-            </a:endParaRPr>
           </a:p>
           <a:p>
-            <a:pPr marL="0" marR="0" lvl="0" indent="0" algn="ctr">
-              <a:spcBef>
-                <a:spcPts val="0"/>
-              </a:spcBef>
-              <a:spcAft>
-                <a:spcPts val="0"/>
-              </a:spcAft>
-              <a:buNone/>
+            <a:pPr algn="ctr">
               <a:defRPr/>
             </a:pPr>
             <a:r>
-              <a:rPr lang="en-US" sz="1100" b="0" i="0" u="none" strike="noStrike" cap="none">
-                <a:solidFill>
-                  <a:schemeClr val="dk1"/>
-                </a:solidFill>
+              <a:rPr sz="1100" dirty="0">
                 <a:latin typeface="Arial"/>
                 <a:ea typeface="Arial"/>
                 <a:cs typeface="Arial"/>
               </a:rPr>
-              <a:t>Screenshot taken from [</a:t>
+              <a:t>Image taken from [</a:t>
             </a:r>
             <a:r>
-              <a:rPr lang="en-US" sz="1100" b="0" i="0" u="sng" strike="noStrike" cap="none">
+              <a:rPr sz="1100" u="sng" dirty="0">
                 <a:solidFill>
                   <a:schemeClr val="hlink"/>
                 </a:solidFill>
                 <a:latin typeface="Arial"/>
                 <a:ea typeface="Arial"/>
                 <a:cs typeface="Arial"/>
-                <a:hlinkClick r:id="rId3" tooltip="https://man7.org/linux/man-pages/man7/capabilities.7.html"/>
+                <a:hlinkClick r:id="rId4" tooltip="https://www.toptal.com/linux/separation-anxiety-isolating-your-system-with-linux-namespaces"/>
               </a:rPr>
-              <a:t>man7.org</a:t>
+              <a:t>www.toptal.com</a:t>
             </a:r>
             <a:r>
-              <a:rPr lang="en-US" sz="1100" b="0" i="0" u="none" strike="noStrike" cap="none">
-                <a:solidFill>
-                  <a:schemeClr val="dk1"/>
-                </a:solidFill>
+              <a:rPr sz="1100" dirty="0">
                 <a:latin typeface="Arial"/>
                 <a:ea typeface="Arial"/>
                 <a:cs typeface="Arial"/>
               </a:rPr>
               <a:t>]</a:t>
             </a:r>
-            <a:endParaRPr sz="1100" b="0" i="0" u="none" strike="noStrike" cap="none">
-              <a:solidFill>
-                <a:schemeClr val="dk1"/>
-              </a:solidFill>
-              <a:latin typeface="Arial"/>
-              <a:ea typeface="Arial"/>
-              <a:cs typeface="Arial"/>
-            </a:endParaRPr>
-          </a:p>
-          <a:p>
-            <a:pPr marL="0" marR="0" lvl="0" indent="0" algn="ctr">
-              <a:spcBef>
-                <a:spcPts val="0"/>
-              </a:spcBef>
-              <a:spcAft>
-                <a:spcPts val="0"/>
-              </a:spcAft>
-              <a:buNone/>
-              <a:defRPr/>
-            </a:pPr>
-            <a:endParaRPr sz="1100" b="0" i="0" u="none" strike="noStrike" cap="none">
-              <a:solidFill>
-                <a:schemeClr val="dk1"/>
-              </a:solidFill>
-              <a:latin typeface="Times New Roman"/>
-              <a:ea typeface="Times New Roman"/>
-              <a:cs typeface="Times New Roman"/>
-            </a:endParaRPr>
+            <a:endParaRPr sz="1100" dirty="0"/>
           </a:p>
         </p:txBody>
       </p:sp>
     </p:spTree>
+    <p:extLst>
+      <p:ext uri="{BB962C8B-B14F-4D97-AF65-F5344CB8AC3E}">
+        <p14:creationId xmlns:p14="http://schemas.microsoft.com/office/powerpoint/2010/main" val="2718845185"/>
+      </p:ext>
+    </p:extLst>
   </p:cSld>
   <p:clrMapOvr>
     <a:masterClrMapping/>
   </p:clrMapOvr>
-  <mc:AlternateContent xmlns:mc="http://schemas.openxmlformats.org/markup-compatibility/2006">
-    <mc:Choice xmlns:p14="http://schemas.microsoft.com/office/powerpoint/2010/main" Requires="p14">
-      <p:transition p14:dur="2000" advClick="1"/>
-    </mc:Choice>
-    <mc:Fallback>
-      <p:transition advClick="1"/>
-    </mc:Fallback>
-  </mc:AlternateContent>
 </p:sld>
 </file>
 
 <file path=ppt/theme/theme1.xml><?xml version="1.0" encoding="utf-8"?>
-<a:theme xmlns:a="http://schemas.openxmlformats.org/drawingml/2006/main" xmlns:r="http://schemas.openxmlformats.org/officeDocument/2006/relationships" xmlns:p="http://schemas.openxmlformats.org/presentationml/2006/main" name="Basic">
+<a:theme xmlns:a="http://schemas.openxmlformats.org/drawingml/2006/main" name="Basic">
   <a:themeElements>
     <a:clrScheme name="Color">
       <a:dk1>
@@ -26069,5 +29880,301 @@
     </a:fmtScheme>
   </a:themeElements>
   <a:objectDefaults/>
+  <a:extraClrSchemeLst/>
+</a:theme>
+</file>
+
+<file path=ppt/theme/theme2.xml><?xml version="1.0" encoding="utf-8"?>
+<a:theme xmlns:a="http://schemas.openxmlformats.org/drawingml/2006/main" name="Office">
+  <a:themeElements>
+    <a:clrScheme name="Office">
+      <a:dk1>
+        <a:sysClr val="windowText" lastClr="000000"/>
+      </a:dk1>
+      <a:lt1>
+        <a:sysClr val="window" lastClr="FFFFFF"/>
+      </a:lt1>
+      <a:dk2>
+        <a:srgbClr val="44546A"/>
+      </a:dk2>
+      <a:lt2>
+        <a:srgbClr val="E7E6E6"/>
+      </a:lt2>
+      <a:accent1>
+        <a:srgbClr val="4472C4"/>
+      </a:accent1>
+      <a:accent2>
+        <a:srgbClr val="ED7D31"/>
+      </a:accent2>
+      <a:accent3>
+        <a:srgbClr val="A5A5A5"/>
+      </a:accent3>
+      <a:accent4>
+        <a:srgbClr val="FFC000"/>
+      </a:accent4>
+      <a:accent5>
+        <a:srgbClr val="5B9BD5"/>
+      </a:accent5>
+      <a:accent6>
+        <a:srgbClr val="70AD47"/>
+      </a:accent6>
+      <a:hlink>
+        <a:srgbClr val="0563C1"/>
+      </a:hlink>
+      <a:folHlink>
+        <a:srgbClr val="954F72"/>
+      </a:folHlink>
+    </a:clrScheme>
+    <a:fontScheme name="Office">
+      <a:majorFont>
+        <a:latin typeface="Calibri Light" panose="020F0302020204030204"/>
+        <a:ea typeface=""/>
+        <a:cs typeface=""/>
+        <a:font script="Jpan" typeface="游ゴシック Light"/>
+        <a:font script="Hang" typeface="맑은 고딕"/>
+        <a:font script="Hans" typeface="等线 Light"/>
+        <a:font script="Hant" typeface="新細明體"/>
+        <a:font script="Arab" typeface="Times New Roman"/>
+        <a:font script="Hebr" typeface="Times New Roman"/>
+        <a:font script="Thai" typeface="Angsana New"/>
+        <a:font script="Ethi" typeface="Nyala"/>
+        <a:font script="Beng" typeface="Vrinda"/>
+        <a:font script="Gujr" typeface="Shruti"/>
+        <a:font script="Khmr" typeface="MoolBoran"/>
+        <a:font script="Knda" typeface="Tunga"/>
+        <a:font script="Guru" typeface="Raavi"/>
+        <a:font script="Cans" typeface="Euphemia"/>
+        <a:font script="Cher" typeface="Plantagenet Cherokee"/>
+        <a:font script="Yiii" typeface="Microsoft Yi Baiti"/>
+        <a:font script="Tibt" typeface="Microsoft Himalaya"/>
+        <a:font script="Thaa" typeface="MV Boli"/>
+        <a:font script="Deva" typeface="Mangal"/>
+        <a:font script="Telu" typeface="Gautami"/>
+        <a:font script="Taml" typeface="Latha"/>
+        <a:font script="Syrc" typeface="Estrangelo Edessa"/>
+        <a:font script="Orya" typeface="Kalinga"/>
+        <a:font script="Mlym" typeface="Kartika"/>
+        <a:font script="Laoo" typeface="DokChampa"/>
+        <a:font script="Sinh" typeface="Iskoola Pota"/>
+        <a:font script="Mong" typeface="Mongolian Baiti"/>
+        <a:font script="Viet" typeface="Times New Roman"/>
+        <a:font script="Uigh" typeface="Microsoft Uighur"/>
+        <a:font script="Geor" typeface="Sylfaen"/>
+        <a:font script="Armn" typeface="Arial"/>
+        <a:font script="Bugi" typeface="Leelawadee UI"/>
+        <a:font script="Bopo" typeface="Microsoft JhengHei"/>
+        <a:font script="Java" typeface="Javanese Text"/>
+        <a:font script="Lisu" typeface="Segoe UI"/>
+        <a:font script="Mymr" typeface="Myanmar Text"/>
+        <a:font script="Nkoo" typeface="Ebrima"/>
+        <a:font script="Olck" typeface="Nirmala UI"/>
+        <a:font script="Osma" typeface="Ebrima"/>
+        <a:font script="Phag" typeface="Phagspa"/>
+        <a:font script="Syrn" typeface="Estrangelo Edessa"/>
+        <a:font script="Syrj" typeface="Estrangelo Edessa"/>
+        <a:font script="Syre" typeface="Estrangelo Edessa"/>
+        <a:font script="Sora" typeface="Nirmala UI"/>
+        <a:font script="Tale" typeface="Microsoft Tai Le"/>
+        <a:font script="Talu" typeface="Microsoft New Tai Lue"/>
+        <a:font script="Tfng" typeface="Ebrima"/>
+      </a:majorFont>
+      <a:minorFont>
+        <a:latin typeface="Calibri" panose="020F0502020204030204"/>
+        <a:ea typeface=""/>
+        <a:cs typeface=""/>
+        <a:font script="Jpan" typeface="游ゴシック"/>
+        <a:font script="Hang" typeface="맑은 고딕"/>
+        <a:font script="Hans" typeface="等线"/>
+        <a:font script="Hant" typeface="新細明體"/>
+        <a:font script="Arab" typeface="Arial"/>
+        <a:font script="Hebr" typeface="Arial"/>
+        <a:font script="Thai" typeface="Cordia New"/>
+        <a:font script="Ethi" typeface="Nyala"/>
+        <a:font script="Beng" typeface="Vrinda"/>
+        <a:font script="Gujr" typeface="Shruti"/>
+        <a:font script="Khmr" typeface="DaunPenh"/>
+        <a:font script="Knda" typeface="Tunga"/>
+        <a:font script="Guru" typeface="Raavi"/>
+        <a:font script="Cans" typeface="Euphemia"/>
+        <a:font script="Cher" typeface="Plantagenet Cherokee"/>
+        <a:font script="Yiii" typeface="Microsoft Yi Baiti"/>
+        <a:font script="Tibt" typeface="Microsoft Himalaya"/>
+        <a:font script="Thaa" typeface="MV Boli"/>
+        <a:font script="Deva" typeface="Mangal"/>
+        <a:font script="Telu" typeface="Gautami"/>
+        <a:font script="Taml" typeface="Latha"/>
+        <a:font script="Syrc" typeface="Estrangelo Edessa"/>
+        <a:font script="Orya" typeface="Kalinga"/>
+        <a:font script="Mlym" typeface="Kartika"/>
+        <a:font script="Laoo" typeface="DokChampa"/>
+        <a:font script="Sinh" typeface="Iskoola Pota"/>
+        <a:font script="Mong" typeface="Mongolian Baiti"/>
+        <a:font script="Viet" typeface="Arial"/>
+        <a:font script="Uigh" typeface="Microsoft Uighur"/>
+        <a:font script="Geor" typeface="Sylfaen"/>
+        <a:font script="Armn" typeface="Arial"/>
+        <a:font script="Bugi" typeface="Leelawadee UI"/>
+        <a:font script="Bopo" typeface="Microsoft JhengHei"/>
+        <a:font script="Java" typeface="Javanese Text"/>
+        <a:font script="Lisu" typeface="Segoe UI"/>
+        <a:font script="Mymr" typeface="Myanmar Text"/>
+        <a:font script="Nkoo" typeface="Ebrima"/>
+        <a:font script="Olck" typeface="Nirmala UI"/>
+        <a:font script="Osma" typeface="Ebrima"/>
+        <a:font script="Phag" typeface="Phagspa"/>
+        <a:font script="Syrn" typeface="Estrangelo Edessa"/>
+        <a:font script="Syrj" typeface="Estrangelo Edessa"/>
+        <a:font script="Syre" typeface="Estrangelo Edessa"/>
+        <a:font script="Sora" typeface="Nirmala UI"/>
+        <a:font script="Tale" typeface="Microsoft Tai Le"/>
+        <a:font script="Talu" typeface="Microsoft New Tai Lue"/>
+        <a:font script="Tfng" typeface="Ebrima"/>
+      </a:minorFont>
+    </a:fontScheme>
+    <a:fmtScheme name="Office">
+      <a:fillStyleLst>
+        <a:solidFill>
+          <a:schemeClr val="phClr"/>
+        </a:solidFill>
+        <a:gradFill rotWithShape="1">
+          <a:gsLst>
+            <a:gs pos="0">
+              <a:schemeClr val="phClr">
+                <a:lumMod val="110000"/>
+                <a:satMod val="105000"/>
+                <a:tint val="67000"/>
+              </a:schemeClr>
+            </a:gs>
+            <a:gs pos="50000">
+              <a:schemeClr val="phClr">
+                <a:lumMod val="105000"/>
+                <a:satMod val="103000"/>
+                <a:tint val="73000"/>
+              </a:schemeClr>
+            </a:gs>
+            <a:gs pos="100000">
+              <a:schemeClr val="phClr">
+                <a:lumMod val="105000"/>
+                <a:satMod val="109000"/>
+                <a:tint val="81000"/>
+              </a:schemeClr>
+            </a:gs>
+          </a:gsLst>
+          <a:lin ang="5400000" scaled="0"/>
+        </a:gradFill>
+        <a:gradFill rotWithShape="1">
+          <a:gsLst>
+            <a:gs pos="0">
+              <a:schemeClr val="phClr">
+                <a:satMod val="103000"/>
+                <a:lumMod val="102000"/>
+                <a:tint val="94000"/>
+              </a:schemeClr>
+            </a:gs>
+            <a:gs pos="50000">
+              <a:schemeClr val="phClr">
+                <a:satMod val="110000"/>
+                <a:lumMod val="100000"/>
+                <a:shade val="100000"/>
+              </a:schemeClr>
+            </a:gs>
+            <a:gs pos="100000">
+              <a:schemeClr val="phClr">
+                <a:lumMod val="99000"/>
+                <a:satMod val="120000"/>
+                <a:shade val="78000"/>
+              </a:schemeClr>
+            </a:gs>
+          </a:gsLst>
+          <a:lin ang="5400000" scaled="0"/>
+        </a:gradFill>
+      </a:fillStyleLst>
+      <a:lnStyleLst>
+        <a:ln w="6350" cap="flat" cmpd="sng" algn="ctr">
+          <a:solidFill>
+            <a:schemeClr val="phClr"/>
+          </a:solidFill>
+          <a:prstDash val="solid"/>
+          <a:miter lim="800000"/>
+        </a:ln>
+        <a:ln w="12700" cap="flat" cmpd="sng" algn="ctr">
+          <a:solidFill>
+            <a:schemeClr val="phClr"/>
+          </a:solidFill>
+          <a:prstDash val="solid"/>
+          <a:miter lim="800000"/>
+        </a:ln>
+        <a:ln w="19050" cap="flat" cmpd="sng" algn="ctr">
+          <a:solidFill>
+            <a:schemeClr val="phClr"/>
+          </a:solidFill>
+          <a:prstDash val="solid"/>
+          <a:miter lim="800000"/>
+        </a:ln>
+      </a:lnStyleLst>
+      <a:effectStyleLst>
+        <a:effectStyle>
+          <a:effectLst/>
+        </a:effectStyle>
+        <a:effectStyle>
+          <a:effectLst/>
+        </a:effectStyle>
+        <a:effectStyle>
+          <a:effectLst>
+            <a:outerShdw blurRad="57150" dist="19050" dir="5400000" algn="ctr" rotWithShape="0">
+              <a:srgbClr val="000000">
+                <a:alpha val="63000"/>
+              </a:srgbClr>
+            </a:outerShdw>
+          </a:effectLst>
+        </a:effectStyle>
+      </a:effectStyleLst>
+      <a:bgFillStyleLst>
+        <a:solidFill>
+          <a:schemeClr val="phClr"/>
+        </a:solidFill>
+        <a:solidFill>
+          <a:schemeClr val="phClr">
+            <a:tint val="95000"/>
+            <a:satMod val="170000"/>
+          </a:schemeClr>
+        </a:solidFill>
+        <a:gradFill rotWithShape="1">
+          <a:gsLst>
+            <a:gs pos="0">
+              <a:schemeClr val="phClr">
+                <a:tint val="93000"/>
+                <a:satMod val="150000"/>
+                <a:shade val="98000"/>
+                <a:lumMod val="102000"/>
+              </a:schemeClr>
+            </a:gs>
+            <a:gs pos="50000">
+              <a:schemeClr val="phClr">
+                <a:tint val="98000"/>
+                <a:satMod val="130000"/>
+                <a:shade val="90000"/>
+                <a:lumMod val="103000"/>
+              </a:schemeClr>
+            </a:gs>
+            <a:gs pos="100000">
+              <a:schemeClr val="phClr">
+                <a:shade val="63000"/>
+                <a:satMod val="120000"/>
+              </a:schemeClr>
+            </a:gs>
+          </a:gsLst>
+          <a:lin ang="5400000" scaled="0"/>
+        </a:gradFill>
+      </a:bgFillStyleLst>
+    </a:fmtScheme>
+  </a:themeElements>
+  <a:objectDefaults/>
+  <a:extraClrSchemeLst/>
+  <a:extLst>
+    <a:ext uri="{05A4C25C-085E-4340-85A3-A5531E510DB2}">
+      <thm15:themeFamily xmlns:thm15="http://schemas.microsoft.com/office/thememl/2012/main" name="Office Theme" id="{62F939B6-93AF-4DB8-9C6B-D6C7DFDC589F}" vid="{4A3C46E8-61CC-4603-A589-7422A47A8E4A}"/>
+    </a:ext>
+  </a:extLst>
 </a:theme>
 </file>
--- a/Presentation1.pptx
+++ b/Presentation1.pptx
@@ -1,41 +1,35 @@
 
 <file path=ppt/presentation.xml><?xml version="1.0" encoding="utf-8"?>
-<p:presentation xmlns:a="http://schemas.openxmlformats.org/drawingml/2006/main" xmlns:r="http://schemas.openxmlformats.org/officeDocument/2006/relationships" xmlns:p="http://schemas.openxmlformats.org/presentationml/2006/main" strictFirstAndLastChars="0" embedTrueTypeFonts="1" saveSubsetFonts="1" autoCompressPictures="0">
+<p:presentation xmlns:a="http://schemas.openxmlformats.org/drawingml/2006/main" xmlns:r="http://schemas.openxmlformats.org/officeDocument/2006/relationships" xmlns:p="http://schemas.openxmlformats.org/presentationml/2006/main" xmlns:m="http://schemas.openxmlformats.org/officeDocument/2006/math" xmlns:w="http://schemas.openxmlformats.org/wordprocessingml/2006/main" autoCompressPictures="0" embedTrueTypeFonts="1" saveSubsetFonts="1" strictFirstAndLastChars="0">
   <p:sldMasterIdLst>
     <p:sldMasterId id="2147483648" r:id="rId1"/>
   </p:sldMasterIdLst>
   <p:notesMasterIdLst>
-    <p:notesMasterId r:id="rId21"/>
+    <p:notesMasterId r:id="rId23"/>
   </p:notesMasterIdLst>
   <p:sldIdLst>
-    <p:sldId id="256" r:id="rId2"/>
-    <p:sldId id="257" r:id="rId3"/>
-    <p:sldId id="258" r:id="rId4"/>
-    <p:sldId id="259" r:id="rId5"/>
-    <p:sldId id="260" r:id="rId6"/>
-    <p:sldId id="261" r:id="rId7"/>
-    <p:sldId id="262" r:id="rId8"/>
-    <p:sldId id="271" r:id="rId9"/>
-    <p:sldId id="272" r:id="rId10"/>
-    <p:sldId id="273" r:id="rId11"/>
-    <p:sldId id="274" r:id="rId12"/>
-    <p:sldId id="275" r:id="rId13"/>
-    <p:sldId id="264" r:id="rId14"/>
-    <p:sldId id="265" r:id="rId15"/>
-    <p:sldId id="266" r:id="rId16"/>
-    <p:sldId id="267" r:id="rId17"/>
-    <p:sldId id="268" r:id="rId18"/>
-    <p:sldId id="269" r:id="rId19"/>
-    <p:sldId id="270" r:id="rId20"/>
+    <p:sldId id="256" r:id="rId4"/>
+    <p:sldId id="257" r:id="rId5"/>
+    <p:sldId id="258" r:id="rId6"/>
+    <p:sldId id="259" r:id="rId7"/>
+    <p:sldId id="260" r:id="rId8"/>
+    <p:sldId id="261" r:id="rId9"/>
+    <p:sldId id="262" r:id="rId10"/>
+    <p:sldId id="263" r:id="rId11"/>
+    <p:sldId id="264" r:id="rId12"/>
+    <p:sldId id="265" r:id="rId13"/>
+    <p:sldId id="266" r:id="rId14"/>
+    <p:sldId id="267" r:id="rId15"/>
+    <p:sldId id="268" r:id="rId16"/>
+    <p:sldId id="269" r:id="rId17"/>
+    <p:sldId id="270" r:id="rId18"/>
+    <p:sldId id="271" r:id="rId19"/>
+    <p:sldId id="272" r:id="rId20"/>
+    <p:sldId id="273" r:id="rId21"/>
+    <p:sldId id="274" r:id="rId22"/>
   </p:sldIdLst>
   <p:sldSz cx="12192000" cy="6858000"/>
   <p:notesSz cx="12192000" cy="6858000"/>
-  <p:embeddedFontLst>
-    <p:embeddedFont>
-      <p:font typeface="Arial Black" panose="020B0A04020102020204" pitchFamily="34" charset="0"/>
-      <p:bold r:id="rId22"/>
-    </p:embeddedFont>
-  </p:embeddedFontLst>
   <p:defaultTextStyle>
     <a:defPPr marR="0" lvl="0" algn="l">
       <a:lnSpc>
@@ -256,28 +250,12 @@
       </a:defRPr>
     </a:lvl9pPr>
   </p:defaultTextStyle>
-  <p:extLst>
-    <p:ext uri="{EFAFB233-063F-42B5-8137-9DF3F51BA10A}">
-      <p15:sldGuideLst xmlns:p15="http://schemas.microsoft.com/office/powerpoint/2012/main">
-        <p15:guide id="1" pos="3840">
-          <p15:clr>
-            <a:srgbClr val="A4A3A4"/>
-          </p15:clr>
-        </p15:guide>
-        <p15:guide id="2" orient="horz" pos="2160">
-          <p15:clr>
-            <a:srgbClr val="A4A3A4"/>
-          </p15:clr>
-        </p15:guide>
-      </p15:sldGuideLst>
-    </p:ext>
-  </p:extLst>
 </p:presentation>
 </file>
 
 <file path=ppt/notesMasters/notesMaster1.xml><?xml version="1.0" encoding="utf-8"?>
 <p:notesMaster xmlns:a="http://schemas.openxmlformats.org/drawingml/2006/main" xmlns:r="http://schemas.openxmlformats.org/officeDocument/2006/relationships" xmlns:p="http://schemas.openxmlformats.org/presentationml/2006/main">
-  <p:cSld>
+  <p:cSld name="">
     <p:bg>
       <p:bgRef idx="1001">
         <a:schemeClr val="bg1"/>
@@ -289,7 +267,7 @@
         <p:cNvGrpSpPr/>
         <p:nvPr/>
       </p:nvGrpSpPr>
-      <p:grpSpPr>
+      <p:grpSpPr bwMode="auto">
         <a:xfrm>
           <a:off x="0" y="0"/>
           <a:ext cx="0" cy="0"/>
@@ -307,7 +285,7 @@
             <p:ph type="hdr" sz="quarter"/>
           </p:nvPr>
         </p:nvSpPr>
-        <p:spPr>
+        <p:spPr bwMode="auto">
           <a:xfrm>
             <a:off x="0" y="0"/>
             <a:ext cx="5283200" cy="344488"/>
@@ -324,7 +302,10 @@
             </a:lvl1pPr>
           </a:lstStyle>
           <a:p>
-            <a:endParaRPr lang="de-IT"/>
+            <a:pPr>
+              <a:defRPr/>
+            </a:pPr>
+            <a:endParaRPr/>
           </a:p>
         </p:txBody>
       </p:sp>
@@ -338,7 +319,7 @@
             <p:ph type="dt" idx="1"/>
           </p:nvPr>
         </p:nvSpPr>
-        <p:spPr>
+        <p:spPr bwMode="auto">
           <a:xfrm>
             <a:off x="6905625" y="0"/>
             <a:ext cx="5283200" cy="344488"/>
@@ -355,11 +336,14 @@
             </a:lvl1pPr>
           </a:lstStyle>
           <a:p>
+            <a:pPr>
+              <a:defRPr/>
+            </a:pPr>
             <a:fld id="{3AFF5658-BE00-4C57-8375-B4B1726EFF2A}" type="datetimeFigureOut">
-              <a:rPr lang="de-IT" smtClean="0"/>
+              <a:rPr/>
               <a:t>24.01.2024</a:t>
             </a:fld>
-            <a:endParaRPr lang="de-IT"/>
+            <a:endParaRPr/>
           </a:p>
         </p:txBody>
       </p:sp>
@@ -367,13 +351,13 @@
         <p:nvSpPr>
           <p:cNvPr id="4" name="Folienbildplatzhalter 3"/>
           <p:cNvSpPr>
-            <a:spLocks noGrp="1" noRot="1" noChangeAspect="1"/>
+            <a:spLocks noChangeAspect="1" noGrp="1" noRot="1"/>
           </p:cNvSpPr>
           <p:nvPr>
             <p:ph type="sldImg" idx="2"/>
           </p:nvPr>
         </p:nvSpPr>
-        <p:spPr>
+        <p:spPr bwMode="auto">
           <a:xfrm>
             <a:off x="4038600" y="857250"/>
             <a:ext cx="4114800" cy="2314575"/>
@@ -392,7 +376,10 @@
           <a:bodyPr vert="horz" lIns="91440" tIns="45720" rIns="91440" bIns="45720" rtlCol="0" anchor="ctr"/>
           <a:lstStyle/>
           <a:p>
-            <a:endParaRPr lang="de-IT"/>
+            <a:pPr>
+              <a:defRPr/>
+            </a:pPr>
+            <a:endParaRPr/>
           </a:p>
         </p:txBody>
       </p:sp>
@@ -406,10 +393,10 @@
             <p:ph type="body" sz="quarter" idx="3"/>
           </p:nvPr>
         </p:nvSpPr>
-        <p:spPr>
+        <p:spPr bwMode="auto">
           <a:xfrm>
             <a:off x="1219200" y="3300413"/>
-            <a:ext cx="9753600" cy="2700337"/>
+            <a:ext cx="9753600" cy="2700336"/>
           </a:xfrm>
           <a:prstGeom prst="rect">
             <a:avLst/>
@@ -419,40 +406,54 @@
           <a:bodyPr vert="horz" lIns="91440" tIns="45720" rIns="91440" bIns="45720" rtlCol="0"/>
           <a:lstStyle/>
           <a:p>
-            <a:pPr lvl="0"/>
+            <a:pPr lvl="0">
+              <a:defRPr/>
+            </a:pPr>
             <a:r>
               <a:rPr lang="de-DE"/>
               <a:t>Mastertextformat bearbeiten</a:t>
             </a:r>
+            <a:endParaRPr/>
           </a:p>
           <a:p>
-            <a:pPr lvl="1"/>
+            <a:pPr lvl="1">
+              <a:defRPr/>
+            </a:pPr>
             <a:r>
               <a:rPr lang="de-DE"/>
               <a:t>Zweite Ebene</a:t>
             </a:r>
+            <a:endParaRPr/>
           </a:p>
           <a:p>
-            <a:pPr lvl="2"/>
+            <a:pPr lvl="2">
+              <a:defRPr/>
+            </a:pPr>
             <a:r>
               <a:rPr lang="de-DE"/>
               <a:t>Dritte Ebene</a:t>
             </a:r>
+            <a:endParaRPr/>
           </a:p>
           <a:p>
-            <a:pPr lvl="3"/>
+            <a:pPr lvl="3">
+              <a:defRPr/>
+            </a:pPr>
             <a:r>
               <a:rPr lang="de-DE"/>
               <a:t>Vierte Ebene</a:t>
             </a:r>
+            <a:endParaRPr/>
           </a:p>
           <a:p>
-            <a:pPr lvl="4"/>
+            <a:pPr lvl="4">
+              <a:defRPr/>
+            </a:pPr>
             <a:r>
               <a:rPr lang="de-DE"/>
               <a:t>Fünfte Ebene</a:t>
             </a:r>
-            <a:endParaRPr lang="de-IT"/>
+            <a:endParaRPr/>
           </a:p>
         </p:txBody>
       </p:sp>
@@ -466,7 +467,7 @@
             <p:ph type="ftr" sz="quarter" idx="4"/>
           </p:nvPr>
         </p:nvSpPr>
-        <p:spPr>
+        <p:spPr bwMode="auto">
           <a:xfrm>
             <a:off x="0" y="6513513"/>
             <a:ext cx="5283200" cy="344487"/>
@@ -483,7 +484,10 @@
             </a:lvl1pPr>
           </a:lstStyle>
           <a:p>
-            <a:endParaRPr lang="de-IT"/>
+            <a:pPr>
+              <a:defRPr/>
+            </a:pPr>
+            <a:endParaRPr/>
           </a:p>
         </p:txBody>
       </p:sp>
@@ -497,7 +501,7 @@
             <p:ph type="sldNum" sz="quarter" idx="5"/>
           </p:nvPr>
         </p:nvSpPr>
-        <p:spPr>
+        <p:spPr bwMode="auto">
           <a:xfrm>
             <a:off x="6905625" y="6513513"/>
             <a:ext cx="5283200" cy="344487"/>
@@ -514,25 +518,23 @@
             </a:lvl1pPr>
           </a:lstStyle>
           <a:p>
+            <a:pPr>
+              <a:defRPr/>
+            </a:pPr>
             <a:fld id="{9D93C22B-54B0-4DE6-A83C-A85454CF9DC4}" type="slidenum">
-              <a:rPr lang="de-IT" smtClean="0"/>
+              <a:rPr/>
               <a:t>‹Nr.›</a:t>
             </a:fld>
-            <a:endParaRPr lang="de-IT"/>
+            <a:endParaRPr/>
           </a:p>
         </p:txBody>
       </p:sp>
     </p:spTree>
-    <p:extLst>
-      <p:ext uri="{BB962C8B-B14F-4D97-AF65-F5344CB8AC3E}">
-        <p14:creationId xmlns:p14="http://schemas.microsoft.com/office/powerpoint/2010/main" val="3630459871"/>
-      </p:ext>
-    </p:extLst>
   </p:cSld>
   <p:clrMap bg1="lt1" tx1="dk1" bg2="lt2" tx2="dk2" accent1="accent1" accent2="accent2" accent3="accent3" accent4="accent4" accent5="accent5" accent6="accent6" hlink="hlink" folHlink="folHlink"/>
   <p:notesStyle>
-    <a:lvl1pPr marL="0" algn="l" defTabSz="914400" rtl="0" eaLnBrk="1" latinLnBrk="0" hangingPunct="1">
-      <a:defRPr sz="1200" kern="1200">
+    <a:lvl1pPr marL="0" algn="l" defTabSz="914400">
+      <a:defRPr sz="1200">
         <a:solidFill>
           <a:schemeClr val="tx1"/>
         </a:solidFill>
@@ -541,8 +543,8 @@
         <a:cs typeface="+mn-cs"/>
       </a:defRPr>
     </a:lvl1pPr>
-    <a:lvl2pPr marL="457200" algn="l" defTabSz="914400" rtl="0" eaLnBrk="1" latinLnBrk="0" hangingPunct="1">
-      <a:defRPr sz="1200" kern="1200">
+    <a:lvl2pPr marL="457200" algn="l" defTabSz="914400">
+      <a:defRPr sz="1200">
         <a:solidFill>
           <a:schemeClr val="tx1"/>
         </a:solidFill>
@@ -551,8 +553,8 @@
         <a:cs typeface="+mn-cs"/>
       </a:defRPr>
     </a:lvl2pPr>
-    <a:lvl3pPr marL="914400" algn="l" defTabSz="914400" rtl="0" eaLnBrk="1" latinLnBrk="0" hangingPunct="1">
-      <a:defRPr sz="1200" kern="1200">
+    <a:lvl3pPr marL="914400" algn="l" defTabSz="914400">
+      <a:defRPr sz="1200">
         <a:solidFill>
           <a:schemeClr val="tx1"/>
         </a:solidFill>
@@ -561,8 +563,8 @@
         <a:cs typeface="+mn-cs"/>
       </a:defRPr>
     </a:lvl3pPr>
-    <a:lvl4pPr marL="1371600" algn="l" defTabSz="914400" rtl="0" eaLnBrk="1" latinLnBrk="0" hangingPunct="1">
-      <a:defRPr sz="1200" kern="1200">
+    <a:lvl4pPr marL="1371600" algn="l" defTabSz="914400">
+      <a:defRPr sz="1200">
         <a:solidFill>
           <a:schemeClr val="tx1"/>
         </a:solidFill>
@@ -571,8 +573,8 @@
         <a:cs typeface="+mn-cs"/>
       </a:defRPr>
     </a:lvl4pPr>
-    <a:lvl5pPr marL="1828800" algn="l" defTabSz="914400" rtl="0" eaLnBrk="1" latinLnBrk="0" hangingPunct="1">
-      <a:defRPr sz="1200" kern="1200">
+    <a:lvl5pPr marL="1828800" algn="l" defTabSz="914400">
+      <a:defRPr sz="1200">
         <a:solidFill>
           <a:schemeClr val="tx1"/>
         </a:solidFill>
@@ -581,8 +583,8 @@
         <a:cs typeface="+mn-cs"/>
       </a:defRPr>
     </a:lvl5pPr>
-    <a:lvl6pPr marL="2286000" algn="l" defTabSz="914400" rtl="0" eaLnBrk="1" latinLnBrk="0" hangingPunct="1">
-      <a:defRPr sz="1200" kern="1200">
+    <a:lvl6pPr marL="2286000" algn="l" defTabSz="914400">
+      <a:defRPr sz="1200">
         <a:solidFill>
           <a:schemeClr val="tx1"/>
         </a:solidFill>
@@ -591,8 +593,8 @@
         <a:cs typeface="+mn-cs"/>
       </a:defRPr>
     </a:lvl6pPr>
-    <a:lvl7pPr marL="2743200" algn="l" defTabSz="914400" rtl="0" eaLnBrk="1" latinLnBrk="0" hangingPunct="1">
-      <a:defRPr sz="1200" kern="1200">
+    <a:lvl7pPr marL="2743200" algn="l" defTabSz="914400">
+      <a:defRPr sz="1200">
         <a:solidFill>
           <a:schemeClr val="tx1"/>
         </a:solidFill>
@@ -601,8 +603,8 @@
         <a:cs typeface="+mn-cs"/>
       </a:defRPr>
     </a:lvl7pPr>
-    <a:lvl8pPr marL="3200400" algn="l" defTabSz="914400" rtl="0" eaLnBrk="1" latinLnBrk="0" hangingPunct="1">
-      <a:defRPr sz="1200" kern="1200">
+    <a:lvl8pPr marL="3200400" algn="l" defTabSz="914400">
+      <a:defRPr sz="1200">
         <a:solidFill>
           <a:schemeClr val="tx1"/>
         </a:solidFill>
@@ -611,8 +613,8 @@
         <a:cs typeface="+mn-cs"/>
       </a:defRPr>
     </a:lvl8pPr>
-    <a:lvl9pPr marL="3657600" algn="l" defTabSz="914400" rtl="0" eaLnBrk="1" latinLnBrk="0" hangingPunct="1">
-      <a:defRPr sz="1200" kern="1200">
+    <a:lvl9pPr marL="3657600" algn="l" defTabSz="914400">
+      <a:defRPr sz="1200">
         <a:solidFill>
           <a:schemeClr val="tx1"/>
         </a:solidFill>
@@ -626,8 +628,8 @@
 </file>
 
 <file path=ppt/notesSlides/notesSlide1.xml><?xml version="1.0" encoding="utf-8"?>
-<p:notes xmlns:a="http://schemas.openxmlformats.org/drawingml/2006/main" xmlns:r="http://schemas.openxmlformats.org/officeDocument/2006/relationships" xmlns:p="http://schemas.openxmlformats.org/presentationml/2006/main">
-  <p:cSld>
+<p:notes xmlns:a="http://schemas.openxmlformats.org/drawingml/2006/main" xmlns:r="http://schemas.openxmlformats.org/officeDocument/2006/relationships" xmlns:p="http://schemas.openxmlformats.org/presentationml/2006/main" xmlns:m="http://schemas.openxmlformats.org/officeDocument/2006/math" xmlns:w="http://schemas.openxmlformats.org/wordprocessingml/2006/main">
+  <p:cSld name="">
     <p:spTree>
       <p:nvGrpSpPr>
         <p:cNvPr id="1" name=""/>
@@ -646,7 +648,7 @@
         <p:nvSpPr>
           <p:cNvPr id="2" name="Slide Image Placeholder 1"/>
           <p:cNvSpPr>
-            <a:spLocks noGrp="1" noRot="1" noChangeAspect="1"/>
+            <a:spLocks noChangeAspect="1" noGrp="1" noRot="1"/>
           </p:cNvSpPr>
           <p:nvPr>
             <p:ph type="sldImg"/>
@@ -694,9 +696,9 @@
             <a:pPr>
               <a:defRPr/>
             </a:pPr>
-            <a:fld id="{C1B13F66-34A2-92A9-C45C-2E4BE92304CA}" type="slidenum">
+            <a:fld id="{30CFC9B6-A917-5A10-BA3E-E0931D50B294}" type="slidenum">
               <a:rPr/>
-              <a:t>8</a:t>
+              <a:t/>
             </a:fld>
             <a:endParaRPr/>
           </a:p>
@@ -704,15 +706,12 @@
       </p:sp>
     </p:spTree>
   </p:cSld>
-  <p:clrMapOvr>
-    <a:masterClrMapping/>
-  </p:clrMapOvr>
 </p:notes>
 </file>
 
-<file path=ppt/notesSlides/notesSlide2.xml><?xml version="1.0" encoding="utf-8"?>
-<p:notes xmlns:a="http://schemas.openxmlformats.org/drawingml/2006/main" xmlns:r="http://schemas.openxmlformats.org/officeDocument/2006/relationships" xmlns:p="http://schemas.openxmlformats.org/presentationml/2006/main">
-  <p:cSld>
+<file path=ppt/notesSlides/notesSlide10.xml><?xml version="1.0" encoding="utf-8"?>
+<p:notes xmlns:a="http://schemas.openxmlformats.org/drawingml/2006/main" xmlns:r="http://schemas.openxmlformats.org/officeDocument/2006/relationships" xmlns:p="http://schemas.openxmlformats.org/presentationml/2006/main" xmlns:m="http://schemas.openxmlformats.org/officeDocument/2006/math" xmlns:w="http://schemas.openxmlformats.org/wordprocessingml/2006/main">
+  <p:cSld name="">
     <p:spTree>
       <p:nvGrpSpPr>
         <p:cNvPr id="1" name=""/>
@@ -731,7 +730,7 @@
         <p:nvSpPr>
           <p:cNvPr id="2" name="Slide Image Placeholder 1"/>
           <p:cNvSpPr>
-            <a:spLocks noGrp="1" noRot="1" noChangeAspect="1"/>
+            <a:spLocks noChangeAspect="1" noGrp="1" noRot="1"/>
           </p:cNvSpPr>
           <p:nvPr>
             <p:ph type="sldImg"/>
@@ -781,28 +780,20 @@
             </a:pPr>
             <a:fld id="{C1B13F66-34A2-92A9-C45C-2E4BE92304CA}" type="slidenum">
               <a:rPr/>
-              <a:t>9</a:t>
+              <a:t>10</a:t>
             </a:fld>
             <a:endParaRPr/>
           </a:p>
         </p:txBody>
       </p:sp>
     </p:spTree>
-    <p:extLst>
-      <p:ext uri="{BB962C8B-B14F-4D97-AF65-F5344CB8AC3E}">
-        <p14:creationId xmlns:p14="http://schemas.microsoft.com/office/powerpoint/2010/main" val="1109058137"/>
-      </p:ext>
-    </p:extLst>
   </p:cSld>
-  <p:clrMapOvr>
-    <a:masterClrMapping/>
-  </p:clrMapOvr>
 </p:notes>
 </file>
 
-<file path=ppt/notesSlides/notesSlide3.xml><?xml version="1.0" encoding="utf-8"?>
-<p:notes xmlns:a="http://schemas.openxmlformats.org/drawingml/2006/main" xmlns:r="http://schemas.openxmlformats.org/officeDocument/2006/relationships" xmlns:p="http://schemas.openxmlformats.org/presentationml/2006/main">
-  <p:cSld>
+<file path=ppt/notesSlides/notesSlide11.xml><?xml version="1.0" encoding="utf-8"?>
+<p:notes xmlns:a="http://schemas.openxmlformats.org/drawingml/2006/main" xmlns:r="http://schemas.openxmlformats.org/officeDocument/2006/relationships" xmlns:p="http://schemas.openxmlformats.org/presentationml/2006/main" xmlns:m="http://schemas.openxmlformats.org/officeDocument/2006/math" xmlns:w="http://schemas.openxmlformats.org/wordprocessingml/2006/main">
+  <p:cSld name="">
     <p:spTree>
       <p:nvGrpSpPr>
         <p:cNvPr id="1" name=""/>
@@ -821,7 +812,7 @@
         <p:nvSpPr>
           <p:cNvPr id="2" name="Slide Image Placeholder 1"/>
           <p:cNvSpPr>
-            <a:spLocks noGrp="1" noRot="1" noChangeAspect="1"/>
+            <a:spLocks noChangeAspect="1" noGrp="1" noRot="1"/>
           </p:cNvSpPr>
           <p:nvPr>
             <p:ph type="sldImg"/>
@@ -871,28 +862,20 @@
             </a:pPr>
             <a:fld id="{C1B13F66-34A2-92A9-C45C-2E4BE92304CA}" type="slidenum">
               <a:rPr/>
-              <a:t>10</a:t>
+              <a:t>11</a:t>
             </a:fld>
             <a:endParaRPr/>
           </a:p>
         </p:txBody>
       </p:sp>
     </p:spTree>
-    <p:extLst>
-      <p:ext uri="{BB962C8B-B14F-4D97-AF65-F5344CB8AC3E}">
-        <p14:creationId xmlns:p14="http://schemas.microsoft.com/office/powerpoint/2010/main" val="2071014415"/>
-      </p:ext>
-    </p:extLst>
   </p:cSld>
-  <p:clrMapOvr>
-    <a:masterClrMapping/>
-  </p:clrMapOvr>
 </p:notes>
 </file>
 
-<file path=ppt/notesSlides/notesSlide4.xml><?xml version="1.0" encoding="utf-8"?>
-<p:notes xmlns:a="http://schemas.openxmlformats.org/drawingml/2006/main" xmlns:r="http://schemas.openxmlformats.org/officeDocument/2006/relationships" xmlns:p="http://schemas.openxmlformats.org/presentationml/2006/main">
-  <p:cSld>
+<file path=ppt/notesSlides/notesSlide12.xml><?xml version="1.0" encoding="utf-8"?>
+<p:notes xmlns:a="http://schemas.openxmlformats.org/drawingml/2006/main" xmlns:r="http://schemas.openxmlformats.org/officeDocument/2006/relationships" xmlns:p="http://schemas.openxmlformats.org/presentationml/2006/main" xmlns:m="http://schemas.openxmlformats.org/officeDocument/2006/math" xmlns:w="http://schemas.openxmlformats.org/wordprocessingml/2006/main">
+  <p:cSld name="">
     <p:spTree>
       <p:nvGrpSpPr>
         <p:cNvPr id="1" name=""/>
@@ -911,7 +894,7 @@
         <p:nvSpPr>
           <p:cNvPr id="2" name="Slide Image Placeholder 1"/>
           <p:cNvSpPr>
-            <a:spLocks noGrp="1" noRot="1" noChangeAspect="1"/>
+            <a:spLocks noChangeAspect="1" noGrp="1" noRot="1"/>
           </p:cNvSpPr>
           <p:nvPr>
             <p:ph type="sldImg"/>
@@ -961,28 +944,20 @@
             </a:pPr>
             <a:fld id="{C1B13F66-34A2-92A9-C45C-2E4BE92304CA}" type="slidenum">
               <a:rPr/>
-              <a:t>11</a:t>
+              <a:t>12</a:t>
             </a:fld>
             <a:endParaRPr/>
           </a:p>
         </p:txBody>
       </p:sp>
     </p:spTree>
-    <p:extLst>
-      <p:ext uri="{BB962C8B-B14F-4D97-AF65-F5344CB8AC3E}">
-        <p14:creationId xmlns:p14="http://schemas.microsoft.com/office/powerpoint/2010/main" val="4151283269"/>
-      </p:ext>
-    </p:extLst>
   </p:cSld>
-  <p:clrMapOvr>
-    <a:masterClrMapping/>
-  </p:clrMapOvr>
 </p:notes>
 </file>
 
-<file path=ppt/notesSlides/notesSlide5.xml><?xml version="1.0" encoding="utf-8"?>
-<p:notes xmlns:a="http://schemas.openxmlformats.org/drawingml/2006/main" xmlns:r="http://schemas.openxmlformats.org/officeDocument/2006/relationships" xmlns:p="http://schemas.openxmlformats.org/presentationml/2006/main">
-  <p:cSld>
+<file path=ppt/notesSlides/notesSlide13.xml><?xml version="1.0" encoding="utf-8"?>
+<p:notes xmlns:a="http://schemas.openxmlformats.org/drawingml/2006/main" xmlns:r="http://schemas.openxmlformats.org/officeDocument/2006/relationships" xmlns:p="http://schemas.openxmlformats.org/presentationml/2006/main" xmlns:m="http://schemas.openxmlformats.org/officeDocument/2006/math" xmlns:w="http://schemas.openxmlformats.org/wordprocessingml/2006/main">
+  <p:cSld name="">
     <p:spTree>
       <p:nvGrpSpPr>
         <p:cNvPr id="1" name=""/>
@@ -1001,7 +976,7 @@
         <p:nvSpPr>
           <p:cNvPr id="2" name="Slide Image Placeholder 1"/>
           <p:cNvSpPr>
-            <a:spLocks noGrp="1" noRot="1" noChangeAspect="1"/>
+            <a:spLocks noChangeAspect="1" noGrp="1" noRot="1"/>
           </p:cNvSpPr>
           <p:nvPr>
             <p:ph type="sldImg"/>
@@ -1049,29 +1024,1169 @@
             <a:pPr>
               <a:defRPr/>
             </a:pPr>
-            <a:fld id="{C1B13F66-34A2-92A9-C45C-2E4BE92304CA}" type="slidenum">
+            <a:fld id="{CAD33589-860A-C06F-B28F-D495855B8EA6}" type="slidenum">
               <a:rPr/>
-              <a:t>12</a:t>
+              <a:t/>
             </a:fld>
             <a:endParaRPr/>
           </a:p>
         </p:txBody>
       </p:sp>
     </p:spTree>
-    <p:extLst>
-      <p:ext uri="{BB962C8B-B14F-4D97-AF65-F5344CB8AC3E}">
-        <p14:creationId xmlns:p14="http://schemas.microsoft.com/office/powerpoint/2010/main" val="102421188"/>
-      </p:ext>
-    </p:extLst>
   </p:cSld>
-  <p:clrMapOvr>
-    <a:masterClrMapping/>
-  </p:clrMapOvr>
+</p:notes>
+</file>
+
+<file path=ppt/notesSlides/notesSlide14.xml><?xml version="1.0" encoding="utf-8"?>
+<p:notes xmlns:a="http://schemas.openxmlformats.org/drawingml/2006/main" xmlns:r="http://schemas.openxmlformats.org/officeDocument/2006/relationships" xmlns:p="http://schemas.openxmlformats.org/presentationml/2006/main" xmlns:m="http://schemas.openxmlformats.org/officeDocument/2006/math" xmlns:w="http://schemas.openxmlformats.org/wordprocessingml/2006/main">
+  <p:cSld name="">
+    <p:spTree>
+      <p:nvGrpSpPr>
+        <p:cNvPr id="1" name=""/>
+        <p:cNvGrpSpPr/>
+        <p:nvPr/>
+      </p:nvGrpSpPr>
+      <p:grpSpPr bwMode="auto">
+        <a:xfrm>
+          <a:off x="0" y="0"/>
+          <a:ext cx="0" cy="0"/>
+          <a:chOff x="0" y="0"/>
+          <a:chExt cx="0" cy="0"/>
+        </a:xfrm>
+      </p:grpSpPr>
+      <p:sp>
+        <p:nvSpPr>
+          <p:cNvPr id="2" name="Slide Image Placeholder 1"/>
+          <p:cNvSpPr>
+            <a:spLocks noChangeAspect="1" noGrp="1" noRot="1"/>
+          </p:cNvSpPr>
+          <p:nvPr>
+            <p:ph type="sldImg"/>
+          </p:nvPr>
+        </p:nvSpPr>
+        <p:spPr bwMode="auto"/>
+      </p:sp>
+      <p:sp>
+        <p:nvSpPr>
+          <p:cNvPr id="3" name="Notes Placeholder 2"/>
+          <p:cNvSpPr>
+            <a:spLocks noGrp="1"/>
+          </p:cNvSpPr>
+          <p:nvPr>
+            <p:ph type="body" idx="1"/>
+          </p:nvPr>
+        </p:nvSpPr>
+        <p:spPr bwMode="auto"/>
+        <p:txBody>
+          <a:bodyPr/>
+          <a:lstStyle/>
+          <a:p>
+            <a:pPr>
+              <a:defRPr/>
+            </a:pPr>
+            <a:endParaRPr/>
+          </a:p>
+        </p:txBody>
+      </p:sp>
+      <p:sp>
+        <p:nvSpPr>
+          <p:cNvPr id="4" name="Slide Number Placeholder 3"/>
+          <p:cNvSpPr>
+            <a:spLocks noGrp="1"/>
+          </p:cNvSpPr>
+          <p:nvPr>
+            <p:ph type="sldNum" sz="quarter" idx="10"/>
+          </p:nvPr>
+        </p:nvSpPr>
+        <p:spPr bwMode="auto"/>
+        <p:txBody>
+          <a:bodyPr/>
+          <a:lstStyle/>
+          <a:p>
+            <a:pPr>
+              <a:defRPr/>
+            </a:pPr>
+            <a:fld id="{BA1671CD-1F09-60AE-4094-A1ACF5545FAF}" type="slidenum">
+              <a:rPr/>
+              <a:t/>
+            </a:fld>
+            <a:endParaRPr/>
+          </a:p>
+        </p:txBody>
+      </p:sp>
+    </p:spTree>
+  </p:cSld>
+</p:notes>
+</file>
+
+<file path=ppt/notesSlides/notesSlide15.xml><?xml version="1.0" encoding="utf-8"?>
+<p:notes xmlns:a="http://schemas.openxmlformats.org/drawingml/2006/main" xmlns:r="http://schemas.openxmlformats.org/officeDocument/2006/relationships" xmlns:p="http://schemas.openxmlformats.org/presentationml/2006/main" xmlns:m="http://schemas.openxmlformats.org/officeDocument/2006/math" xmlns:w="http://schemas.openxmlformats.org/wordprocessingml/2006/main">
+  <p:cSld name="">
+    <p:spTree>
+      <p:nvGrpSpPr>
+        <p:cNvPr id="1" name=""/>
+        <p:cNvGrpSpPr/>
+        <p:nvPr/>
+      </p:nvGrpSpPr>
+      <p:grpSpPr bwMode="auto">
+        <a:xfrm>
+          <a:off x="0" y="0"/>
+          <a:ext cx="0" cy="0"/>
+          <a:chOff x="0" y="0"/>
+          <a:chExt cx="0" cy="0"/>
+        </a:xfrm>
+      </p:grpSpPr>
+      <p:sp>
+        <p:nvSpPr>
+          <p:cNvPr id="2" name="Slide Image Placeholder 1"/>
+          <p:cNvSpPr>
+            <a:spLocks noChangeAspect="1" noGrp="1" noRot="1"/>
+          </p:cNvSpPr>
+          <p:nvPr>
+            <p:ph type="sldImg"/>
+          </p:nvPr>
+        </p:nvSpPr>
+        <p:spPr bwMode="auto"/>
+      </p:sp>
+      <p:sp>
+        <p:nvSpPr>
+          <p:cNvPr id="3" name="Notes Placeholder 2"/>
+          <p:cNvSpPr>
+            <a:spLocks noGrp="1"/>
+          </p:cNvSpPr>
+          <p:nvPr>
+            <p:ph type="body" idx="1"/>
+          </p:nvPr>
+        </p:nvSpPr>
+        <p:spPr bwMode="auto"/>
+        <p:txBody>
+          <a:bodyPr/>
+          <a:lstStyle/>
+          <a:p>
+            <a:pPr>
+              <a:defRPr/>
+            </a:pPr>
+            <a:endParaRPr/>
+          </a:p>
+        </p:txBody>
+      </p:sp>
+      <p:sp>
+        <p:nvSpPr>
+          <p:cNvPr id="4" name="Slide Number Placeholder 3"/>
+          <p:cNvSpPr>
+            <a:spLocks noGrp="1"/>
+          </p:cNvSpPr>
+          <p:nvPr>
+            <p:ph type="sldNum" sz="quarter" idx="10"/>
+          </p:nvPr>
+        </p:nvSpPr>
+        <p:spPr bwMode="auto"/>
+        <p:txBody>
+          <a:bodyPr/>
+          <a:lstStyle/>
+          <a:p>
+            <a:pPr>
+              <a:defRPr/>
+            </a:pPr>
+            <a:fld id="{056E210A-A24A-2445-9897-09710333446A}" type="slidenum">
+              <a:rPr/>
+              <a:t/>
+            </a:fld>
+            <a:endParaRPr/>
+          </a:p>
+        </p:txBody>
+      </p:sp>
+    </p:spTree>
+  </p:cSld>
+</p:notes>
+</file>
+
+<file path=ppt/notesSlides/notesSlide16.xml><?xml version="1.0" encoding="utf-8"?>
+<p:notes xmlns:a="http://schemas.openxmlformats.org/drawingml/2006/main" xmlns:r="http://schemas.openxmlformats.org/officeDocument/2006/relationships" xmlns:p="http://schemas.openxmlformats.org/presentationml/2006/main" xmlns:m="http://schemas.openxmlformats.org/officeDocument/2006/math" xmlns:w="http://schemas.openxmlformats.org/wordprocessingml/2006/main">
+  <p:cSld name="">
+    <p:spTree>
+      <p:nvGrpSpPr>
+        <p:cNvPr id="1" name=""/>
+        <p:cNvGrpSpPr/>
+        <p:nvPr/>
+      </p:nvGrpSpPr>
+      <p:grpSpPr bwMode="auto">
+        <a:xfrm>
+          <a:off x="0" y="0"/>
+          <a:ext cx="0" cy="0"/>
+          <a:chOff x="0" y="0"/>
+          <a:chExt cx="0" cy="0"/>
+        </a:xfrm>
+      </p:grpSpPr>
+      <p:sp>
+        <p:nvSpPr>
+          <p:cNvPr id="2" name="Slide Image Placeholder 1"/>
+          <p:cNvSpPr>
+            <a:spLocks noChangeAspect="1" noGrp="1" noRot="1"/>
+          </p:cNvSpPr>
+          <p:nvPr>
+            <p:ph type="sldImg"/>
+          </p:nvPr>
+        </p:nvSpPr>
+        <p:spPr bwMode="auto"/>
+      </p:sp>
+      <p:sp>
+        <p:nvSpPr>
+          <p:cNvPr id="3" name="Notes Placeholder 2"/>
+          <p:cNvSpPr>
+            <a:spLocks noGrp="1"/>
+          </p:cNvSpPr>
+          <p:nvPr>
+            <p:ph type="body" idx="1"/>
+          </p:nvPr>
+        </p:nvSpPr>
+        <p:spPr bwMode="auto"/>
+        <p:txBody>
+          <a:bodyPr/>
+          <a:lstStyle/>
+          <a:p>
+            <a:pPr>
+              <a:defRPr/>
+            </a:pPr>
+            <a:endParaRPr/>
+          </a:p>
+        </p:txBody>
+      </p:sp>
+      <p:sp>
+        <p:nvSpPr>
+          <p:cNvPr id="4" name="Slide Number Placeholder 3"/>
+          <p:cNvSpPr>
+            <a:spLocks noGrp="1"/>
+          </p:cNvSpPr>
+          <p:nvPr>
+            <p:ph type="sldNum" sz="quarter" idx="10"/>
+          </p:nvPr>
+        </p:nvSpPr>
+        <p:spPr bwMode="auto"/>
+        <p:txBody>
+          <a:bodyPr/>
+          <a:lstStyle/>
+          <a:p>
+            <a:pPr>
+              <a:defRPr/>
+            </a:pPr>
+            <a:fld id="{4A422DD6-7680-B909-0568-A8629F2E715B}" type="slidenum">
+              <a:rPr/>
+              <a:t/>
+            </a:fld>
+            <a:endParaRPr/>
+          </a:p>
+        </p:txBody>
+      </p:sp>
+    </p:spTree>
+  </p:cSld>
+</p:notes>
+</file>
+
+<file path=ppt/notesSlides/notesSlide17.xml><?xml version="1.0" encoding="utf-8"?>
+<p:notes xmlns:a="http://schemas.openxmlformats.org/drawingml/2006/main" xmlns:r="http://schemas.openxmlformats.org/officeDocument/2006/relationships" xmlns:p="http://schemas.openxmlformats.org/presentationml/2006/main" xmlns:m="http://schemas.openxmlformats.org/officeDocument/2006/math" xmlns:w="http://schemas.openxmlformats.org/wordprocessingml/2006/main">
+  <p:cSld name="">
+    <p:spTree>
+      <p:nvGrpSpPr>
+        <p:cNvPr id="1" name=""/>
+        <p:cNvGrpSpPr/>
+        <p:nvPr/>
+      </p:nvGrpSpPr>
+      <p:grpSpPr bwMode="auto">
+        <a:xfrm>
+          <a:off x="0" y="0"/>
+          <a:ext cx="0" cy="0"/>
+          <a:chOff x="0" y="0"/>
+          <a:chExt cx="0" cy="0"/>
+        </a:xfrm>
+      </p:grpSpPr>
+      <p:sp>
+        <p:nvSpPr>
+          <p:cNvPr id="2" name="Slide Image Placeholder 1"/>
+          <p:cNvSpPr>
+            <a:spLocks noChangeAspect="1" noGrp="1" noRot="1"/>
+          </p:cNvSpPr>
+          <p:nvPr>
+            <p:ph type="sldImg"/>
+          </p:nvPr>
+        </p:nvSpPr>
+        <p:spPr bwMode="auto"/>
+      </p:sp>
+      <p:sp>
+        <p:nvSpPr>
+          <p:cNvPr id="3" name="Notes Placeholder 2"/>
+          <p:cNvSpPr>
+            <a:spLocks noGrp="1"/>
+          </p:cNvSpPr>
+          <p:nvPr>
+            <p:ph type="body" idx="1"/>
+          </p:nvPr>
+        </p:nvSpPr>
+        <p:spPr bwMode="auto"/>
+        <p:txBody>
+          <a:bodyPr/>
+          <a:lstStyle/>
+          <a:p>
+            <a:pPr>
+              <a:defRPr/>
+            </a:pPr>
+            <a:endParaRPr/>
+          </a:p>
+        </p:txBody>
+      </p:sp>
+      <p:sp>
+        <p:nvSpPr>
+          <p:cNvPr id="4" name="Slide Number Placeholder 3"/>
+          <p:cNvSpPr>
+            <a:spLocks noGrp="1"/>
+          </p:cNvSpPr>
+          <p:nvPr>
+            <p:ph type="sldNum" sz="quarter" idx="10"/>
+          </p:nvPr>
+        </p:nvSpPr>
+        <p:spPr bwMode="auto"/>
+        <p:txBody>
+          <a:bodyPr/>
+          <a:lstStyle/>
+          <a:p>
+            <a:pPr>
+              <a:defRPr/>
+            </a:pPr>
+            <a:fld id="{161CD533-2DD7-941C-294B-D3BE8B2AE67B}" type="slidenum">
+              <a:rPr/>
+              <a:t/>
+            </a:fld>
+            <a:endParaRPr/>
+          </a:p>
+        </p:txBody>
+      </p:sp>
+    </p:spTree>
+  </p:cSld>
+</p:notes>
+</file>
+
+<file path=ppt/notesSlides/notesSlide18.xml><?xml version="1.0" encoding="utf-8"?>
+<p:notes xmlns:a="http://schemas.openxmlformats.org/drawingml/2006/main" xmlns:r="http://schemas.openxmlformats.org/officeDocument/2006/relationships" xmlns:p="http://schemas.openxmlformats.org/presentationml/2006/main" xmlns:m="http://schemas.openxmlformats.org/officeDocument/2006/math" xmlns:w="http://schemas.openxmlformats.org/wordprocessingml/2006/main">
+  <p:cSld name="">
+    <p:spTree>
+      <p:nvGrpSpPr>
+        <p:cNvPr id="1" name=""/>
+        <p:cNvGrpSpPr/>
+        <p:nvPr/>
+      </p:nvGrpSpPr>
+      <p:grpSpPr bwMode="auto">
+        <a:xfrm>
+          <a:off x="0" y="0"/>
+          <a:ext cx="0" cy="0"/>
+          <a:chOff x="0" y="0"/>
+          <a:chExt cx="0" cy="0"/>
+        </a:xfrm>
+      </p:grpSpPr>
+      <p:sp>
+        <p:nvSpPr>
+          <p:cNvPr id="2" name="Slide Image Placeholder 1"/>
+          <p:cNvSpPr>
+            <a:spLocks noChangeAspect="1" noGrp="1" noRot="1"/>
+          </p:cNvSpPr>
+          <p:nvPr>
+            <p:ph type="sldImg"/>
+          </p:nvPr>
+        </p:nvSpPr>
+        <p:spPr bwMode="auto"/>
+      </p:sp>
+      <p:sp>
+        <p:nvSpPr>
+          <p:cNvPr id="3" name="Notes Placeholder 2"/>
+          <p:cNvSpPr>
+            <a:spLocks noGrp="1"/>
+          </p:cNvSpPr>
+          <p:nvPr>
+            <p:ph type="body" idx="1"/>
+          </p:nvPr>
+        </p:nvSpPr>
+        <p:spPr bwMode="auto"/>
+        <p:txBody>
+          <a:bodyPr/>
+          <a:lstStyle/>
+          <a:p>
+            <a:pPr>
+              <a:defRPr/>
+            </a:pPr>
+            <a:endParaRPr/>
+          </a:p>
+        </p:txBody>
+      </p:sp>
+      <p:sp>
+        <p:nvSpPr>
+          <p:cNvPr id="4" name="Slide Number Placeholder 3"/>
+          <p:cNvSpPr>
+            <a:spLocks noGrp="1"/>
+          </p:cNvSpPr>
+          <p:nvPr>
+            <p:ph type="sldNum" sz="quarter" idx="10"/>
+          </p:nvPr>
+        </p:nvSpPr>
+        <p:spPr bwMode="auto"/>
+        <p:txBody>
+          <a:bodyPr/>
+          <a:lstStyle/>
+          <a:p>
+            <a:pPr>
+              <a:defRPr/>
+            </a:pPr>
+            <a:fld id="{D338033F-52B5-2709-FC27-41495090E23B}" type="slidenum">
+              <a:rPr/>
+              <a:t/>
+            </a:fld>
+            <a:endParaRPr/>
+          </a:p>
+        </p:txBody>
+      </p:sp>
+    </p:spTree>
+  </p:cSld>
+</p:notes>
+</file>
+
+<file path=ppt/notesSlides/notesSlide19.xml><?xml version="1.0" encoding="utf-8"?>
+<p:notes xmlns:a="http://schemas.openxmlformats.org/drawingml/2006/main" xmlns:r="http://schemas.openxmlformats.org/officeDocument/2006/relationships" xmlns:p="http://schemas.openxmlformats.org/presentationml/2006/main" xmlns:m="http://schemas.openxmlformats.org/officeDocument/2006/math" xmlns:w="http://schemas.openxmlformats.org/wordprocessingml/2006/main">
+  <p:cSld name="">
+    <p:spTree>
+      <p:nvGrpSpPr>
+        <p:cNvPr id="1" name=""/>
+        <p:cNvGrpSpPr/>
+        <p:nvPr/>
+      </p:nvGrpSpPr>
+      <p:grpSpPr bwMode="auto">
+        <a:xfrm>
+          <a:off x="0" y="0"/>
+          <a:ext cx="0" cy="0"/>
+          <a:chOff x="0" y="0"/>
+          <a:chExt cx="0" cy="0"/>
+        </a:xfrm>
+      </p:grpSpPr>
+      <p:sp>
+        <p:nvSpPr>
+          <p:cNvPr id="2" name="Slide Image Placeholder 1"/>
+          <p:cNvSpPr>
+            <a:spLocks noChangeAspect="1" noGrp="1" noRot="1"/>
+          </p:cNvSpPr>
+          <p:nvPr>
+            <p:ph type="sldImg"/>
+          </p:nvPr>
+        </p:nvSpPr>
+        <p:spPr bwMode="auto"/>
+      </p:sp>
+      <p:sp>
+        <p:nvSpPr>
+          <p:cNvPr id="3" name="Notes Placeholder 2"/>
+          <p:cNvSpPr>
+            <a:spLocks noGrp="1"/>
+          </p:cNvSpPr>
+          <p:nvPr>
+            <p:ph type="body" idx="1"/>
+          </p:nvPr>
+        </p:nvSpPr>
+        <p:spPr bwMode="auto"/>
+        <p:txBody>
+          <a:bodyPr/>
+          <a:lstStyle/>
+          <a:p>
+            <a:pPr>
+              <a:defRPr/>
+            </a:pPr>
+            <a:endParaRPr/>
+          </a:p>
+        </p:txBody>
+      </p:sp>
+      <p:sp>
+        <p:nvSpPr>
+          <p:cNvPr id="4" name="Slide Number Placeholder 3"/>
+          <p:cNvSpPr>
+            <a:spLocks noGrp="1"/>
+          </p:cNvSpPr>
+          <p:nvPr>
+            <p:ph type="sldNum" sz="quarter" idx="10"/>
+          </p:nvPr>
+        </p:nvSpPr>
+        <p:spPr bwMode="auto"/>
+        <p:txBody>
+          <a:bodyPr/>
+          <a:lstStyle/>
+          <a:p>
+            <a:pPr>
+              <a:defRPr/>
+            </a:pPr>
+            <a:fld id="{C41F4727-78A7-3FA6-1BB2-0AE9D79FE2F8}" type="slidenum">
+              <a:rPr/>
+              <a:t/>
+            </a:fld>
+            <a:endParaRPr/>
+          </a:p>
+        </p:txBody>
+      </p:sp>
+    </p:spTree>
+  </p:cSld>
+</p:notes>
+</file>
+
+<file path=ppt/notesSlides/notesSlide2.xml><?xml version="1.0" encoding="utf-8"?>
+<p:notes xmlns:a="http://schemas.openxmlformats.org/drawingml/2006/main" xmlns:r="http://schemas.openxmlformats.org/officeDocument/2006/relationships" xmlns:p="http://schemas.openxmlformats.org/presentationml/2006/main" xmlns:m="http://schemas.openxmlformats.org/officeDocument/2006/math" xmlns:w="http://schemas.openxmlformats.org/wordprocessingml/2006/main">
+  <p:cSld name="">
+    <p:spTree>
+      <p:nvGrpSpPr>
+        <p:cNvPr id="1" name=""/>
+        <p:cNvGrpSpPr/>
+        <p:nvPr/>
+      </p:nvGrpSpPr>
+      <p:grpSpPr bwMode="auto">
+        <a:xfrm>
+          <a:off x="0" y="0"/>
+          <a:ext cx="0" cy="0"/>
+          <a:chOff x="0" y="0"/>
+          <a:chExt cx="0" cy="0"/>
+        </a:xfrm>
+      </p:grpSpPr>
+      <p:sp>
+        <p:nvSpPr>
+          <p:cNvPr id="2" name="Slide Image Placeholder 1"/>
+          <p:cNvSpPr>
+            <a:spLocks noChangeAspect="1" noGrp="1" noRot="1"/>
+          </p:cNvSpPr>
+          <p:nvPr>
+            <p:ph type="sldImg"/>
+          </p:nvPr>
+        </p:nvSpPr>
+        <p:spPr bwMode="auto"/>
+      </p:sp>
+      <p:sp>
+        <p:nvSpPr>
+          <p:cNvPr id="3" name="Notes Placeholder 2"/>
+          <p:cNvSpPr>
+            <a:spLocks noGrp="1"/>
+          </p:cNvSpPr>
+          <p:nvPr>
+            <p:ph type="body" idx="1"/>
+          </p:nvPr>
+        </p:nvSpPr>
+        <p:spPr bwMode="auto"/>
+        <p:txBody>
+          <a:bodyPr/>
+          <a:lstStyle/>
+          <a:p>
+            <a:pPr>
+              <a:defRPr/>
+            </a:pPr>
+            <a:endParaRPr/>
+          </a:p>
+        </p:txBody>
+      </p:sp>
+      <p:sp>
+        <p:nvSpPr>
+          <p:cNvPr id="4" name="Slide Number Placeholder 3"/>
+          <p:cNvSpPr>
+            <a:spLocks noGrp="1"/>
+          </p:cNvSpPr>
+          <p:nvPr>
+            <p:ph type="sldNum" sz="quarter" idx="10"/>
+          </p:nvPr>
+        </p:nvSpPr>
+        <p:spPr bwMode="auto"/>
+        <p:txBody>
+          <a:bodyPr/>
+          <a:lstStyle/>
+          <a:p>
+            <a:pPr>
+              <a:defRPr/>
+            </a:pPr>
+            <a:fld id="{F2933F2A-8D60-A1CC-8700-15FE758C0930}" type="slidenum">
+              <a:rPr/>
+              <a:t/>
+            </a:fld>
+            <a:endParaRPr/>
+          </a:p>
+        </p:txBody>
+      </p:sp>
+    </p:spTree>
+  </p:cSld>
+</p:notes>
+</file>
+
+<file path=ppt/notesSlides/notesSlide3.xml><?xml version="1.0" encoding="utf-8"?>
+<p:notes xmlns:a="http://schemas.openxmlformats.org/drawingml/2006/main" xmlns:r="http://schemas.openxmlformats.org/officeDocument/2006/relationships" xmlns:p="http://schemas.openxmlformats.org/presentationml/2006/main" xmlns:m="http://schemas.openxmlformats.org/officeDocument/2006/math" xmlns:w="http://schemas.openxmlformats.org/wordprocessingml/2006/main">
+  <p:cSld name="">
+    <p:spTree>
+      <p:nvGrpSpPr>
+        <p:cNvPr id="1" name=""/>
+        <p:cNvGrpSpPr/>
+        <p:nvPr/>
+      </p:nvGrpSpPr>
+      <p:grpSpPr bwMode="auto">
+        <a:xfrm>
+          <a:off x="0" y="0"/>
+          <a:ext cx="0" cy="0"/>
+          <a:chOff x="0" y="0"/>
+          <a:chExt cx="0" cy="0"/>
+        </a:xfrm>
+      </p:grpSpPr>
+      <p:sp>
+        <p:nvSpPr>
+          <p:cNvPr id="2" name="Slide Image Placeholder 1"/>
+          <p:cNvSpPr>
+            <a:spLocks noChangeAspect="1" noGrp="1" noRot="1"/>
+          </p:cNvSpPr>
+          <p:nvPr>
+            <p:ph type="sldImg"/>
+          </p:nvPr>
+        </p:nvSpPr>
+        <p:spPr bwMode="auto"/>
+      </p:sp>
+      <p:sp>
+        <p:nvSpPr>
+          <p:cNvPr id="3" name="Notes Placeholder 2"/>
+          <p:cNvSpPr>
+            <a:spLocks noGrp="1"/>
+          </p:cNvSpPr>
+          <p:nvPr>
+            <p:ph type="body" idx="1"/>
+          </p:nvPr>
+        </p:nvSpPr>
+        <p:spPr bwMode="auto"/>
+        <p:txBody>
+          <a:bodyPr/>
+          <a:lstStyle/>
+          <a:p>
+            <a:pPr>
+              <a:defRPr/>
+            </a:pPr>
+            <a:endParaRPr/>
+          </a:p>
+        </p:txBody>
+      </p:sp>
+      <p:sp>
+        <p:nvSpPr>
+          <p:cNvPr id="4" name="Slide Number Placeholder 3"/>
+          <p:cNvSpPr>
+            <a:spLocks noGrp="1"/>
+          </p:cNvSpPr>
+          <p:nvPr>
+            <p:ph type="sldNum" sz="quarter" idx="10"/>
+          </p:nvPr>
+        </p:nvSpPr>
+        <p:spPr bwMode="auto"/>
+        <p:txBody>
+          <a:bodyPr/>
+          <a:lstStyle/>
+          <a:p>
+            <a:pPr>
+              <a:defRPr/>
+            </a:pPr>
+            <a:fld id="{AF02163B-F99B-8CD5-E995-86C1E4DADEAC}" type="slidenum">
+              <a:rPr/>
+              <a:t/>
+            </a:fld>
+            <a:endParaRPr/>
+          </a:p>
+        </p:txBody>
+      </p:sp>
+    </p:spTree>
+  </p:cSld>
+</p:notes>
+</file>
+
+<file path=ppt/notesSlides/notesSlide4.xml><?xml version="1.0" encoding="utf-8"?>
+<p:notes xmlns:a="http://schemas.openxmlformats.org/drawingml/2006/main" xmlns:r="http://schemas.openxmlformats.org/officeDocument/2006/relationships" xmlns:p="http://schemas.openxmlformats.org/presentationml/2006/main" xmlns:m="http://schemas.openxmlformats.org/officeDocument/2006/math" xmlns:w="http://schemas.openxmlformats.org/wordprocessingml/2006/main">
+  <p:cSld name="">
+    <p:spTree>
+      <p:nvGrpSpPr>
+        <p:cNvPr id="1" name=""/>
+        <p:cNvGrpSpPr/>
+        <p:nvPr/>
+      </p:nvGrpSpPr>
+      <p:grpSpPr bwMode="auto">
+        <a:xfrm>
+          <a:off x="0" y="0"/>
+          <a:ext cx="0" cy="0"/>
+          <a:chOff x="0" y="0"/>
+          <a:chExt cx="0" cy="0"/>
+        </a:xfrm>
+      </p:grpSpPr>
+      <p:sp>
+        <p:nvSpPr>
+          <p:cNvPr id="2" name="Slide Image Placeholder 1"/>
+          <p:cNvSpPr>
+            <a:spLocks noChangeAspect="1" noGrp="1" noRot="1"/>
+          </p:cNvSpPr>
+          <p:nvPr>
+            <p:ph type="sldImg"/>
+          </p:nvPr>
+        </p:nvSpPr>
+        <p:spPr bwMode="auto"/>
+      </p:sp>
+      <p:sp>
+        <p:nvSpPr>
+          <p:cNvPr id="3" name="Notes Placeholder 2"/>
+          <p:cNvSpPr>
+            <a:spLocks noGrp="1"/>
+          </p:cNvSpPr>
+          <p:nvPr>
+            <p:ph type="body" idx="1"/>
+          </p:nvPr>
+        </p:nvSpPr>
+        <p:spPr bwMode="auto"/>
+        <p:txBody>
+          <a:bodyPr/>
+          <a:lstStyle/>
+          <a:p>
+            <a:pPr>
+              <a:defRPr/>
+            </a:pPr>
+            <a:endParaRPr/>
+          </a:p>
+        </p:txBody>
+      </p:sp>
+      <p:sp>
+        <p:nvSpPr>
+          <p:cNvPr id="4" name="Slide Number Placeholder 3"/>
+          <p:cNvSpPr>
+            <a:spLocks noGrp="1"/>
+          </p:cNvSpPr>
+          <p:nvPr>
+            <p:ph type="sldNum" sz="quarter" idx="10"/>
+          </p:nvPr>
+        </p:nvSpPr>
+        <p:spPr bwMode="auto"/>
+        <p:txBody>
+          <a:bodyPr/>
+          <a:lstStyle/>
+          <a:p>
+            <a:pPr>
+              <a:defRPr/>
+            </a:pPr>
+            <a:fld id="{E7F511CE-B723-9ADF-0A62-DA52EF12150A}" type="slidenum">
+              <a:rPr/>
+              <a:t/>
+            </a:fld>
+            <a:endParaRPr/>
+          </a:p>
+        </p:txBody>
+      </p:sp>
+    </p:spTree>
+  </p:cSld>
+</p:notes>
+</file>
+
+<file path=ppt/notesSlides/notesSlide5.xml><?xml version="1.0" encoding="utf-8"?>
+<p:notes xmlns:a="http://schemas.openxmlformats.org/drawingml/2006/main" xmlns:r="http://schemas.openxmlformats.org/officeDocument/2006/relationships" xmlns:p="http://schemas.openxmlformats.org/presentationml/2006/main" xmlns:m="http://schemas.openxmlformats.org/officeDocument/2006/math" xmlns:w="http://schemas.openxmlformats.org/wordprocessingml/2006/main">
+  <p:cSld name="">
+    <p:spTree>
+      <p:nvGrpSpPr>
+        <p:cNvPr id="1" name=""/>
+        <p:cNvGrpSpPr/>
+        <p:nvPr/>
+      </p:nvGrpSpPr>
+      <p:grpSpPr bwMode="auto">
+        <a:xfrm>
+          <a:off x="0" y="0"/>
+          <a:ext cx="0" cy="0"/>
+          <a:chOff x="0" y="0"/>
+          <a:chExt cx="0" cy="0"/>
+        </a:xfrm>
+      </p:grpSpPr>
+      <p:sp>
+        <p:nvSpPr>
+          <p:cNvPr id="2" name="Slide Image Placeholder 1"/>
+          <p:cNvSpPr>
+            <a:spLocks noChangeAspect="1" noGrp="1" noRot="1"/>
+          </p:cNvSpPr>
+          <p:nvPr>
+            <p:ph type="sldImg"/>
+          </p:nvPr>
+        </p:nvSpPr>
+        <p:spPr bwMode="auto"/>
+      </p:sp>
+      <p:sp>
+        <p:nvSpPr>
+          <p:cNvPr id="3" name="Notes Placeholder 2"/>
+          <p:cNvSpPr>
+            <a:spLocks noGrp="1"/>
+          </p:cNvSpPr>
+          <p:nvPr>
+            <p:ph type="body" idx="1"/>
+          </p:nvPr>
+        </p:nvSpPr>
+        <p:spPr bwMode="auto"/>
+        <p:txBody>
+          <a:bodyPr/>
+          <a:lstStyle/>
+          <a:p>
+            <a:pPr>
+              <a:defRPr/>
+            </a:pPr>
+            <a:endParaRPr/>
+          </a:p>
+        </p:txBody>
+      </p:sp>
+      <p:sp>
+        <p:nvSpPr>
+          <p:cNvPr id="4" name="Slide Number Placeholder 3"/>
+          <p:cNvSpPr>
+            <a:spLocks noGrp="1"/>
+          </p:cNvSpPr>
+          <p:nvPr>
+            <p:ph type="sldNum" sz="quarter" idx="10"/>
+          </p:nvPr>
+        </p:nvSpPr>
+        <p:spPr bwMode="auto"/>
+        <p:txBody>
+          <a:bodyPr/>
+          <a:lstStyle/>
+          <a:p>
+            <a:pPr>
+              <a:defRPr/>
+            </a:pPr>
+            <a:fld id="{3207F4C2-2D01-747C-1FC5-7BB809A6E440}" type="slidenum">
+              <a:rPr/>
+              <a:t/>
+            </a:fld>
+            <a:endParaRPr/>
+          </a:p>
+        </p:txBody>
+      </p:sp>
+    </p:spTree>
+  </p:cSld>
+</p:notes>
+</file>
+
+<file path=ppt/notesSlides/notesSlide6.xml><?xml version="1.0" encoding="utf-8"?>
+<p:notes xmlns:a="http://schemas.openxmlformats.org/drawingml/2006/main" xmlns:r="http://schemas.openxmlformats.org/officeDocument/2006/relationships" xmlns:p="http://schemas.openxmlformats.org/presentationml/2006/main" xmlns:m="http://schemas.openxmlformats.org/officeDocument/2006/math" xmlns:w="http://schemas.openxmlformats.org/wordprocessingml/2006/main">
+  <p:cSld name="">
+    <p:spTree>
+      <p:nvGrpSpPr>
+        <p:cNvPr id="1" name=""/>
+        <p:cNvGrpSpPr/>
+        <p:nvPr/>
+      </p:nvGrpSpPr>
+      <p:grpSpPr bwMode="auto">
+        <a:xfrm>
+          <a:off x="0" y="0"/>
+          <a:ext cx="0" cy="0"/>
+          <a:chOff x="0" y="0"/>
+          <a:chExt cx="0" cy="0"/>
+        </a:xfrm>
+      </p:grpSpPr>
+      <p:sp>
+        <p:nvSpPr>
+          <p:cNvPr id="2" name="Slide Image Placeholder 1"/>
+          <p:cNvSpPr>
+            <a:spLocks noChangeAspect="1" noGrp="1" noRot="1"/>
+          </p:cNvSpPr>
+          <p:nvPr>
+            <p:ph type="sldImg"/>
+          </p:nvPr>
+        </p:nvSpPr>
+        <p:spPr bwMode="auto"/>
+      </p:sp>
+      <p:sp>
+        <p:nvSpPr>
+          <p:cNvPr id="3" name="Notes Placeholder 2"/>
+          <p:cNvSpPr>
+            <a:spLocks noGrp="1"/>
+          </p:cNvSpPr>
+          <p:nvPr>
+            <p:ph type="body" idx="1"/>
+          </p:nvPr>
+        </p:nvSpPr>
+        <p:spPr bwMode="auto"/>
+        <p:txBody>
+          <a:bodyPr/>
+          <a:lstStyle/>
+          <a:p>
+            <a:pPr>
+              <a:defRPr/>
+            </a:pPr>
+            <a:endParaRPr/>
+          </a:p>
+        </p:txBody>
+      </p:sp>
+      <p:sp>
+        <p:nvSpPr>
+          <p:cNvPr id="4" name="Slide Number Placeholder 3"/>
+          <p:cNvSpPr>
+            <a:spLocks noGrp="1"/>
+          </p:cNvSpPr>
+          <p:nvPr>
+            <p:ph type="sldNum" sz="quarter" idx="10"/>
+          </p:nvPr>
+        </p:nvSpPr>
+        <p:spPr bwMode="auto"/>
+        <p:txBody>
+          <a:bodyPr/>
+          <a:lstStyle/>
+          <a:p>
+            <a:pPr>
+              <a:defRPr/>
+            </a:pPr>
+            <a:fld id="{55B69417-1856-8E3E-4FF4-06C1467248E3}" type="slidenum">
+              <a:rPr/>
+              <a:t/>
+            </a:fld>
+            <a:endParaRPr/>
+          </a:p>
+        </p:txBody>
+      </p:sp>
+    </p:spTree>
+  </p:cSld>
+</p:notes>
+</file>
+
+<file path=ppt/notesSlides/notesSlide7.xml><?xml version="1.0" encoding="utf-8"?>
+<p:notes xmlns:a="http://schemas.openxmlformats.org/drawingml/2006/main" xmlns:r="http://schemas.openxmlformats.org/officeDocument/2006/relationships" xmlns:p="http://schemas.openxmlformats.org/presentationml/2006/main" xmlns:m="http://schemas.openxmlformats.org/officeDocument/2006/math" xmlns:w="http://schemas.openxmlformats.org/wordprocessingml/2006/main">
+  <p:cSld name="">
+    <p:spTree>
+      <p:nvGrpSpPr>
+        <p:cNvPr id="1" name=""/>
+        <p:cNvGrpSpPr/>
+        <p:nvPr/>
+      </p:nvGrpSpPr>
+      <p:grpSpPr bwMode="auto">
+        <a:xfrm>
+          <a:off x="0" y="0"/>
+          <a:ext cx="0" cy="0"/>
+          <a:chOff x="0" y="0"/>
+          <a:chExt cx="0" cy="0"/>
+        </a:xfrm>
+      </p:grpSpPr>
+      <p:sp>
+        <p:nvSpPr>
+          <p:cNvPr id="2" name="Slide Image Placeholder 1"/>
+          <p:cNvSpPr>
+            <a:spLocks noChangeAspect="1" noGrp="1" noRot="1"/>
+          </p:cNvSpPr>
+          <p:nvPr>
+            <p:ph type="sldImg"/>
+          </p:nvPr>
+        </p:nvSpPr>
+        <p:spPr bwMode="auto"/>
+      </p:sp>
+      <p:sp>
+        <p:nvSpPr>
+          <p:cNvPr id="3" name="Notes Placeholder 2"/>
+          <p:cNvSpPr>
+            <a:spLocks noGrp="1"/>
+          </p:cNvSpPr>
+          <p:nvPr>
+            <p:ph type="body" idx="1"/>
+          </p:nvPr>
+        </p:nvSpPr>
+        <p:spPr bwMode="auto"/>
+        <p:txBody>
+          <a:bodyPr/>
+          <a:lstStyle/>
+          <a:p>
+            <a:pPr>
+              <a:defRPr/>
+            </a:pPr>
+            <a:endParaRPr/>
+          </a:p>
+        </p:txBody>
+      </p:sp>
+      <p:sp>
+        <p:nvSpPr>
+          <p:cNvPr id="4" name="Slide Number Placeholder 3"/>
+          <p:cNvSpPr>
+            <a:spLocks noGrp="1"/>
+          </p:cNvSpPr>
+          <p:nvPr>
+            <p:ph type="sldNum" sz="quarter" idx="10"/>
+          </p:nvPr>
+        </p:nvSpPr>
+        <p:spPr bwMode="auto"/>
+        <p:txBody>
+          <a:bodyPr/>
+          <a:lstStyle/>
+          <a:p>
+            <a:pPr>
+              <a:defRPr/>
+            </a:pPr>
+            <a:fld id="{28D3EEAB-699F-5CC1-1E9E-CCF2996026D4}" type="slidenum">
+              <a:rPr/>
+              <a:t/>
+            </a:fld>
+            <a:endParaRPr/>
+          </a:p>
+        </p:txBody>
+      </p:sp>
+    </p:spTree>
+  </p:cSld>
+</p:notes>
+</file>
+
+<file path=ppt/notesSlides/notesSlide8.xml><?xml version="1.0" encoding="utf-8"?>
+<p:notes xmlns:a="http://schemas.openxmlformats.org/drawingml/2006/main" xmlns:r="http://schemas.openxmlformats.org/officeDocument/2006/relationships" xmlns:p="http://schemas.openxmlformats.org/presentationml/2006/main" xmlns:m="http://schemas.openxmlformats.org/officeDocument/2006/math" xmlns:w="http://schemas.openxmlformats.org/wordprocessingml/2006/main">
+  <p:cSld name="">
+    <p:spTree>
+      <p:nvGrpSpPr>
+        <p:cNvPr id="1" name=""/>
+        <p:cNvGrpSpPr/>
+        <p:nvPr/>
+      </p:nvGrpSpPr>
+      <p:grpSpPr bwMode="auto">
+        <a:xfrm>
+          <a:off x="0" y="0"/>
+          <a:ext cx="0" cy="0"/>
+          <a:chOff x="0" y="0"/>
+          <a:chExt cx="0" cy="0"/>
+        </a:xfrm>
+      </p:grpSpPr>
+      <p:sp>
+        <p:nvSpPr>
+          <p:cNvPr id="2" name="Slide Image Placeholder 1"/>
+          <p:cNvSpPr>
+            <a:spLocks noChangeAspect="1" noGrp="1" noRot="1"/>
+          </p:cNvSpPr>
+          <p:nvPr>
+            <p:ph type="sldImg"/>
+          </p:nvPr>
+        </p:nvSpPr>
+        <p:spPr bwMode="auto"/>
+      </p:sp>
+      <p:sp>
+        <p:nvSpPr>
+          <p:cNvPr id="3" name="Notes Placeholder 2"/>
+          <p:cNvSpPr>
+            <a:spLocks noGrp="1"/>
+          </p:cNvSpPr>
+          <p:nvPr>
+            <p:ph type="body" idx="1"/>
+          </p:nvPr>
+        </p:nvSpPr>
+        <p:spPr bwMode="auto"/>
+        <p:txBody>
+          <a:bodyPr/>
+          <a:lstStyle/>
+          <a:p>
+            <a:pPr>
+              <a:defRPr/>
+            </a:pPr>
+            <a:endParaRPr/>
+          </a:p>
+        </p:txBody>
+      </p:sp>
+      <p:sp>
+        <p:nvSpPr>
+          <p:cNvPr id="4" name="Slide Number Placeholder 3"/>
+          <p:cNvSpPr>
+            <a:spLocks noGrp="1"/>
+          </p:cNvSpPr>
+          <p:nvPr>
+            <p:ph type="sldNum" sz="quarter" idx="10"/>
+          </p:nvPr>
+        </p:nvSpPr>
+        <p:spPr bwMode="auto"/>
+        <p:txBody>
+          <a:bodyPr/>
+          <a:lstStyle/>
+          <a:p>
+            <a:pPr>
+              <a:defRPr/>
+            </a:pPr>
+            <a:fld id="{C1B13F66-34A2-92A9-C45C-2E4BE92304CA}" type="slidenum">
+              <a:rPr/>
+              <a:t>8</a:t>
+            </a:fld>
+            <a:endParaRPr/>
+          </a:p>
+        </p:txBody>
+      </p:sp>
+    </p:spTree>
+  </p:cSld>
+</p:notes>
+</file>
+
+<file path=ppt/notesSlides/notesSlide9.xml><?xml version="1.0" encoding="utf-8"?>
+<p:notes xmlns:a="http://schemas.openxmlformats.org/drawingml/2006/main" xmlns:r="http://schemas.openxmlformats.org/officeDocument/2006/relationships" xmlns:p="http://schemas.openxmlformats.org/presentationml/2006/main" xmlns:m="http://schemas.openxmlformats.org/officeDocument/2006/math" xmlns:w="http://schemas.openxmlformats.org/wordprocessingml/2006/main">
+  <p:cSld name="">
+    <p:spTree>
+      <p:nvGrpSpPr>
+        <p:cNvPr id="1" name=""/>
+        <p:cNvGrpSpPr/>
+        <p:nvPr/>
+      </p:nvGrpSpPr>
+      <p:grpSpPr bwMode="auto">
+        <a:xfrm>
+          <a:off x="0" y="0"/>
+          <a:ext cx="0" cy="0"/>
+          <a:chOff x="0" y="0"/>
+          <a:chExt cx="0" cy="0"/>
+        </a:xfrm>
+      </p:grpSpPr>
+      <p:sp>
+        <p:nvSpPr>
+          <p:cNvPr id="2" name="Slide Image Placeholder 1"/>
+          <p:cNvSpPr>
+            <a:spLocks noChangeAspect="1" noGrp="1" noRot="1"/>
+          </p:cNvSpPr>
+          <p:nvPr>
+            <p:ph type="sldImg"/>
+          </p:nvPr>
+        </p:nvSpPr>
+        <p:spPr bwMode="auto"/>
+      </p:sp>
+      <p:sp>
+        <p:nvSpPr>
+          <p:cNvPr id="3" name="Notes Placeholder 2"/>
+          <p:cNvSpPr>
+            <a:spLocks noGrp="1"/>
+          </p:cNvSpPr>
+          <p:nvPr>
+            <p:ph type="body" idx="1"/>
+          </p:nvPr>
+        </p:nvSpPr>
+        <p:spPr bwMode="auto"/>
+        <p:txBody>
+          <a:bodyPr/>
+          <a:lstStyle/>
+          <a:p>
+            <a:pPr>
+              <a:defRPr/>
+            </a:pPr>
+            <a:endParaRPr/>
+          </a:p>
+        </p:txBody>
+      </p:sp>
+      <p:sp>
+        <p:nvSpPr>
+          <p:cNvPr id="4" name="Slide Number Placeholder 3"/>
+          <p:cNvSpPr>
+            <a:spLocks noGrp="1"/>
+          </p:cNvSpPr>
+          <p:nvPr>
+            <p:ph type="sldNum" sz="quarter" idx="10"/>
+          </p:nvPr>
+        </p:nvSpPr>
+        <p:spPr bwMode="auto"/>
+        <p:txBody>
+          <a:bodyPr/>
+          <a:lstStyle/>
+          <a:p>
+            <a:pPr>
+              <a:defRPr/>
+            </a:pPr>
+            <a:fld id="{C1B13F66-34A2-92A9-C45C-2E4BE92304CA}" type="slidenum">
+              <a:rPr/>
+              <a:t>9</a:t>
+            </a:fld>
+            <a:endParaRPr/>
+          </a:p>
+        </p:txBody>
+      </p:sp>
+    </p:spTree>
+  </p:cSld>
 </p:notes>
 </file>
 
 <file path=ppt/slideLayouts/slideLayout1.xml><?xml version="1.0" encoding="utf-8"?>
-<p:sldLayout xmlns:a="http://schemas.openxmlformats.org/drawingml/2006/main" xmlns:r="http://schemas.openxmlformats.org/officeDocument/2006/relationships" xmlns:p="http://schemas.openxmlformats.org/presentationml/2006/main" showMasterSp="0" showMasterPhAnim="0" matchingName="Title Slide" type="title" userDrawn="1">
+<p:sldLayout xmlns:a="http://schemas.openxmlformats.org/drawingml/2006/main" xmlns:r="http://schemas.openxmlformats.org/officeDocument/2006/relationships" xmlns:p="http://schemas.openxmlformats.org/presentationml/2006/main" xmlns:m="http://schemas.openxmlformats.org/officeDocument/2006/math" xmlns:w="http://schemas.openxmlformats.org/wordprocessingml/2006/main" matchingName="Title Slide" preserve="0" showMasterPhAnim="0" showMasterSp="0" type="title" userDrawn="1">
   <p:cSld name="TITLE">
     <p:spTree>
       <p:nvGrpSpPr>
@@ -2452,7 +3567,7 @@
                 </a:prstGeom>
                 <a:solidFill>
                   <a:srgbClr val="92CCDC">
-                    <a:alpha val="29801"/>
+                    <a:alpha val="29800"/>
                   </a:srgbClr>
                 </a:solidFill>
                 <a:ln>
@@ -2994,7 +4109,7 @@
                 </a:prstGeom>
                 <a:solidFill>
                   <a:srgbClr val="FE75FF">
-                    <a:alpha val="29801"/>
+                    <a:alpha val="29800"/>
                   </a:srgbClr>
                 </a:solidFill>
                 <a:ln>
@@ -3080,7 +4195,7 @@
                 </a:prstGeom>
                 <a:solidFill>
                   <a:srgbClr val="BFBF00">
-                    <a:alpha val="29801"/>
+                    <a:alpha val="29800"/>
                   </a:srgbClr>
                 </a:solidFill>
                 <a:ln>
@@ -4566,7 +5681,7 @@
             </a:prstGeom>
             <a:solidFill>
               <a:srgbClr val="FE75FF">
-                <a:alpha val="29801"/>
+                <a:alpha val="29800"/>
               </a:srgbClr>
             </a:solidFill>
             <a:ln>
@@ -5113,7 +6228,7 @@
 </file>
 
 <file path=ppt/slideLayouts/slideLayout10.xml><?xml version="1.0" encoding="utf-8"?>
-<p:sldLayout xmlns:a="http://schemas.openxmlformats.org/drawingml/2006/main" xmlns:r="http://schemas.openxmlformats.org/officeDocument/2006/relationships" xmlns:p="http://schemas.openxmlformats.org/presentationml/2006/main" showMasterPhAnim="0" matchingName="Title and Vertical Text" type="vertTx" userDrawn="1">
+<p:sldLayout xmlns:a="http://schemas.openxmlformats.org/drawingml/2006/main" xmlns:r="http://schemas.openxmlformats.org/officeDocument/2006/relationships" xmlns:p="http://schemas.openxmlformats.org/presentationml/2006/main" xmlns:m="http://schemas.openxmlformats.org/officeDocument/2006/math" xmlns:w="http://schemas.openxmlformats.org/wordprocessingml/2006/main" matchingName="Title and Vertical Text" preserve="0" showMasterPhAnim="0" type="vertTx" userDrawn="1">
   <p:cSld name="VERTICAL_TEXT">
     <p:spTree>
       <p:nvGrpSpPr>
@@ -5829,7 +6944,7 @@
 </file>
 
 <file path=ppt/slideLayouts/slideLayout11.xml><?xml version="1.0" encoding="utf-8"?>
-<p:sldLayout xmlns:a="http://schemas.openxmlformats.org/drawingml/2006/main" xmlns:r="http://schemas.openxmlformats.org/officeDocument/2006/relationships" xmlns:p="http://schemas.openxmlformats.org/presentationml/2006/main" showMasterPhAnim="0" matchingName="Vertical Title and Text" type="vertTitleAndTx" userDrawn="1">
+<p:sldLayout xmlns:a="http://schemas.openxmlformats.org/drawingml/2006/main" xmlns:r="http://schemas.openxmlformats.org/officeDocument/2006/relationships" xmlns:p="http://schemas.openxmlformats.org/presentationml/2006/main" xmlns:m="http://schemas.openxmlformats.org/officeDocument/2006/math" xmlns:w="http://schemas.openxmlformats.org/wordprocessingml/2006/main" matchingName="Vertical Title and Text" preserve="0" showMasterPhAnim="0" type="vertTitleAndTx" userDrawn="1">
   <p:cSld name="VERTICAL_TITLE_AND_VERTICAL_TEXT">
     <p:spTree>
       <p:nvGrpSpPr>
@@ -6546,7 +7661,7 @@
 </file>
 
 <file path=ppt/slideLayouts/slideLayout2.xml><?xml version="1.0" encoding="utf-8"?>
-<p:sldLayout xmlns:a="http://schemas.openxmlformats.org/drawingml/2006/main" xmlns:r="http://schemas.openxmlformats.org/officeDocument/2006/relationships" xmlns:p="http://schemas.openxmlformats.org/presentationml/2006/main" showMasterPhAnim="0" matchingName="Title and Content" type="obj" userDrawn="1">
+<p:sldLayout xmlns:a="http://schemas.openxmlformats.org/drawingml/2006/main" xmlns:r="http://schemas.openxmlformats.org/officeDocument/2006/relationships" xmlns:p="http://schemas.openxmlformats.org/presentationml/2006/main" xmlns:m="http://schemas.openxmlformats.org/officeDocument/2006/math" xmlns:w="http://schemas.openxmlformats.org/wordprocessingml/2006/main" matchingName="Title and Content" preserve="0" showMasterPhAnim="0" type="obj" userDrawn="1">
   <p:cSld name="OBJECT">
     <p:spTree>
       <p:nvGrpSpPr>
@@ -7262,7 +8377,7 @@
 </file>
 
 <file path=ppt/slideLayouts/slideLayout3.xml><?xml version="1.0" encoding="utf-8"?>
-<p:sldLayout xmlns:a="http://schemas.openxmlformats.org/drawingml/2006/main" xmlns:r="http://schemas.openxmlformats.org/officeDocument/2006/relationships" xmlns:p="http://schemas.openxmlformats.org/presentationml/2006/main" showMasterPhAnim="0" matchingName="Section Header" type="secHead" userDrawn="1">
+<p:sldLayout xmlns:a="http://schemas.openxmlformats.org/drawingml/2006/main" xmlns:r="http://schemas.openxmlformats.org/officeDocument/2006/relationships" xmlns:p="http://schemas.openxmlformats.org/presentationml/2006/main" xmlns:m="http://schemas.openxmlformats.org/officeDocument/2006/math" xmlns:w="http://schemas.openxmlformats.org/wordprocessingml/2006/main" matchingName="Section Header" preserve="0" showMasterPhAnim="0" type="secHead" userDrawn="1">
   <p:cSld name="SECTION_HEADER">
     <p:spTree>
       <p:nvGrpSpPr>
@@ -8011,7 +9126,7 @@
 </file>
 
 <file path=ppt/slideLayouts/slideLayout4.xml><?xml version="1.0" encoding="utf-8"?>
-<p:sldLayout xmlns:a="http://schemas.openxmlformats.org/drawingml/2006/main" xmlns:r="http://schemas.openxmlformats.org/officeDocument/2006/relationships" xmlns:p="http://schemas.openxmlformats.org/presentationml/2006/main" showMasterPhAnim="0" matchingName="Two Content" type="twoObj" userDrawn="1">
+<p:sldLayout xmlns:a="http://schemas.openxmlformats.org/drawingml/2006/main" xmlns:r="http://schemas.openxmlformats.org/officeDocument/2006/relationships" xmlns:p="http://schemas.openxmlformats.org/presentationml/2006/main" xmlns:m="http://schemas.openxmlformats.org/officeDocument/2006/math" xmlns:w="http://schemas.openxmlformats.org/wordprocessingml/2006/main" matchingName="Two Content" preserve="0" showMasterPhAnim="0" type="twoObj" userDrawn="1">
   <p:cSld name="TWO_OBJECTS">
     <p:spTree>
       <p:nvGrpSpPr>
@@ -8890,7 +10005,7 @@
 </file>
 
 <file path=ppt/slideLayouts/slideLayout5.xml><?xml version="1.0" encoding="utf-8"?>
-<p:sldLayout xmlns:a="http://schemas.openxmlformats.org/drawingml/2006/main" xmlns:r="http://schemas.openxmlformats.org/officeDocument/2006/relationships" xmlns:p="http://schemas.openxmlformats.org/presentationml/2006/main" showMasterPhAnim="0" matchingName="Comparison" type="twoTxTwoObj" userDrawn="1">
+<p:sldLayout xmlns:a="http://schemas.openxmlformats.org/drawingml/2006/main" xmlns:r="http://schemas.openxmlformats.org/officeDocument/2006/relationships" xmlns:p="http://schemas.openxmlformats.org/presentationml/2006/main" xmlns:m="http://schemas.openxmlformats.org/officeDocument/2006/math" xmlns:w="http://schemas.openxmlformats.org/wordprocessingml/2006/main" matchingName="Comparison" preserve="0" showMasterPhAnim="0" type="twoTxTwoObj" userDrawn="1">
   <p:cSld name="TWO_OBJECTS_WITH_TEXT">
     <p:spTree>
       <p:nvGrpSpPr>
@@ -10095,7 +11210,7 @@
 </file>
 
 <file path=ppt/slideLayouts/slideLayout6.xml><?xml version="1.0" encoding="utf-8"?>
-<p:sldLayout xmlns:a="http://schemas.openxmlformats.org/drawingml/2006/main" xmlns:r="http://schemas.openxmlformats.org/officeDocument/2006/relationships" xmlns:p="http://schemas.openxmlformats.org/presentationml/2006/main" showMasterPhAnim="0" matchingName="Title Only" type="titleOnly" userDrawn="1">
+<p:sldLayout xmlns:a="http://schemas.openxmlformats.org/drawingml/2006/main" xmlns:r="http://schemas.openxmlformats.org/officeDocument/2006/relationships" xmlns:p="http://schemas.openxmlformats.org/presentationml/2006/main" xmlns:m="http://schemas.openxmlformats.org/officeDocument/2006/math" xmlns:w="http://schemas.openxmlformats.org/wordprocessingml/2006/main" matchingName="Title Only" preserve="0" showMasterPhAnim="0" type="titleOnly" userDrawn="1">
   <p:cSld name="TITLE_ONLY">
     <p:spTree>
       <p:nvGrpSpPr>
@@ -10648,7 +11763,7 @@
 </file>
 
 <file path=ppt/slideLayouts/slideLayout7.xml><?xml version="1.0" encoding="utf-8"?>
-<p:sldLayout xmlns:a="http://schemas.openxmlformats.org/drawingml/2006/main" xmlns:r="http://schemas.openxmlformats.org/officeDocument/2006/relationships" xmlns:p="http://schemas.openxmlformats.org/presentationml/2006/main" showMasterPhAnim="0" matchingName="Blank" type="blank" userDrawn="1">
+<p:sldLayout xmlns:a="http://schemas.openxmlformats.org/drawingml/2006/main" xmlns:r="http://schemas.openxmlformats.org/officeDocument/2006/relationships" xmlns:p="http://schemas.openxmlformats.org/presentationml/2006/main" xmlns:m="http://schemas.openxmlformats.org/officeDocument/2006/math" xmlns:w="http://schemas.openxmlformats.org/wordprocessingml/2006/main" matchingName="Blank" preserve="0" showMasterPhAnim="0" type="blank" userDrawn="1">
   <p:cSld name="BLANK">
     <p:spTree>
       <p:nvGrpSpPr>
@@ -11058,7 +12173,7 @@
 </file>
 
 <file path=ppt/slideLayouts/slideLayout8.xml><?xml version="1.0" encoding="utf-8"?>
-<p:sldLayout xmlns:a="http://schemas.openxmlformats.org/drawingml/2006/main" xmlns:r="http://schemas.openxmlformats.org/officeDocument/2006/relationships" xmlns:p="http://schemas.openxmlformats.org/presentationml/2006/main" showMasterPhAnim="0" matchingName="Content with Caption" type="objTx" userDrawn="1">
+<p:sldLayout xmlns:a="http://schemas.openxmlformats.org/drawingml/2006/main" xmlns:r="http://schemas.openxmlformats.org/officeDocument/2006/relationships" xmlns:p="http://schemas.openxmlformats.org/presentationml/2006/main" xmlns:m="http://schemas.openxmlformats.org/officeDocument/2006/math" xmlns:w="http://schemas.openxmlformats.org/wordprocessingml/2006/main" matchingName="Content with Caption" preserve="0" showMasterPhAnim="0" type="objTx" userDrawn="1">
   <p:cSld name="OBJECT_WITH_CAPTION_TEXT">
     <p:spTree>
       <p:nvGrpSpPr>
@@ -11941,7 +13056,7 @@
 </file>
 
 <file path=ppt/slideLayouts/slideLayout9.xml><?xml version="1.0" encoding="utf-8"?>
-<p:sldLayout xmlns:a="http://schemas.openxmlformats.org/drawingml/2006/main" xmlns:r="http://schemas.openxmlformats.org/officeDocument/2006/relationships" xmlns:p="http://schemas.openxmlformats.org/presentationml/2006/main" showMasterPhAnim="0" matchingName="Picture with Caption" type="picTx" userDrawn="1">
+<p:sldLayout xmlns:a="http://schemas.openxmlformats.org/drawingml/2006/main" xmlns:r="http://schemas.openxmlformats.org/officeDocument/2006/relationships" xmlns:p="http://schemas.openxmlformats.org/presentationml/2006/main" xmlns:m="http://schemas.openxmlformats.org/officeDocument/2006/math" xmlns:w="http://schemas.openxmlformats.org/wordprocessingml/2006/main" matchingName="Picture with Caption" preserve="0" showMasterPhAnim="0" type="picTx" userDrawn="1">
   <p:cSld name="PICTURE_WITH_CAPTION_TEXT">
     <p:spTree>
       <p:nvGrpSpPr>
@@ -12682,14 +13797,13 @@
 </file>
 
 <file path=ppt/slideMasters/slideMaster1.xml><?xml version="1.0" encoding="utf-8"?>
-<p:sldMaster xmlns:a="http://schemas.openxmlformats.org/drawingml/2006/main" xmlns:r="http://schemas.openxmlformats.org/officeDocument/2006/relationships" xmlns:p="http://schemas.openxmlformats.org/presentationml/2006/main">
-  <p:cSld>
+<p:sldMaster xmlns:a="http://schemas.openxmlformats.org/drawingml/2006/main" xmlns:r="http://schemas.openxmlformats.org/officeDocument/2006/relationships" xmlns:p="http://schemas.openxmlformats.org/presentationml/2006/main" xmlns:m="http://schemas.openxmlformats.org/officeDocument/2006/math" xmlns:w="http://schemas.openxmlformats.org/wordprocessingml/2006/main" preserve="0">
+  <p:cSld name="">
     <p:bg>
-      <p:bgPr>
+      <p:bgPr shadeToTitle="0">
         <a:solidFill>
           <a:schemeClr val="lt1"/>
         </a:solidFill>
-        <a:effectLst/>
       </p:bgPr>
     </p:bg>
     <p:spTree>
@@ -13429,7 +14543,7 @@
                 </a:prstGeom>
                 <a:solidFill>
                   <a:srgbClr val="92CCDC">
-                    <a:alpha val="29801"/>
+                    <a:alpha val="29800"/>
                   </a:srgbClr>
                 </a:solidFill>
                 <a:ln>
@@ -13971,7 +15085,7 @@
                 </a:prstGeom>
                 <a:solidFill>
                   <a:srgbClr val="FE75FF">
-                    <a:alpha val="29801"/>
+                    <a:alpha val="29800"/>
                   </a:srgbClr>
                 </a:solidFill>
                 <a:ln>
@@ -14057,7 +15171,7 @@
                 </a:prstGeom>
                 <a:solidFill>
                   <a:srgbClr val="BFBF00">
-                    <a:alpha val="29801"/>
+                    <a:alpha val="29800"/>
                   </a:srgbClr>
                 </a:solidFill>
                 <a:ln>
@@ -15715,7 +16829,7 @@
                 </a:prstGeom>
                 <a:solidFill>
                   <a:srgbClr val="92CCDC">
-                    <a:alpha val="29801"/>
+                    <a:alpha val="29800"/>
                   </a:srgbClr>
                 </a:solidFill>
                 <a:ln>
@@ -16257,7 +17371,7 @@
                 </a:prstGeom>
                 <a:solidFill>
                   <a:srgbClr val="FE75FF">
-                    <a:alpha val="29801"/>
+                    <a:alpha val="29800"/>
                   </a:srgbClr>
                 </a:solidFill>
                 <a:ln>
@@ -16343,7 +17457,7 @@
                 </a:prstGeom>
                 <a:solidFill>
                   <a:srgbClr val="BFBF00">
-                    <a:alpha val="29801"/>
+                    <a:alpha val="29800"/>
                   </a:srgbClr>
                 </a:solidFill>
                 <a:ln>
@@ -18032,7 +19146,7 @@
           </a:prstGeom>
           <a:solidFill>
             <a:srgbClr val="FE75FF">
-              <a:alpha val="29801"/>
+              <a:alpha val="29800"/>
             </a:srgbClr>
           </a:solidFill>
           <a:ln>
@@ -18882,7 +19996,7 @@
           </a:prstGeom>
           <a:solidFill>
             <a:srgbClr val="FE75FF">
-              <a:alpha val="29801"/>
+              <a:alpha val="29800"/>
             </a:srgbClr>
           </a:solidFill>
           <a:ln>
@@ -20395,7 +21509,7 @@
     <p:sldLayoutId id="2147483658" r:id="rId10"/>
     <p:sldLayoutId id="2147483659" r:id="rId11"/>
   </p:sldLayoutIdLst>
-  <p:hf sldNum="0" hdr="0" ftr="0" dt="0"/>
+  <p:hf dt="0" ftr="0" hdr="0" sldNum="0"/>
   <p:txStyles>
     <p:titleStyle>
       <a:defPPr marR="0" lvl="0" algn="l">
@@ -21062,17 +22176,16 @@
 </file>
 
 <file path=ppt/slides/slide1.xml><?xml version="1.0" encoding="utf-8"?>
-<p:sld xmlns:a="http://schemas.openxmlformats.org/drawingml/2006/main" xmlns:r="http://schemas.openxmlformats.org/officeDocument/2006/relationships" xmlns:p="http://schemas.openxmlformats.org/presentationml/2006/main" showMasterPhAnim="0">
-  <p:cSld>
+<p:sld xmlns:a="http://schemas.openxmlformats.org/drawingml/2006/main" xmlns:r="http://schemas.openxmlformats.org/officeDocument/2006/relationships" xmlns:p="http://schemas.openxmlformats.org/presentationml/2006/main" xmlns:m="http://schemas.openxmlformats.org/officeDocument/2006/math" xmlns:w="http://schemas.openxmlformats.org/wordprocessingml/2006/main" showMasterPhAnim="0" show="1">
+  <p:cSld name="">
     <p:bg>
-      <p:bgPr>
+      <p:bgPr shadeToTitle="0">
         <a:blipFill>
-          <a:blip r:embed="rId2">
+          <a:blip r:embed="rId3">
             <a:alphaModFix amt="99999"/>
           </a:blip>
-          <a:tile tx="0" ty="0" sx="100000" sy="100000" flip="none" algn="tl"/>
+          <a:tile algn="tl" flip="none" sx="100000" sy="100000" tx="0" ty="0"/>
         </a:blipFill>
-        <a:effectLst/>
       </p:bgPr>
     </p:bg>
     <p:spTree>
@@ -21231,12 +22344,20 @@
   <p:clrMapOvr>
     <a:masterClrMapping/>
   </p:clrMapOvr>
+  <mc:AlternateContent xmlns:mc="http://schemas.openxmlformats.org/markup-compatibility/2006">
+    <mc:Choice xmlns:p159="http://schemas.microsoft.com/office/powerpoint/2015/09/main" xmlns:p14="http://schemas.microsoft.com/office/powerpoint/2010/main" Requires="p159">
+      <p:transition p14:dur="2000" advClick="1"/>
+    </mc:Choice>
+    <mc:Fallback>
+      <p:transition advClick="1"/>
+    </mc:Fallback>
+  </mc:AlternateContent>
 </p:sld>
 </file>
 
 <file path=ppt/slides/slide10.xml><?xml version="1.0" encoding="utf-8"?>
-<p:sld xmlns:a="http://schemas.openxmlformats.org/drawingml/2006/main" xmlns:r="http://schemas.openxmlformats.org/officeDocument/2006/relationships" xmlns:p="http://schemas.openxmlformats.org/presentationml/2006/main" showMasterPhAnim="0">
-  <p:cSld>
+<p:sld xmlns:a="http://schemas.openxmlformats.org/drawingml/2006/main" xmlns:r="http://schemas.openxmlformats.org/officeDocument/2006/relationships" xmlns:p="http://schemas.openxmlformats.org/presentationml/2006/main" xmlns:m="http://schemas.openxmlformats.org/officeDocument/2006/math" xmlns:w="http://schemas.openxmlformats.org/wordprocessingml/2006/main" showMasterPhAnim="0" show="1">
+  <p:cSld name="">
     <p:spTree>
       <p:nvGrpSpPr>
         <p:cNvPr id="1" name=""/>
@@ -21272,17 +22393,18 @@
               <a:defRPr/>
             </a:pPr>
             <a:r>
-              <a:rPr lang="de-DE" dirty="0" err="1"/>
+              <a:rPr lang="de-DE"/>
               <a:t>Important</a:t>
             </a:r>
             <a:r>
-              <a:rPr lang="de-DE" dirty="0"/>
+              <a:rPr lang="de-DE"/>
               <a:t> </a:t>
             </a:r>
             <a:r>
-              <a:rPr dirty="0"/>
+              <a:rPr/>
               <a:t>Namespaces</a:t>
             </a:r>
+            <a:endParaRPr/>
           </a:p>
         </p:txBody>
       </p:sp>
@@ -21315,7 +22437,7 @@
               <a:defRPr/>
             </a:pPr>
             <a:r>
-              <a:rPr lang="de-DE" sz="2800" b="0" i="0" u="none" dirty="0">
+              <a:rPr lang="de-DE" sz="2800" b="0" i="0" u="none">
                 <a:solidFill>
                   <a:schemeClr val="bg1">
                     <a:lumMod val="65000"/>
@@ -21328,7 +22450,7 @@
               <a:t>Mount </a:t>
             </a:r>
             <a:r>
-              <a:rPr lang="de-DE" sz="2800" b="0" i="0" u="none" dirty="0" err="1">
+              <a:rPr lang="de-DE" sz="2800" b="0" i="0" u="none">
                 <a:solidFill>
                   <a:schemeClr val="bg1">
                     <a:lumMod val="65000"/>
@@ -21341,7 +22463,7 @@
               <a:t>namespace</a:t>
             </a:r>
             <a:r>
-              <a:rPr lang="de-DE" sz="2800" b="0" i="0" u="none" dirty="0">
+              <a:rPr lang="de-DE" sz="2800" b="0" i="0" u="none">
                 <a:solidFill>
                   <a:schemeClr val="bg1">
                     <a:lumMod val="65000"/>
@@ -21353,6 +22475,7 @@
               </a:rPr>
               <a:t>:</a:t>
             </a:r>
+            <a:endParaRPr/>
           </a:p>
           <a:p>
             <a:pPr lvl="1">
@@ -21362,7 +22485,7 @@
               <a:defRPr/>
             </a:pPr>
             <a:r>
-              <a:rPr lang="de-DE" sz="2400" dirty="0" err="1">
+              <a:rPr lang="de-DE" sz="2400">
                 <a:solidFill>
                   <a:schemeClr val="bg1">
                     <a:lumMod val="65000"/>
@@ -21375,7 +22498,7 @@
               <a:t>Provides</a:t>
             </a:r>
             <a:r>
-              <a:rPr lang="de-DE" sz="2400" dirty="0">
+              <a:rPr lang="de-DE" sz="2400">
                 <a:solidFill>
                   <a:schemeClr val="bg1">
                     <a:lumMod val="65000"/>
@@ -21388,7 +22511,7 @@
               <a:t> </a:t>
             </a:r>
             <a:r>
-              <a:rPr lang="de-DE" sz="2400" dirty="0" err="1">
+              <a:rPr lang="de-DE" sz="2400">
                 <a:solidFill>
                   <a:schemeClr val="bg1">
                     <a:lumMod val="65000"/>
@@ -21401,7 +22524,7 @@
               <a:t>isolated</a:t>
             </a:r>
             <a:r>
-              <a:rPr lang="de-DE" sz="2400" dirty="0">
+              <a:rPr lang="de-DE" sz="2400">
                 <a:solidFill>
                   <a:schemeClr val="bg1">
                     <a:lumMod val="65000"/>
@@ -21414,7 +22537,7 @@
               <a:t> </a:t>
             </a:r>
             <a:r>
-              <a:rPr lang="de-DE" sz="2400" dirty="0" err="1">
+              <a:rPr lang="de-DE" sz="2400">
                 <a:solidFill>
                   <a:schemeClr val="bg1">
                     <a:lumMod val="65000"/>
@@ -21427,7 +22550,7 @@
               <a:t>view</a:t>
             </a:r>
             <a:r>
-              <a:rPr lang="de-DE" sz="2400" dirty="0">
+              <a:rPr lang="de-DE" sz="2400">
                 <a:solidFill>
                   <a:schemeClr val="bg1">
                     <a:lumMod val="65000"/>
@@ -21440,7 +22563,7 @@
               <a:t> </a:t>
             </a:r>
             <a:r>
-              <a:rPr lang="de-DE" sz="2400" dirty="0" err="1">
+              <a:rPr lang="de-DE" sz="2400">
                 <a:solidFill>
                   <a:schemeClr val="bg1">
                     <a:lumMod val="65000"/>
@@ -21453,7 +22576,7 @@
               <a:t>of</a:t>
             </a:r>
             <a:r>
-              <a:rPr lang="de-DE" sz="2400" dirty="0">
+              <a:rPr lang="de-DE" sz="2400">
                 <a:solidFill>
                   <a:schemeClr val="bg1">
                     <a:lumMod val="65000"/>
@@ -21466,7 +22589,7 @@
               <a:t> </a:t>
             </a:r>
             <a:r>
-              <a:rPr lang="de-DE" sz="2400" dirty="0" err="1">
+              <a:rPr lang="de-DE" sz="2400">
                 <a:solidFill>
                   <a:schemeClr val="bg1">
                     <a:lumMod val="65000"/>
@@ -21479,7 +22602,7 @@
               <a:t>filesystem</a:t>
             </a:r>
             <a:r>
-              <a:rPr lang="de-DE" sz="2400" dirty="0">
+              <a:rPr lang="de-DE" sz="2400">
                 <a:solidFill>
                   <a:schemeClr val="bg1">
                     <a:lumMod val="65000"/>
@@ -21492,7 +22615,7 @@
               <a:t> </a:t>
             </a:r>
             <a:r>
-              <a:rPr lang="de-DE" sz="2400" dirty="0" err="1">
+              <a:rPr lang="de-DE" sz="2400">
                 <a:solidFill>
                   <a:schemeClr val="bg1">
                     <a:lumMod val="65000"/>
@@ -21504,7 +22627,7 @@
               </a:rPr>
               <a:t>hierarchy</a:t>
             </a:r>
-            <a:endParaRPr lang="de-DE" sz="2400" dirty="0">
+            <a:endParaRPr lang="de-DE" sz="2400">
               <a:solidFill>
                 <a:schemeClr val="bg1">
                   <a:lumMod val="65000"/>
@@ -21523,7 +22646,7 @@
               <a:defRPr/>
             </a:pPr>
             <a:r>
-              <a:rPr lang="de-DE" sz="2800" b="0" i="0" u="none" dirty="0">
+              <a:rPr lang="de-DE" sz="2800" b="0" i="0" u="none">
                 <a:solidFill>
                   <a:schemeClr val="tx1"/>
                 </a:solidFill>
@@ -21534,7 +22657,7 @@
               <a:t>PID </a:t>
             </a:r>
             <a:r>
-              <a:rPr lang="de-DE" sz="2800" b="0" i="0" u="none" dirty="0" err="1">
+              <a:rPr lang="de-DE" sz="2800" b="0" i="0" u="none">
                 <a:solidFill>
                   <a:schemeClr val="tx1"/>
                 </a:solidFill>
@@ -21545,7 +22668,7 @@
               <a:t>namespace</a:t>
             </a:r>
             <a:r>
-              <a:rPr lang="de-DE" sz="2800" b="0" i="0" u="none" dirty="0">
+              <a:rPr lang="de-DE" sz="2800" b="0" i="0" u="none">
                 <a:solidFill>
                   <a:schemeClr val="tx1"/>
                 </a:solidFill>
@@ -21555,6 +22678,7 @@
               </a:rPr>
               <a:t>:</a:t>
             </a:r>
+            <a:endParaRPr/>
           </a:p>
           <a:p>
             <a:pPr lvl="1">
@@ -21564,7 +22688,7 @@
               <a:defRPr/>
             </a:pPr>
             <a:r>
-              <a:rPr lang="en-US" sz="2400" b="0" i="0" u="none" dirty="0">
+              <a:rPr lang="en-US" sz="2400" b="0" i="0" u="none">
                 <a:solidFill>
                   <a:schemeClr val="tx1"/>
                 </a:solidFill>
@@ -21574,7 +22698,7 @@
               </a:rPr>
               <a:t>Provides isolation within the set of process IDs</a:t>
             </a:r>
-            <a:endParaRPr lang="de-DE" sz="2400" b="0" i="0" u="none" dirty="0">
+            <a:endParaRPr lang="de-DE" sz="2400" b="0" i="0" u="none">
               <a:solidFill>
                 <a:schemeClr val="tx1"/>
               </a:solidFill>
@@ -21591,7 +22715,7 @@
               <a:defRPr/>
             </a:pPr>
             <a:r>
-              <a:rPr lang="de-DE" sz="2800" b="0" i="0" u="none" dirty="0">
+              <a:rPr lang="de-DE" sz="2800" b="0" i="0" u="none">
                 <a:solidFill>
                   <a:schemeClr val="bg1">
                     <a:lumMod val="65000"/>
@@ -21604,7 +22728,7 @@
               <a:t>Network </a:t>
             </a:r>
             <a:r>
-              <a:rPr lang="de-DE" sz="2800" b="0" i="0" u="none" dirty="0" err="1">
+              <a:rPr lang="de-DE" sz="2800" b="0" i="0" u="none">
                 <a:solidFill>
                   <a:schemeClr val="bg1">
                     <a:lumMod val="65000"/>
@@ -21617,7 +22741,7 @@
               <a:t>namespace</a:t>
             </a:r>
             <a:r>
-              <a:rPr lang="de-DE" sz="2800" b="0" i="0" u="none" dirty="0">
+              <a:rPr lang="de-DE" sz="2800" b="0" i="0" u="none">
                 <a:solidFill>
                   <a:schemeClr val="bg1">
                     <a:lumMod val="65000"/>
@@ -21629,6 +22753,7 @@
               </a:rPr>
               <a:t>:</a:t>
             </a:r>
+            <a:endParaRPr/>
           </a:p>
           <a:p>
             <a:pPr lvl="1">
@@ -21638,7 +22763,7 @@
               <a:defRPr/>
             </a:pPr>
             <a:r>
-              <a:rPr lang="en-US" sz="2400" b="0" i="0" u="none" dirty="0">
+              <a:rPr lang="en-US" sz="2400" b="0" i="0" u="none">
                 <a:solidFill>
                   <a:schemeClr val="bg1">
                     <a:lumMod val="65000"/>
@@ -21650,7 +22775,7 @@
               </a:rPr>
               <a:t>Is responsible for the isolation of network-related resources</a:t>
             </a:r>
-            <a:endParaRPr lang="de-DE" sz="2400" b="0" i="0" u="none" dirty="0">
+            <a:endParaRPr lang="de-DE" sz="2400" b="0" i="0" u="none">
               <a:solidFill>
                 <a:schemeClr val="bg1">
                   <a:lumMod val="65000"/>
@@ -21669,7 +22794,7 @@
               <a:defRPr/>
             </a:pPr>
             <a:r>
-              <a:rPr lang="de-DE" sz="2800" dirty="0">
+              <a:rPr lang="de-DE" sz="2800">
                 <a:solidFill>
                   <a:schemeClr val="bg1">
                     <a:lumMod val="65000"/>
@@ -21682,7 +22807,7 @@
               <a:t>User </a:t>
             </a:r>
             <a:r>
-              <a:rPr lang="de-DE" sz="2800" dirty="0" err="1">
+              <a:rPr lang="de-DE" sz="2800">
                 <a:solidFill>
                   <a:schemeClr val="bg1">
                     <a:lumMod val="65000"/>
@@ -21695,7 +22820,7 @@
               <a:t>namespace</a:t>
             </a:r>
             <a:r>
-              <a:rPr lang="de-DE" sz="2800" dirty="0">
+              <a:rPr lang="de-DE" sz="2800">
                 <a:solidFill>
                   <a:schemeClr val="bg1">
                     <a:lumMod val="65000"/>
@@ -21707,6 +22832,7 @@
               </a:rPr>
               <a:t>:</a:t>
             </a:r>
+            <a:endParaRPr/>
           </a:p>
           <a:p>
             <a:pPr lvl="1">
@@ -21716,7 +22842,7 @@
               <a:defRPr/>
             </a:pPr>
             <a:r>
-              <a:rPr lang="de-DE" sz="2400" b="0" i="0" u="none" dirty="0">
+              <a:rPr lang="de-DE" sz="2400" b="0" i="0" u="none">
                 <a:solidFill>
                   <a:schemeClr val="bg1">
                     <a:lumMod val="65000"/>
@@ -21729,7 +22855,7 @@
               <a:t>Isolates </a:t>
             </a:r>
             <a:r>
-              <a:rPr lang="de-DE" sz="2400" b="0" i="0" u="none" dirty="0" err="1">
+              <a:rPr lang="de-DE" sz="2400" b="0" i="0" u="none">
                 <a:solidFill>
                   <a:schemeClr val="bg1">
                     <a:lumMod val="65000"/>
@@ -21742,7 +22868,7 @@
               <a:t>the</a:t>
             </a:r>
             <a:r>
-              <a:rPr lang="de-DE" sz="2400" b="0" i="0" u="none" dirty="0">
+              <a:rPr lang="de-DE" sz="2400" b="0" i="0" u="none">
                 <a:solidFill>
                   <a:schemeClr val="bg1">
                     <a:lumMod val="65000"/>
@@ -21755,7 +22881,7 @@
               <a:t> </a:t>
             </a:r>
             <a:r>
-              <a:rPr lang="de-DE" sz="2400" b="0" i="0" u="none" dirty="0" err="1">
+              <a:rPr lang="de-DE" sz="2400" b="0" i="0" u="none">
                 <a:solidFill>
                   <a:schemeClr val="bg1">
                     <a:lumMod val="65000"/>
@@ -21768,7 +22894,7 @@
               <a:t>user</a:t>
             </a:r>
             <a:r>
-              <a:rPr lang="de-DE" sz="2400" dirty="0">
+              <a:rPr lang="de-DE" sz="2400">
                 <a:solidFill>
                   <a:schemeClr val="bg1">
                     <a:lumMod val="65000"/>
@@ -21780,7 +22906,7 @@
               </a:rPr>
               <a:t> IDs</a:t>
             </a:r>
-            <a:endParaRPr lang="de-DE" sz="2400" b="0" i="0" u="none" dirty="0">
+            <a:endParaRPr lang="de-DE" sz="2400" b="0" i="0" u="none">
               <a:solidFill>
                 <a:schemeClr val="bg1">
                   <a:lumMod val="65000"/>
@@ -21821,14 +22947,14 @@
               <a:defRPr/>
             </a:pPr>
             <a:br>
-              <a:rPr dirty="0">
+              <a:rPr>
                 <a:latin typeface="Arial"/>
                 <a:ea typeface="Arial"/>
                 <a:cs typeface="Arial"/>
               </a:rPr>
             </a:br>
             <a:r>
-              <a:rPr lang="en-US" sz="1800" b="0" i="0" u="none" strike="noStrike" cap="none" spc="0" dirty="0">
+              <a:rPr lang="en-US" sz="1800" b="0" i="0" u="none" strike="noStrike" cap="none" spc="0">
                 <a:solidFill>
                   <a:schemeClr val="tx1"/>
                 </a:solidFill>
@@ -21839,7 +22965,7 @@
               <a:t>PID namespace</a:t>
             </a:r>
             <a:r>
-              <a:rPr dirty="0">
+              <a:rPr>
                 <a:latin typeface="Arial"/>
                 <a:ea typeface="Arial"/>
                 <a:cs typeface="Arial"/>
@@ -21847,27 +22973,28 @@
               <a:t>.</a:t>
             </a:r>
             <a:br>
-              <a:rPr dirty="0">
+              <a:rPr>
                 <a:latin typeface="Arial"/>
                 <a:ea typeface="Arial"/>
                 <a:cs typeface="Arial"/>
               </a:rPr>
             </a:br>
             <a:r>
-              <a:rPr dirty="0">
+              <a:rPr>
                 <a:latin typeface="Arial"/>
                 <a:ea typeface="Arial"/>
                 <a:cs typeface="Arial"/>
               </a:rPr>
               <a:t> </a:t>
             </a:r>
+            <a:endParaRPr/>
           </a:p>
           <a:p>
             <a:pPr algn="ctr">
               <a:defRPr/>
             </a:pPr>
             <a:r>
-              <a:rPr sz="1100" dirty="0">
+              <a:rPr sz="1100">
                 <a:latin typeface="Arial"/>
                 <a:ea typeface="Arial"/>
                 <a:cs typeface="Arial"/>
@@ -21875,7 +23002,7 @@
               <a:t>Image taken from [</a:t>
             </a:r>
             <a:r>
-              <a:rPr sz="1100" u="sng" dirty="0">
+              <a:rPr sz="1100" u="sng">
                 <a:solidFill>
                   <a:schemeClr val="hlink"/>
                 </a:solidFill>
@@ -21886,7 +23013,7 @@
               <a:t>www</a:t>
             </a:r>
             <a:r>
-              <a:rPr lang="de-DE" sz="1100" u="sng" dirty="0">
+              <a:rPr lang="de-DE" sz="1100" u="sng">
                 <a:solidFill>
                   <a:schemeClr val="hlink"/>
                 </a:solidFill>
@@ -21897,43 +23024,28 @@
               <a:t>.waytoeasylearn.com</a:t>
             </a:r>
             <a:r>
-              <a:rPr lang="de-IT" sz="1100" dirty="0">
+              <a:rPr sz="1100">
                 <a:latin typeface="Arial"/>
                 <a:ea typeface="Arial"/>
                 <a:cs typeface="Arial"/>
               </a:rPr>
               <a:t>]</a:t>
             </a:r>
-            <a:endParaRPr sz="1100" dirty="0"/>
+            <a:endParaRPr sz="1100"/>
           </a:p>
         </p:txBody>
       </p:sp>
       <p:pic>
         <p:nvPicPr>
-          <p:cNvPr id="1026" name="Picture 2" descr="Namespace PID - Simplified Learning">
-            <a:extLst>
-              <a:ext uri="{FF2B5EF4-FFF2-40B4-BE49-F238E27FC236}">
-                <a16:creationId xmlns:a16="http://schemas.microsoft.com/office/drawing/2014/main" id="{944DE92A-F71B-0777-9273-16F92C15C2B7}"/>
-              </a:ext>
-            </a:extLst>
-          </p:cNvPr>
+          <p:cNvPr id="1026" name="Picture 2" descr="Namespace PID - Simplified Learning"/>
           <p:cNvPicPr>
             <a:picLocks noChangeAspect="1" noChangeArrowheads="1"/>
           </p:cNvPicPr>
           <p:nvPr/>
         </p:nvPicPr>
         <p:blipFill>
-          <a:blip r:embed="rId3">
-            <a:extLst>
-              <a:ext uri="{28A0092B-C50C-407E-A947-70E740481C1C}">
-                <a14:useLocalDpi xmlns:a14="http://schemas.microsoft.com/office/drawing/2010/main" val="0"/>
-              </a:ext>
-            </a:extLst>
-          </a:blip>
-          <a:srcRect/>
-          <a:stretch>
-            <a:fillRect/>
-          </a:stretch>
+          <a:blip r:embed="rId3"/>
+          <a:stretch/>
         </p:blipFill>
         <p:spPr bwMode="auto">
           <a:xfrm>
@@ -21944,33 +23056,27 @@
             <a:avLst/>
           </a:prstGeom>
           <a:noFill/>
-          <a:extLst>
-            <a:ext uri="{909E8E84-426E-40DD-AFC4-6F175D3DCCD1}">
-              <a14:hiddenFill xmlns:a14="http://schemas.microsoft.com/office/drawing/2010/main">
-                <a:solidFill>
-                  <a:srgbClr val="FFFFFF"/>
-                </a:solidFill>
-              </a14:hiddenFill>
-            </a:ext>
-          </a:extLst>
         </p:spPr>
       </p:pic>
     </p:spTree>
-    <p:extLst>
-      <p:ext uri="{BB962C8B-B14F-4D97-AF65-F5344CB8AC3E}">
-        <p14:creationId xmlns:p14="http://schemas.microsoft.com/office/powerpoint/2010/main" val="2498226579"/>
-      </p:ext>
-    </p:extLst>
   </p:cSld>
   <p:clrMapOvr>
     <a:masterClrMapping/>
   </p:clrMapOvr>
+  <mc:AlternateContent xmlns:mc="http://schemas.openxmlformats.org/markup-compatibility/2006">
+    <mc:Choice xmlns:p159="http://schemas.microsoft.com/office/powerpoint/2015/09/main" xmlns:p14="http://schemas.microsoft.com/office/powerpoint/2010/main" Requires="p159">
+      <p:transition p14:dur="2000" advClick="1"/>
+    </mc:Choice>
+    <mc:Fallback>
+      <p:transition advClick="1"/>
+    </mc:Fallback>
+  </mc:AlternateContent>
 </p:sld>
 </file>
 
 <file path=ppt/slides/slide11.xml><?xml version="1.0" encoding="utf-8"?>
-<p:sld xmlns:a="http://schemas.openxmlformats.org/drawingml/2006/main" xmlns:r="http://schemas.openxmlformats.org/officeDocument/2006/relationships" xmlns:p="http://schemas.openxmlformats.org/presentationml/2006/main" showMasterPhAnim="0">
-  <p:cSld>
+<p:sld xmlns:a="http://schemas.openxmlformats.org/drawingml/2006/main" xmlns:r="http://schemas.openxmlformats.org/officeDocument/2006/relationships" xmlns:p="http://schemas.openxmlformats.org/presentationml/2006/main" xmlns:m="http://schemas.openxmlformats.org/officeDocument/2006/math" xmlns:w="http://schemas.openxmlformats.org/wordprocessingml/2006/main" showMasterPhAnim="0" show="1">
+  <p:cSld name="">
     <p:spTree>
       <p:nvGrpSpPr>
         <p:cNvPr id="1" name=""/>
@@ -22006,17 +23112,18 @@
               <a:defRPr/>
             </a:pPr>
             <a:r>
-              <a:rPr lang="de-DE" dirty="0" err="1"/>
+              <a:rPr lang="de-DE"/>
               <a:t>Important</a:t>
             </a:r>
             <a:r>
-              <a:rPr lang="de-DE" dirty="0"/>
+              <a:rPr lang="de-DE"/>
               <a:t> </a:t>
             </a:r>
             <a:r>
-              <a:rPr dirty="0"/>
+              <a:rPr/>
               <a:t>Namespaces</a:t>
             </a:r>
+            <a:endParaRPr/>
           </a:p>
         </p:txBody>
       </p:sp>
@@ -22049,7 +23156,7 @@
               <a:defRPr/>
             </a:pPr>
             <a:r>
-              <a:rPr lang="de-DE" sz="2800" b="0" i="0" u="none" dirty="0">
+              <a:rPr lang="de-DE" sz="2800" b="0" i="0" u="none">
                 <a:solidFill>
                   <a:schemeClr val="bg1">
                     <a:lumMod val="65000"/>
@@ -22062,7 +23169,7 @@
               <a:t>Mount </a:t>
             </a:r>
             <a:r>
-              <a:rPr lang="de-DE" sz="2800" b="0" i="0" u="none" dirty="0" err="1">
+              <a:rPr lang="de-DE" sz="2800" b="0" i="0" u="none">
                 <a:solidFill>
                   <a:schemeClr val="bg1">
                     <a:lumMod val="65000"/>
@@ -22075,7 +23182,7 @@
               <a:t>namespace</a:t>
             </a:r>
             <a:r>
-              <a:rPr lang="de-DE" sz="2800" b="0" i="0" u="none" dirty="0">
+              <a:rPr lang="de-DE" sz="2800" b="0" i="0" u="none">
                 <a:solidFill>
                   <a:schemeClr val="bg1">
                     <a:lumMod val="65000"/>
@@ -22087,6 +23194,7 @@
               </a:rPr>
               <a:t>:</a:t>
             </a:r>
+            <a:endParaRPr/>
           </a:p>
           <a:p>
             <a:pPr lvl="1">
@@ -22096,7 +23204,7 @@
               <a:defRPr/>
             </a:pPr>
             <a:r>
-              <a:rPr lang="de-DE" sz="2400" dirty="0" err="1">
+              <a:rPr lang="de-DE" sz="2400">
                 <a:solidFill>
                   <a:schemeClr val="bg1">
                     <a:lumMod val="65000"/>
@@ -22109,7 +23217,7 @@
               <a:t>Provides</a:t>
             </a:r>
             <a:r>
-              <a:rPr lang="de-DE" sz="2400" dirty="0">
+              <a:rPr lang="de-DE" sz="2400">
                 <a:solidFill>
                   <a:schemeClr val="bg1">
                     <a:lumMod val="65000"/>
@@ -22122,7 +23230,7 @@
               <a:t> </a:t>
             </a:r>
             <a:r>
-              <a:rPr lang="de-DE" sz="2400" dirty="0" err="1">
+              <a:rPr lang="de-DE" sz="2400">
                 <a:solidFill>
                   <a:schemeClr val="bg1">
                     <a:lumMod val="65000"/>
@@ -22135,7 +23243,7 @@
               <a:t>isolated</a:t>
             </a:r>
             <a:r>
-              <a:rPr lang="de-DE" sz="2400" dirty="0">
+              <a:rPr lang="de-DE" sz="2400">
                 <a:solidFill>
                   <a:schemeClr val="bg1">
                     <a:lumMod val="65000"/>
@@ -22148,7 +23256,7 @@
               <a:t> </a:t>
             </a:r>
             <a:r>
-              <a:rPr lang="de-DE" sz="2400" dirty="0" err="1">
+              <a:rPr lang="de-DE" sz="2400">
                 <a:solidFill>
                   <a:schemeClr val="bg1">
                     <a:lumMod val="65000"/>
@@ -22161,7 +23269,7 @@
               <a:t>view</a:t>
             </a:r>
             <a:r>
-              <a:rPr lang="de-DE" sz="2400" dirty="0">
+              <a:rPr lang="de-DE" sz="2400">
                 <a:solidFill>
                   <a:schemeClr val="bg1">
                     <a:lumMod val="65000"/>
@@ -22174,7 +23282,7 @@
               <a:t> </a:t>
             </a:r>
             <a:r>
-              <a:rPr lang="de-DE" sz="2400" dirty="0" err="1">
+              <a:rPr lang="de-DE" sz="2400">
                 <a:solidFill>
                   <a:schemeClr val="bg1">
                     <a:lumMod val="65000"/>
@@ -22187,7 +23295,7 @@
               <a:t>of</a:t>
             </a:r>
             <a:r>
-              <a:rPr lang="de-DE" sz="2400" dirty="0">
+              <a:rPr lang="de-DE" sz="2400">
                 <a:solidFill>
                   <a:schemeClr val="bg1">
                     <a:lumMod val="65000"/>
@@ -22200,7 +23308,7 @@
               <a:t> </a:t>
             </a:r>
             <a:r>
-              <a:rPr lang="de-DE" sz="2400" dirty="0" err="1">
+              <a:rPr lang="de-DE" sz="2400">
                 <a:solidFill>
                   <a:schemeClr val="bg1">
                     <a:lumMod val="65000"/>
@@ -22213,7 +23321,7 @@
               <a:t>filesystem</a:t>
             </a:r>
             <a:r>
-              <a:rPr lang="de-DE" sz="2400" dirty="0">
+              <a:rPr lang="de-DE" sz="2400">
                 <a:solidFill>
                   <a:schemeClr val="bg1">
                     <a:lumMod val="65000"/>
@@ -22226,7 +23334,7 @@
               <a:t> </a:t>
             </a:r>
             <a:r>
-              <a:rPr lang="de-DE" sz="2400" dirty="0" err="1">
+              <a:rPr lang="de-DE" sz="2400">
                 <a:solidFill>
                   <a:schemeClr val="bg1">
                     <a:lumMod val="65000"/>
@@ -22238,7 +23346,7 @@
               </a:rPr>
               <a:t>hierarchy</a:t>
             </a:r>
-            <a:endParaRPr lang="de-DE" sz="2400" dirty="0">
+            <a:endParaRPr lang="de-DE" sz="2400">
               <a:solidFill>
                 <a:schemeClr val="bg1">
                   <a:lumMod val="65000"/>
@@ -22257,7 +23365,7 @@
               <a:defRPr/>
             </a:pPr>
             <a:r>
-              <a:rPr lang="de-DE" sz="2800" b="0" i="0" u="none" dirty="0">
+              <a:rPr lang="de-DE" sz="2800" b="0" i="0" u="none">
                 <a:solidFill>
                   <a:schemeClr val="bg1">
                     <a:lumMod val="65000"/>
@@ -22270,7 +23378,7 @@
               <a:t>PID </a:t>
             </a:r>
             <a:r>
-              <a:rPr lang="de-DE" sz="2800" b="0" i="0" u="none" dirty="0" err="1">
+              <a:rPr lang="de-DE" sz="2800" b="0" i="0" u="none">
                 <a:solidFill>
                   <a:schemeClr val="bg1">
                     <a:lumMod val="65000"/>
@@ -22283,7 +23391,7 @@
               <a:t>namespace</a:t>
             </a:r>
             <a:r>
-              <a:rPr lang="de-DE" sz="2800" b="0" i="0" u="none" dirty="0">
+              <a:rPr lang="de-DE" sz="2800" b="0" i="0" u="none">
                 <a:solidFill>
                   <a:schemeClr val="bg1">
                     <a:lumMod val="65000"/>
@@ -22295,6 +23403,7 @@
               </a:rPr>
               <a:t>:</a:t>
             </a:r>
+            <a:endParaRPr/>
           </a:p>
           <a:p>
             <a:pPr lvl="1">
@@ -22304,7 +23413,7 @@
               <a:defRPr/>
             </a:pPr>
             <a:r>
-              <a:rPr lang="en-US" sz="2400" b="0" i="0" u="none" dirty="0">
+              <a:rPr lang="en-US" sz="2400" b="0" i="0" u="none">
                 <a:solidFill>
                   <a:schemeClr val="bg1">
                     <a:lumMod val="65000"/>
@@ -22316,7 +23425,7 @@
               </a:rPr>
               <a:t>Provides isolation within the set of process IDs</a:t>
             </a:r>
-            <a:endParaRPr lang="de-DE" sz="2400" b="0" i="0" u="none" dirty="0">
+            <a:endParaRPr lang="de-DE" sz="2400" b="0" i="0" u="none">
               <a:solidFill>
                 <a:schemeClr val="bg1">
                   <a:lumMod val="65000"/>
@@ -22335,7 +23444,7 @@
               <a:defRPr/>
             </a:pPr>
             <a:r>
-              <a:rPr lang="de-DE" sz="2800" b="0" i="0" u="none" dirty="0">
+              <a:rPr lang="de-DE" sz="2800" b="0" i="0" u="none">
                 <a:solidFill>
                   <a:schemeClr val="tx1"/>
                 </a:solidFill>
@@ -22346,7 +23455,7 @@
               <a:t>Network </a:t>
             </a:r>
             <a:r>
-              <a:rPr lang="de-DE" sz="2800" b="0" i="0" u="none" dirty="0" err="1">
+              <a:rPr lang="de-DE" sz="2800" b="0" i="0" u="none">
                 <a:solidFill>
                   <a:schemeClr val="tx1"/>
                 </a:solidFill>
@@ -22357,7 +23466,7 @@
               <a:t>namespace</a:t>
             </a:r>
             <a:r>
-              <a:rPr lang="de-DE" sz="2800" b="0" i="0" u="none" dirty="0">
+              <a:rPr lang="de-DE" sz="2800" b="0" i="0" u="none">
                 <a:solidFill>
                   <a:schemeClr val="tx1"/>
                 </a:solidFill>
@@ -22367,6 +23476,7 @@
               </a:rPr>
               <a:t>:</a:t>
             </a:r>
+            <a:endParaRPr/>
           </a:p>
           <a:p>
             <a:pPr lvl="1">
@@ -22376,7 +23486,7 @@
               <a:defRPr/>
             </a:pPr>
             <a:r>
-              <a:rPr lang="en-US" sz="2400" b="0" i="0" u="none" dirty="0">
+              <a:rPr lang="en-US" sz="2400" b="0" i="0" u="none">
                 <a:solidFill>
                   <a:schemeClr val="tx1"/>
                 </a:solidFill>
@@ -22386,7 +23496,7 @@
               </a:rPr>
               <a:t>Is responsible for the isolation of network-related resources</a:t>
             </a:r>
-            <a:endParaRPr lang="de-DE" sz="2400" b="0" i="0" u="none" dirty="0">
+            <a:endParaRPr lang="de-DE" sz="2400" b="0" i="0" u="none">
               <a:solidFill>
                 <a:schemeClr val="tx1"/>
               </a:solidFill>
@@ -22403,7 +23513,7 @@
               <a:defRPr/>
             </a:pPr>
             <a:r>
-              <a:rPr lang="de-DE" sz="2800" dirty="0">
+              <a:rPr lang="de-DE" sz="2800">
                 <a:solidFill>
                   <a:schemeClr val="bg1">
                     <a:lumMod val="65000"/>
@@ -22416,7 +23526,7 @@
               <a:t>User </a:t>
             </a:r>
             <a:r>
-              <a:rPr lang="de-DE" sz="2800" dirty="0" err="1">
+              <a:rPr lang="de-DE" sz="2800">
                 <a:solidFill>
                   <a:schemeClr val="bg1">
                     <a:lumMod val="65000"/>
@@ -22429,7 +23539,7 @@
               <a:t>namespace</a:t>
             </a:r>
             <a:r>
-              <a:rPr lang="de-DE" sz="2800" dirty="0">
+              <a:rPr lang="de-DE" sz="2800">
                 <a:solidFill>
                   <a:schemeClr val="bg1">
                     <a:lumMod val="65000"/>
@@ -22441,6 +23551,7 @@
               </a:rPr>
               <a:t>:</a:t>
             </a:r>
+            <a:endParaRPr/>
           </a:p>
           <a:p>
             <a:pPr lvl="1">
@@ -22450,7 +23561,7 @@
               <a:defRPr/>
             </a:pPr>
             <a:r>
-              <a:rPr lang="de-DE" sz="2400" b="0" i="0" u="none" dirty="0">
+              <a:rPr lang="de-DE" sz="2400" b="0" i="0" u="none">
                 <a:solidFill>
                   <a:schemeClr val="bg1">
                     <a:lumMod val="65000"/>
@@ -22463,7 +23574,7 @@
               <a:t>Isolates </a:t>
             </a:r>
             <a:r>
-              <a:rPr lang="de-DE" sz="2400" b="0" i="0" u="none" dirty="0" err="1">
+              <a:rPr lang="de-DE" sz="2400" b="0" i="0" u="none">
                 <a:solidFill>
                   <a:schemeClr val="bg1">
                     <a:lumMod val="65000"/>
@@ -22476,7 +23587,7 @@
               <a:t>the</a:t>
             </a:r>
             <a:r>
-              <a:rPr lang="de-DE" sz="2400" b="0" i="0" u="none" dirty="0">
+              <a:rPr lang="de-DE" sz="2400" b="0" i="0" u="none">
                 <a:solidFill>
                   <a:schemeClr val="bg1">
                     <a:lumMod val="65000"/>
@@ -22489,7 +23600,7 @@
               <a:t> </a:t>
             </a:r>
             <a:r>
-              <a:rPr lang="de-DE" sz="2400" b="0" i="0" u="none" dirty="0" err="1">
+              <a:rPr lang="de-DE" sz="2400" b="0" i="0" u="none">
                 <a:solidFill>
                   <a:schemeClr val="bg1">
                     <a:lumMod val="65000"/>
@@ -22502,7 +23613,7 @@
               <a:t>user</a:t>
             </a:r>
             <a:r>
-              <a:rPr lang="de-DE" sz="2400" dirty="0">
+              <a:rPr lang="de-DE" sz="2400">
                 <a:solidFill>
                   <a:schemeClr val="bg1">
                     <a:lumMod val="65000"/>
@@ -22514,7 +23625,7 @@
               </a:rPr>
               <a:t> IDs</a:t>
             </a:r>
-            <a:endParaRPr lang="de-DE" sz="2400" b="0" i="0" u="none" dirty="0">
+            <a:endParaRPr lang="de-DE" sz="2400" b="0" i="0" u="none">
               <a:solidFill>
                 <a:schemeClr val="bg1">
                   <a:lumMod val="65000"/>
@@ -22555,14 +23666,14 @@
               <a:defRPr/>
             </a:pPr>
             <a:br>
-              <a:rPr dirty="0">
+              <a:rPr>
                 <a:latin typeface="Arial"/>
                 <a:ea typeface="Arial"/>
                 <a:cs typeface="Arial"/>
               </a:rPr>
             </a:br>
             <a:r>
-              <a:rPr lang="en-US" sz="1800" b="0" i="0" u="none" strike="noStrike" cap="none" spc="0" dirty="0">
+              <a:rPr lang="en-US" sz="1800" b="0" i="0" u="none" strike="noStrike" cap="none" spc="0">
                 <a:solidFill>
                   <a:schemeClr val="tx1"/>
                 </a:solidFill>
@@ -22573,7 +23684,7 @@
               <a:t>Network namespace</a:t>
             </a:r>
             <a:r>
-              <a:rPr dirty="0">
+              <a:rPr>
                 <a:latin typeface="Arial"/>
                 <a:ea typeface="Arial"/>
                 <a:cs typeface="Arial"/>
@@ -22581,27 +23692,28 @@
               <a:t>.</a:t>
             </a:r>
             <a:br>
-              <a:rPr dirty="0">
+              <a:rPr>
                 <a:latin typeface="Arial"/>
                 <a:ea typeface="Arial"/>
                 <a:cs typeface="Arial"/>
               </a:rPr>
             </a:br>
             <a:r>
-              <a:rPr dirty="0">
+              <a:rPr>
                 <a:latin typeface="Arial"/>
                 <a:ea typeface="Arial"/>
                 <a:cs typeface="Arial"/>
               </a:rPr>
               <a:t> </a:t>
             </a:r>
+            <a:endParaRPr/>
           </a:p>
           <a:p>
             <a:pPr algn="ctr">
               <a:defRPr/>
             </a:pPr>
             <a:r>
-              <a:rPr sz="1100" dirty="0">
+              <a:rPr sz="1100">
                 <a:latin typeface="Arial"/>
                 <a:ea typeface="Arial"/>
                 <a:cs typeface="Arial"/>
@@ -22609,7 +23721,7 @@
               <a:t>Image taken from </a:t>
             </a:r>
             <a:r>
-              <a:rPr lang="de-IT" sz="1100" dirty="0">
+              <a:rPr sz="1100">
                 <a:latin typeface="Arial"/>
                 <a:ea typeface="Arial"/>
                 <a:cs typeface="Arial"/>
@@ -22617,7 +23729,7 @@
               <a:t>[</a:t>
             </a:r>
             <a:r>
-              <a:rPr lang="de-DE" sz="1100" u="sng" dirty="0">
+              <a:rPr lang="de-DE" sz="1100" u="sng">
                 <a:solidFill>
                   <a:schemeClr val="hlink"/>
                 </a:solidFill>
@@ -22628,80 +23740,59 @@
               <a:t>www.infraspec.dev</a:t>
             </a:r>
             <a:r>
-              <a:rPr sz="1100" dirty="0">
+              <a:rPr sz="1100">
                 <a:latin typeface="Arial"/>
                 <a:ea typeface="Arial"/>
                 <a:cs typeface="Arial"/>
               </a:rPr>
               <a:t>]</a:t>
             </a:r>
-            <a:endParaRPr sz="1100" dirty="0"/>
+            <a:endParaRPr sz="1100"/>
           </a:p>
         </p:txBody>
       </p:sp>
       <p:pic>
         <p:nvPicPr>
-          <p:cNvPr id="2050" name="Picture 2" descr="Container Networking Deep Dive - Part 1 - Infraspec">
-            <a:extLst>
-              <a:ext uri="{FF2B5EF4-FFF2-40B4-BE49-F238E27FC236}">
-                <a16:creationId xmlns:a16="http://schemas.microsoft.com/office/drawing/2014/main" id="{AF2DEB2B-CC46-768B-74A7-9F6B91C4A256}"/>
-              </a:ext>
-            </a:extLst>
-          </p:cNvPr>
+          <p:cNvPr id="2050" name="Picture 2" descr="Container Networking Deep Dive - Part 1 - Infraspec"/>
           <p:cNvPicPr>
             <a:picLocks noChangeAspect="1" noChangeArrowheads="1"/>
           </p:cNvPicPr>
           <p:nvPr/>
         </p:nvPicPr>
         <p:blipFill>
-          <a:blip r:embed="rId3">
-            <a:extLst>
-              <a:ext uri="{28A0092B-C50C-407E-A947-70E740481C1C}">
-                <a14:useLocalDpi xmlns:a14="http://schemas.microsoft.com/office/drawing/2010/main" val="0"/>
-              </a:ext>
-            </a:extLst>
-          </a:blip>
-          <a:srcRect/>
-          <a:stretch>
-            <a:fillRect/>
-          </a:stretch>
+          <a:blip r:embed="rId3"/>
+          <a:stretch/>
         </p:blipFill>
         <p:spPr bwMode="auto">
           <a:xfrm>
-            <a:off x="6384324" y="1903689"/>
+            <a:off x="6384324" y="1903688"/>
             <a:ext cx="5552037" cy="3266560"/>
           </a:xfrm>
           <a:prstGeom prst="rect">
             <a:avLst/>
           </a:prstGeom>
           <a:noFill/>
-          <a:extLst>
-            <a:ext uri="{909E8E84-426E-40DD-AFC4-6F175D3DCCD1}">
-              <a14:hiddenFill xmlns:a14="http://schemas.microsoft.com/office/drawing/2010/main">
-                <a:solidFill>
-                  <a:srgbClr val="FFFFFF"/>
-                </a:solidFill>
-              </a14:hiddenFill>
-            </a:ext>
-          </a:extLst>
         </p:spPr>
       </p:pic>
     </p:spTree>
-    <p:extLst>
-      <p:ext uri="{BB962C8B-B14F-4D97-AF65-F5344CB8AC3E}">
-        <p14:creationId xmlns:p14="http://schemas.microsoft.com/office/powerpoint/2010/main" val="1935029439"/>
-      </p:ext>
-    </p:extLst>
   </p:cSld>
   <p:clrMapOvr>
     <a:masterClrMapping/>
   </p:clrMapOvr>
+  <mc:AlternateContent xmlns:mc="http://schemas.openxmlformats.org/markup-compatibility/2006">
+    <mc:Choice xmlns:p159="http://schemas.microsoft.com/office/powerpoint/2015/09/main" xmlns:p14="http://schemas.microsoft.com/office/powerpoint/2010/main" Requires="p159">
+      <p:transition p14:dur="2000" advClick="1"/>
+    </mc:Choice>
+    <mc:Fallback>
+      <p:transition advClick="1"/>
+    </mc:Fallback>
+  </mc:AlternateContent>
 </p:sld>
 </file>
 
 <file path=ppt/slides/slide12.xml><?xml version="1.0" encoding="utf-8"?>
-<p:sld xmlns:a="http://schemas.openxmlformats.org/drawingml/2006/main" xmlns:r="http://schemas.openxmlformats.org/officeDocument/2006/relationships" xmlns:p="http://schemas.openxmlformats.org/presentationml/2006/main" showMasterPhAnim="0">
-  <p:cSld>
+<p:sld xmlns:a="http://schemas.openxmlformats.org/drawingml/2006/main" xmlns:r="http://schemas.openxmlformats.org/officeDocument/2006/relationships" xmlns:p="http://schemas.openxmlformats.org/presentationml/2006/main" xmlns:m="http://schemas.openxmlformats.org/officeDocument/2006/math" xmlns:w="http://schemas.openxmlformats.org/wordprocessingml/2006/main" showMasterPhAnim="0" show="1">
+  <p:cSld name="">
     <p:spTree>
       <p:nvGrpSpPr>
         <p:cNvPr id="1" name=""/>
@@ -22737,17 +23828,18 @@
               <a:defRPr/>
             </a:pPr>
             <a:r>
-              <a:rPr lang="de-DE" dirty="0" err="1"/>
+              <a:rPr lang="de-DE"/>
               <a:t>Important</a:t>
             </a:r>
             <a:r>
-              <a:rPr lang="de-DE" dirty="0"/>
+              <a:rPr lang="de-DE"/>
               <a:t> </a:t>
             </a:r>
             <a:r>
-              <a:rPr dirty="0"/>
+              <a:rPr/>
               <a:t>Namespaces</a:t>
             </a:r>
+            <a:endParaRPr/>
           </a:p>
         </p:txBody>
       </p:sp>
@@ -22780,7 +23872,7 @@
               <a:defRPr/>
             </a:pPr>
             <a:r>
-              <a:rPr lang="de-DE" sz="2800" b="0" i="0" u="none" dirty="0">
+              <a:rPr lang="de-DE" sz="2800" b="0" i="0" u="none">
                 <a:solidFill>
                   <a:schemeClr val="bg1">
                     <a:lumMod val="65000"/>
@@ -22793,7 +23885,7 @@
               <a:t>Mount </a:t>
             </a:r>
             <a:r>
-              <a:rPr lang="de-DE" sz="2800" b="0" i="0" u="none" dirty="0" err="1">
+              <a:rPr lang="de-DE" sz="2800" b="0" i="0" u="none">
                 <a:solidFill>
                   <a:schemeClr val="bg1">
                     <a:lumMod val="65000"/>
@@ -22806,7 +23898,7 @@
               <a:t>namespace</a:t>
             </a:r>
             <a:r>
-              <a:rPr lang="de-DE" sz="2800" b="0" i="0" u="none" dirty="0">
+              <a:rPr lang="de-DE" sz="2800" b="0" i="0" u="none">
                 <a:solidFill>
                   <a:schemeClr val="bg1">
                     <a:lumMod val="65000"/>
@@ -22818,6 +23910,7 @@
               </a:rPr>
               <a:t>:</a:t>
             </a:r>
+            <a:endParaRPr/>
           </a:p>
           <a:p>
             <a:pPr lvl="1">
@@ -22827,7 +23920,7 @@
               <a:defRPr/>
             </a:pPr>
             <a:r>
-              <a:rPr lang="de-DE" sz="2400" dirty="0" err="1">
+              <a:rPr lang="de-DE" sz="2400">
                 <a:solidFill>
                   <a:schemeClr val="bg1">
                     <a:lumMod val="65000"/>
@@ -22840,7 +23933,7 @@
               <a:t>Provides</a:t>
             </a:r>
             <a:r>
-              <a:rPr lang="de-DE" sz="2400" dirty="0">
+              <a:rPr lang="de-DE" sz="2400">
                 <a:solidFill>
                   <a:schemeClr val="bg1">
                     <a:lumMod val="65000"/>
@@ -22853,7 +23946,7 @@
               <a:t> </a:t>
             </a:r>
             <a:r>
-              <a:rPr lang="de-DE" sz="2400" dirty="0" err="1">
+              <a:rPr lang="de-DE" sz="2400">
                 <a:solidFill>
                   <a:schemeClr val="bg1">
                     <a:lumMod val="65000"/>
@@ -22866,7 +23959,7 @@
               <a:t>isolated</a:t>
             </a:r>
             <a:r>
-              <a:rPr lang="de-DE" sz="2400" dirty="0">
+              <a:rPr lang="de-DE" sz="2400">
                 <a:solidFill>
                   <a:schemeClr val="bg1">
                     <a:lumMod val="65000"/>
@@ -22879,7 +23972,7 @@
               <a:t> </a:t>
             </a:r>
             <a:r>
-              <a:rPr lang="de-DE" sz="2400" dirty="0" err="1">
+              <a:rPr lang="de-DE" sz="2400">
                 <a:solidFill>
                   <a:schemeClr val="bg1">
                     <a:lumMod val="65000"/>
@@ -22892,7 +23985,7 @@
               <a:t>view</a:t>
             </a:r>
             <a:r>
-              <a:rPr lang="de-DE" sz="2400" dirty="0">
+              <a:rPr lang="de-DE" sz="2400">
                 <a:solidFill>
                   <a:schemeClr val="bg1">
                     <a:lumMod val="65000"/>
@@ -22905,7 +23998,7 @@
               <a:t> </a:t>
             </a:r>
             <a:r>
-              <a:rPr lang="de-DE" sz="2400" dirty="0" err="1">
+              <a:rPr lang="de-DE" sz="2400">
                 <a:solidFill>
                   <a:schemeClr val="bg1">
                     <a:lumMod val="65000"/>
@@ -22918,7 +24011,7 @@
               <a:t>of</a:t>
             </a:r>
             <a:r>
-              <a:rPr lang="de-DE" sz="2400" dirty="0">
+              <a:rPr lang="de-DE" sz="2400">
                 <a:solidFill>
                   <a:schemeClr val="bg1">
                     <a:lumMod val="65000"/>
@@ -22931,7 +24024,7 @@
               <a:t> </a:t>
             </a:r>
             <a:r>
-              <a:rPr lang="de-DE" sz="2400" dirty="0" err="1">
+              <a:rPr lang="de-DE" sz="2400">
                 <a:solidFill>
                   <a:schemeClr val="bg1">
                     <a:lumMod val="65000"/>
@@ -22944,7 +24037,7 @@
               <a:t>filesystem</a:t>
             </a:r>
             <a:r>
-              <a:rPr lang="de-DE" sz="2400" dirty="0">
+              <a:rPr lang="de-DE" sz="2400">
                 <a:solidFill>
                   <a:schemeClr val="bg1">
                     <a:lumMod val="65000"/>
@@ -22957,7 +24050,7 @@
               <a:t> </a:t>
             </a:r>
             <a:r>
-              <a:rPr lang="de-DE" sz="2400" dirty="0" err="1">
+              <a:rPr lang="de-DE" sz="2400">
                 <a:solidFill>
                   <a:schemeClr val="bg1">
                     <a:lumMod val="65000"/>
@@ -22969,7 +24062,7 @@
               </a:rPr>
               <a:t>hierarchy</a:t>
             </a:r>
-            <a:endParaRPr lang="de-DE" sz="2400" dirty="0">
+            <a:endParaRPr lang="de-DE" sz="2400">
               <a:solidFill>
                 <a:schemeClr val="bg1">
                   <a:lumMod val="65000"/>
@@ -22988,7 +24081,7 @@
               <a:defRPr/>
             </a:pPr>
             <a:r>
-              <a:rPr lang="de-DE" sz="2800" b="0" i="0" u="none" dirty="0">
+              <a:rPr lang="de-DE" sz="2800" b="0" i="0" u="none">
                 <a:solidFill>
                   <a:schemeClr val="bg1">
                     <a:lumMod val="65000"/>
@@ -23001,7 +24094,7 @@
               <a:t>PID </a:t>
             </a:r>
             <a:r>
-              <a:rPr lang="de-DE" sz="2800" b="0" i="0" u="none" dirty="0" err="1">
+              <a:rPr lang="de-DE" sz="2800" b="0" i="0" u="none">
                 <a:solidFill>
                   <a:schemeClr val="bg1">
                     <a:lumMod val="65000"/>
@@ -23014,7 +24107,7 @@
               <a:t>namespace</a:t>
             </a:r>
             <a:r>
-              <a:rPr lang="de-DE" sz="2800" b="0" i="0" u="none" dirty="0">
+              <a:rPr lang="de-DE" sz="2800" b="0" i="0" u="none">
                 <a:solidFill>
                   <a:schemeClr val="bg1">
                     <a:lumMod val="65000"/>
@@ -23026,6 +24119,7 @@
               </a:rPr>
               <a:t>:</a:t>
             </a:r>
+            <a:endParaRPr/>
           </a:p>
           <a:p>
             <a:pPr lvl="1">
@@ -23035,7 +24129,7 @@
               <a:defRPr/>
             </a:pPr>
             <a:r>
-              <a:rPr lang="en-US" sz="2400" b="0" i="0" u="none" dirty="0">
+              <a:rPr lang="en-US" sz="2400" b="0" i="0" u="none">
                 <a:solidFill>
                   <a:schemeClr val="bg1">
                     <a:lumMod val="65000"/>
@@ -23047,7 +24141,7 @@
               </a:rPr>
               <a:t>Provides isolation within the set of process IDs</a:t>
             </a:r>
-            <a:endParaRPr lang="de-DE" sz="2400" b="0" i="0" u="none" dirty="0">
+            <a:endParaRPr lang="de-DE" sz="2400" b="0" i="0" u="none">
               <a:solidFill>
                 <a:schemeClr val="bg1">
                   <a:lumMod val="65000"/>
@@ -23066,7 +24160,7 @@
               <a:defRPr/>
             </a:pPr>
             <a:r>
-              <a:rPr lang="de-DE" sz="2800" b="0" i="0" u="none" dirty="0">
+              <a:rPr lang="de-DE" sz="2800" b="0" i="0" u="none">
                 <a:solidFill>
                   <a:schemeClr val="bg1">
                     <a:lumMod val="65000"/>
@@ -23079,7 +24173,7 @@
               <a:t>Network </a:t>
             </a:r>
             <a:r>
-              <a:rPr lang="de-DE" sz="2800" b="0" i="0" u="none" dirty="0" err="1">
+              <a:rPr lang="de-DE" sz="2800" b="0" i="0" u="none">
                 <a:solidFill>
                   <a:schemeClr val="bg1">
                     <a:lumMod val="65000"/>
@@ -23092,7 +24186,7 @@
               <a:t>namespace</a:t>
             </a:r>
             <a:r>
-              <a:rPr lang="de-DE" sz="2800" b="0" i="0" u="none" dirty="0">
+              <a:rPr lang="de-DE" sz="2800" b="0" i="0" u="none">
                 <a:solidFill>
                   <a:schemeClr val="bg1">
                     <a:lumMod val="65000"/>
@@ -23104,6 +24198,7 @@
               </a:rPr>
               <a:t>:</a:t>
             </a:r>
+            <a:endParaRPr/>
           </a:p>
           <a:p>
             <a:pPr lvl="1">
@@ -23113,7 +24208,7 @@
               <a:defRPr/>
             </a:pPr>
             <a:r>
-              <a:rPr lang="en-US" sz="2400" b="0" i="0" u="none" dirty="0">
+              <a:rPr lang="en-US" sz="2400" b="0" i="0" u="none">
                 <a:solidFill>
                   <a:schemeClr val="bg1">
                     <a:lumMod val="65000"/>
@@ -23125,7 +24220,7 @@
               </a:rPr>
               <a:t>Is responsible for the isolation of network-related resources</a:t>
             </a:r>
-            <a:endParaRPr lang="de-DE" sz="2400" b="0" i="0" u="none" dirty="0">
+            <a:endParaRPr lang="de-DE" sz="2400" b="0" i="0" u="none">
               <a:solidFill>
                 <a:schemeClr val="bg1">
                   <a:lumMod val="65000"/>
@@ -23144,7 +24239,7 @@
               <a:defRPr/>
             </a:pPr>
             <a:r>
-              <a:rPr lang="de-DE" sz="2800" dirty="0">
+              <a:rPr lang="de-DE" sz="2800">
                 <a:solidFill>
                   <a:schemeClr val="tx1"/>
                 </a:solidFill>
@@ -23155,7 +24250,7 @@
               <a:t>User </a:t>
             </a:r>
             <a:r>
-              <a:rPr lang="de-DE" sz="2800" dirty="0" err="1">
+              <a:rPr lang="de-DE" sz="2800">
                 <a:solidFill>
                   <a:schemeClr val="tx1"/>
                 </a:solidFill>
@@ -23166,7 +24261,7 @@
               <a:t>namespace</a:t>
             </a:r>
             <a:r>
-              <a:rPr lang="de-DE" sz="2800" dirty="0">
+              <a:rPr lang="de-DE" sz="2800">
                 <a:solidFill>
                   <a:schemeClr val="tx1"/>
                 </a:solidFill>
@@ -23176,6 +24271,7 @@
               </a:rPr>
               <a:t>:</a:t>
             </a:r>
+            <a:endParaRPr/>
           </a:p>
           <a:p>
             <a:pPr lvl="1">
@@ -23185,7 +24281,7 @@
               <a:defRPr/>
             </a:pPr>
             <a:r>
-              <a:rPr lang="de-DE" sz="2400" b="0" i="0" u="none" dirty="0">
+              <a:rPr lang="de-DE" sz="2400" b="0" i="0" u="none">
                 <a:solidFill>
                   <a:schemeClr val="tx1"/>
                 </a:solidFill>
@@ -23196,7 +24292,7 @@
               <a:t>Isolates </a:t>
             </a:r>
             <a:r>
-              <a:rPr lang="de-DE" sz="2400" b="0" i="0" u="none" dirty="0" err="1">
+              <a:rPr lang="de-DE" sz="2400" b="0" i="0" u="none">
                 <a:solidFill>
                   <a:schemeClr val="tx1"/>
                 </a:solidFill>
@@ -23207,7 +24303,7 @@
               <a:t>the</a:t>
             </a:r>
             <a:r>
-              <a:rPr lang="de-DE" sz="2400" b="0" i="0" u="none" dirty="0">
+              <a:rPr lang="de-DE" sz="2400" b="0" i="0" u="none">
                 <a:solidFill>
                   <a:schemeClr val="tx1"/>
                 </a:solidFill>
@@ -23218,7 +24314,7 @@
               <a:t> </a:t>
             </a:r>
             <a:r>
-              <a:rPr lang="de-DE" sz="2400" b="0" i="0" u="none" dirty="0" err="1">
+              <a:rPr lang="de-DE" sz="2400" b="0" i="0" u="none">
                 <a:solidFill>
                   <a:schemeClr val="tx1"/>
                 </a:solidFill>
@@ -23229,7 +24325,7 @@
               <a:t>user</a:t>
             </a:r>
             <a:r>
-              <a:rPr lang="de-DE" sz="2400" dirty="0">
+              <a:rPr lang="de-DE" sz="2400">
                 <a:solidFill>
                   <a:schemeClr val="tx1"/>
                 </a:solidFill>
@@ -23239,7 +24335,7 @@
               </a:rPr>
               <a:t> IDs</a:t>
             </a:r>
-            <a:endParaRPr lang="de-DE" sz="2400" b="0" i="0" u="none" dirty="0">
+            <a:endParaRPr lang="de-DE" sz="2400" b="0" i="0" u="none">
               <a:solidFill>
                 <a:schemeClr val="tx1"/>
               </a:solidFill>
@@ -23277,7 +24373,7 @@
             <a:pPr algn="ctr">
               <a:defRPr/>
             </a:pPr>
-            <a:endParaRPr lang="de-DE" dirty="0">
+            <a:endParaRPr lang="de-DE">
               <a:latin typeface="Arial"/>
               <a:ea typeface="Arial"/>
               <a:cs typeface="Arial"/>
@@ -23288,20 +24384,21 @@
               <a:defRPr/>
             </a:pPr>
             <a:r>
-              <a:rPr dirty="0">
+              <a:rPr>
                 <a:latin typeface="Arial"/>
                 <a:ea typeface="Arial"/>
                 <a:cs typeface="Arial"/>
               </a:rPr>
               <a:t> </a:t>
             </a:r>
+            <a:endParaRPr/>
           </a:p>
           <a:p>
             <a:pPr algn="ctr">
               <a:defRPr/>
             </a:pPr>
             <a:r>
-              <a:rPr sz="1100" dirty="0">
+              <a:rPr sz="1100">
                 <a:latin typeface="Arial"/>
                 <a:ea typeface="Arial"/>
                 <a:cs typeface="Arial"/>
@@ -23309,7 +24406,7 @@
               <a:t>Image taken from [</a:t>
             </a:r>
             <a:r>
-              <a:rPr sz="1100" u="sng" dirty="0">
+              <a:rPr sz="1100" u="sng">
                 <a:solidFill>
                   <a:schemeClr val="hlink"/>
                 </a:solidFill>
@@ -23320,7 +24417,7 @@
               <a:t>www.</a:t>
             </a:r>
             <a:r>
-              <a:rPr lang="de-DE" sz="1100" u="sng" dirty="0">
+              <a:rPr lang="de-DE" sz="1100" u="sng">
                 <a:solidFill>
                   <a:schemeClr val="hlink"/>
                 </a:solidFill>
@@ -23331,40 +24428,28 @@
               <a:t>cloudflare.com</a:t>
             </a:r>
             <a:r>
-              <a:rPr sz="1100" dirty="0">
+              <a:rPr sz="1100">
                 <a:latin typeface="Arial"/>
                 <a:ea typeface="Arial"/>
                 <a:cs typeface="Arial"/>
               </a:rPr>
               <a:t>]</a:t>
             </a:r>
-            <a:endParaRPr sz="1100" dirty="0"/>
+            <a:endParaRPr sz="1100"/>
           </a:p>
         </p:txBody>
       </p:sp>
       <p:pic>
         <p:nvPicPr>
-          <p:cNvPr id="3074" name="Picture 2" descr="The Linux Crypto API for user applications">
-            <a:extLst>
-              <a:ext uri="{FF2B5EF4-FFF2-40B4-BE49-F238E27FC236}">
-                <a16:creationId xmlns:a16="http://schemas.microsoft.com/office/drawing/2014/main" id="{5BA49EBC-E9FD-380A-E19B-6A03913EC2A1}"/>
-              </a:ext>
-            </a:extLst>
-          </p:cNvPr>
+          <p:cNvPr id="3074" name="Picture 2" descr="The Linux Crypto API for user applications"/>
           <p:cNvPicPr>
             <a:picLocks noChangeAspect="1" noChangeArrowheads="1"/>
           </p:cNvPicPr>
           <p:nvPr/>
         </p:nvPicPr>
-        <p:blipFill rotWithShape="1">
-          <a:blip r:embed="rId3">
-            <a:extLst>
-              <a:ext uri="{28A0092B-C50C-407E-A947-70E740481C1C}">
-                <a14:useLocalDpi xmlns:a14="http://schemas.microsoft.com/office/drawing/2010/main" val="0"/>
-              </a:ext>
-            </a:extLst>
-          </a:blip>
-          <a:srcRect l="39189"/>
+        <p:blipFill>
+          <a:blip r:embed="rId3"/>
+          <a:srcRect l="39189" t="0" r="0" b="0"/>
           <a:stretch/>
         </p:blipFill>
         <p:spPr bwMode="auto">
@@ -23376,33 +24461,27 @@
             <a:avLst/>
           </a:prstGeom>
           <a:noFill/>
-          <a:extLst>
-            <a:ext uri="{909E8E84-426E-40DD-AFC4-6F175D3DCCD1}">
-              <a14:hiddenFill xmlns:a14="http://schemas.microsoft.com/office/drawing/2010/main">
-                <a:solidFill>
-                  <a:srgbClr val="FFFFFF"/>
-                </a:solidFill>
-              </a14:hiddenFill>
-            </a:ext>
-          </a:extLst>
         </p:spPr>
       </p:pic>
     </p:spTree>
-    <p:extLst>
-      <p:ext uri="{BB962C8B-B14F-4D97-AF65-F5344CB8AC3E}">
-        <p14:creationId xmlns:p14="http://schemas.microsoft.com/office/powerpoint/2010/main" val="3866543246"/>
-      </p:ext>
-    </p:extLst>
   </p:cSld>
   <p:clrMapOvr>
     <a:masterClrMapping/>
   </p:clrMapOvr>
+  <mc:AlternateContent xmlns:mc="http://schemas.openxmlformats.org/markup-compatibility/2006">
+    <mc:Choice xmlns:p159="http://schemas.microsoft.com/office/powerpoint/2015/09/main" xmlns:p14="http://schemas.microsoft.com/office/powerpoint/2010/main" Requires="p159">
+      <p:transition p14:dur="2000" advClick="1"/>
+    </mc:Choice>
+    <mc:Fallback>
+      <p:transition advClick="1"/>
+    </mc:Fallback>
+  </mc:AlternateContent>
 </p:sld>
 </file>
 
 <file path=ppt/slides/slide13.xml><?xml version="1.0" encoding="utf-8"?>
-<p:sld xmlns:a="http://schemas.openxmlformats.org/drawingml/2006/main" xmlns:r="http://schemas.openxmlformats.org/officeDocument/2006/relationships" xmlns:p="http://schemas.openxmlformats.org/presentationml/2006/main" showMasterPhAnim="0">
-  <p:cSld>
+<p:sld xmlns:a="http://schemas.openxmlformats.org/drawingml/2006/main" xmlns:r="http://schemas.openxmlformats.org/officeDocument/2006/relationships" xmlns:p="http://schemas.openxmlformats.org/presentationml/2006/main" xmlns:m="http://schemas.openxmlformats.org/officeDocument/2006/math" xmlns:w="http://schemas.openxmlformats.org/wordprocessingml/2006/main" showMasterPhAnim="0" show="1">
+  <p:cSld name="">
     <p:spTree>
       <p:nvGrpSpPr>
         <p:cNvPr id="1" name=""/>
@@ -23706,10 +24785,9 @@
           <p:nvPr/>
         </p:nvPicPr>
         <p:blipFill>
-          <a:blip r:embed="rId2">
+          <a:blip r:embed="rId3">
             <a:alphaModFix/>
           </a:blip>
-          <a:srcRect/>
           <a:stretch/>
         </p:blipFill>
         <p:spPr bwMode="auto">
@@ -23844,7 +24922,7 @@
                 <a:latin typeface="Arial"/>
                 <a:ea typeface="Arial"/>
                 <a:cs typeface="Arial"/>
-                <a:hlinkClick r:id="rId3" tooltip="https://man7.org/linux/man-pages/man7/capabilities.7.html"/>
+                <a:hlinkClick r:id="rId4" tooltip="https://man7.org/linux/man-pages/man7/capabilities.7.html"/>
               </a:rPr>
               <a:t>man7.org</a:t>
             </a:r>
@@ -23895,12 +24973,20 @@
   <p:clrMapOvr>
     <a:masterClrMapping/>
   </p:clrMapOvr>
+  <mc:AlternateContent xmlns:mc="http://schemas.openxmlformats.org/markup-compatibility/2006">
+    <mc:Choice xmlns:p159="http://schemas.microsoft.com/office/powerpoint/2015/09/main" xmlns:p14="http://schemas.microsoft.com/office/powerpoint/2010/main" Requires="p159">
+      <p:transition p14:dur="2000" advClick="1"/>
+    </mc:Choice>
+    <mc:Fallback>
+      <p:transition advClick="1"/>
+    </mc:Fallback>
+  </mc:AlternateContent>
 </p:sld>
 </file>
 
 <file path=ppt/slides/slide14.xml><?xml version="1.0" encoding="utf-8"?>
-<p:sld xmlns:a="http://schemas.openxmlformats.org/drawingml/2006/main" xmlns:r="http://schemas.openxmlformats.org/officeDocument/2006/relationships" xmlns:p="http://schemas.openxmlformats.org/presentationml/2006/main" showMasterPhAnim="0">
-  <p:cSld>
+<p:sld xmlns:a="http://schemas.openxmlformats.org/drawingml/2006/main" xmlns:r="http://schemas.openxmlformats.org/officeDocument/2006/relationships" xmlns:p="http://schemas.openxmlformats.org/presentationml/2006/main" xmlns:m="http://schemas.openxmlformats.org/officeDocument/2006/math" xmlns:w="http://schemas.openxmlformats.org/wordprocessingml/2006/main" showMasterPhAnim="0" show="1">
+  <p:cSld name="">
     <p:spTree>
       <p:nvGrpSpPr>
         <p:cNvPr id="1" name=""/>
@@ -24196,10 +25282,9 @@
           <p:nvPr/>
         </p:nvPicPr>
         <p:blipFill>
-          <a:blip r:embed="rId2">
+          <a:blip r:embed="rId3">
             <a:alphaModFix/>
           </a:blip>
-          <a:srcRect/>
           <a:stretch/>
         </p:blipFill>
         <p:spPr bwMode="auto">
@@ -24278,12 +25363,20 @@
   <p:clrMapOvr>
     <a:masterClrMapping/>
   </p:clrMapOvr>
+  <mc:AlternateContent xmlns:mc="http://schemas.openxmlformats.org/markup-compatibility/2006">
+    <mc:Choice xmlns:p159="http://schemas.microsoft.com/office/powerpoint/2015/09/main" xmlns:p14="http://schemas.microsoft.com/office/powerpoint/2010/main" Requires="p159">
+      <p:transition p14:dur="2000" advClick="1"/>
+    </mc:Choice>
+    <mc:Fallback>
+      <p:transition advClick="1"/>
+    </mc:Fallback>
+  </mc:AlternateContent>
 </p:sld>
 </file>
 
 <file path=ppt/slides/slide15.xml><?xml version="1.0" encoding="utf-8"?>
-<p:sld xmlns:a="http://schemas.openxmlformats.org/drawingml/2006/main" xmlns:r="http://schemas.openxmlformats.org/officeDocument/2006/relationships" xmlns:p="http://schemas.openxmlformats.org/presentationml/2006/main" showMasterPhAnim="0">
-  <p:cSld>
+<p:sld xmlns:a="http://schemas.openxmlformats.org/drawingml/2006/main" xmlns:r="http://schemas.openxmlformats.org/officeDocument/2006/relationships" xmlns:p="http://schemas.openxmlformats.org/presentationml/2006/main" xmlns:m="http://schemas.openxmlformats.org/officeDocument/2006/math" xmlns:w="http://schemas.openxmlformats.org/wordprocessingml/2006/main" showMasterPhAnim="0" show="1">
+  <p:cSld name="">
     <p:spTree>
       <p:nvGrpSpPr>
         <p:cNvPr id="1" name=""/>
@@ -24326,7 +25419,7 @@
           </a:ln>
         </p:spPr>
         <p:txBody>
-          <a:bodyPr spcFirstLastPara="1" wrap="square" lIns="91424" tIns="45699" rIns="91424" bIns="45699" anchor="ctr" anchorCtr="0">
+          <a:bodyPr spcFirstLastPara="1" wrap="square" lIns="91423" tIns="45699" rIns="91423" bIns="45699" anchor="ctr" anchorCtr="0">
             <a:normAutofit/>
           </a:bodyPr>
           <a:lstStyle/>
@@ -24378,7 +25471,7 @@
           </a:ln>
         </p:spPr>
         <p:txBody>
-          <a:bodyPr spcFirstLastPara="1" vertOverflow="overflow" horzOverflow="overflow" vert="horz" wrap="square" lIns="91424" tIns="45699" rIns="91424" bIns="45699" numCol="1" spcCol="0" rtlCol="0" fromWordArt="0" anchor="t" anchorCtr="0" forceAA="0" compatLnSpc="0">
+          <a:bodyPr spcFirstLastPara="1" vertOverflow="overflow" horzOverflow="overflow" vert="horz" wrap="square" lIns="91423" tIns="45699" rIns="91423" bIns="45699" numCol="1" spcCol="0" rtlCol="0" fromWordArt="0" anchor="t" anchorCtr="0" forceAA="0" compatLnSpc="0">
             <a:normAutofit fontScale="95000" lnSpcReduction="1000"/>
           </a:bodyPr>
           <a:lstStyle/>
@@ -24408,6 +25501,7 @@
               </a:rPr>
               <a:t>Secure Computing Mode</a:t>
             </a:r>
+            <a:endParaRPr/>
           </a:p>
           <a:p>
             <a:pPr marL="342900" lvl="0" indent="-342900" algn="l">
@@ -24435,6 +25529,7 @@
               </a:rPr>
               <a:t>Linux kernel feature</a:t>
             </a:r>
+            <a:endParaRPr/>
           </a:p>
           <a:p>
             <a:pPr marL="342900" lvl="0" indent="-342900" algn="l">
@@ -24462,6 +25557,7 @@
               </a:rPr>
               <a:t>Blocks syscalls</a:t>
             </a:r>
+            <a:endParaRPr/>
           </a:p>
           <a:p>
             <a:pPr marL="342900" lvl="0" indent="-342900" algn="l">
@@ -24489,6 +25585,7 @@
               </a:rPr>
               <a:t>Docker default profile</a:t>
             </a:r>
+            <a:endParaRPr/>
           </a:p>
           <a:p>
             <a:pPr marL="742950" lvl="1" indent="-342900" algn="l">
@@ -24516,6 +25613,7 @@
               </a:rPr>
               <a:t>finit_module</a:t>
             </a:r>
+            <a:endParaRPr/>
           </a:p>
           <a:p>
             <a:pPr marL="742950" lvl="1" indent="-342900" algn="l">
@@ -24543,6 +25641,7 @@
               </a:rPr>
               <a:t>reboot</a:t>
             </a:r>
+            <a:endParaRPr/>
           </a:p>
           <a:p>
             <a:pPr marL="742950" lvl="1" indent="-342900" algn="l">
@@ -24570,6 +25669,7 @@
               </a:rPr>
               <a:t>ptrace</a:t>
             </a:r>
+            <a:endParaRPr/>
           </a:p>
           <a:p>
             <a:pPr marL="742950" lvl="1" indent="-342900" algn="l">
@@ -24597,6 +25697,7 @@
               </a:rPr>
               <a:t>...</a:t>
             </a:r>
+            <a:endParaRPr/>
           </a:p>
           <a:p>
             <a:pPr marL="742950" lvl="1" indent="-342900" algn="l">
@@ -24632,7 +25733,7 @@
         </p:nvSpPr>
         <p:spPr bwMode="auto">
           <a:xfrm>
-            <a:off x="6668853" y="1336145"/>
+            <a:off x="6236609" y="1332730"/>
             <a:ext cx="2588078" cy="886353"/>
           </a:xfrm>
           <a:prstGeom prst="rect">
@@ -24669,6 +25770,7 @@
               <a:rPr sz="2800"/>
               <a:t>Container</a:t>
             </a:r>
+            <a:endParaRPr/>
           </a:p>
         </p:txBody>
       </p:sp>
@@ -24680,7 +25782,7 @@
         </p:nvSpPr>
         <p:spPr bwMode="auto">
           <a:xfrm>
-            <a:off x="6759212" y="4216135"/>
+            <a:off x="6326968" y="4212720"/>
             <a:ext cx="5229005" cy="886353"/>
           </a:xfrm>
           <a:prstGeom prst="rect">
@@ -24717,6 +25819,7 @@
               <a:rPr sz="2800"/>
               <a:t>Kernel</a:t>
             </a:r>
+            <a:endParaRPr/>
           </a:p>
         </p:txBody>
       </p:sp>
@@ -24728,7 +25831,7 @@
         </p:nvSpPr>
         <p:spPr bwMode="auto">
           <a:xfrm>
-            <a:off x="7630992" y="2225912"/>
+            <a:off x="7198749" y="2222497"/>
             <a:ext cx="721178" cy="625928"/>
           </a:xfrm>
           <a:prstGeom prst="downArrow">
@@ -24761,7 +25864,10 @@
           <a:bodyPr/>
           <a:lstStyle/>
           <a:p>
-            <a:endParaRPr lang="de-IT"/>
+            <a:pPr>
+              <a:defRPr/>
+            </a:pPr>
+            <a:endParaRPr/>
           </a:p>
         </p:txBody>
       </p:sp>
@@ -24773,7 +25879,7 @@
         </p:nvSpPr>
         <p:spPr bwMode="auto">
           <a:xfrm>
-            <a:off x="7630992" y="3590206"/>
+            <a:off x="7198749" y="3586791"/>
             <a:ext cx="721177" cy="625927"/>
           </a:xfrm>
           <a:prstGeom prst="downArrow">
@@ -24806,7 +25912,10 @@
           <a:bodyPr/>
           <a:lstStyle/>
           <a:p>
-            <a:endParaRPr lang="de-IT"/>
+            <a:pPr>
+              <a:defRPr/>
+            </a:pPr>
+            <a:endParaRPr/>
           </a:p>
         </p:txBody>
       </p:sp>
@@ -24818,7 +25927,7 @@
         </p:nvSpPr>
         <p:spPr bwMode="auto">
           <a:xfrm>
-            <a:off x="6668853" y="2851840"/>
+            <a:off x="6236609" y="2848425"/>
             <a:ext cx="2524143" cy="738366"/>
           </a:xfrm>
           <a:prstGeom prst="rect">
@@ -24855,6 +25964,7 @@
               <a:rPr sz="2800"/>
               <a:t>System Call</a:t>
             </a:r>
+            <a:endParaRPr/>
           </a:p>
         </p:txBody>
       </p:sp>
@@ -24866,7 +25976,7 @@
         </p:nvSpPr>
         <p:spPr bwMode="auto">
           <a:xfrm>
-            <a:off x="9373715" y="1336145"/>
+            <a:off x="8941471" y="1332730"/>
             <a:ext cx="2640926" cy="886353"/>
           </a:xfrm>
           <a:prstGeom prst="rect">
@@ -24903,6 +26013,7 @@
               <a:rPr sz="2800"/>
               <a:t>Host</a:t>
             </a:r>
+            <a:endParaRPr/>
           </a:p>
         </p:txBody>
       </p:sp>
@@ -24914,7 +26025,7 @@
         </p:nvSpPr>
         <p:spPr bwMode="auto">
           <a:xfrm>
-            <a:off x="9373715" y="2851840"/>
+            <a:off x="8941471" y="2848425"/>
             <a:ext cx="2524143" cy="738365"/>
           </a:xfrm>
           <a:prstGeom prst="rect">
@@ -24951,6 +26062,7 @@
               <a:rPr sz="2800"/>
               <a:t>System Call</a:t>
             </a:r>
+            <a:endParaRPr/>
           </a:p>
         </p:txBody>
       </p:sp>
@@ -24962,7 +26074,7 @@
         </p:nvSpPr>
         <p:spPr bwMode="auto">
           <a:xfrm>
-            <a:off x="10327927" y="3590206"/>
+            <a:off x="9895683" y="3586791"/>
             <a:ext cx="721177" cy="625927"/>
           </a:xfrm>
           <a:prstGeom prst="downArrow">
@@ -24995,7 +26107,10 @@
           <a:bodyPr/>
           <a:lstStyle/>
           <a:p>
-            <a:endParaRPr lang="de-IT"/>
+            <a:pPr>
+              <a:defRPr/>
+            </a:pPr>
+            <a:endParaRPr/>
           </a:p>
         </p:txBody>
       </p:sp>
@@ -25007,7 +26122,7 @@
         </p:nvSpPr>
         <p:spPr bwMode="auto">
           <a:xfrm>
-            <a:off x="10327927" y="2225912"/>
+            <a:off x="9895683" y="2222497"/>
             <a:ext cx="721177" cy="625927"/>
           </a:xfrm>
           <a:prstGeom prst="downArrow">
@@ -25040,7 +26155,10 @@
           <a:bodyPr/>
           <a:lstStyle/>
           <a:p>
-            <a:endParaRPr lang="de-IT"/>
+            <a:pPr>
+              <a:defRPr/>
+            </a:pPr>
+            <a:endParaRPr/>
           </a:p>
         </p:txBody>
       </p:sp>
@@ -25049,12 +26167,20 @@
   <p:clrMapOvr>
     <a:masterClrMapping/>
   </p:clrMapOvr>
+  <mc:AlternateContent xmlns:mc="http://schemas.openxmlformats.org/markup-compatibility/2006">
+    <mc:Choice xmlns:p159="http://schemas.microsoft.com/office/powerpoint/2015/09/main" xmlns:p14="http://schemas.microsoft.com/office/powerpoint/2010/main" Requires="p159">
+      <p:transition p14:dur="2000" advClick="1"/>
+    </mc:Choice>
+    <mc:Fallback>
+      <p:transition advClick="1"/>
+    </mc:Fallback>
+  </mc:AlternateContent>
 </p:sld>
 </file>
 
 <file path=ppt/slides/slide16.xml><?xml version="1.0" encoding="utf-8"?>
-<p:sld xmlns:a="http://schemas.openxmlformats.org/drawingml/2006/main" xmlns:r="http://schemas.openxmlformats.org/officeDocument/2006/relationships" xmlns:p="http://schemas.openxmlformats.org/presentationml/2006/main" showMasterPhAnim="0">
-  <p:cSld>
+<p:sld xmlns:a="http://schemas.openxmlformats.org/drawingml/2006/main" xmlns:r="http://schemas.openxmlformats.org/officeDocument/2006/relationships" xmlns:p="http://schemas.openxmlformats.org/presentationml/2006/main" xmlns:m="http://schemas.openxmlformats.org/officeDocument/2006/math" xmlns:w="http://schemas.openxmlformats.org/wordprocessingml/2006/main" showMasterPhAnim="0" show="1">
+  <p:cSld name="">
     <p:spTree>
       <p:nvGrpSpPr>
         <p:cNvPr id="1" name=""/>
@@ -25097,7 +26223,7 @@
           </a:ln>
         </p:spPr>
         <p:txBody>
-          <a:bodyPr spcFirstLastPara="1" wrap="square" lIns="91424" tIns="45699" rIns="91424" bIns="45699" anchor="ctr" anchorCtr="0">
+          <a:bodyPr spcFirstLastPara="1" wrap="square" lIns="91423" tIns="45699" rIns="91423" bIns="45699" anchor="ctr" anchorCtr="0">
             <a:normAutofit/>
           </a:bodyPr>
           <a:lstStyle/>
@@ -25149,7 +26275,7 @@
           </a:ln>
         </p:spPr>
         <p:txBody>
-          <a:bodyPr spcFirstLastPara="1" vertOverflow="overflow" horzOverflow="overflow" vert="horz" wrap="square" lIns="91424" tIns="45699" rIns="91424" bIns="45699" numCol="1" spcCol="0" rtlCol="0" fromWordArt="0" anchor="t" anchorCtr="0" forceAA="0" compatLnSpc="0">
+          <a:bodyPr spcFirstLastPara="1" vertOverflow="overflow" horzOverflow="overflow" vert="horz" wrap="square" lIns="91423" tIns="45699" rIns="91423" bIns="45699" numCol="1" spcCol="0" rtlCol="0" fromWordArt="0" anchor="t" anchorCtr="0" forceAA="0" compatLnSpc="0">
             <a:normAutofit/>
           </a:bodyPr>
           <a:lstStyle/>
@@ -25188,8 +26314,8 @@
         </p:nvSpPr>
         <p:spPr bwMode="auto">
           <a:xfrm>
-            <a:off x="3265745" y="5431894"/>
-            <a:ext cx="5571559" cy="366079"/>
+            <a:off x="3265744" y="5431893"/>
+            <a:ext cx="5571918" cy="366077"/>
           </a:xfrm>
           <a:prstGeom prst="rect">
             <a:avLst/>
@@ -25200,7 +26326,7 @@
           </a:ln>
         </p:spPr>
         <p:txBody>
-          <a:bodyPr spcFirstLastPara="1" wrap="square" lIns="91424" tIns="45699" rIns="91424" bIns="45699" anchor="t" anchorCtr="0">
+          <a:bodyPr spcFirstLastPara="1" wrap="square" lIns="91423" tIns="45699" rIns="91423" bIns="45699" anchor="t" anchorCtr="0">
             <a:spAutoFit/>
           </a:bodyPr>
           <a:lstStyle/>
@@ -25224,7 +26350,7 @@
                 <a:ea typeface="Arial"/>
                 <a:cs typeface="Arial"/>
               </a:rPr>
-              <a:t>Custom seccomp profile</a:t>
+              <a:t>Custom seccomp profile.</a:t>
             </a:r>
             <a:endParaRPr sz="1800" b="0" i="0" u="none" strike="noStrike" cap="none">
               <a:solidFill>
@@ -25246,7 +26372,7 @@
           <p:nvPr/>
         </p:nvPicPr>
         <p:blipFill>
-          <a:blip r:embed="rId2"/>
+          <a:blip r:embed="rId3"/>
           <a:stretch/>
         </p:blipFill>
         <p:spPr bwMode="auto">
@@ -25264,12 +26390,20 @@
   <p:clrMapOvr>
     <a:masterClrMapping/>
   </p:clrMapOvr>
+  <mc:AlternateContent xmlns:mc="http://schemas.openxmlformats.org/markup-compatibility/2006">
+    <mc:Choice xmlns:p159="http://schemas.microsoft.com/office/powerpoint/2015/09/main" xmlns:p14="http://schemas.microsoft.com/office/powerpoint/2010/main" Requires="p159">
+      <p:transition p14:dur="2000" advClick="1"/>
+    </mc:Choice>
+    <mc:Fallback>
+      <p:transition advClick="1"/>
+    </mc:Fallback>
+  </mc:AlternateContent>
 </p:sld>
 </file>
 
 <file path=ppt/slides/slide17.xml><?xml version="1.0" encoding="utf-8"?>
-<p:sld xmlns:a="http://schemas.openxmlformats.org/drawingml/2006/main" xmlns:r="http://schemas.openxmlformats.org/officeDocument/2006/relationships" xmlns:p="http://schemas.openxmlformats.org/presentationml/2006/main" showMasterPhAnim="0">
-  <p:cSld>
+<p:sld xmlns:a="http://schemas.openxmlformats.org/drawingml/2006/main" xmlns:r="http://schemas.openxmlformats.org/officeDocument/2006/relationships" xmlns:p="http://schemas.openxmlformats.org/presentationml/2006/main" xmlns:m="http://schemas.openxmlformats.org/officeDocument/2006/math" xmlns:w="http://schemas.openxmlformats.org/wordprocessingml/2006/main" showMasterPhAnim="0" show="1">
+  <p:cSld name="">
     <p:spTree>
       <p:nvGrpSpPr>
         <p:cNvPr id="1" name=""/>
@@ -25410,12 +26544,20 @@
   <p:clrMapOvr>
     <a:masterClrMapping/>
   </p:clrMapOvr>
+  <mc:AlternateContent xmlns:mc="http://schemas.openxmlformats.org/markup-compatibility/2006">
+    <mc:Choice xmlns:p159="http://schemas.microsoft.com/office/powerpoint/2015/09/main" xmlns:p14="http://schemas.microsoft.com/office/powerpoint/2010/main" Requires="p159">
+      <p:transition p14:dur="2000" advClick="1"/>
+    </mc:Choice>
+    <mc:Fallback>
+      <p:transition advClick="1"/>
+    </mc:Fallback>
+  </mc:AlternateContent>
 </p:sld>
 </file>
 
 <file path=ppt/slides/slide18.xml><?xml version="1.0" encoding="utf-8"?>
-<p:sld xmlns:a="http://schemas.openxmlformats.org/drawingml/2006/main" xmlns:r="http://schemas.openxmlformats.org/officeDocument/2006/relationships" xmlns:p="http://schemas.openxmlformats.org/presentationml/2006/main" showMasterPhAnim="0">
-  <p:cSld>
+<p:sld xmlns:a="http://schemas.openxmlformats.org/drawingml/2006/main" xmlns:r="http://schemas.openxmlformats.org/officeDocument/2006/relationships" xmlns:p="http://schemas.openxmlformats.org/presentationml/2006/main" xmlns:m="http://schemas.openxmlformats.org/officeDocument/2006/math" xmlns:w="http://schemas.openxmlformats.org/wordprocessingml/2006/main" showMasterPhAnim="0" show="1">
+  <p:cSld name="">
     <p:spTree>
       <p:nvGrpSpPr>
         <p:cNvPr id="1" name=""/>
@@ -25868,10 +27010,9 @@
           <p:nvPr/>
         </p:nvPicPr>
         <p:blipFill>
-          <a:blip r:embed="rId2">
+          <a:blip r:embed="rId3">
             <a:alphaModFix/>
           </a:blip>
-          <a:srcRect/>
           <a:stretch/>
         </p:blipFill>
         <p:spPr bwMode="auto">
@@ -26006,7 +27147,7 @@
                 <a:latin typeface="Arial"/>
                 <a:ea typeface="Arial"/>
                 <a:cs typeface="Arial"/>
-                <a:hlinkClick r:id="rId3" tooltip="https://www.crowdstrike.com/blog/exploiting-cve-2021-3490-for-container-escapes/"/>
+                <a:hlinkClick r:id="rId4" tooltip="https://www.crowdstrike.com/blog/exploiting-cve-2021-3490-for-container-escapes/"/>
               </a:rPr>
               <a:t>www.crowdstrike.com</a:t>
             </a:r>
@@ -26057,12 +27198,20 @@
   <p:clrMapOvr>
     <a:masterClrMapping/>
   </p:clrMapOvr>
+  <mc:AlternateContent xmlns:mc="http://schemas.openxmlformats.org/markup-compatibility/2006">
+    <mc:Choice xmlns:p159="http://schemas.microsoft.com/office/powerpoint/2015/09/main" xmlns:p14="http://schemas.microsoft.com/office/powerpoint/2010/main" Requires="p159">
+      <p:transition p14:dur="2000" advClick="1"/>
+    </mc:Choice>
+    <mc:Fallback>
+      <p:transition advClick="1"/>
+    </mc:Fallback>
+  </mc:AlternateContent>
 </p:sld>
 </file>
 
 <file path=ppt/slides/slide19.xml><?xml version="1.0" encoding="utf-8"?>
-<p:sld xmlns:a="http://schemas.openxmlformats.org/drawingml/2006/main" xmlns:r="http://schemas.openxmlformats.org/officeDocument/2006/relationships" xmlns:p="http://schemas.openxmlformats.org/presentationml/2006/main" showMasterPhAnim="0">
-  <p:cSld>
+<p:sld xmlns:a="http://schemas.openxmlformats.org/drawingml/2006/main" xmlns:r="http://schemas.openxmlformats.org/officeDocument/2006/relationships" xmlns:p="http://schemas.openxmlformats.org/presentationml/2006/main" xmlns:m="http://schemas.openxmlformats.org/officeDocument/2006/math" xmlns:w="http://schemas.openxmlformats.org/wordprocessingml/2006/main" showMasterPhAnim="0" show="1">
+  <p:cSld name="">
     <p:spTree>
       <p:nvGrpSpPr>
         <p:cNvPr id="1" name=""/>
@@ -26217,8 +27366,10 @@
               <a:defRPr/>
             </a:pPr>
             <a:r>
+              <a:rPr/>
               <a:t>Vote for Us</a:t>
             </a:r>
+            <a:endParaRPr/>
           </a:p>
         </p:txBody>
       </p:sp>
@@ -26231,7 +27382,7 @@
           <p:nvPr/>
         </p:nvPicPr>
         <p:blipFill>
-          <a:blip r:embed="rId2"/>
+          <a:blip r:embed="rId3"/>
           <a:stretch/>
         </p:blipFill>
         <p:spPr bwMode="auto">
@@ -26274,7 +27425,7 @@
             </a:pPr>
             <a:r>
               <a:rPr lang="en-GB" u="sng">
-                <a:hlinkClick r:id="rId3" tooltip="https://fbr.io/join/xyucs"/>
+                <a:hlinkClick r:id="rId4" tooltip="https://fbr.io/join/xyucs"/>
               </a:rPr>
               <a:t>https://fbr.io/join/xyucs</a:t>
             </a:r>
@@ -26291,12 +27442,20 @@
   <p:clrMapOvr>
     <a:masterClrMapping/>
   </p:clrMapOvr>
+  <mc:AlternateContent xmlns:mc="http://schemas.openxmlformats.org/markup-compatibility/2006">
+    <mc:Choice xmlns:p159="http://schemas.microsoft.com/office/powerpoint/2015/09/main" xmlns:p14="http://schemas.microsoft.com/office/powerpoint/2010/main" Requires="p159">
+      <p:transition p14:dur="2000" advClick="1"/>
+    </mc:Choice>
+    <mc:Fallback>
+      <p:transition advClick="1"/>
+    </mc:Fallback>
+  </mc:AlternateContent>
 </p:sld>
 </file>
 
 <file path=ppt/slides/slide2.xml><?xml version="1.0" encoding="utf-8"?>
-<p:sld xmlns:a="http://schemas.openxmlformats.org/drawingml/2006/main" xmlns:r="http://schemas.openxmlformats.org/officeDocument/2006/relationships" xmlns:p="http://schemas.openxmlformats.org/presentationml/2006/main" showMasterPhAnim="0">
-  <p:cSld>
+<p:sld xmlns:a="http://schemas.openxmlformats.org/drawingml/2006/main" xmlns:r="http://schemas.openxmlformats.org/officeDocument/2006/relationships" xmlns:p="http://schemas.openxmlformats.org/presentationml/2006/main" xmlns:m="http://schemas.openxmlformats.org/officeDocument/2006/math" xmlns:w="http://schemas.openxmlformats.org/wordprocessingml/2006/main" showMasterPhAnim="0" show="1">
+  <p:cSld name="">
     <p:spTree>
       <p:nvGrpSpPr>
         <p:cNvPr id="1" name=""/>
@@ -26498,12 +27657,20 @@
   <p:clrMapOvr>
     <a:masterClrMapping/>
   </p:clrMapOvr>
+  <mc:AlternateContent xmlns:mc="http://schemas.openxmlformats.org/markup-compatibility/2006">
+    <mc:Choice xmlns:p159="http://schemas.microsoft.com/office/powerpoint/2015/09/main" xmlns:p14="http://schemas.microsoft.com/office/powerpoint/2010/main" Requires="p159">
+      <p:transition p14:dur="2000" advClick="1"/>
+    </mc:Choice>
+    <mc:Fallback>
+      <p:transition advClick="1"/>
+    </mc:Fallback>
+  </mc:AlternateContent>
 </p:sld>
 </file>
 
 <file path=ppt/slides/slide3.xml><?xml version="1.0" encoding="utf-8"?>
-<p:sld xmlns:a="http://schemas.openxmlformats.org/drawingml/2006/main" xmlns:r="http://schemas.openxmlformats.org/officeDocument/2006/relationships" xmlns:p="http://schemas.openxmlformats.org/presentationml/2006/main" showMasterPhAnim="0">
-  <p:cSld>
+<p:sld xmlns:a="http://schemas.openxmlformats.org/drawingml/2006/main" xmlns:r="http://schemas.openxmlformats.org/officeDocument/2006/relationships" xmlns:p="http://schemas.openxmlformats.org/presentationml/2006/main" xmlns:m="http://schemas.openxmlformats.org/officeDocument/2006/math" xmlns:w="http://schemas.openxmlformats.org/wordprocessingml/2006/main" showMasterPhAnim="0" show="1">
+  <p:cSld name="">
     <p:spTree>
       <p:nvGrpSpPr>
         <p:cNvPr id="1" name=""/>
@@ -26644,12 +27811,20 @@
   <p:clrMapOvr>
     <a:masterClrMapping/>
   </p:clrMapOvr>
+  <mc:AlternateContent xmlns:mc="http://schemas.openxmlformats.org/markup-compatibility/2006">
+    <mc:Choice xmlns:p159="http://schemas.microsoft.com/office/powerpoint/2015/09/main" xmlns:p14="http://schemas.microsoft.com/office/powerpoint/2010/main" Requires="p159">
+      <p:transition p14:dur="2000" advClick="1"/>
+    </mc:Choice>
+    <mc:Fallback>
+      <p:transition advClick="1"/>
+    </mc:Fallback>
+  </mc:AlternateContent>
 </p:sld>
 </file>
 
 <file path=ppt/slides/slide4.xml><?xml version="1.0" encoding="utf-8"?>
-<p:sld xmlns:a="http://schemas.openxmlformats.org/drawingml/2006/main" xmlns:r="http://schemas.openxmlformats.org/officeDocument/2006/relationships" xmlns:p="http://schemas.openxmlformats.org/presentationml/2006/main" showMasterPhAnim="0">
-  <p:cSld>
+<p:sld xmlns:a="http://schemas.openxmlformats.org/drawingml/2006/main" xmlns:r="http://schemas.openxmlformats.org/officeDocument/2006/relationships" xmlns:p="http://schemas.openxmlformats.org/presentationml/2006/main" xmlns:m="http://schemas.openxmlformats.org/officeDocument/2006/math" xmlns:w="http://schemas.openxmlformats.org/wordprocessingml/2006/main" showMasterPhAnim="0" show="1">
+  <p:cSld name="">
     <p:spTree>
       <p:nvGrpSpPr>
         <p:cNvPr id="1" name=""/>
@@ -26973,10 +28148,9 @@
           <p:nvPr/>
         </p:nvPicPr>
         <p:blipFill>
-          <a:blip r:embed="rId2">
+          <a:blip r:embed="rId3">
             <a:alphaModFix/>
           </a:blip>
-          <a:srcRect/>
           <a:stretch/>
         </p:blipFill>
         <p:spPr bwMode="auto">
@@ -27111,7 +28285,7 @@
                 <a:latin typeface="Arial"/>
                 <a:ea typeface="Arial"/>
                 <a:cs typeface="Arial"/>
-                <a:hlinkClick r:id="rId3" tooltip="https://blog.aquasec.com/container-isolation-techniques"/>
+                <a:hlinkClick r:id="rId4" tooltip="https://blog.aquasec.com/container-isolation-techniques"/>
               </a:rPr>
               <a:t>blog.aquasec.com</a:t>
             </a:r>
@@ -27162,12 +28336,20 @@
   <p:clrMapOvr>
     <a:masterClrMapping/>
   </p:clrMapOvr>
+  <mc:AlternateContent xmlns:mc="http://schemas.openxmlformats.org/markup-compatibility/2006">
+    <mc:Choice xmlns:p159="http://schemas.microsoft.com/office/powerpoint/2015/09/main" xmlns:p14="http://schemas.microsoft.com/office/powerpoint/2010/main" Requires="p159">
+      <p:transition p14:dur="2000" advClick="1"/>
+    </mc:Choice>
+    <mc:Fallback>
+      <p:transition advClick="1"/>
+    </mc:Fallback>
+  </mc:AlternateContent>
 </p:sld>
 </file>
 
 <file path=ppt/slides/slide5.xml><?xml version="1.0" encoding="utf-8"?>
-<p:sld xmlns:a="http://schemas.openxmlformats.org/drawingml/2006/main" xmlns:r="http://schemas.openxmlformats.org/officeDocument/2006/relationships" xmlns:p="http://schemas.openxmlformats.org/presentationml/2006/main" showMasterPhAnim="0">
-  <p:cSld>
+<p:sld xmlns:a="http://schemas.openxmlformats.org/drawingml/2006/main" xmlns:r="http://schemas.openxmlformats.org/officeDocument/2006/relationships" xmlns:p="http://schemas.openxmlformats.org/presentationml/2006/main" xmlns:m="http://schemas.openxmlformats.org/officeDocument/2006/math" xmlns:w="http://schemas.openxmlformats.org/wordprocessingml/2006/main" showMasterPhAnim="0" show="1">
+  <p:cSld name="">
     <p:spTree>
       <p:nvGrpSpPr>
         <p:cNvPr id="1" name=""/>
@@ -27500,10 +28682,9 @@
           <p:nvPr/>
         </p:nvPicPr>
         <p:blipFill>
-          <a:blip r:embed="rId2">
+          <a:blip r:embed="rId3">
             <a:alphaModFix/>
           </a:blip>
-          <a:srcRect/>
           <a:stretch/>
         </p:blipFill>
         <p:spPr bwMode="auto">
@@ -27638,7 +28819,7 @@
                 <a:latin typeface="Arial"/>
                 <a:ea typeface="Arial"/>
                 <a:cs typeface="Arial"/>
-                <a:hlinkClick r:id="rId3" tooltip="https://blog.aquasec.com/container-isolation-techniques"/>
+                <a:hlinkClick r:id="rId4" tooltip="https://blog.aquasec.com/container-isolation-techniques"/>
               </a:rPr>
               <a:t>blog.aquasec.com</a:t>
             </a:r>
@@ -27689,12 +28870,20 @@
   <p:clrMapOvr>
     <a:masterClrMapping/>
   </p:clrMapOvr>
+  <mc:AlternateContent xmlns:mc="http://schemas.openxmlformats.org/markup-compatibility/2006">
+    <mc:Choice xmlns:p159="http://schemas.microsoft.com/office/powerpoint/2015/09/main" xmlns:p14="http://schemas.microsoft.com/office/powerpoint/2010/main" Requires="p159">
+      <p:transition p14:dur="2000" advClick="1"/>
+    </mc:Choice>
+    <mc:Fallback>
+      <p:transition advClick="1"/>
+    </mc:Fallback>
+  </mc:AlternateContent>
 </p:sld>
 </file>
 
 <file path=ppt/slides/slide6.xml><?xml version="1.0" encoding="utf-8"?>
-<p:sld xmlns:a="http://schemas.openxmlformats.org/drawingml/2006/main" xmlns:r="http://schemas.openxmlformats.org/officeDocument/2006/relationships" xmlns:p="http://schemas.openxmlformats.org/presentationml/2006/main" showMasterPhAnim="0">
-  <p:cSld>
+<p:sld xmlns:a="http://schemas.openxmlformats.org/drawingml/2006/main" xmlns:r="http://schemas.openxmlformats.org/officeDocument/2006/relationships" xmlns:p="http://schemas.openxmlformats.org/presentationml/2006/main" xmlns:m="http://schemas.openxmlformats.org/officeDocument/2006/math" xmlns:w="http://schemas.openxmlformats.org/wordprocessingml/2006/main" showMasterPhAnim="0" show="1">
+  <p:cSld name="">
     <p:spTree>
       <p:nvGrpSpPr>
         <p:cNvPr id="1" name=""/>
@@ -28030,10 +29219,9 @@
           <p:nvPr/>
         </p:nvPicPr>
         <p:blipFill>
-          <a:blip r:embed="rId2">
+          <a:blip r:embed="rId3">
             <a:alphaModFix/>
           </a:blip>
-          <a:srcRect/>
           <a:stretch/>
         </p:blipFill>
         <p:spPr bwMode="auto">
@@ -28168,7 +29356,7 @@
                 <a:latin typeface="Arial"/>
                 <a:ea typeface="Arial"/>
                 <a:cs typeface="Arial"/>
-                <a:hlinkClick r:id="rId3" tooltip="https://blog.aquasec.com/container-isolation-techniques"/>
+                <a:hlinkClick r:id="rId4" tooltip="https://blog.aquasec.com/container-isolation-techniques"/>
               </a:rPr>
               <a:t>blog.aquasec.com</a:t>
             </a:r>
@@ -28219,12 +29407,20 @@
   <p:clrMapOvr>
     <a:masterClrMapping/>
   </p:clrMapOvr>
+  <mc:AlternateContent xmlns:mc="http://schemas.openxmlformats.org/markup-compatibility/2006">
+    <mc:Choice xmlns:p159="http://schemas.microsoft.com/office/powerpoint/2015/09/main" xmlns:p14="http://schemas.microsoft.com/office/powerpoint/2010/main" Requires="p159">
+      <p:transition p14:dur="2000" advClick="1"/>
+    </mc:Choice>
+    <mc:Fallback>
+      <p:transition advClick="1"/>
+    </mc:Fallback>
+  </mc:AlternateContent>
 </p:sld>
 </file>
 
 <file path=ppt/slides/slide7.xml><?xml version="1.0" encoding="utf-8"?>
-<p:sld xmlns:a="http://schemas.openxmlformats.org/drawingml/2006/main" xmlns:r="http://schemas.openxmlformats.org/officeDocument/2006/relationships" xmlns:p="http://schemas.openxmlformats.org/presentationml/2006/main" showMasterPhAnim="0">
-  <p:cSld>
+<p:sld xmlns:a="http://schemas.openxmlformats.org/drawingml/2006/main" xmlns:r="http://schemas.openxmlformats.org/officeDocument/2006/relationships" xmlns:p="http://schemas.openxmlformats.org/presentationml/2006/main" xmlns:m="http://schemas.openxmlformats.org/officeDocument/2006/math" xmlns:w="http://schemas.openxmlformats.org/wordprocessingml/2006/main" showMasterPhAnim="0" show="1">
+  <p:cSld name="">
     <p:spTree>
       <p:nvGrpSpPr>
         <p:cNvPr id="1" name=""/>
@@ -28376,12 +29572,20 @@
   <p:clrMapOvr>
     <a:masterClrMapping/>
   </p:clrMapOvr>
+  <mc:AlternateContent xmlns:mc="http://schemas.openxmlformats.org/markup-compatibility/2006">
+    <mc:Choice xmlns:p159="http://schemas.microsoft.com/office/powerpoint/2015/09/main" xmlns:p14="http://schemas.microsoft.com/office/powerpoint/2010/main" Requires="p159">
+      <p:transition p14:dur="2000" advClick="1"/>
+    </mc:Choice>
+    <mc:Fallback>
+      <p:transition advClick="1"/>
+    </mc:Fallback>
+  </mc:AlternateContent>
 </p:sld>
 </file>
 
 <file path=ppt/slides/slide8.xml><?xml version="1.0" encoding="utf-8"?>
-<p:sld xmlns:a="http://schemas.openxmlformats.org/drawingml/2006/main" xmlns:r="http://schemas.openxmlformats.org/officeDocument/2006/relationships" xmlns:p="http://schemas.openxmlformats.org/presentationml/2006/main" showMasterPhAnim="0">
-  <p:cSld>
+<p:sld xmlns:a="http://schemas.openxmlformats.org/drawingml/2006/main" xmlns:r="http://schemas.openxmlformats.org/officeDocument/2006/relationships" xmlns:p="http://schemas.openxmlformats.org/presentationml/2006/main" xmlns:m="http://schemas.openxmlformats.org/officeDocument/2006/math" xmlns:w="http://schemas.openxmlformats.org/wordprocessingml/2006/main" showMasterPhAnim="0" show="1">
+  <p:cSld name="">
     <p:spTree>
       <p:nvGrpSpPr>
         <p:cNvPr id="1" name=""/>
@@ -28417,8 +29621,10 @@
               <a:defRPr/>
             </a:pPr>
             <a:r>
+              <a:rPr/>
               <a:t>Namespaces</a:t>
             </a:r>
+            <a:endParaRPr/>
           </a:p>
         </p:txBody>
       </p:sp>
@@ -28451,7 +29657,7 @@
               <a:defRPr/>
             </a:pPr>
             <a:r>
-              <a:rPr dirty="0">
+              <a:rPr>
                 <a:latin typeface="Arial"/>
                 <a:ea typeface="Arial"/>
                 <a:cs typeface="Arial"/>
@@ -28459,7 +29665,7 @@
               <a:t>Isolate</a:t>
             </a:r>
             <a:r>
-              <a:rPr lang="de-DE" dirty="0">
+              <a:rPr lang="de-DE">
                 <a:latin typeface="Arial"/>
                 <a:ea typeface="Arial"/>
                 <a:cs typeface="Arial"/>
@@ -28467,14 +29673,14 @@
               <a:t> different system-</a:t>
             </a:r>
             <a:r>
-              <a:rPr dirty="0">
+              <a:rPr>
                 <a:latin typeface="Arial"/>
                 <a:ea typeface="Arial"/>
                 <a:cs typeface="Arial"/>
               </a:rPr>
               <a:t>resources</a:t>
             </a:r>
-            <a:endParaRPr dirty="0">
+            <a:endParaRPr>
               <a:latin typeface="Arial"/>
               <a:cs typeface="Arial"/>
             </a:endParaRPr>
@@ -28487,7 +29693,7 @@
               <a:defRPr/>
             </a:pPr>
             <a:r>
-              <a:rPr lang="de-DE" dirty="0">
+              <a:rPr lang="de-DE">
                 <a:latin typeface="Arial"/>
                 <a:ea typeface="Arial"/>
                 <a:cs typeface="Arial"/>
@@ -28495,7 +29701,7 @@
               <a:t>In total 8 </a:t>
             </a:r>
             <a:r>
-              <a:rPr lang="de-DE" dirty="0" err="1">
+              <a:rPr lang="de-DE">
                 <a:latin typeface="Arial"/>
                 <a:ea typeface="Arial"/>
                 <a:cs typeface="Arial"/>
@@ -28503,14 +29709,14 @@
               <a:t>namespaces</a:t>
             </a:r>
             <a:r>
-              <a:rPr lang="de-DE" dirty="0">
+              <a:rPr lang="de-DE">
                 <a:latin typeface="Arial"/>
                 <a:ea typeface="Arial"/>
                 <a:cs typeface="Arial"/>
               </a:rPr>
               <a:t>:</a:t>
             </a:r>
-            <a:endParaRPr dirty="0">
+            <a:endParaRPr>
               <a:latin typeface="Arial"/>
               <a:ea typeface="Arial"/>
               <a:cs typeface="Arial"/>
@@ -28524,7 +29730,7 @@
               <a:defRPr/>
             </a:pPr>
             <a:r>
-              <a:rPr sz="2400" b="0" i="0" u="none" dirty="0">
+              <a:rPr sz="2400" b="0" i="0" u="none">
                 <a:solidFill>
                   <a:srgbClr val="000000"/>
                 </a:solidFill>
@@ -28535,7 +29741,7 @@
               <a:t>Mount (</a:t>
             </a:r>
             <a:r>
-              <a:rPr sz="2400" b="0" i="0" u="none" dirty="0" err="1">
+              <a:rPr sz="2400" b="0" i="0" u="none">
                 <a:solidFill>
                   <a:srgbClr val="000000"/>
                 </a:solidFill>
@@ -28546,7 +29752,7 @@
               <a:t>mnt</a:t>
             </a:r>
             <a:r>
-              <a:rPr sz="2400" b="0" i="0" u="none" dirty="0">
+              <a:rPr sz="2400" b="0" i="0" u="none">
                 <a:solidFill>
                   <a:srgbClr val="000000"/>
                 </a:solidFill>
@@ -28556,7 +29762,7 @@
               </a:rPr>
               <a:t>)</a:t>
             </a:r>
-            <a:endParaRPr sz="2400" b="0" i="0" u="none" dirty="0">
+            <a:endParaRPr sz="2400" b="0" i="0" u="none">
               <a:solidFill>
                 <a:srgbClr val="000000"/>
               </a:solidFill>
@@ -28572,7 +29778,7 @@
               <a:defRPr/>
             </a:pPr>
             <a:r>
-              <a:rPr sz="2400" b="0" i="0" u="none" dirty="0">
+              <a:rPr sz="2400" b="0" i="0" u="none">
                 <a:solidFill>
                   <a:srgbClr val="000000"/>
                 </a:solidFill>
@@ -28583,7 +29789,7 @@
               <a:t>PID (</a:t>
             </a:r>
             <a:r>
-              <a:rPr sz="2400" b="0" i="0" u="none" dirty="0" err="1">
+              <a:rPr sz="2400" b="0" i="0" u="none">
                 <a:solidFill>
                   <a:srgbClr val="000000"/>
                 </a:solidFill>
@@ -28594,7 +29800,7 @@
               <a:t>pid</a:t>
             </a:r>
             <a:r>
-              <a:rPr sz="2400" b="0" i="0" u="none" dirty="0">
+              <a:rPr sz="2400" b="0" i="0" u="none">
                 <a:solidFill>
                   <a:srgbClr val="000000"/>
                 </a:solidFill>
@@ -28604,7 +29810,7 @@
               </a:rPr>
               <a:t>)</a:t>
             </a:r>
-            <a:endParaRPr sz="2400" b="0" i="0" u="none" dirty="0">
+            <a:endParaRPr sz="2400" b="0" i="0" u="none">
               <a:solidFill>
                 <a:srgbClr val="000000"/>
               </a:solidFill>
@@ -28620,7 +29826,7 @@
               <a:defRPr/>
             </a:pPr>
             <a:r>
-              <a:rPr sz="2400" b="0" i="0" u="none" dirty="0">
+              <a:rPr sz="2400" b="0" i="0" u="none">
                 <a:solidFill>
                   <a:srgbClr val="000000"/>
                 </a:solidFill>
@@ -28630,7 +29836,7 @@
               </a:rPr>
               <a:t>Network (net)</a:t>
             </a:r>
-            <a:endParaRPr lang="de-DE" sz="2400" b="0" i="0" u="none" dirty="0">
+            <a:endParaRPr lang="de-DE" sz="2400" b="0" i="0" u="none">
               <a:solidFill>
                 <a:srgbClr val="000000"/>
               </a:solidFill>
@@ -28647,7 +29853,7 @@
               <a:defRPr/>
             </a:pPr>
             <a:r>
-              <a:rPr lang="de-DE" dirty="0">
+              <a:rPr lang="de-DE">
                 <a:solidFill>
                   <a:srgbClr val="000000"/>
                 </a:solidFill>
@@ -28657,7 +29863,7 @@
               <a:t>IPC (</a:t>
             </a:r>
             <a:r>
-              <a:rPr lang="de-DE" dirty="0" err="1">
+              <a:rPr lang="de-DE">
                 <a:solidFill>
                   <a:srgbClr val="000000"/>
                 </a:solidFill>
@@ -28667,7 +29873,7 @@
               <a:t>ipc</a:t>
             </a:r>
             <a:r>
-              <a:rPr lang="de-DE" dirty="0">
+              <a:rPr lang="de-DE">
                 <a:solidFill>
                   <a:srgbClr val="000000"/>
                 </a:solidFill>
@@ -28676,6 +29882,7 @@
               </a:rPr>
               <a:t>)</a:t>
             </a:r>
+            <a:endParaRPr/>
           </a:p>
           <a:p>
             <a:pPr lvl="2">
@@ -28685,7 +29892,7 @@
               <a:defRPr/>
             </a:pPr>
             <a:r>
-              <a:rPr lang="de-DE" sz="2400" b="0" i="0" u="none" dirty="0">
+              <a:rPr lang="de-DE" sz="2400" b="0" i="0" u="none">
                 <a:solidFill>
                   <a:srgbClr val="000000"/>
                 </a:solidFill>
@@ -28695,7 +29902,7 @@
               <a:t>UTS (</a:t>
             </a:r>
             <a:r>
-              <a:rPr lang="de-DE" sz="2400" b="0" i="0" u="none" dirty="0" err="1">
+              <a:rPr lang="de-DE" sz="2400" b="0" i="0" u="none">
                 <a:solidFill>
                   <a:srgbClr val="000000"/>
                 </a:solidFill>
@@ -28705,7 +29912,7 @@
               <a:t>uts</a:t>
             </a:r>
             <a:r>
-              <a:rPr lang="de-DE" sz="2400" b="0" i="0" u="none" dirty="0">
+              <a:rPr lang="de-DE" sz="2400" b="0" i="0" u="none">
                 <a:solidFill>
                   <a:srgbClr val="000000"/>
                 </a:solidFill>
@@ -28714,6 +29921,7 @@
               </a:rPr>
               <a:t>)</a:t>
             </a:r>
+            <a:endParaRPr/>
           </a:p>
           <a:p>
             <a:pPr lvl="2">
@@ -28723,7 +29931,7 @@
               <a:defRPr/>
             </a:pPr>
             <a:r>
-              <a:rPr lang="de-DE" sz="2400" b="0" i="0" u="none" dirty="0" err="1">
+              <a:rPr lang="de-DE" sz="2400" b="0" i="0" u="none">
                 <a:solidFill>
                   <a:srgbClr val="000000"/>
                 </a:solidFill>
@@ -28733,7 +29941,7 @@
               <a:t>Cgroups</a:t>
             </a:r>
             <a:r>
-              <a:rPr lang="de-DE" sz="2400" b="0" i="0" u="none" dirty="0">
+              <a:rPr lang="de-DE" sz="2400" b="0" i="0" u="none">
                 <a:solidFill>
                   <a:srgbClr val="000000"/>
                 </a:solidFill>
@@ -28743,7 +29951,7 @@
               <a:t> (</a:t>
             </a:r>
             <a:r>
-              <a:rPr lang="de-DE" sz="2400" b="0" i="0" u="none" dirty="0" err="1">
+              <a:rPr lang="de-DE" sz="2400" b="0" i="0" u="none">
                 <a:solidFill>
                   <a:srgbClr val="000000"/>
                 </a:solidFill>
@@ -28753,7 +29961,7 @@
               <a:t>cgroup</a:t>
             </a:r>
             <a:r>
-              <a:rPr lang="de-DE" dirty="0">
+              <a:rPr lang="de-DE">
                 <a:solidFill>
                   <a:srgbClr val="000000"/>
                 </a:solidFill>
@@ -28762,7 +29970,7 @@
               </a:rPr>
               <a:t>)</a:t>
             </a:r>
-            <a:endParaRPr sz="2400" b="0" i="0" u="none" dirty="0">
+            <a:endParaRPr sz="2400" b="0" i="0" u="none">
               <a:solidFill>
                 <a:srgbClr val="000000"/>
               </a:solidFill>
@@ -28778,7 +29986,7 @@
               <a:defRPr/>
             </a:pPr>
             <a:r>
-              <a:rPr sz="2400" b="0" i="0" u="none" dirty="0">
+              <a:rPr sz="2400" b="0" i="0" u="none">
                 <a:solidFill>
                   <a:srgbClr val="000000"/>
                 </a:solidFill>
@@ -28788,7 +29996,7 @@
               </a:rPr>
               <a:t>User (user)</a:t>
             </a:r>
-            <a:endParaRPr lang="de-DE" sz="2400" b="0" i="0" u="none" dirty="0">
+            <a:endParaRPr lang="de-DE" sz="2400" b="0" i="0" u="none">
               <a:solidFill>
                 <a:srgbClr val="000000"/>
               </a:solidFill>
@@ -28805,7 +30013,7 @@
               <a:defRPr/>
             </a:pPr>
             <a:r>
-              <a:rPr lang="de-DE" dirty="0">
+              <a:rPr lang="de-DE">
                 <a:solidFill>
                   <a:srgbClr val="000000"/>
                 </a:solidFill>
@@ -28815,7 +30023,7 @@
               </a:rPr>
               <a:t>Time (time)</a:t>
             </a:r>
-            <a:endParaRPr sz="2400" b="0" i="0" u="none" dirty="0">
+            <a:endParaRPr sz="2400" b="0" i="0" u="none">
               <a:solidFill>
                 <a:srgbClr val="000000"/>
               </a:solidFill>
@@ -28834,8 +30042,8 @@
         </p:nvSpPr>
         <p:spPr bwMode="auto">
           <a:xfrm>
-            <a:off x="6289730" y="5302249"/>
-            <a:ext cx="5131543" cy="932948"/>
+            <a:off x="6289729" y="5302248"/>
+            <a:ext cx="5131902" cy="1173839"/>
           </a:xfrm>
           <a:prstGeom prst="rect">
             <a:avLst/>
@@ -28853,7 +30061,7 @@
             <a:pPr algn="ctr">
               <a:defRPr/>
             </a:pPr>
-            <a:endParaRPr lang="de-DE" dirty="0">
+            <a:endParaRPr lang="de-DE">
               <a:latin typeface="Arial"/>
               <a:ea typeface="Arial"/>
               <a:cs typeface="Arial"/>
@@ -28864,14 +30072,14 @@
               <a:defRPr/>
             </a:pPr>
             <a:br>
-              <a:rPr dirty="0">
+              <a:rPr>
                 <a:latin typeface="Arial"/>
                 <a:ea typeface="Arial"/>
                 <a:cs typeface="Arial"/>
               </a:rPr>
             </a:br>
             <a:r>
-              <a:rPr lang="en-US" sz="1800" b="0" i="0" u="none" strike="noStrike" cap="none" spc="0" dirty="0">
+              <a:rPr lang="en-US" sz="1800" b="0" i="0" u="none" strike="noStrike" cap="none" spc="0">
                 <a:solidFill>
                   <a:schemeClr val="tx1"/>
                 </a:solidFill>
@@ -28882,20 +30090,28 @@
               <a:t>Isolation Layers</a:t>
             </a:r>
             <a:r>
-              <a:rPr dirty="0">
+              <a:rPr>
                 <a:latin typeface="Arial"/>
                 <a:ea typeface="Arial"/>
                 <a:cs typeface="Arial"/>
               </a:rPr>
               <a:t>.</a:t>
             </a:r>
+            <a:br>
+              <a:rPr>
+                <a:latin typeface="Arial"/>
+                <a:ea typeface="Arial"/>
+                <a:cs typeface="Arial"/>
+              </a:rPr>
+            </a:br>
+            <a:endParaRPr/>
           </a:p>
           <a:p>
             <a:pPr algn="ctr">
               <a:defRPr/>
             </a:pPr>
             <a:r>
-              <a:rPr sz="1100" dirty="0">
+              <a:rPr sz="1100">
                 <a:latin typeface="Arial"/>
                 <a:ea typeface="Arial"/>
                 <a:cs typeface="Arial"/>
@@ -28903,7 +30119,7 @@
               <a:t>Image taken from </a:t>
             </a:r>
             <a:r>
-              <a:rPr lang="de-IT" sz="1100" dirty="0">
+              <a:rPr sz="1100">
                 <a:latin typeface="Arial"/>
                 <a:ea typeface="Arial"/>
                 <a:cs typeface="Arial"/>
@@ -28911,7 +30127,7 @@
               <a:t>[</a:t>
             </a:r>
             <a:r>
-              <a:rPr lang="de-DE" sz="1100" u="sng" dirty="0" err="1">
+              <a:rPr lang="de-DE" sz="1100" u="sng">
                 <a:solidFill>
                   <a:schemeClr val="hlink"/>
                 </a:solidFill>
@@ -28919,7 +30135,7 @@
               <a:t>www</a:t>
             </a:r>
             <a:r>
-              <a:rPr lang="de-IT" sz="1100" u="sng" dirty="0">
+              <a:rPr sz="1100" u="sng">
                 <a:solidFill>
                   <a:schemeClr val="hlink"/>
                 </a:solidFill>
@@ -28927,7 +30143,7 @@
               <a:t>.</a:t>
             </a:r>
             <a:r>
-              <a:rPr lang="de-DE" sz="1100" u="sng" dirty="0">
+              <a:rPr lang="de-DE" sz="1100" u="sng">
                 <a:solidFill>
                   <a:schemeClr val="hlink"/>
                 </a:solidFill>
@@ -28935,40 +30151,28 @@
               <a:t>securitylabs.datadoghq.com</a:t>
             </a:r>
             <a:r>
-              <a:rPr sz="1100" dirty="0">
+              <a:rPr sz="1100">
                 <a:latin typeface="Arial"/>
                 <a:ea typeface="Arial"/>
                 <a:cs typeface="Arial"/>
               </a:rPr>
               <a:t>]</a:t>
             </a:r>
-            <a:endParaRPr sz="1100" dirty="0"/>
+            <a:endParaRPr sz="1100"/>
           </a:p>
         </p:txBody>
       </p:sp>
       <p:pic>
         <p:nvPicPr>
-          <p:cNvPr id="1026" name="Picture 2">
-            <a:extLst>
-              <a:ext uri="{FF2B5EF4-FFF2-40B4-BE49-F238E27FC236}">
-                <a16:creationId xmlns:a16="http://schemas.microsoft.com/office/drawing/2014/main" id="{6378E903-D98B-6ECD-26D3-49545DF16DAC}"/>
-              </a:ext>
-            </a:extLst>
-          </p:cNvPr>
+          <p:cNvPr id="1026" name="Picture 2"/>
           <p:cNvPicPr>
             <a:picLocks noChangeAspect="1" noChangeArrowheads="1"/>
           </p:cNvPicPr>
           <p:nvPr/>
         </p:nvPicPr>
-        <p:blipFill rotWithShape="1">
-          <a:blip r:embed="rId3">
-            <a:extLst>
-              <a:ext uri="{28A0092B-C50C-407E-A947-70E740481C1C}">
-                <a14:useLocalDpi xmlns:a14="http://schemas.microsoft.com/office/drawing/2010/main" val="0"/>
-              </a:ext>
-            </a:extLst>
-          </a:blip>
-          <a:srcRect l="22197" r="20709"/>
+        <p:blipFill>
+          <a:blip r:embed="rId3"/>
+          <a:srcRect l="22197" t="0" r="20709" b="0"/>
           <a:stretch/>
         </p:blipFill>
         <p:spPr bwMode="auto">
@@ -28980,15 +30184,6 @@
             <a:avLst/>
           </a:prstGeom>
           <a:noFill/>
-          <a:extLst>
-            <a:ext uri="{909E8E84-426E-40DD-AFC4-6F175D3DCCD1}">
-              <a14:hiddenFill xmlns:a14="http://schemas.microsoft.com/office/drawing/2010/main">
-                <a:solidFill>
-                  <a:srgbClr val="FFFFFF"/>
-                </a:solidFill>
-              </a14:hiddenFill>
-            </a:ext>
-          </a:extLst>
         </p:spPr>
       </p:pic>
     </p:spTree>
@@ -28996,12 +30191,20 @@
   <p:clrMapOvr>
     <a:masterClrMapping/>
   </p:clrMapOvr>
+  <mc:AlternateContent xmlns:mc="http://schemas.openxmlformats.org/markup-compatibility/2006">
+    <mc:Choice xmlns:p159="http://schemas.microsoft.com/office/powerpoint/2015/09/main" xmlns:p14="http://schemas.microsoft.com/office/powerpoint/2010/main" Requires="p159">
+      <p:transition p14:dur="2000" advClick="1"/>
+    </mc:Choice>
+    <mc:Fallback>
+      <p:transition advClick="1"/>
+    </mc:Fallback>
+  </mc:AlternateContent>
 </p:sld>
 </file>
 
 <file path=ppt/slides/slide9.xml><?xml version="1.0" encoding="utf-8"?>
-<p:sld xmlns:a="http://schemas.openxmlformats.org/drawingml/2006/main" xmlns:r="http://schemas.openxmlformats.org/officeDocument/2006/relationships" xmlns:p="http://schemas.openxmlformats.org/presentationml/2006/main" showMasterPhAnim="0">
-  <p:cSld>
+<p:sld xmlns:a="http://schemas.openxmlformats.org/drawingml/2006/main" xmlns:r="http://schemas.openxmlformats.org/officeDocument/2006/relationships" xmlns:p="http://schemas.openxmlformats.org/presentationml/2006/main" xmlns:m="http://schemas.openxmlformats.org/officeDocument/2006/math" xmlns:w="http://schemas.openxmlformats.org/wordprocessingml/2006/main" showMasterPhAnim="0" show="1">
+  <p:cSld name="">
     <p:spTree>
       <p:nvGrpSpPr>
         <p:cNvPr id="1" name=""/>
@@ -29037,17 +30240,18 @@
               <a:defRPr/>
             </a:pPr>
             <a:r>
-              <a:rPr lang="de-DE" dirty="0" err="1"/>
+              <a:rPr lang="de-DE"/>
               <a:t>Important</a:t>
             </a:r>
             <a:r>
-              <a:rPr lang="de-DE" dirty="0"/>
+              <a:rPr lang="de-DE"/>
               <a:t> </a:t>
             </a:r>
             <a:r>
-              <a:rPr dirty="0"/>
+              <a:rPr/>
               <a:t>Namespaces</a:t>
             </a:r>
+            <a:endParaRPr/>
           </a:p>
         </p:txBody>
       </p:sp>
@@ -29080,7 +30284,7 @@
               <a:defRPr/>
             </a:pPr>
             <a:r>
-              <a:rPr lang="de-DE" sz="2800" b="0" i="0" u="none" dirty="0">
+              <a:rPr lang="de-DE" sz="2800" b="0" i="0" u="none">
                 <a:solidFill>
                   <a:srgbClr val="000000"/>
                 </a:solidFill>
@@ -29091,7 +30295,7 @@
               <a:t>Mount </a:t>
             </a:r>
             <a:r>
-              <a:rPr lang="de-DE" sz="2800" b="0" i="0" u="none" dirty="0" err="1">
+              <a:rPr lang="de-DE" sz="2800" b="0" i="0" u="none">
                 <a:solidFill>
                   <a:srgbClr val="000000"/>
                 </a:solidFill>
@@ -29102,7 +30306,7 @@
               <a:t>namespace</a:t>
             </a:r>
             <a:r>
-              <a:rPr lang="de-DE" sz="2800" b="0" i="0" u="none" dirty="0">
+              <a:rPr lang="de-DE" sz="2800" b="0" i="0" u="none">
                 <a:solidFill>
                   <a:srgbClr val="000000"/>
                 </a:solidFill>
@@ -29112,6 +30316,7 @@
               </a:rPr>
               <a:t>:</a:t>
             </a:r>
+            <a:endParaRPr/>
           </a:p>
           <a:p>
             <a:pPr lvl="1">
@@ -29121,7 +30326,7 @@
               <a:defRPr/>
             </a:pPr>
             <a:r>
-              <a:rPr lang="de-DE" sz="2400" dirty="0" err="1">
+              <a:rPr lang="de-DE" sz="2400">
                 <a:solidFill>
                   <a:srgbClr val="000000"/>
                 </a:solidFill>
@@ -29132,7 +30337,7 @@
               <a:t>Provides</a:t>
             </a:r>
             <a:r>
-              <a:rPr lang="de-DE" sz="2400" dirty="0">
+              <a:rPr lang="de-DE" sz="2400">
                 <a:solidFill>
                   <a:srgbClr val="000000"/>
                 </a:solidFill>
@@ -29143,7 +30348,7 @@
               <a:t> </a:t>
             </a:r>
             <a:r>
-              <a:rPr lang="de-DE" sz="2400" dirty="0" err="1">
+              <a:rPr lang="de-DE" sz="2400">
                 <a:solidFill>
                   <a:srgbClr val="000000"/>
                 </a:solidFill>
@@ -29154,7 +30359,7 @@
               <a:t>isolated</a:t>
             </a:r>
             <a:r>
-              <a:rPr lang="de-DE" sz="2400" dirty="0">
+              <a:rPr lang="de-DE" sz="2400">
                 <a:solidFill>
                   <a:srgbClr val="000000"/>
                 </a:solidFill>
@@ -29165,7 +30370,7 @@
               <a:t> </a:t>
             </a:r>
             <a:r>
-              <a:rPr lang="de-DE" sz="2400" dirty="0" err="1">
+              <a:rPr lang="de-DE" sz="2400">
                 <a:solidFill>
                   <a:srgbClr val="000000"/>
                 </a:solidFill>
@@ -29176,7 +30381,7 @@
               <a:t>view</a:t>
             </a:r>
             <a:r>
-              <a:rPr lang="de-DE" sz="2400" dirty="0">
+              <a:rPr lang="de-DE" sz="2400">
                 <a:solidFill>
                   <a:srgbClr val="000000"/>
                 </a:solidFill>
@@ -29187,7 +30392,7 @@
               <a:t> </a:t>
             </a:r>
             <a:r>
-              <a:rPr lang="de-DE" sz="2400" dirty="0" err="1">
+              <a:rPr lang="de-DE" sz="2400">
                 <a:solidFill>
                   <a:srgbClr val="000000"/>
                 </a:solidFill>
@@ -29198,7 +30403,7 @@
               <a:t>of</a:t>
             </a:r>
             <a:r>
-              <a:rPr lang="de-DE" sz="2400" dirty="0">
+              <a:rPr lang="de-DE" sz="2400">
                 <a:solidFill>
                   <a:srgbClr val="000000"/>
                 </a:solidFill>
@@ -29209,7 +30414,7 @@
               <a:t> </a:t>
             </a:r>
             <a:r>
-              <a:rPr lang="de-DE" sz="2400" dirty="0" err="1">
+              <a:rPr lang="de-DE" sz="2400">
                 <a:solidFill>
                   <a:srgbClr val="000000"/>
                 </a:solidFill>
@@ -29220,7 +30425,7 @@
               <a:t>filesystem</a:t>
             </a:r>
             <a:r>
-              <a:rPr lang="de-DE" sz="2400" dirty="0">
+              <a:rPr lang="de-DE" sz="2400">
                 <a:solidFill>
                   <a:srgbClr val="000000"/>
                 </a:solidFill>
@@ -29231,7 +30436,7 @@
               <a:t> </a:t>
             </a:r>
             <a:r>
-              <a:rPr lang="de-DE" sz="2400" dirty="0" err="1">
+              <a:rPr lang="de-DE" sz="2400">
                 <a:solidFill>
                   <a:srgbClr val="000000"/>
                 </a:solidFill>
@@ -29241,7 +30446,7 @@
               </a:rPr>
               <a:t>hierarchy</a:t>
             </a:r>
-            <a:endParaRPr lang="de-DE" sz="2400" dirty="0">
+            <a:endParaRPr lang="de-DE" sz="2400">
               <a:solidFill>
                 <a:srgbClr val="000000"/>
               </a:solidFill>
@@ -29258,7 +30463,7 @@
               <a:defRPr/>
             </a:pPr>
             <a:r>
-              <a:rPr lang="de-DE" sz="2800" b="0" i="0" u="none" dirty="0">
+              <a:rPr lang="de-DE" sz="2800" b="0" i="0" u="none">
                 <a:solidFill>
                   <a:schemeClr val="bg1">
                     <a:lumMod val="65000"/>
@@ -29271,7 +30476,7 @@
               <a:t>PID </a:t>
             </a:r>
             <a:r>
-              <a:rPr lang="de-DE" sz="2800" b="0" i="0" u="none" dirty="0" err="1">
+              <a:rPr lang="de-DE" sz="2800" b="0" i="0" u="none">
                 <a:solidFill>
                   <a:schemeClr val="bg1">
                     <a:lumMod val="65000"/>
@@ -29284,7 +30489,7 @@
               <a:t>namespace</a:t>
             </a:r>
             <a:r>
-              <a:rPr lang="de-DE" sz="2800" b="0" i="0" u="none" dirty="0">
+              <a:rPr lang="de-DE" sz="2800" b="0" i="0" u="none">
                 <a:solidFill>
                   <a:schemeClr val="bg1">
                     <a:lumMod val="65000"/>
@@ -29296,6 +30501,7 @@
               </a:rPr>
               <a:t>:</a:t>
             </a:r>
+            <a:endParaRPr/>
           </a:p>
           <a:p>
             <a:pPr lvl="1">
@@ -29305,7 +30511,7 @@
               <a:defRPr/>
             </a:pPr>
             <a:r>
-              <a:rPr lang="en-US" sz="2400" b="0" i="0" u="none" dirty="0">
+              <a:rPr lang="en-US" sz="2400" b="0" i="0" u="none">
                 <a:solidFill>
                   <a:schemeClr val="bg1">
                     <a:lumMod val="65000"/>
@@ -29317,7 +30523,7 @@
               </a:rPr>
               <a:t>Provides isolation within the set of process IDs</a:t>
             </a:r>
-            <a:endParaRPr lang="de-DE" sz="2400" b="0" i="0" u="none" dirty="0">
+            <a:endParaRPr lang="de-DE" sz="2400" b="0" i="0" u="none">
               <a:solidFill>
                 <a:schemeClr val="bg1">
                   <a:lumMod val="65000"/>
@@ -29336,7 +30542,7 @@
               <a:defRPr/>
             </a:pPr>
             <a:r>
-              <a:rPr lang="de-DE" sz="2800" b="0" i="0" u="none" dirty="0">
+              <a:rPr lang="de-DE" sz="2800" b="0" i="0" u="none">
                 <a:solidFill>
                   <a:schemeClr val="bg1">
                     <a:lumMod val="65000"/>
@@ -29349,7 +30555,7 @@
               <a:t>Network </a:t>
             </a:r>
             <a:r>
-              <a:rPr lang="de-DE" sz="2800" b="0" i="0" u="none" dirty="0" err="1">
+              <a:rPr lang="de-DE" sz="2800" b="0" i="0" u="none">
                 <a:solidFill>
                   <a:schemeClr val="bg1">
                     <a:lumMod val="65000"/>
@@ -29362,7 +30568,7 @@
               <a:t>namespace</a:t>
             </a:r>
             <a:r>
-              <a:rPr lang="de-DE" sz="2800" b="0" i="0" u="none" dirty="0">
+              <a:rPr lang="de-DE" sz="2800" b="0" i="0" u="none">
                 <a:solidFill>
                   <a:schemeClr val="bg1">
                     <a:lumMod val="65000"/>
@@ -29374,6 +30580,7 @@
               </a:rPr>
               <a:t>:</a:t>
             </a:r>
+            <a:endParaRPr/>
           </a:p>
           <a:p>
             <a:pPr lvl="1">
@@ -29383,7 +30590,7 @@
               <a:defRPr/>
             </a:pPr>
             <a:r>
-              <a:rPr lang="en-US" sz="2400" b="0" i="0" u="none" dirty="0">
+              <a:rPr lang="en-US" sz="2400" b="0" i="0" u="none">
                 <a:solidFill>
                   <a:schemeClr val="bg1">
                     <a:lumMod val="65000"/>
@@ -29395,7 +30602,7 @@
               </a:rPr>
               <a:t>Is responsible for the isolation of network-related resources</a:t>
             </a:r>
-            <a:endParaRPr lang="de-DE" sz="2400" b="0" i="0" u="none" dirty="0">
+            <a:endParaRPr lang="de-DE" sz="2400" b="0" i="0" u="none">
               <a:solidFill>
                 <a:schemeClr val="bg1">
                   <a:lumMod val="65000"/>
@@ -29414,7 +30621,7 @@
               <a:defRPr/>
             </a:pPr>
             <a:r>
-              <a:rPr lang="de-DE" sz="2800" dirty="0">
+              <a:rPr lang="de-DE" sz="2800">
                 <a:solidFill>
                   <a:schemeClr val="bg1">
                     <a:lumMod val="65000"/>
@@ -29427,7 +30634,7 @@
               <a:t>User </a:t>
             </a:r>
             <a:r>
-              <a:rPr lang="de-DE" sz="2800" dirty="0" err="1">
+              <a:rPr lang="de-DE" sz="2800">
                 <a:solidFill>
                   <a:schemeClr val="bg1">
                     <a:lumMod val="65000"/>
@@ -29440,7 +30647,7 @@
               <a:t>namespace</a:t>
             </a:r>
             <a:r>
-              <a:rPr lang="de-DE" sz="2800" dirty="0">
+              <a:rPr lang="de-DE" sz="2800">
                 <a:solidFill>
                   <a:schemeClr val="bg1">
                     <a:lumMod val="65000"/>
@@ -29452,6 +30659,7 @@
               </a:rPr>
               <a:t>:</a:t>
             </a:r>
+            <a:endParaRPr/>
           </a:p>
           <a:p>
             <a:pPr lvl="1">
@@ -29461,7 +30669,7 @@
               <a:defRPr/>
             </a:pPr>
             <a:r>
-              <a:rPr lang="de-DE" sz="2400" b="0" i="0" u="none" dirty="0">
+              <a:rPr lang="de-DE" sz="2400" b="0" i="0" u="none">
                 <a:solidFill>
                   <a:schemeClr val="bg1">
                     <a:lumMod val="65000"/>
@@ -29474,7 +30682,7 @@
               <a:t>Isolates </a:t>
             </a:r>
             <a:r>
-              <a:rPr lang="de-DE" sz="2400" b="0" i="0" u="none" dirty="0" err="1">
+              <a:rPr lang="de-DE" sz="2400" b="0" i="0" u="none">
                 <a:solidFill>
                   <a:schemeClr val="bg1">
                     <a:lumMod val="65000"/>
@@ -29487,7 +30695,7 @@
               <a:t>the</a:t>
             </a:r>
             <a:r>
-              <a:rPr lang="de-DE" sz="2400" b="0" i="0" u="none" dirty="0">
+              <a:rPr lang="de-DE" sz="2400" b="0" i="0" u="none">
                 <a:solidFill>
                   <a:schemeClr val="bg1">
                     <a:lumMod val="65000"/>
@@ -29500,7 +30708,7 @@
               <a:t> </a:t>
             </a:r>
             <a:r>
-              <a:rPr lang="de-DE" sz="2400" b="0" i="0" u="none" dirty="0" err="1">
+              <a:rPr lang="de-DE" sz="2400" b="0" i="0" u="none">
                 <a:solidFill>
                   <a:schemeClr val="bg1">
                     <a:lumMod val="65000"/>
@@ -29513,7 +30721,7 @@
               <a:t>user</a:t>
             </a:r>
             <a:r>
-              <a:rPr lang="de-DE" sz="2400" dirty="0">
+              <a:rPr lang="de-DE" sz="2400">
                 <a:solidFill>
                   <a:schemeClr val="bg1">
                     <a:lumMod val="65000"/>
@@ -29525,7 +30733,7 @@
               </a:rPr>
               <a:t> IDs</a:t>
             </a:r>
-            <a:endParaRPr lang="de-DE" sz="2400" b="0" i="0" u="none" dirty="0">
+            <a:endParaRPr lang="de-DE" sz="2400" b="0" i="0" u="none">
               <a:solidFill>
                 <a:schemeClr val="bg1">
                   <a:lumMod val="65000"/>
@@ -29588,14 +30796,14 @@
               <a:defRPr/>
             </a:pPr>
             <a:br>
-              <a:rPr dirty="0">
+              <a:rPr>
                 <a:latin typeface="Arial"/>
                 <a:ea typeface="Arial"/>
                 <a:cs typeface="Arial"/>
               </a:rPr>
             </a:br>
             <a:r>
-              <a:rPr lang="en-US" sz="1800" b="0" i="0" u="none" strike="noStrike" cap="none" spc="0" dirty="0">
+              <a:rPr lang="en-US" sz="1800" b="0" i="0" u="none" strike="noStrike" cap="none" spc="0">
                 <a:solidFill>
                   <a:schemeClr val="tx1"/>
                 </a:solidFill>
@@ -29606,7 +30814,7 @@
               <a:t>Mount namespace</a:t>
             </a:r>
             <a:r>
-              <a:rPr dirty="0">
+              <a:rPr>
                 <a:latin typeface="Arial"/>
                 <a:ea typeface="Arial"/>
                 <a:cs typeface="Arial"/>
@@ -29614,27 +30822,28 @@
               <a:t>.</a:t>
             </a:r>
             <a:br>
-              <a:rPr dirty="0">
+              <a:rPr>
                 <a:latin typeface="Arial"/>
                 <a:ea typeface="Arial"/>
                 <a:cs typeface="Arial"/>
               </a:rPr>
             </a:br>
             <a:r>
-              <a:rPr dirty="0">
+              <a:rPr>
                 <a:latin typeface="Arial"/>
                 <a:ea typeface="Arial"/>
                 <a:cs typeface="Arial"/>
               </a:rPr>
               <a:t> </a:t>
             </a:r>
+            <a:endParaRPr/>
           </a:p>
           <a:p>
             <a:pPr algn="ctr">
               <a:defRPr/>
             </a:pPr>
             <a:r>
-              <a:rPr sz="1100" dirty="0">
+              <a:rPr sz="1100">
                 <a:latin typeface="Arial"/>
                 <a:ea typeface="Arial"/>
                 <a:cs typeface="Arial"/>
@@ -29642,7 +30851,7 @@
               <a:t>Image taken from [</a:t>
             </a:r>
             <a:r>
-              <a:rPr sz="1100" u="sng" dirty="0">
+              <a:rPr sz="1100" u="sng">
                 <a:solidFill>
                   <a:schemeClr val="hlink"/>
                 </a:solidFill>
@@ -29654,32 +30863,35 @@
               <a:t>www.toptal.com</a:t>
             </a:r>
             <a:r>
-              <a:rPr sz="1100" dirty="0">
+              <a:rPr sz="1100">
                 <a:latin typeface="Arial"/>
                 <a:ea typeface="Arial"/>
                 <a:cs typeface="Arial"/>
               </a:rPr>
               <a:t>]</a:t>
             </a:r>
-            <a:endParaRPr sz="1100" dirty="0"/>
+            <a:endParaRPr sz="1100"/>
           </a:p>
         </p:txBody>
       </p:sp>
     </p:spTree>
-    <p:extLst>
-      <p:ext uri="{BB962C8B-B14F-4D97-AF65-F5344CB8AC3E}">
-        <p14:creationId xmlns:p14="http://schemas.microsoft.com/office/powerpoint/2010/main" val="2718845185"/>
-      </p:ext>
-    </p:extLst>
   </p:cSld>
   <p:clrMapOvr>
     <a:masterClrMapping/>
   </p:clrMapOvr>
+  <mc:AlternateContent xmlns:mc="http://schemas.openxmlformats.org/markup-compatibility/2006">
+    <mc:Choice xmlns:p159="http://schemas.microsoft.com/office/powerpoint/2015/09/main" xmlns:p14="http://schemas.microsoft.com/office/powerpoint/2010/main" Requires="p159">
+      <p:transition p14:dur="2000" advClick="1"/>
+    </mc:Choice>
+    <mc:Fallback>
+      <p:transition advClick="1"/>
+    </mc:Fallback>
+  </mc:AlternateContent>
 </p:sld>
 </file>
 
 <file path=ppt/theme/theme1.xml><?xml version="1.0" encoding="utf-8"?>
-<a:theme xmlns:a="http://schemas.openxmlformats.org/drawingml/2006/main" name="Basic">
+<a:theme xmlns:a="http://schemas.openxmlformats.org/drawingml/2006/main" xmlns:r="http://schemas.openxmlformats.org/officeDocument/2006/relationships" xmlns:p="http://schemas.openxmlformats.org/presentationml/2006/main" name="Basic">
   <a:themeElements>
     <a:clrScheme name="Color">
       <a:dk1>
@@ -29880,12 +31092,11 @@
     </a:fmtScheme>
   </a:themeElements>
   <a:objectDefaults/>
-  <a:extraClrSchemeLst/>
 </a:theme>
 </file>
 
 <file path=ppt/theme/theme2.xml><?xml version="1.0" encoding="utf-8"?>
-<a:theme xmlns:a="http://schemas.openxmlformats.org/drawingml/2006/main" name="Office">
+<a:theme xmlns:a="http://schemas.openxmlformats.org/drawingml/2006/main" xmlns:r="http://schemas.openxmlformats.org/officeDocument/2006/relationships" xmlns:p="http://schemas.openxmlformats.org/presentationml/2006/main" name="Office">
   <a:themeElements>
     <a:clrScheme name="Office">
       <a:dk1>
@@ -29927,108 +31138,14 @@
     </a:clrScheme>
     <a:fontScheme name="Office">
       <a:majorFont>
-        <a:latin typeface="Calibri Light" panose="020F0302020204030204"/>
-        <a:ea typeface=""/>
-        <a:cs typeface=""/>
-        <a:font script="Jpan" typeface="游ゴシック Light"/>
-        <a:font script="Hang" typeface="맑은 고딕"/>
-        <a:font script="Hans" typeface="等线 Light"/>
-        <a:font script="Hant" typeface="新細明體"/>
-        <a:font script="Arab" typeface="Times New Roman"/>
-        <a:font script="Hebr" typeface="Times New Roman"/>
-        <a:font script="Thai" typeface="Angsana New"/>
-        <a:font script="Ethi" typeface="Nyala"/>
-        <a:font script="Beng" typeface="Vrinda"/>
-        <a:font script="Gujr" typeface="Shruti"/>
-        <a:font script="Khmr" typeface="MoolBoran"/>
-        <a:font script="Knda" typeface="Tunga"/>
-        <a:font script="Guru" typeface="Raavi"/>
-        <a:font script="Cans" typeface="Euphemia"/>
-        <a:font script="Cher" typeface="Plantagenet Cherokee"/>
-        <a:font script="Yiii" typeface="Microsoft Yi Baiti"/>
-        <a:font script="Tibt" typeface="Microsoft Himalaya"/>
-        <a:font script="Thaa" typeface="MV Boli"/>
-        <a:font script="Deva" typeface="Mangal"/>
-        <a:font script="Telu" typeface="Gautami"/>
-        <a:font script="Taml" typeface="Latha"/>
-        <a:font script="Syrc" typeface="Estrangelo Edessa"/>
-        <a:font script="Orya" typeface="Kalinga"/>
-        <a:font script="Mlym" typeface="Kartika"/>
-        <a:font script="Laoo" typeface="DokChampa"/>
-        <a:font script="Sinh" typeface="Iskoola Pota"/>
-        <a:font script="Mong" typeface="Mongolian Baiti"/>
-        <a:font script="Viet" typeface="Times New Roman"/>
-        <a:font script="Uigh" typeface="Microsoft Uighur"/>
-        <a:font script="Geor" typeface="Sylfaen"/>
-        <a:font script="Armn" typeface="Arial"/>
-        <a:font script="Bugi" typeface="Leelawadee UI"/>
-        <a:font script="Bopo" typeface="Microsoft JhengHei"/>
-        <a:font script="Java" typeface="Javanese Text"/>
-        <a:font script="Lisu" typeface="Segoe UI"/>
-        <a:font script="Mymr" typeface="Myanmar Text"/>
-        <a:font script="Nkoo" typeface="Ebrima"/>
-        <a:font script="Olck" typeface="Nirmala UI"/>
-        <a:font script="Osma" typeface="Ebrima"/>
-        <a:font script="Phag" typeface="Phagspa"/>
-        <a:font script="Syrn" typeface="Estrangelo Edessa"/>
-        <a:font script="Syrj" typeface="Estrangelo Edessa"/>
-        <a:font script="Syre" typeface="Estrangelo Edessa"/>
-        <a:font script="Sora" typeface="Nirmala UI"/>
-        <a:font script="Tale" typeface="Microsoft Tai Le"/>
-        <a:font script="Talu" typeface="Microsoft New Tai Lue"/>
-        <a:font script="Tfng" typeface="Ebrima"/>
+        <a:latin typeface="Calibri Light"/>
+        <a:ea typeface="Arial"/>
+        <a:cs typeface="Arial"/>
       </a:majorFont>
       <a:minorFont>
-        <a:latin typeface="Calibri" panose="020F0502020204030204"/>
-        <a:ea typeface=""/>
-        <a:cs typeface=""/>
-        <a:font script="Jpan" typeface="游ゴシック"/>
-        <a:font script="Hang" typeface="맑은 고딕"/>
-        <a:font script="Hans" typeface="等线"/>
-        <a:font script="Hant" typeface="新細明體"/>
-        <a:font script="Arab" typeface="Arial"/>
-        <a:font script="Hebr" typeface="Arial"/>
-        <a:font script="Thai" typeface="Cordia New"/>
-        <a:font script="Ethi" typeface="Nyala"/>
-        <a:font script="Beng" typeface="Vrinda"/>
-        <a:font script="Gujr" typeface="Shruti"/>
-        <a:font script="Khmr" typeface="DaunPenh"/>
-        <a:font script="Knda" typeface="Tunga"/>
-        <a:font script="Guru" typeface="Raavi"/>
-        <a:font script="Cans" typeface="Euphemia"/>
-        <a:font script="Cher" typeface="Plantagenet Cherokee"/>
-        <a:font script="Yiii" typeface="Microsoft Yi Baiti"/>
-        <a:font script="Tibt" typeface="Microsoft Himalaya"/>
-        <a:font script="Thaa" typeface="MV Boli"/>
-        <a:font script="Deva" typeface="Mangal"/>
-        <a:font script="Telu" typeface="Gautami"/>
-        <a:font script="Taml" typeface="Latha"/>
-        <a:font script="Syrc" typeface="Estrangelo Edessa"/>
-        <a:font script="Orya" typeface="Kalinga"/>
-        <a:font script="Mlym" typeface="Kartika"/>
-        <a:font script="Laoo" typeface="DokChampa"/>
-        <a:font script="Sinh" typeface="Iskoola Pota"/>
-        <a:font script="Mong" typeface="Mongolian Baiti"/>
-        <a:font script="Viet" typeface="Arial"/>
-        <a:font script="Uigh" typeface="Microsoft Uighur"/>
-        <a:font script="Geor" typeface="Sylfaen"/>
-        <a:font script="Armn" typeface="Arial"/>
-        <a:font script="Bugi" typeface="Leelawadee UI"/>
-        <a:font script="Bopo" typeface="Microsoft JhengHei"/>
-        <a:font script="Java" typeface="Javanese Text"/>
-        <a:font script="Lisu" typeface="Segoe UI"/>
-        <a:font script="Mymr" typeface="Myanmar Text"/>
-        <a:font script="Nkoo" typeface="Ebrima"/>
-        <a:font script="Olck" typeface="Nirmala UI"/>
-        <a:font script="Osma" typeface="Ebrima"/>
-        <a:font script="Phag" typeface="Phagspa"/>
-        <a:font script="Syrn" typeface="Estrangelo Edessa"/>
-        <a:font script="Syrj" typeface="Estrangelo Edessa"/>
-        <a:font script="Syre" typeface="Estrangelo Edessa"/>
-        <a:font script="Sora" typeface="Nirmala UI"/>
-        <a:font script="Tale" typeface="Microsoft Tai Le"/>
-        <a:font script="Talu" typeface="Microsoft New Tai Lue"/>
-        <a:font script="Tfng" typeface="Ebrima"/>
+        <a:latin typeface="Calibri"/>
+        <a:ea typeface="Arial"/>
+        <a:cs typeface="Arial"/>
       </a:minorFont>
     </a:fontScheme>
     <a:fmtScheme name="Office">
@@ -30036,7 +31153,7 @@
         <a:solidFill>
           <a:schemeClr val="phClr"/>
         </a:solidFill>
-        <a:gradFill rotWithShape="1">
+        <a:gradFill>
           <a:gsLst>
             <a:gs pos="0">
               <a:schemeClr val="phClr">
@@ -30062,7 +31179,7 @@
           </a:gsLst>
           <a:lin ang="5400000" scaled="0"/>
         </a:gradFill>
-        <a:gradFill rotWithShape="1">
+        <a:gradFill>
           <a:gsLst>
             <a:gs pos="0">
               <a:schemeClr val="phClr">
@@ -30114,16 +31231,28 @@
       </a:lnStyleLst>
       <a:effectStyleLst>
         <a:effectStyle>
-          <a:effectLst/>
-        </a:effectStyle>
-        <a:effectStyle>
-          <a:effectLst/>
+          <a:effectLst>
+            <a:outerShdw blurRad="40000" dist="20000" dir="5400000" rotWithShape="0">
+              <a:srgbClr val="000000">
+                <a:alpha val="38000"/>
+              </a:srgbClr>
+            </a:outerShdw>
+          </a:effectLst>
         </a:effectStyle>
         <a:effectStyle>
           <a:effectLst>
-            <a:outerShdw blurRad="57150" dist="19050" dir="5400000" algn="ctr" rotWithShape="0">
+            <a:outerShdw blurRad="40000" dist="23000" dir="5400000" rotWithShape="0">
               <a:srgbClr val="000000">
-                <a:alpha val="63000"/>
+                <a:alpha val="35000"/>
+              </a:srgbClr>
+            </a:outerShdw>
+          </a:effectLst>
+        </a:effectStyle>
+        <a:effectStyle>
+          <a:effectLst>
+            <a:outerShdw blurRad="40000" dist="23000" dir="5400000" rotWithShape="0">
+              <a:srgbClr val="000000">
+                <a:alpha val="35000"/>
               </a:srgbClr>
             </a:outerShdw>
           </a:effectLst>
@@ -30139,7 +31268,7 @@
             <a:satMod val="170000"/>
           </a:schemeClr>
         </a:solidFill>
-        <a:gradFill rotWithShape="1">
+        <a:gradFill>
           <a:gsLst>
             <a:gs pos="0">
               <a:schemeClr val="phClr">
@@ -30170,11 +31299,5 @@
     </a:fmtScheme>
   </a:themeElements>
   <a:objectDefaults/>
-  <a:extraClrSchemeLst/>
-  <a:extLst>
-    <a:ext uri="{05A4C25C-085E-4340-85A3-A5531E510DB2}">
-      <thm15:themeFamily xmlns:thm15="http://schemas.microsoft.com/office/thememl/2012/main" name="Office Theme" id="{62F939B6-93AF-4DB8-9C6B-D6C7DFDC589F}" vid="{4A3C46E8-61CC-4603-A589-7422A47A8E4A}"/>
-    </a:ext>
-  </a:extLst>
 </a:theme>
 </file>